--- a/media/Cell Behaviour Modeling Platform Presentation.pptx
+++ b/media/Cell Behaviour Modeling Platform Presentation.pptx
@@ -1,38 +1,133 @@
 
 <file path=ppt/presentation.xml><?xml version="1.0" encoding="utf-8"?>
-<p:presentation xmlns:a="http://schemas.openxmlformats.org/drawingml/2006/main" xmlns:p="http://schemas.openxmlformats.org/presentationml/2006/main" xmlns:r="http://schemas.openxmlformats.org/officeDocument/2006/relationships">
+<p:presentation xmlns:a="http://schemas.openxmlformats.org/drawingml/2006/main" xmlns:r="http://schemas.openxmlformats.org/officeDocument/2006/relationships" xmlns:p="http://schemas.openxmlformats.org/presentationml/2006/main">
   <p:sldMasterIdLst>
-    <p:sldMasterId id="2147483648" r:id="rId2"/>
-    <p:sldMasterId id="2147483661" r:id="rId3"/>
+    <p:sldMasterId id="2147483648" r:id="rId1"/>
+    <p:sldMasterId id="2147483661" r:id="rId2"/>
   </p:sldMasterIdLst>
   <p:sldIdLst>
-    <p:sldId id="256" r:id="rId4"/>
-    <p:sldId id="257" r:id="rId5"/>
-    <p:sldId id="258" r:id="rId6"/>
-    <p:sldId id="259" r:id="rId7"/>
-    <p:sldId id="260" r:id="rId8"/>
-    <p:sldId id="261" r:id="rId9"/>
+    <p:sldId id="256" r:id="rId3"/>
+    <p:sldId id="257" r:id="rId4"/>
+    <p:sldId id="258" r:id="rId5"/>
+    <p:sldId id="259" r:id="rId6"/>
+    <p:sldId id="260" r:id="rId7"/>
+    <p:sldId id="261" r:id="rId8"/>
+    <p:sldId id="263" r:id="rId9"/>
     <p:sldId id="262" r:id="rId10"/>
-    <p:sldId id="263" r:id="rId11"/>
-    <p:sldId id="264" r:id="rId12"/>
-    <p:sldId id="265" r:id="rId13"/>
-    <p:sldId id="266" r:id="rId14"/>
-    <p:sldId id="267" r:id="rId15"/>
-    <p:sldId id="268" r:id="rId16"/>
-    <p:sldId id="269" r:id="rId17"/>
-    <p:sldId id="270" r:id="rId18"/>
-    <p:sldId id="271" r:id="rId19"/>
-    <p:sldId id="272" r:id="rId20"/>
-    <p:sldId id="273" r:id="rId21"/>
-    <p:sldId id="274" r:id="rId22"/>
+    <p:sldId id="264" r:id="rId11"/>
+    <p:sldId id="265" r:id="rId12"/>
+    <p:sldId id="266" r:id="rId13"/>
+    <p:sldId id="267" r:id="rId14"/>
+    <p:sldId id="268" r:id="rId15"/>
+    <p:sldId id="269" r:id="rId16"/>
+    <p:sldId id="270" r:id="rId17"/>
+    <p:sldId id="271" r:id="rId18"/>
+    <p:sldId id="272" r:id="rId19"/>
+    <p:sldId id="273" r:id="rId20"/>
+    <p:sldId id="274" r:id="rId21"/>
   </p:sldIdLst>
-  <p:sldSz cx="9144000" cy="5143500"/>
-  <p:notesSz cx="7559675" cy="10691812"/>
+  <p:sldSz cx="9144000" cy="5143500" type="screen16x9"/>
+  <p:notesSz cx="7559675" cy="10691813"/>
+  <p:defaultTextStyle>
+    <a:defPPr>
+      <a:defRPr lang="fr-FR"/>
+    </a:defPPr>
+    <a:lvl1pPr marL="0" algn="l" defTabSz="457200" rtl="0" eaLnBrk="1" latinLnBrk="0" hangingPunct="1">
+      <a:defRPr sz="1800" kern="1200">
+        <a:solidFill>
+          <a:schemeClr val="tx1"/>
+        </a:solidFill>
+        <a:latin typeface="+mn-lt"/>
+        <a:ea typeface="+mn-ea"/>
+        <a:cs typeface="+mn-cs"/>
+      </a:defRPr>
+    </a:lvl1pPr>
+    <a:lvl2pPr marL="457200" algn="l" defTabSz="457200" rtl="0" eaLnBrk="1" latinLnBrk="0" hangingPunct="1">
+      <a:defRPr sz="1800" kern="1200">
+        <a:solidFill>
+          <a:schemeClr val="tx1"/>
+        </a:solidFill>
+        <a:latin typeface="+mn-lt"/>
+        <a:ea typeface="+mn-ea"/>
+        <a:cs typeface="+mn-cs"/>
+      </a:defRPr>
+    </a:lvl2pPr>
+    <a:lvl3pPr marL="914400" algn="l" defTabSz="457200" rtl="0" eaLnBrk="1" latinLnBrk="0" hangingPunct="1">
+      <a:defRPr sz="1800" kern="1200">
+        <a:solidFill>
+          <a:schemeClr val="tx1"/>
+        </a:solidFill>
+        <a:latin typeface="+mn-lt"/>
+        <a:ea typeface="+mn-ea"/>
+        <a:cs typeface="+mn-cs"/>
+      </a:defRPr>
+    </a:lvl3pPr>
+    <a:lvl4pPr marL="1371600" algn="l" defTabSz="457200" rtl="0" eaLnBrk="1" latinLnBrk="0" hangingPunct="1">
+      <a:defRPr sz="1800" kern="1200">
+        <a:solidFill>
+          <a:schemeClr val="tx1"/>
+        </a:solidFill>
+        <a:latin typeface="+mn-lt"/>
+        <a:ea typeface="+mn-ea"/>
+        <a:cs typeface="+mn-cs"/>
+      </a:defRPr>
+    </a:lvl4pPr>
+    <a:lvl5pPr marL="1828800" algn="l" defTabSz="457200" rtl="0" eaLnBrk="1" latinLnBrk="0" hangingPunct="1">
+      <a:defRPr sz="1800" kern="1200">
+        <a:solidFill>
+          <a:schemeClr val="tx1"/>
+        </a:solidFill>
+        <a:latin typeface="+mn-lt"/>
+        <a:ea typeface="+mn-ea"/>
+        <a:cs typeface="+mn-cs"/>
+      </a:defRPr>
+    </a:lvl5pPr>
+    <a:lvl6pPr marL="2286000" algn="l" defTabSz="457200" rtl="0" eaLnBrk="1" latinLnBrk="0" hangingPunct="1">
+      <a:defRPr sz="1800" kern="1200">
+        <a:solidFill>
+          <a:schemeClr val="tx1"/>
+        </a:solidFill>
+        <a:latin typeface="+mn-lt"/>
+        <a:ea typeface="+mn-ea"/>
+        <a:cs typeface="+mn-cs"/>
+      </a:defRPr>
+    </a:lvl6pPr>
+    <a:lvl7pPr marL="2743200" algn="l" defTabSz="457200" rtl="0" eaLnBrk="1" latinLnBrk="0" hangingPunct="1">
+      <a:defRPr sz="1800" kern="1200">
+        <a:solidFill>
+          <a:schemeClr val="tx1"/>
+        </a:solidFill>
+        <a:latin typeface="+mn-lt"/>
+        <a:ea typeface="+mn-ea"/>
+        <a:cs typeface="+mn-cs"/>
+      </a:defRPr>
+    </a:lvl7pPr>
+    <a:lvl8pPr marL="3200400" algn="l" defTabSz="457200" rtl="0" eaLnBrk="1" latinLnBrk="0" hangingPunct="1">
+      <a:defRPr sz="1800" kern="1200">
+        <a:solidFill>
+          <a:schemeClr val="tx1"/>
+        </a:solidFill>
+        <a:latin typeface="+mn-lt"/>
+        <a:ea typeface="+mn-ea"/>
+        <a:cs typeface="+mn-cs"/>
+      </a:defRPr>
+    </a:lvl8pPr>
+    <a:lvl9pPr marL="3657600" algn="l" defTabSz="457200" rtl="0" eaLnBrk="1" latinLnBrk="0" hangingPunct="1">
+      <a:defRPr sz="1800" kern="1200">
+        <a:solidFill>
+          <a:schemeClr val="tx1"/>
+        </a:solidFill>
+        <a:latin typeface="+mn-lt"/>
+        <a:ea typeface="+mn-ea"/>
+        <a:cs typeface="+mn-cs"/>
+      </a:defRPr>
+    </a:lvl9pPr>
+  </p:defaultTextStyle>
 </p:presentation>
 </file>
 
 <file path=ppt/slideLayouts/slideLayout1.xml><?xml version="1.0" encoding="utf-8"?>
-<p:sldLayout xmlns:a="http://schemas.openxmlformats.org/drawingml/2006/main" xmlns:p="http://schemas.openxmlformats.org/presentationml/2006/main" xmlns:r="http://schemas.openxmlformats.org/officeDocument/2006/relationships" type="blank" preserve="1">
+<p:sldLayout xmlns:a="http://schemas.openxmlformats.org/drawingml/2006/main" xmlns:r="http://schemas.openxmlformats.org/officeDocument/2006/relationships" xmlns:p="http://schemas.openxmlformats.org/presentationml/2006/main" type="blank" preserve="1">
   <p:cSld name="Blank Slide">
     <p:spTree>
       <p:nvGrpSpPr>
@@ -50,11 +145,14 @@
       </p:grpSpPr>
     </p:spTree>
   </p:cSld>
+  <p:clrMapOvr>
+    <a:masterClrMapping/>
+  </p:clrMapOvr>
 </p:sldLayout>
 </file>
 
 <file path=ppt/slideLayouts/slideLayout10.xml><?xml version="1.0" encoding="utf-8"?>
-<p:sldLayout xmlns:a="http://schemas.openxmlformats.org/drawingml/2006/main" xmlns:p="http://schemas.openxmlformats.org/presentationml/2006/main" xmlns:r="http://schemas.openxmlformats.org/officeDocument/2006/relationships" type="objOverTx" preserve="1">
+<p:sldLayout xmlns:a="http://schemas.openxmlformats.org/drawingml/2006/main" xmlns:r="http://schemas.openxmlformats.org/officeDocument/2006/relationships" xmlns:p="http://schemas.openxmlformats.org/presentationml/2006/main" type="objOverTx" preserve="1">
   <p:cSld name="Title, Content over Content">
     <p:spTree>
       <p:nvGrpSpPr>
@@ -90,7 +188,8 @@
           </a:prstGeom>
         </p:spPr>
         <p:txBody>
-          <a:bodyPr lIns="0" rIns="0" tIns="0" bIns="0" anchor="ctr"/>
+          <a:bodyPr lIns="0" tIns="0" rIns="0" bIns="0" anchor="ctr"/>
+          <a:lstStyle/>
           <a:p>
             <a:pPr algn="ctr"/>
             <a:endParaRPr/>
@@ -117,7 +216,8 @@
           </a:prstGeom>
         </p:spPr>
         <p:txBody>
-          <a:bodyPr lIns="0" rIns="0" tIns="0" bIns="0"/>
+          <a:bodyPr lIns="0" tIns="0" rIns="0" bIns="0"/>
+          <a:lstStyle/>
           <a:p>
             <a:endParaRPr/>
           </a:p>
@@ -143,7 +243,8 @@
           </a:prstGeom>
         </p:spPr>
         <p:txBody>
-          <a:bodyPr lIns="0" rIns="0" tIns="0" bIns="0"/>
+          <a:bodyPr lIns="0" tIns="0" rIns="0" bIns="0"/>
+          <a:lstStyle/>
           <a:p>
             <a:endParaRPr/>
           </a:p>
@@ -151,11 +252,14 @@
       </p:sp>
     </p:spTree>
   </p:cSld>
+  <p:clrMapOvr>
+    <a:masterClrMapping/>
+  </p:clrMapOvr>
 </p:sldLayout>
 </file>
 
 <file path=ppt/slideLayouts/slideLayout11.xml><?xml version="1.0" encoding="utf-8"?>
-<p:sldLayout xmlns:a="http://schemas.openxmlformats.org/drawingml/2006/main" xmlns:p="http://schemas.openxmlformats.org/presentationml/2006/main" xmlns:r="http://schemas.openxmlformats.org/officeDocument/2006/relationships" type="fourObj" preserve="1">
+<p:sldLayout xmlns:a="http://schemas.openxmlformats.org/drawingml/2006/main" xmlns:r="http://schemas.openxmlformats.org/officeDocument/2006/relationships" xmlns:p="http://schemas.openxmlformats.org/presentationml/2006/main" type="fourObj" preserve="1">
   <p:cSld name="Title, 4 Content">
     <p:spTree>
       <p:nvGrpSpPr>
@@ -191,7 +295,8 @@
           </a:prstGeom>
         </p:spPr>
         <p:txBody>
-          <a:bodyPr lIns="0" rIns="0" tIns="0" bIns="0" anchor="ctr"/>
+          <a:bodyPr lIns="0" tIns="0" rIns="0" bIns="0" anchor="ctr"/>
+          <a:lstStyle/>
           <a:p>
             <a:pPr algn="ctr"/>
             <a:endParaRPr/>
@@ -218,7 +323,8 @@
           </a:prstGeom>
         </p:spPr>
         <p:txBody>
-          <a:bodyPr lIns="0" rIns="0" tIns="0" bIns="0"/>
+          <a:bodyPr lIns="0" tIns="0" rIns="0" bIns="0"/>
+          <a:lstStyle/>
           <a:p>
             <a:endParaRPr/>
           </a:p>
@@ -244,7 +350,8 @@
           </a:prstGeom>
         </p:spPr>
         <p:txBody>
-          <a:bodyPr lIns="0" rIns="0" tIns="0" bIns="0"/>
+          <a:bodyPr lIns="0" tIns="0" rIns="0" bIns="0"/>
+          <a:lstStyle/>
           <a:p>
             <a:endParaRPr/>
           </a:p>
@@ -270,7 +377,8 @@
           </a:prstGeom>
         </p:spPr>
         <p:txBody>
-          <a:bodyPr lIns="0" rIns="0" tIns="0" bIns="0"/>
+          <a:bodyPr lIns="0" tIns="0" rIns="0" bIns="0"/>
+          <a:lstStyle/>
           <a:p>
             <a:endParaRPr/>
           </a:p>
@@ -296,7 +404,8 @@
           </a:prstGeom>
         </p:spPr>
         <p:txBody>
-          <a:bodyPr lIns="0" rIns="0" tIns="0" bIns="0"/>
+          <a:bodyPr lIns="0" tIns="0" rIns="0" bIns="0"/>
+          <a:lstStyle/>
           <a:p>
             <a:endParaRPr/>
           </a:p>
@@ -304,11 +413,14 @@
       </p:sp>
     </p:spTree>
   </p:cSld>
+  <p:clrMapOvr>
+    <a:masterClrMapping/>
+  </p:clrMapOvr>
 </p:sldLayout>
 </file>
 
 <file path=ppt/slideLayouts/slideLayout12.xml><?xml version="1.0" encoding="utf-8"?>
-<p:sldLayout xmlns:a="http://schemas.openxmlformats.org/drawingml/2006/main" xmlns:p="http://schemas.openxmlformats.org/presentationml/2006/main" xmlns:r="http://schemas.openxmlformats.org/officeDocument/2006/relationships" type="blank" preserve="1">
+<p:sldLayout xmlns:a="http://schemas.openxmlformats.org/drawingml/2006/main" xmlns:r="http://schemas.openxmlformats.org/officeDocument/2006/relationships" xmlns:p="http://schemas.openxmlformats.org/presentationml/2006/main" type="blank" preserve="1">
   <p:cSld name="Title, 6 Content">
     <p:spTree>
       <p:nvGrpSpPr>
@@ -344,7 +456,8 @@
           </a:prstGeom>
         </p:spPr>
         <p:txBody>
-          <a:bodyPr lIns="0" rIns="0" tIns="0" bIns="0" anchor="ctr"/>
+          <a:bodyPr lIns="0" tIns="0" rIns="0" bIns="0" anchor="ctr"/>
+          <a:lstStyle/>
           <a:p>
             <a:pPr algn="ctr"/>
             <a:endParaRPr/>
@@ -371,7 +484,8 @@
           </a:prstGeom>
         </p:spPr>
         <p:txBody>
-          <a:bodyPr lIns="0" rIns="0" tIns="0" bIns="0"/>
+          <a:bodyPr lIns="0" tIns="0" rIns="0" bIns="0"/>
+          <a:lstStyle/>
           <a:p>
             <a:endParaRPr/>
           </a:p>
@@ -397,7 +511,8 @@
           </a:prstGeom>
         </p:spPr>
         <p:txBody>
-          <a:bodyPr lIns="0" rIns="0" tIns="0" bIns="0"/>
+          <a:bodyPr lIns="0" tIns="0" rIns="0" bIns="0"/>
+          <a:lstStyle/>
           <a:p>
             <a:endParaRPr/>
           </a:p>
@@ -405,7 +520,7 @@
       </p:sp>
       <p:pic>
         <p:nvPicPr>
-          <p:cNvPr id="37" name="" descr=""/>
+          <p:cNvPr id="37" name="Image 36"/>
           <p:cNvPicPr/>
           <p:nvPr/>
         </p:nvPicPr>
@@ -430,12 +545,12 @@
       </p:pic>
       <p:pic>
         <p:nvPicPr>
-          <p:cNvPr id="38" name="" descr=""/>
+          <p:cNvPr id="38" name="Image 37"/>
           <p:cNvPicPr/>
           <p:nvPr/>
         </p:nvPicPr>
         <p:blipFill>
-          <a:blip r:embed="rId3"/>
+          <a:blip r:embed="rId2"/>
           <a:stretch>
             <a:fillRect/>
           </a:stretch>
@@ -455,11 +570,14 @@
       </p:pic>
     </p:spTree>
   </p:cSld>
+  <p:clrMapOvr>
+    <a:masterClrMapping/>
+  </p:clrMapOvr>
 </p:sldLayout>
 </file>
 
 <file path=ppt/slideLayouts/slideLayout13.xml><?xml version="1.0" encoding="utf-8"?>
-<p:sldLayout xmlns:a="http://schemas.openxmlformats.org/drawingml/2006/main" xmlns:p="http://schemas.openxmlformats.org/presentationml/2006/main" xmlns:r="http://schemas.openxmlformats.org/officeDocument/2006/relationships" type="blank" preserve="1">
+<p:sldLayout xmlns:a="http://schemas.openxmlformats.org/drawingml/2006/main" xmlns:r="http://schemas.openxmlformats.org/officeDocument/2006/relationships" xmlns:p="http://schemas.openxmlformats.org/presentationml/2006/main" type="blank" preserve="1">
   <p:cSld name="Blank Slide">
     <p:spTree>
       <p:nvGrpSpPr>
@@ -477,11 +595,14 @@
       </p:grpSpPr>
     </p:spTree>
   </p:cSld>
+  <p:clrMapOvr>
+    <a:masterClrMapping/>
+  </p:clrMapOvr>
 </p:sldLayout>
 </file>
 
 <file path=ppt/slideLayouts/slideLayout14.xml><?xml version="1.0" encoding="utf-8"?>
-<p:sldLayout xmlns:a="http://schemas.openxmlformats.org/drawingml/2006/main" xmlns:p="http://schemas.openxmlformats.org/presentationml/2006/main" xmlns:r="http://schemas.openxmlformats.org/officeDocument/2006/relationships" type="tx" preserve="1">
+<p:sldLayout xmlns:a="http://schemas.openxmlformats.org/drawingml/2006/main" xmlns:r="http://schemas.openxmlformats.org/officeDocument/2006/relationships" xmlns:p="http://schemas.openxmlformats.org/presentationml/2006/main" type="tx" preserve="1">
   <p:cSld name="Title Slide">
     <p:spTree>
       <p:nvGrpSpPr>
@@ -517,7 +638,8 @@
           </a:prstGeom>
         </p:spPr>
         <p:txBody>
-          <a:bodyPr lIns="0" rIns="0" tIns="0" bIns="0" anchor="ctr"/>
+          <a:bodyPr lIns="0" tIns="0" rIns="0" bIns="0" anchor="ctr"/>
+          <a:lstStyle/>
           <a:p>
             <a:pPr algn="ctr"/>
             <a:endParaRPr/>
@@ -544,7 +666,8 @@
           </a:prstGeom>
         </p:spPr>
         <p:txBody>
-          <a:bodyPr lIns="0" rIns="0" tIns="0" bIns="0" anchor="ctr"/>
+          <a:bodyPr lIns="0" tIns="0" rIns="0" bIns="0" anchor="ctr"/>
+          <a:lstStyle/>
           <a:p>
             <a:pPr algn="ctr"/>
             <a:endParaRPr/>
@@ -553,11 +676,14 @@
       </p:sp>
     </p:spTree>
   </p:cSld>
+  <p:clrMapOvr>
+    <a:masterClrMapping/>
+  </p:clrMapOvr>
 </p:sldLayout>
 </file>
 
 <file path=ppt/slideLayouts/slideLayout15.xml><?xml version="1.0" encoding="utf-8"?>
-<p:sldLayout xmlns:a="http://schemas.openxmlformats.org/drawingml/2006/main" xmlns:p="http://schemas.openxmlformats.org/presentationml/2006/main" xmlns:r="http://schemas.openxmlformats.org/officeDocument/2006/relationships" type="obj" preserve="1">
+<p:sldLayout xmlns:a="http://schemas.openxmlformats.org/drawingml/2006/main" xmlns:r="http://schemas.openxmlformats.org/officeDocument/2006/relationships" xmlns:p="http://schemas.openxmlformats.org/presentationml/2006/main" type="obj" preserve="1">
   <p:cSld name="Title, Content">
     <p:spTree>
       <p:nvGrpSpPr>
@@ -593,7 +719,8 @@
           </a:prstGeom>
         </p:spPr>
         <p:txBody>
-          <a:bodyPr lIns="0" rIns="0" tIns="0" bIns="0" anchor="ctr"/>
+          <a:bodyPr lIns="0" tIns="0" rIns="0" bIns="0" anchor="ctr"/>
+          <a:lstStyle/>
           <a:p>
             <a:pPr algn="ctr"/>
             <a:endParaRPr/>
@@ -620,7 +747,8 @@
           </a:prstGeom>
         </p:spPr>
         <p:txBody>
-          <a:bodyPr lIns="0" rIns="0" tIns="0" bIns="0"/>
+          <a:bodyPr lIns="0" tIns="0" rIns="0" bIns="0"/>
+          <a:lstStyle/>
           <a:p>
             <a:endParaRPr/>
           </a:p>
@@ -628,11 +756,14 @@
       </p:sp>
     </p:spTree>
   </p:cSld>
+  <p:clrMapOvr>
+    <a:masterClrMapping/>
+  </p:clrMapOvr>
 </p:sldLayout>
 </file>
 
 <file path=ppt/slideLayouts/slideLayout16.xml><?xml version="1.0" encoding="utf-8"?>
-<p:sldLayout xmlns:a="http://schemas.openxmlformats.org/drawingml/2006/main" xmlns:p="http://schemas.openxmlformats.org/presentationml/2006/main" xmlns:r="http://schemas.openxmlformats.org/officeDocument/2006/relationships" type="twoObj" preserve="1">
+<p:sldLayout xmlns:a="http://schemas.openxmlformats.org/drawingml/2006/main" xmlns:r="http://schemas.openxmlformats.org/officeDocument/2006/relationships" xmlns:p="http://schemas.openxmlformats.org/presentationml/2006/main" type="twoObj" preserve="1">
   <p:cSld name="Title, 2 Content">
     <p:spTree>
       <p:nvGrpSpPr>
@@ -668,7 +799,8 @@
           </a:prstGeom>
         </p:spPr>
         <p:txBody>
-          <a:bodyPr lIns="0" rIns="0" tIns="0" bIns="0" anchor="ctr"/>
+          <a:bodyPr lIns="0" tIns="0" rIns="0" bIns="0" anchor="ctr"/>
+          <a:lstStyle/>
           <a:p>
             <a:pPr algn="ctr"/>
             <a:endParaRPr/>
@@ -695,7 +827,8 @@
           </a:prstGeom>
         </p:spPr>
         <p:txBody>
-          <a:bodyPr lIns="0" rIns="0" tIns="0" bIns="0"/>
+          <a:bodyPr lIns="0" tIns="0" rIns="0" bIns="0"/>
+          <a:lstStyle/>
           <a:p>
             <a:endParaRPr/>
           </a:p>
@@ -721,7 +854,8 @@
           </a:prstGeom>
         </p:spPr>
         <p:txBody>
-          <a:bodyPr lIns="0" rIns="0" tIns="0" bIns="0"/>
+          <a:bodyPr lIns="0" tIns="0" rIns="0" bIns="0"/>
+          <a:lstStyle/>
           <a:p>
             <a:endParaRPr/>
           </a:p>
@@ -729,11 +863,14 @@
       </p:sp>
     </p:spTree>
   </p:cSld>
+  <p:clrMapOvr>
+    <a:masterClrMapping/>
+  </p:clrMapOvr>
 </p:sldLayout>
 </file>
 
 <file path=ppt/slideLayouts/slideLayout17.xml><?xml version="1.0" encoding="utf-8"?>
-<p:sldLayout xmlns:a="http://schemas.openxmlformats.org/drawingml/2006/main" xmlns:p="http://schemas.openxmlformats.org/presentationml/2006/main" xmlns:r="http://schemas.openxmlformats.org/officeDocument/2006/relationships" type="titleOnly" preserve="1">
+<p:sldLayout xmlns:a="http://schemas.openxmlformats.org/drawingml/2006/main" xmlns:r="http://schemas.openxmlformats.org/officeDocument/2006/relationships" xmlns:p="http://schemas.openxmlformats.org/presentationml/2006/main" type="titleOnly" preserve="1">
   <p:cSld name="Title Only">
     <p:spTree>
       <p:nvGrpSpPr>
@@ -769,7 +906,8 @@
           </a:prstGeom>
         </p:spPr>
         <p:txBody>
-          <a:bodyPr lIns="0" rIns="0" tIns="0" bIns="0" anchor="ctr"/>
+          <a:bodyPr lIns="0" tIns="0" rIns="0" bIns="0" anchor="ctr"/>
+          <a:lstStyle/>
           <a:p>
             <a:pPr algn="ctr"/>
             <a:endParaRPr/>
@@ -778,11 +916,14 @@
       </p:sp>
     </p:spTree>
   </p:cSld>
+  <p:clrMapOvr>
+    <a:masterClrMapping/>
+  </p:clrMapOvr>
 </p:sldLayout>
 </file>
 
 <file path=ppt/slideLayouts/slideLayout18.xml><?xml version="1.0" encoding="utf-8"?>
-<p:sldLayout xmlns:a="http://schemas.openxmlformats.org/drawingml/2006/main" xmlns:p="http://schemas.openxmlformats.org/presentationml/2006/main" xmlns:r="http://schemas.openxmlformats.org/officeDocument/2006/relationships" type="objOnly" preserve="1">
+<p:sldLayout xmlns:a="http://schemas.openxmlformats.org/drawingml/2006/main" xmlns:r="http://schemas.openxmlformats.org/officeDocument/2006/relationships" xmlns:p="http://schemas.openxmlformats.org/presentationml/2006/main" type="objOnly" preserve="1">
   <p:cSld name="Centered Text">
     <p:spTree>
       <p:nvGrpSpPr>
@@ -818,7 +959,8 @@
           </a:prstGeom>
         </p:spPr>
         <p:txBody>
-          <a:bodyPr lIns="0" rIns="0" tIns="0" bIns="0" anchor="ctr"/>
+          <a:bodyPr lIns="0" tIns="0" rIns="0" bIns="0" anchor="ctr"/>
+          <a:lstStyle/>
           <a:p>
             <a:pPr algn="ctr"/>
             <a:endParaRPr/>
@@ -827,11 +969,14 @@
       </p:sp>
     </p:spTree>
   </p:cSld>
+  <p:clrMapOvr>
+    <a:masterClrMapping/>
+  </p:clrMapOvr>
 </p:sldLayout>
 </file>
 
 <file path=ppt/slideLayouts/slideLayout19.xml><?xml version="1.0" encoding="utf-8"?>
-<p:sldLayout xmlns:a="http://schemas.openxmlformats.org/drawingml/2006/main" xmlns:p="http://schemas.openxmlformats.org/presentationml/2006/main" xmlns:r="http://schemas.openxmlformats.org/officeDocument/2006/relationships" type="twoObjAndObj" preserve="1">
+<p:sldLayout xmlns:a="http://schemas.openxmlformats.org/drawingml/2006/main" xmlns:r="http://schemas.openxmlformats.org/officeDocument/2006/relationships" xmlns:p="http://schemas.openxmlformats.org/presentationml/2006/main" type="twoObjAndObj" preserve="1">
   <p:cSld name="Title, 2 Content and Content">
     <p:spTree>
       <p:nvGrpSpPr>
@@ -867,7 +1012,8 @@
           </a:prstGeom>
         </p:spPr>
         <p:txBody>
-          <a:bodyPr lIns="0" rIns="0" tIns="0" bIns="0" anchor="ctr"/>
+          <a:bodyPr lIns="0" tIns="0" rIns="0" bIns="0" anchor="ctr"/>
+          <a:lstStyle/>
           <a:p>
             <a:pPr algn="ctr"/>
             <a:endParaRPr/>
@@ -894,7 +1040,8 @@
           </a:prstGeom>
         </p:spPr>
         <p:txBody>
-          <a:bodyPr lIns="0" rIns="0" tIns="0" bIns="0"/>
+          <a:bodyPr lIns="0" tIns="0" rIns="0" bIns="0"/>
+          <a:lstStyle/>
           <a:p>
             <a:endParaRPr/>
           </a:p>
@@ -920,7 +1067,8 @@
           </a:prstGeom>
         </p:spPr>
         <p:txBody>
-          <a:bodyPr lIns="0" rIns="0" tIns="0" bIns="0"/>
+          <a:bodyPr lIns="0" tIns="0" rIns="0" bIns="0"/>
+          <a:lstStyle/>
           <a:p>
             <a:endParaRPr/>
           </a:p>
@@ -946,7 +1094,8 @@
           </a:prstGeom>
         </p:spPr>
         <p:txBody>
-          <a:bodyPr lIns="0" rIns="0" tIns="0" bIns="0"/>
+          <a:bodyPr lIns="0" tIns="0" rIns="0" bIns="0"/>
+          <a:lstStyle/>
           <a:p>
             <a:endParaRPr/>
           </a:p>
@@ -954,11 +1103,14 @@
       </p:sp>
     </p:spTree>
   </p:cSld>
+  <p:clrMapOvr>
+    <a:masterClrMapping/>
+  </p:clrMapOvr>
 </p:sldLayout>
 </file>
 
 <file path=ppt/slideLayouts/slideLayout2.xml><?xml version="1.0" encoding="utf-8"?>
-<p:sldLayout xmlns:a="http://schemas.openxmlformats.org/drawingml/2006/main" xmlns:p="http://schemas.openxmlformats.org/presentationml/2006/main" xmlns:r="http://schemas.openxmlformats.org/officeDocument/2006/relationships" type="tx" preserve="1">
+<p:sldLayout xmlns:a="http://schemas.openxmlformats.org/drawingml/2006/main" xmlns:r="http://schemas.openxmlformats.org/officeDocument/2006/relationships" xmlns:p="http://schemas.openxmlformats.org/presentationml/2006/main" type="tx" preserve="1">
   <p:cSld name="Title Slide">
     <p:spTree>
       <p:nvGrpSpPr>
@@ -994,7 +1146,8 @@
           </a:prstGeom>
         </p:spPr>
         <p:txBody>
-          <a:bodyPr lIns="0" rIns="0" tIns="0" bIns="0" anchor="ctr"/>
+          <a:bodyPr lIns="0" tIns="0" rIns="0" bIns="0" anchor="ctr"/>
+          <a:lstStyle/>
           <a:p>
             <a:pPr algn="ctr"/>
             <a:endParaRPr/>
@@ -1021,7 +1174,8 @@
           </a:prstGeom>
         </p:spPr>
         <p:txBody>
-          <a:bodyPr lIns="0" rIns="0" tIns="0" bIns="0" anchor="ctr"/>
+          <a:bodyPr lIns="0" tIns="0" rIns="0" bIns="0" anchor="ctr"/>
+          <a:lstStyle/>
           <a:p>
             <a:pPr algn="ctr"/>
             <a:endParaRPr/>
@@ -1030,11 +1184,14 @@
       </p:sp>
     </p:spTree>
   </p:cSld>
+  <p:clrMapOvr>
+    <a:masterClrMapping/>
+  </p:clrMapOvr>
 </p:sldLayout>
 </file>
 
 <file path=ppt/slideLayouts/slideLayout20.xml><?xml version="1.0" encoding="utf-8"?>
-<p:sldLayout xmlns:a="http://schemas.openxmlformats.org/drawingml/2006/main" xmlns:p="http://schemas.openxmlformats.org/presentationml/2006/main" xmlns:r="http://schemas.openxmlformats.org/officeDocument/2006/relationships" type="objAndTwoObj" preserve="1">
+<p:sldLayout xmlns:a="http://schemas.openxmlformats.org/drawingml/2006/main" xmlns:r="http://schemas.openxmlformats.org/officeDocument/2006/relationships" xmlns:p="http://schemas.openxmlformats.org/presentationml/2006/main" type="objAndTwoObj" preserve="1">
   <p:cSld name="Title Content and 2 Content">
     <p:spTree>
       <p:nvGrpSpPr>
@@ -1070,7 +1227,8 @@
           </a:prstGeom>
         </p:spPr>
         <p:txBody>
-          <a:bodyPr lIns="0" rIns="0" tIns="0" bIns="0" anchor="ctr"/>
+          <a:bodyPr lIns="0" tIns="0" rIns="0" bIns="0" anchor="ctr"/>
+          <a:lstStyle/>
           <a:p>
             <a:pPr algn="ctr"/>
             <a:endParaRPr/>
@@ -1097,7 +1255,8 @@
           </a:prstGeom>
         </p:spPr>
         <p:txBody>
-          <a:bodyPr lIns="0" rIns="0" tIns="0" bIns="0"/>
+          <a:bodyPr lIns="0" tIns="0" rIns="0" bIns="0"/>
+          <a:lstStyle/>
           <a:p>
             <a:endParaRPr/>
           </a:p>
@@ -1123,7 +1282,8 @@
           </a:prstGeom>
         </p:spPr>
         <p:txBody>
-          <a:bodyPr lIns="0" rIns="0" tIns="0" bIns="0"/>
+          <a:bodyPr lIns="0" tIns="0" rIns="0" bIns="0"/>
+          <a:lstStyle/>
           <a:p>
             <a:endParaRPr/>
           </a:p>
@@ -1149,7 +1309,8 @@
           </a:prstGeom>
         </p:spPr>
         <p:txBody>
-          <a:bodyPr lIns="0" rIns="0" tIns="0" bIns="0"/>
+          <a:bodyPr lIns="0" tIns="0" rIns="0" bIns="0"/>
+          <a:lstStyle/>
           <a:p>
             <a:endParaRPr/>
           </a:p>
@@ -1157,11 +1318,14 @@
       </p:sp>
     </p:spTree>
   </p:cSld>
+  <p:clrMapOvr>
+    <a:masterClrMapping/>
+  </p:clrMapOvr>
 </p:sldLayout>
 </file>
 
 <file path=ppt/slideLayouts/slideLayout21.xml><?xml version="1.0" encoding="utf-8"?>
-<p:sldLayout xmlns:a="http://schemas.openxmlformats.org/drawingml/2006/main" xmlns:p="http://schemas.openxmlformats.org/presentationml/2006/main" xmlns:r="http://schemas.openxmlformats.org/officeDocument/2006/relationships" type="twoObjOverTx" preserve="1">
+<p:sldLayout xmlns:a="http://schemas.openxmlformats.org/drawingml/2006/main" xmlns:r="http://schemas.openxmlformats.org/officeDocument/2006/relationships" xmlns:p="http://schemas.openxmlformats.org/presentationml/2006/main" type="twoObjOverTx" preserve="1">
   <p:cSld name="Title, 2 Content over Content">
     <p:spTree>
       <p:nvGrpSpPr>
@@ -1197,7 +1361,8 @@
           </a:prstGeom>
         </p:spPr>
         <p:txBody>
-          <a:bodyPr lIns="0" rIns="0" tIns="0" bIns="0" anchor="ctr"/>
+          <a:bodyPr lIns="0" tIns="0" rIns="0" bIns="0" anchor="ctr"/>
+          <a:lstStyle/>
           <a:p>
             <a:pPr algn="ctr"/>
             <a:endParaRPr/>
@@ -1224,7 +1389,8 @@
           </a:prstGeom>
         </p:spPr>
         <p:txBody>
-          <a:bodyPr lIns="0" rIns="0" tIns="0" bIns="0"/>
+          <a:bodyPr lIns="0" tIns="0" rIns="0" bIns="0"/>
+          <a:lstStyle/>
           <a:p>
             <a:endParaRPr/>
           </a:p>
@@ -1250,7 +1416,8 @@
           </a:prstGeom>
         </p:spPr>
         <p:txBody>
-          <a:bodyPr lIns="0" rIns="0" tIns="0" bIns="0"/>
+          <a:bodyPr lIns="0" tIns="0" rIns="0" bIns="0"/>
+          <a:lstStyle/>
           <a:p>
             <a:endParaRPr/>
           </a:p>
@@ -1276,7 +1443,8 @@
           </a:prstGeom>
         </p:spPr>
         <p:txBody>
-          <a:bodyPr lIns="0" rIns="0" tIns="0" bIns="0"/>
+          <a:bodyPr lIns="0" tIns="0" rIns="0" bIns="0"/>
+          <a:lstStyle/>
           <a:p>
             <a:endParaRPr/>
           </a:p>
@@ -1284,11 +1452,14 @@
       </p:sp>
     </p:spTree>
   </p:cSld>
+  <p:clrMapOvr>
+    <a:masterClrMapping/>
+  </p:clrMapOvr>
 </p:sldLayout>
 </file>
 
 <file path=ppt/slideLayouts/slideLayout22.xml><?xml version="1.0" encoding="utf-8"?>
-<p:sldLayout xmlns:a="http://schemas.openxmlformats.org/drawingml/2006/main" xmlns:p="http://schemas.openxmlformats.org/presentationml/2006/main" xmlns:r="http://schemas.openxmlformats.org/officeDocument/2006/relationships" type="objOverTx" preserve="1">
+<p:sldLayout xmlns:a="http://schemas.openxmlformats.org/drawingml/2006/main" xmlns:r="http://schemas.openxmlformats.org/officeDocument/2006/relationships" xmlns:p="http://schemas.openxmlformats.org/presentationml/2006/main" type="objOverTx" preserve="1">
   <p:cSld name="Title, Content over Content">
     <p:spTree>
       <p:nvGrpSpPr>
@@ -1324,7 +1495,8 @@
           </a:prstGeom>
         </p:spPr>
         <p:txBody>
-          <a:bodyPr lIns="0" rIns="0" tIns="0" bIns="0" anchor="ctr"/>
+          <a:bodyPr lIns="0" tIns="0" rIns="0" bIns="0" anchor="ctr"/>
+          <a:lstStyle/>
           <a:p>
             <a:pPr algn="ctr"/>
             <a:endParaRPr/>
@@ -1351,7 +1523,8 @@
           </a:prstGeom>
         </p:spPr>
         <p:txBody>
-          <a:bodyPr lIns="0" rIns="0" tIns="0" bIns="0"/>
+          <a:bodyPr lIns="0" tIns="0" rIns="0" bIns="0"/>
+          <a:lstStyle/>
           <a:p>
             <a:endParaRPr/>
           </a:p>
@@ -1377,7 +1550,8 @@
           </a:prstGeom>
         </p:spPr>
         <p:txBody>
-          <a:bodyPr lIns="0" rIns="0" tIns="0" bIns="0"/>
+          <a:bodyPr lIns="0" tIns="0" rIns="0" bIns="0"/>
+          <a:lstStyle/>
           <a:p>
             <a:endParaRPr/>
           </a:p>
@@ -1385,11 +1559,14 @@
       </p:sp>
     </p:spTree>
   </p:cSld>
+  <p:clrMapOvr>
+    <a:masterClrMapping/>
+  </p:clrMapOvr>
 </p:sldLayout>
 </file>
 
 <file path=ppt/slideLayouts/slideLayout23.xml><?xml version="1.0" encoding="utf-8"?>
-<p:sldLayout xmlns:a="http://schemas.openxmlformats.org/drawingml/2006/main" xmlns:p="http://schemas.openxmlformats.org/presentationml/2006/main" xmlns:r="http://schemas.openxmlformats.org/officeDocument/2006/relationships" type="fourObj" preserve="1">
+<p:sldLayout xmlns:a="http://schemas.openxmlformats.org/drawingml/2006/main" xmlns:r="http://schemas.openxmlformats.org/officeDocument/2006/relationships" xmlns:p="http://schemas.openxmlformats.org/presentationml/2006/main" type="fourObj" preserve="1">
   <p:cSld name="Title, 4 Content">
     <p:spTree>
       <p:nvGrpSpPr>
@@ -1425,7 +1602,8 @@
           </a:prstGeom>
         </p:spPr>
         <p:txBody>
-          <a:bodyPr lIns="0" rIns="0" tIns="0" bIns="0" anchor="ctr"/>
+          <a:bodyPr lIns="0" tIns="0" rIns="0" bIns="0" anchor="ctr"/>
+          <a:lstStyle/>
           <a:p>
             <a:pPr algn="ctr"/>
             <a:endParaRPr/>
@@ -1452,7 +1630,8 @@
           </a:prstGeom>
         </p:spPr>
         <p:txBody>
-          <a:bodyPr lIns="0" rIns="0" tIns="0" bIns="0"/>
+          <a:bodyPr lIns="0" tIns="0" rIns="0" bIns="0"/>
+          <a:lstStyle/>
           <a:p>
             <a:endParaRPr/>
           </a:p>
@@ -1478,7 +1657,8 @@
           </a:prstGeom>
         </p:spPr>
         <p:txBody>
-          <a:bodyPr lIns="0" rIns="0" tIns="0" bIns="0"/>
+          <a:bodyPr lIns="0" tIns="0" rIns="0" bIns="0"/>
+          <a:lstStyle/>
           <a:p>
             <a:endParaRPr/>
           </a:p>
@@ -1504,7 +1684,8 @@
           </a:prstGeom>
         </p:spPr>
         <p:txBody>
-          <a:bodyPr lIns="0" rIns="0" tIns="0" bIns="0"/>
+          <a:bodyPr lIns="0" tIns="0" rIns="0" bIns="0"/>
+          <a:lstStyle/>
           <a:p>
             <a:endParaRPr/>
           </a:p>
@@ -1530,7 +1711,8 @@
           </a:prstGeom>
         </p:spPr>
         <p:txBody>
-          <a:bodyPr lIns="0" rIns="0" tIns="0" bIns="0"/>
+          <a:bodyPr lIns="0" tIns="0" rIns="0" bIns="0"/>
+          <a:lstStyle/>
           <a:p>
             <a:endParaRPr/>
           </a:p>
@@ -1538,11 +1720,14 @@
       </p:sp>
     </p:spTree>
   </p:cSld>
+  <p:clrMapOvr>
+    <a:masterClrMapping/>
+  </p:clrMapOvr>
 </p:sldLayout>
 </file>
 
 <file path=ppt/slideLayouts/slideLayout24.xml><?xml version="1.0" encoding="utf-8"?>
-<p:sldLayout xmlns:a="http://schemas.openxmlformats.org/drawingml/2006/main" xmlns:p="http://schemas.openxmlformats.org/presentationml/2006/main" xmlns:r="http://schemas.openxmlformats.org/officeDocument/2006/relationships" type="blank" preserve="1">
+<p:sldLayout xmlns:a="http://schemas.openxmlformats.org/drawingml/2006/main" xmlns:r="http://schemas.openxmlformats.org/officeDocument/2006/relationships" xmlns:p="http://schemas.openxmlformats.org/presentationml/2006/main" type="blank" preserve="1">
   <p:cSld name="Title, 6 Content">
     <p:spTree>
       <p:nvGrpSpPr>
@@ -1578,7 +1763,8 @@
           </a:prstGeom>
         </p:spPr>
         <p:txBody>
-          <a:bodyPr lIns="0" rIns="0" tIns="0" bIns="0" anchor="ctr"/>
+          <a:bodyPr lIns="0" tIns="0" rIns="0" bIns="0" anchor="ctr"/>
+          <a:lstStyle/>
           <a:p>
             <a:pPr algn="ctr"/>
             <a:endParaRPr/>
@@ -1605,7 +1791,8 @@
           </a:prstGeom>
         </p:spPr>
         <p:txBody>
-          <a:bodyPr lIns="0" rIns="0" tIns="0" bIns="0"/>
+          <a:bodyPr lIns="0" tIns="0" rIns="0" bIns="0"/>
+          <a:lstStyle/>
           <a:p>
             <a:endParaRPr/>
           </a:p>
@@ -1631,7 +1818,8 @@
           </a:prstGeom>
         </p:spPr>
         <p:txBody>
-          <a:bodyPr lIns="0" rIns="0" tIns="0" bIns="0"/>
+          <a:bodyPr lIns="0" tIns="0" rIns="0" bIns="0"/>
+          <a:lstStyle/>
           <a:p>
             <a:endParaRPr/>
           </a:p>
@@ -1639,7 +1827,7 @@
       </p:sp>
       <p:pic>
         <p:nvPicPr>
-          <p:cNvPr id="75" name="" descr=""/>
+          <p:cNvPr id="75" name="Image 74"/>
           <p:cNvPicPr/>
           <p:nvPr/>
         </p:nvPicPr>
@@ -1664,12 +1852,12 @@
       </p:pic>
       <p:pic>
         <p:nvPicPr>
-          <p:cNvPr id="76" name="" descr=""/>
+          <p:cNvPr id="76" name="Image 75"/>
           <p:cNvPicPr/>
           <p:nvPr/>
         </p:nvPicPr>
         <p:blipFill>
-          <a:blip r:embed="rId3"/>
+          <a:blip r:embed="rId2"/>
           <a:stretch>
             <a:fillRect/>
           </a:stretch>
@@ -1689,11 +1877,14 @@
       </p:pic>
     </p:spTree>
   </p:cSld>
+  <p:clrMapOvr>
+    <a:masterClrMapping/>
+  </p:clrMapOvr>
 </p:sldLayout>
 </file>
 
 <file path=ppt/slideLayouts/slideLayout3.xml><?xml version="1.0" encoding="utf-8"?>
-<p:sldLayout xmlns:a="http://schemas.openxmlformats.org/drawingml/2006/main" xmlns:p="http://schemas.openxmlformats.org/presentationml/2006/main" xmlns:r="http://schemas.openxmlformats.org/officeDocument/2006/relationships" type="obj" preserve="1">
+<p:sldLayout xmlns:a="http://schemas.openxmlformats.org/drawingml/2006/main" xmlns:r="http://schemas.openxmlformats.org/officeDocument/2006/relationships" xmlns:p="http://schemas.openxmlformats.org/presentationml/2006/main" type="obj" preserve="1">
   <p:cSld name="Title, Content">
     <p:spTree>
       <p:nvGrpSpPr>
@@ -1729,7 +1920,8 @@
           </a:prstGeom>
         </p:spPr>
         <p:txBody>
-          <a:bodyPr lIns="0" rIns="0" tIns="0" bIns="0" anchor="ctr"/>
+          <a:bodyPr lIns="0" tIns="0" rIns="0" bIns="0" anchor="ctr"/>
+          <a:lstStyle/>
           <a:p>
             <a:pPr algn="ctr"/>
             <a:endParaRPr/>
@@ -1756,7 +1948,8 @@
           </a:prstGeom>
         </p:spPr>
         <p:txBody>
-          <a:bodyPr lIns="0" rIns="0" tIns="0" bIns="0"/>
+          <a:bodyPr lIns="0" tIns="0" rIns="0" bIns="0"/>
+          <a:lstStyle/>
           <a:p>
             <a:endParaRPr/>
           </a:p>
@@ -1764,11 +1957,14 @@
       </p:sp>
     </p:spTree>
   </p:cSld>
+  <p:clrMapOvr>
+    <a:masterClrMapping/>
+  </p:clrMapOvr>
 </p:sldLayout>
 </file>
 
 <file path=ppt/slideLayouts/slideLayout4.xml><?xml version="1.0" encoding="utf-8"?>
-<p:sldLayout xmlns:a="http://schemas.openxmlformats.org/drawingml/2006/main" xmlns:p="http://schemas.openxmlformats.org/presentationml/2006/main" xmlns:r="http://schemas.openxmlformats.org/officeDocument/2006/relationships" type="twoObj" preserve="1">
+<p:sldLayout xmlns:a="http://schemas.openxmlformats.org/drawingml/2006/main" xmlns:r="http://schemas.openxmlformats.org/officeDocument/2006/relationships" xmlns:p="http://schemas.openxmlformats.org/presentationml/2006/main" type="twoObj" preserve="1">
   <p:cSld name="Title, 2 Content">
     <p:spTree>
       <p:nvGrpSpPr>
@@ -1804,7 +2000,8 @@
           </a:prstGeom>
         </p:spPr>
         <p:txBody>
-          <a:bodyPr lIns="0" rIns="0" tIns="0" bIns="0" anchor="ctr"/>
+          <a:bodyPr lIns="0" tIns="0" rIns="0" bIns="0" anchor="ctr"/>
+          <a:lstStyle/>
           <a:p>
             <a:pPr algn="ctr"/>
             <a:endParaRPr/>
@@ -1831,7 +2028,8 @@
           </a:prstGeom>
         </p:spPr>
         <p:txBody>
-          <a:bodyPr lIns="0" rIns="0" tIns="0" bIns="0"/>
+          <a:bodyPr lIns="0" tIns="0" rIns="0" bIns="0"/>
+          <a:lstStyle/>
           <a:p>
             <a:endParaRPr/>
           </a:p>
@@ -1857,7 +2055,8 @@
           </a:prstGeom>
         </p:spPr>
         <p:txBody>
-          <a:bodyPr lIns="0" rIns="0" tIns="0" bIns="0"/>
+          <a:bodyPr lIns="0" tIns="0" rIns="0" bIns="0"/>
+          <a:lstStyle/>
           <a:p>
             <a:endParaRPr/>
           </a:p>
@@ -1865,11 +2064,14 @@
       </p:sp>
     </p:spTree>
   </p:cSld>
+  <p:clrMapOvr>
+    <a:masterClrMapping/>
+  </p:clrMapOvr>
 </p:sldLayout>
 </file>
 
 <file path=ppt/slideLayouts/slideLayout5.xml><?xml version="1.0" encoding="utf-8"?>
-<p:sldLayout xmlns:a="http://schemas.openxmlformats.org/drawingml/2006/main" xmlns:p="http://schemas.openxmlformats.org/presentationml/2006/main" xmlns:r="http://schemas.openxmlformats.org/officeDocument/2006/relationships" type="titleOnly" preserve="1">
+<p:sldLayout xmlns:a="http://schemas.openxmlformats.org/drawingml/2006/main" xmlns:r="http://schemas.openxmlformats.org/officeDocument/2006/relationships" xmlns:p="http://schemas.openxmlformats.org/presentationml/2006/main" type="titleOnly" preserve="1">
   <p:cSld name="Title Only">
     <p:spTree>
       <p:nvGrpSpPr>
@@ -1905,7 +2107,8 @@
           </a:prstGeom>
         </p:spPr>
         <p:txBody>
-          <a:bodyPr lIns="0" rIns="0" tIns="0" bIns="0" anchor="ctr"/>
+          <a:bodyPr lIns="0" tIns="0" rIns="0" bIns="0" anchor="ctr"/>
+          <a:lstStyle/>
           <a:p>
             <a:pPr algn="ctr"/>
             <a:endParaRPr/>
@@ -1914,11 +2117,14 @@
       </p:sp>
     </p:spTree>
   </p:cSld>
+  <p:clrMapOvr>
+    <a:masterClrMapping/>
+  </p:clrMapOvr>
 </p:sldLayout>
 </file>
 
 <file path=ppt/slideLayouts/slideLayout6.xml><?xml version="1.0" encoding="utf-8"?>
-<p:sldLayout xmlns:a="http://schemas.openxmlformats.org/drawingml/2006/main" xmlns:p="http://schemas.openxmlformats.org/presentationml/2006/main" xmlns:r="http://schemas.openxmlformats.org/officeDocument/2006/relationships" type="objOnly" preserve="1">
+<p:sldLayout xmlns:a="http://schemas.openxmlformats.org/drawingml/2006/main" xmlns:r="http://schemas.openxmlformats.org/officeDocument/2006/relationships" xmlns:p="http://schemas.openxmlformats.org/presentationml/2006/main" type="objOnly" preserve="1">
   <p:cSld name="Centered Text">
     <p:spTree>
       <p:nvGrpSpPr>
@@ -1954,7 +2160,8 @@
           </a:prstGeom>
         </p:spPr>
         <p:txBody>
-          <a:bodyPr lIns="0" rIns="0" tIns="0" bIns="0" anchor="ctr"/>
+          <a:bodyPr lIns="0" tIns="0" rIns="0" bIns="0" anchor="ctr"/>
+          <a:lstStyle/>
           <a:p>
             <a:pPr algn="ctr"/>
             <a:endParaRPr/>
@@ -1963,11 +2170,14 @@
       </p:sp>
     </p:spTree>
   </p:cSld>
+  <p:clrMapOvr>
+    <a:masterClrMapping/>
+  </p:clrMapOvr>
 </p:sldLayout>
 </file>
 
 <file path=ppt/slideLayouts/slideLayout7.xml><?xml version="1.0" encoding="utf-8"?>
-<p:sldLayout xmlns:a="http://schemas.openxmlformats.org/drawingml/2006/main" xmlns:p="http://schemas.openxmlformats.org/presentationml/2006/main" xmlns:r="http://schemas.openxmlformats.org/officeDocument/2006/relationships" type="twoObjAndObj" preserve="1">
+<p:sldLayout xmlns:a="http://schemas.openxmlformats.org/drawingml/2006/main" xmlns:r="http://schemas.openxmlformats.org/officeDocument/2006/relationships" xmlns:p="http://schemas.openxmlformats.org/presentationml/2006/main" type="twoObjAndObj" preserve="1">
   <p:cSld name="Title, 2 Content and Content">
     <p:spTree>
       <p:nvGrpSpPr>
@@ -2003,7 +2213,8 @@
           </a:prstGeom>
         </p:spPr>
         <p:txBody>
-          <a:bodyPr lIns="0" rIns="0" tIns="0" bIns="0" anchor="ctr"/>
+          <a:bodyPr lIns="0" tIns="0" rIns="0" bIns="0" anchor="ctr"/>
+          <a:lstStyle/>
           <a:p>
             <a:pPr algn="ctr"/>
             <a:endParaRPr/>
@@ -2030,7 +2241,8 @@
           </a:prstGeom>
         </p:spPr>
         <p:txBody>
-          <a:bodyPr lIns="0" rIns="0" tIns="0" bIns="0"/>
+          <a:bodyPr lIns="0" tIns="0" rIns="0" bIns="0"/>
+          <a:lstStyle/>
           <a:p>
             <a:endParaRPr/>
           </a:p>
@@ -2056,7 +2268,8 @@
           </a:prstGeom>
         </p:spPr>
         <p:txBody>
-          <a:bodyPr lIns="0" rIns="0" tIns="0" bIns="0"/>
+          <a:bodyPr lIns="0" tIns="0" rIns="0" bIns="0"/>
+          <a:lstStyle/>
           <a:p>
             <a:endParaRPr/>
           </a:p>
@@ -2082,7 +2295,8 @@
           </a:prstGeom>
         </p:spPr>
         <p:txBody>
-          <a:bodyPr lIns="0" rIns="0" tIns="0" bIns="0"/>
+          <a:bodyPr lIns="0" tIns="0" rIns="0" bIns="0"/>
+          <a:lstStyle/>
           <a:p>
             <a:endParaRPr/>
           </a:p>
@@ -2090,11 +2304,14 @@
       </p:sp>
     </p:spTree>
   </p:cSld>
+  <p:clrMapOvr>
+    <a:masterClrMapping/>
+  </p:clrMapOvr>
 </p:sldLayout>
 </file>
 
 <file path=ppt/slideLayouts/slideLayout8.xml><?xml version="1.0" encoding="utf-8"?>
-<p:sldLayout xmlns:a="http://schemas.openxmlformats.org/drawingml/2006/main" xmlns:p="http://schemas.openxmlformats.org/presentationml/2006/main" xmlns:r="http://schemas.openxmlformats.org/officeDocument/2006/relationships" type="objAndTwoObj" preserve="1">
+<p:sldLayout xmlns:a="http://schemas.openxmlformats.org/drawingml/2006/main" xmlns:r="http://schemas.openxmlformats.org/officeDocument/2006/relationships" xmlns:p="http://schemas.openxmlformats.org/presentationml/2006/main" type="objAndTwoObj" preserve="1">
   <p:cSld name="Title Content and 2 Content">
     <p:spTree>
       <p:nvGrpSpPr>
@@ -2130,7 +2347,8 @@
           </a:prstGeom>
         </p:spPr>
         <p:txBody>
-          <a:bodyPr lIns="0" rIns="0" tIns="0" bIns="0" anchor="ctr"/>
+          <a:bodyPr lIns="0" tIns="0" rIns="0" bIns="0" anchor="ctr"/>
+          <a:lstStyle/>
           <a:p>
             <a:pPr algn="ctr"/>
             <a:endParaRPr/>
@@ -2157,7 +2375,8 @@
           </a:prstGeom>
         </p:spPr>
         <p:txBody>
-          <a:bodyPr lIns="0" rIns="0" tIns="0" bIns="0"/>
+          <a:bodyPr lIns="0" tIns="0" rIns="0" bIns="0"/>
+          <a:lstStyle/>
           <a:p>
             <a:endParaRPr/>
           </a:p>
@@ -2183,7 +2402,8 @@
           </a:prstGeom>
         </p:spPr>
         <p:txBody>
-          <a:bodyPr lIns="0" rIns="0" tIns="0" bIns="0"/>
+          <a:bodyPr lIns="0" tIns="0" rIns="0" bIns="0"/>
+          <a:lstStyle/>
           <a:p>
             <a:endParaRPr/>
           </a:p>
@@ -2209,7 +2429,8 @@
           </a:prstGeom>
         </p:spPr>
         <p:txBody>
-          <a:bodyPr lIns="0" rIns="0" tIns="0" bIns="0"/>
+          <a:bodyPr lIns="0" tIns="0" rIns="0" bIns="0"/>
+          <a:lstStyle/>
           <a:p>
             <a:endParaRPr/>
           </a:p>
@@ -2217,11 +2438,14 @@
       </p:sp>
     </p:spTree>
   </p:cSld>
+  <p:clrMapOvr>
+    <a:masterClrMapping/>
+  </p:clrMapOvr>
 </p:sldLayout>
 </file>
 
 <file path=ppt/slideLayouts/slideLayout9.xml><?xml version="1.0" encoding="utf-8"?>
-<p:sldLayout xmlns:a="http://schemas.openxmlformats.org/drawingml/2006/main" xmlns:p="http://schemas.openxmlformats.org/presentationml/2006/main" xmlns:r="http://schemas.openxmlformats.org/officeDocument/2006/relationships" type="twoObjOverTx" preserve="1">
+<p:sldLayout xmlns:a="http://schemas.openxmlformats.org/drawingml/2006/main" xmlns:r="http://schemas.openxmlformats.org/officeDocument/2006/relationships" xmlns:p="http://schemas.openxmlformats.org/presentationml/2006/main" type="twoObjOverTx" preserve="1">
   <p:cSld name="Title, 2 Content over Content">
     <p:spTree>
       <p:nvGrpSpPr>
@@ -2257,7 +2481,8 @@
           </a:prstGeom>
         </p:spPr>
         <p:txBody>
-          <a:bodyPr lIns="0" rIns="0" tIns="0" bIns="0" anchor="ctr"/>
+          <a:bodyPr lIns="0" tIns="0" rIns="0" bIns="0" anchor="ctr"/>
+          <a:lstStyle/>
           <a:p>
             <a:pPr algn="ctr"/>
             <a:endParaRPr/>
@@ -2284,7 +2509,8 @@
           </a:prstGeom>
         </p:spPr>
         <p:txBody>
-          <a:bodyPr lIns="0" rIns="0" tIns="0" bIns="0"/>
+          <a:bodyPr lIns="0" tIns="0" rIns="0" bIns="0"/>
+          <a:lstStyle/>
           <a:p>
             <a:endParaRPr/>
           </a:p>
@@ -2310,7 +2536,8 @@
           </a:prstGeom>
         </p:spPr>
         <p:txBody>
-          <a:bodyPr lIns="0" rIns="0" tIns="0" bIns="0"/>
+          <a:bodyPr lIns="0" tIns="0" rIns="0" bIns="0"/>
+          <a:lstStyle/>
           <a:p>
             <a:endParaRPr/>
           </a:p>
@@ -2336,7 +2563,8 @@
           </a:prstGeom>
         </p:spPr>
         <p:txBody>
-          <a:bodyPr lIns="0" rIns="0" tIns="0" bIns="0"/>
+          <a:bodyPr lIns="0" tIns="0" rIns="0" bIns="0"/>
+          <a:lstStyle/>
           <a:p>
             <a:endParaRPr/>
           </a:p>
@@ -2344,17 +2572,21 @@
       </p:sp>
     </p:spTree>
   </p:cSld>
+  <p:clrMapOvr>
+    <a:masterClrMapping/>
+  </p:clrMapOvr>
 </p:sldLayout>
 </file>
 
 <file path=ppt/slideMasters/slideMaster1.xml><?xml version="1.0" encoding="utf-8"?>
-<p:sldMaster xmlns:a="http://schemas.openxmlformats.org/drawingml/2006/main" xmlns:p="http://schemas.openxmlformats.org/presentationml/2006/main" xmlns:r="http://schemas.openxmlformats.org/officeDocument/2006/relationships">
+<p:sldMaster xmlns:a="http://schemas.openxmlformats.org/drawingml/2006/main" xmlns:r="http://schemas.openxmlformats.org/officeDocument/2006/relationships" xmlns:p="http://schemas.openxmlformats.org/presentationml/2006/main">
   <p:cSld>
     <p:bg>
       <p:bgPr>
         <a:solidFill>
-          <a:srgbClr val="ffffff"/>
+          <a:srgbClr val="FFFFFF"/>
         </a:solidFill>
+        <a:effectLst/>
       </p:bgPr>
     </p:bg>
     <p:spTree>
@@ -2373,7 +2605,7 @@
       </p:grpSpPr>
       <p:sp>
         <p:nvSpPr>
-          <p:cNvPr id="0" name="CustomShape 1"/>
+          <p:cNvPr id="5" name="CustomShape 1"/>
           <p:cNvSpPr/>
           <p:nvPr/>
         </p:nvSpPr>
@@ -2388,7 +2620,7 @@
           <a:noFill/>
           <a:ln w="50760">
             <a:solidFill>
-              <a:srgbClr val="cfd4d4"/>
+              <a:srgbClr val="CFD4D4"/>
             </a:solidFill>
             <a:round/>
           </a:ln>
@@ -2396,7 +2628,7 @@
       </p:sp>
       <p:sp>
         <p:nvSpPr>
-          <p:cNvPr id="1" name="CustomShape 2"/>
+          <p:cNvPr id="6" name="CustomShape 2"/>
           <p:cNvSpPr/>
           <p:nvPr/>
         </p:nvSpPr>
@@ -2411,7 +2643,7 @@
           <a:noFill/>
           <a:ln w="57240">
             <a:solidFill>
-              <a:srgbClr val="cc0202"/>
+              <a:srgbClr val="CC0202"/>
             </a:solidFill>
             <a:round/>
           </a:ln>
@@ -2434,7 +2666,7 @@
           <a:noFill/>
           <a:ln w="57240">
             <a:solidFill>
-              <a:srgbClr val="cc0202"/>
+              <a:srgbClr val="CC0202"/>
             </a:solidFill>
             <a:round/>
           </a:ln>
@@ -2460,7 +2692,8 @@
           </a:prstGeom>
         </p:spPr>
         <p:txBody>
-          <a:bodyPr lIns="0" rIns="0" tIns="0" bIns="0" anchor="ctr"/>
+          <a:bodyPr lIns="0" tIns="0" rIns="0" bIns="0" anchor="ctr"/>
+          <a:lstStyle/>
           <a:p>
             <a:r>
               <a:rPr lang="en-GB">
@@ -2492,7 +2725,8 @@
           </a:prstGeom>
         </p:spPr>
         <p:txBody>
-          <a:bodyPr lIns="0" rIns="0" tIns="0" bIns="0"/>
+          <a:bodyPr lIns="0" tIns="0" rIns="0" bIns="0"/>
+          <a:lstStyle/>
           <a:p>
             <a:pPr>
               <a:buSzPct val="45000"/>
@@ -2595,32 +2829,38 @@
       </p:sp>
     </p:spTree>
   </p:cSld>
-  <p:clrMap bg1="lt1" bg2="lt2" tx1="dk1" tx2="dk2" accent1="accent1" accent2="accent2" accent3="accent3" accent4="accent4" accent5="accent5" accent6="accent6" hlink="hlink" folHlink="folHlink"/>
+  <p:clrMap bg1="lt1" tx1="dk1" bg2="lt2" tx2="dk2" accent1="accent1" accent2="accent2" accent3="accent3" accent4="accent4" accent5="accent5" accent6="accent6" hlink="hlink" folHlink="folHlink"/>
   <p:sldLayoutIdLst>
-    <p:sldLayoutId id="2147483649" r:id="rId2"/>
-    <p:sldLayoutId id="2147483650" r:id="rId3"/>
-    <p:sldLayoutId id="2147483651" r:id="rId4"/>
-    <p:sldLayoutId id="2147483652" r:id="rId5"/>
-    <p:sldLayoutId id="2147483653" r:id="rId6"/>
-    <p:sldLayoutId id="2147483654" r:id="rId7"/>
-    <p:sldLayoutId id="2147483655" r:id="rId8"/>
-    <p:sldLayoutId id="2147483656" r:id="rId9"/>
-    <p:sldLayoutId id="2147483657" r:id="rId10"/>
-    <p:sldLayoutId id="2147483658" r:id="rId11"/>
-    <p:sldLayoutId id="2147483659" r:id="rId12"/>
-    <p:sldLayoutId id="2147483660" r:id="rId13"/>
+    <p:sldLayoutId id="2147483649" r:id="rId1"/>
+    <p:sldLayoutId id="2147483650" r:id="rId2"/>
+    <p:sldLayoutId id="2147483651" r:id="rId3"/>
+    <p:sldLayoutId id="2147483652" r:id="rId4"/>
+    <p:sldLayoutId id="2147483653" r:id="rId5"/>
+    <p:sldLayoutId id="2147483654" r:id="rId6"/>
+    <p:sldLayoutId id="2147483655" r:id="rId7"/>
+    <p:sldLayoutId id="2147483656" r:id="rId8"/>
+    <p:sldLayoutId id="2147483657" r:id="rId9"/>
+    <p:sldLayoutId id="2147483658" r:id="rId10"/>
+    <p:sldLayoutId id="2147483659" r:id="rId11"/>
+    <p:sldLayoutId id="2147483660" r:id="rId12"/>
   </p:sldLayoutIdLst>
+  <p:txStyles>
+    <p:titleStyle/>
+    <p:bodyStyle/>
+    <p:otherStyle/>
+  </p:txStyles>
 </p:sldMaster>
 </file>
 
 <file path=ppt/slideMasters/slideMaster2.xml><?xml version="1.0" encoding="utf-8"?>
-<p:sldMaster xmlns:a="http://schemas.openxmlformats.org/drawingml/2006/main" xmlns:p="http://schemas.openxmlformats.org/presentationml/2006/main" xmlns:r="http://schemas.openxmlformats.org/officeDocument/2006/relationships">
+<p:sldMaster xmlns:a="http://schemas.openxmlformats.org/drawingml/2006/main" xmlns:r="http://schemas.openxmlformats.org/officeDocument/2006/relationships" xmlns:p="http://schemas.openxmlformats.org/presentationml/2006/main">
   <p:cSld>
     <p:bg>
       <p:bgPr>
         <a:solidFill>
-          <a:srgbClr val="ffffff"/>
+          <a:srgbClr val="FFFFFF"/>
         </a:solidFill>
+        <a:effectLst/>
       </p:bgPr>
     </p:bg>
     <p:spTree>
@@ -2654,7 +2894,7 @@
           <a:noFill/>
           <a:ln w="50760">
             <a:solidFill>
-              <a:srgbClr val="cfd4d4"/>
+              <a:srgbClr val="CFD4D4"/>
             </a:solidFill>
             <a:round/>
           </a:ln>
@@ -2677,7 +2917,7 @@
           <a:noFill/>
           <a:ln w="50760">
             <a:solidFill>
-              <a:srgbClr val="da0002"/>
+              <a:srgbClr val="DA0002"/>
             </a:solidFill>
             <a:round/>
           </a:ln>
@@ -2703,7 +2943,8 @@
           </a:prstGeom>
         </p:spPr>
         <p:txBody>
-          <a:bodyPr lIns="0" rIns="0" tIns="0" bIns="0" anchor="ctr"/>
+          <a:bodyPr lIns="0" tIns="0" rIns="0" bIns="0" anchor="ctr"/>
+          <a:lstStyle/>
           <a:p>
             <a:r>
               <a:rPr lang="en-GB">
@@ -2735,7 +2976,8 @@
           </a:prstGeom>
         </p:spPr>
         <p:txBody>
-          <a:bodyPr lIns="0" rIns="0" tIns="0" bIns="0"/>
+          <a:bodyPr lIns="0" tIns="0" rIns="0" bIns="0"/>
+          <a:lstStyle/>
           <a:p>
             <a:pPr>
               <a:buSzPct val="45000"/>
@@ -2838,26 +3080,31 @@
       </p:sp>
     </p:spTree>
   </p:cSld>
-  <p:clrMap bg1="lt1" bg2="lt2" tx1="dk1" tx2="dk2" accent1="accent1" accent2="accent2" accent3="accent3" accent4="accent4" accent5="accent5" accent6="accent6" hlink="hlink" folHlink="folHlink"/>
+  <p:clrMap bg1="lt1" tx1="dk1" bg2="lt2" tx2="dk2" accent1="accent1" accent2="accent2" accent3="accent3" accent4="accent4" accent5="accent5" accent6="accent6" hlink="hlink" folHlink="folHlink"/>
   <p:sldLayoutIdLst>
-    <p:sldLayoutId id="2147483662" r:id="rId2"/>
-    <p:sldLayoutId id="2147483663" r:id="rId3"/>
-    <p:sldLayoutId id="2147483664" r:id="rId4"/>
-    <p:sldLayoutId id="2147483665" r:id="rId5"/>
-    <p:sldLayoutId id="2147483666" r:id="rId6"/>
-    <p:sldLayoutId id="2147483667" r:id="rId7"/>
-    <p:sldLayoutId id="2147483668" r:id="rId8"/>
-    <p:sldLayoutId id="2147483669" r:id="rId9"/>
-    <p:sldLayoutId id="2147483670" r:id="rId10"/>
-    <p:sldLayoutId id="2147483671" r:id="rId11"/>
-    <p:sldLayoutId id="2147483672" r:id="rId12"/>
-    <p:sldLayoutId id="2147483673" r:id="rId13"/>
+    <p:sldLayoutId id="2147483662" r:id="rId1"/>
+    <p:sldLayoutId id="2147483663" r:id="rId2"/>
+    <p:sldLayoutId id="2147483664" r:id="rId3"/>
+    <p:sldLayoutId id="2147483665" r:id="rId4"/>
+    <p:sldLayoutId id="2147483666" r:id="rId5"/>
+    <p:sldLayoutId id="2147483667" r:id="rId6"/>
+    <p:sldLayoutId id="2147483668" r:id="rId7"/>
+    <p:sldLayoutId id="2147483669" r:id="rId8"/>
+    <p:sldLayoutId id="2147483670" r:id="rId9"/>
+    <p:sldLayoutId id="2147483671" r:id="rId10"/>
+    <p:sldLayoutId id="2147483672" r:id="rId11"/>
+    <p:sldLayoutId id="2147483673" r:id="rId12"/>
   </p:sldLayoutIdLst>
+  <p:txStyles>
+    <p:titleStyle/>
+    <p:bodyStyle/>
+    <p:otherStyle/>
+  </p:txStyles>
 </p:sldMaster>
 </file>
 
 <file path=ppt/slides/slide1.xml><?xml version="1.0" encoding="utf-8"?>
-<p:sld xmlns:a="http://schemas.openxmlformats.org/drawingml/2006/main" xmlns:p="http://schemas.openxmlformats.org/presentationml/2006/main" xmlns:r="http://schemas.openxmlformats.org/officeDocument/2006/relationships">
+<p:sld xmlns:a="http://schemas.openxmlformats.org/drawingml/2006/main" xmlns:r="http://schemas.openxmlformats.org/officeDocument/2006/relationships" xmlns:p="http://schemas.openxmlformats.org/presentationml/2006/main">
   <p:cSld>
     <p:spTree>
       <p:nvGrpSpPr>
@@ -2893,7 +3140,8 @@
           </a:ln>
         </p:spPr>
         <p:txBody>
-          <a:bodyPr lIns="90000" rIns="90000" tIns="91440" bIns="91440"/>
+          <a:bodyPr lIns="90000" tIns="91440" rIns="90000" bIns="91440"/>
+          <a:lstStyle/>
           <a:p>
             <a:pPr>
               <a:lnSpc>
@@ -2901,9 +3149,9 @@
               </a:lnSpc>
             </a:pPr>
             <a:r>
-              <a:rPr b="1" lang="en-GB" sz="7200">
+              <a:rPr lang="en-GB" sz="7200" b="1">
                 <a:solidFill>
-                  <a:srgbClr val="cc0202"/>
+                  <a:srgbClr val="CC0202"/>
                 </a:solidFill>
                 <a:latin typeface="Arial"/>
                 <a:ea typeface="Arial"/>
@@ -2934,7 +3182,8 @@
           </a:ln>
         </p:spPr>
         <p:txBody>
-          <a:bodyPr lIns="90000" rIns="90000" tIns="91440" bIns="91440"/>
+          <a:bodyPr lIns="90000" tIns="91440" rIns="90000" bIns="91440"/>
+          <a:lstStyle/>
           <a:p>
             <a:pPr>
               <a:lnSpc>
@@ -2944,7 +3193,7 @@
             <a:r>
               <a:rPr lang="en-GB" sz="2800">
                 <a:solidFill>
-                  <a:srgbClr val="5b595a"/>
+                  <a:srgbClr val="5B595A"/>
                 </a:solidFill>
                 <a:latin typeface="Arial"/>
                 <a:ea typeface="Arial"/>
@@ -2957,22 +3206,25 @@
       </p:sp>
     </p:spTree>
   </p:cSld>
+  <p:clrMapOvr>
+    <a:masterClrMapping/>
+  </p:clrMapOvr>
   <p:timing>
     <p:tnLst>
       <p:par>
-        <p:cTn id="1" dur="indefinite" restart="never" nodeType="tmRoot">
+        <p:cTn xmlns:p14="http://schemas.microsoft.com/office/powerpoint/2010/main" id="1" dur="indefinite" restart="never" nodeType="tmRoot">
           <p:childTnLst>
             <p:seq>
               <p:cTn id="2" nodeType="mainSeq"/>
               <p:prevCondLst>
-                <p:cond delay="0" evt="onPrev">
+                <p:cond evt="onPrev" delay="0">
                   <p:tgtEl>
                     <p:sldTgt/>
                   </p:tgtEl>
                 </p:cond>
               </p:prevCondLst>
               <p:nextCondLst>
-                <p:cond delay="0" evt="onNext">
+                <p:cond evt="onNext" delay="0">
                   <p:tgtEl>
                     <p:sldTgt/>
                   </p:tgtEl>
@@ -2988,7 +3240,7 @@
 </file>
 
 <file path=ppt/slides/slide10.xml><?xml version="1.0" encoding="utf-8"?>
-<p:sld xmlns:a="http://schemas.openxmlformats.org/drawingml/2006/main" xmlns:p="http://schemas.openxmlformats.org/presentationml/2006/main" xmlns:r="http://schemas.openxmlformats.org/officeDocument/2006/relationships">
+<p:sld xmlns:a="http://schemas.openxmlformats.org/drawingml/2006/main" xmlns:r="http://schemas.openxmlformats.org/officeDocument/2006/relationships" xmlns:p="http://schemas.openxmlformats.org/presentationml/2006/main">
   <p:cSld>
     <p:spTree>
       <p:nvGrpSpPr>
@@ -3024,7 +3276,8 @@
           </a:ln>
         </p:spPr>
         <p:txBody>
-          <a:bodyPr lIns="90000" rIns="90000" tIns="91440" bIns="91440" anchor="b"/>
+          <a:bodyPr lIns="90000" tIns="91440" rIns="90000" bIns="91440" anchor="b"/>
+          <a:lstStyle/>
           <a:p>
             <a:pPr>
               <a:lnSpc>
@@ -3032,9 +3285,9 @@
               </a:lnSpc>
             </a:pPr>
             <a:r>
-              <a:rPr b="1" lang="en-GB" sz="3600">
+              <a:rPr lang="en-GB" sz="3600" b="1">
                 <a:solidFill>
-                  <a:srgbClr val="da0002"/>
+                  <a:srgbClr val="DA0002"/>
                 </a:solidFill>
                 <a:latin typeface="Arial"/>
                 <a:ea typeface="Arial"/>
@@ -3065,7 +3318,8 @@
           </a:ln>
         </p:spPr>
         <p:txBody>
-          <a:bodyPr lIns="90000" rIns="90000" tIns="91440" bIns="91440" anchor="ctr"/>
+          <a:bodyPr lIns="90000" tIns="91440" rIns="90000" bIns="91440" anchor="ctr"/>
+          <a:lstStyle/>
           <a:p>
             <a:pPr>
               <a:lnSpc>
@@ -3080,7 +3334,7 @@
                 <a:latin typeface="Arial"/>
                 <a:ea typeface="Arial"/>
               </a:rPr>
-              <a:t>&lt;number&gt;</a:t>
+              <a:t>10</a:t>
             </a:fld>
             <a:endParaRPr/>
           </a:p>
@@ -3088,32 +3342,7 @@
       </p:sp>
       <p:pic>
         <p:nvPicPr>
-          <p:cNvPr id="114" name="Shape 111" descr=""/>
-          <p:cNvPicPr/>
-          <p:nvPr/>
-        </p:nvPicPr>
-        <p:blipFill>
-          <a:blip r:embed="rId1"/>
-          <a:stretch>
-            <a:fillRect/>
-          </a:stretch>
-        </p:blipFill>
-        <p:spPr>
-          <a:xfrm>
-            <a:off x="4104000" y="3493080"/>
-            <a:ext cx="2809080" cy="523080"/>
-          </a:xfrm>
-          <a:prstGeom prst="rect">
-            <a:avLst/>
-          </a:prstGeom>
-          <a:ln>
-            <a:noFill/>
-          </a:ln>
-        </p:spPr>
-      </p:pic>
-      <p:pic>
-        <p:nvPicPr>
-          <p:cNvPr id="115" name="Shape 112" descr=""/>
+          <p:cNvPr id="114" name="Shape 111"/>
           <p:cNvPicPr/>
           <p:nvPr/>
         </p:nvPicPr>
@@ -3125,8 +3354,8 @@
         </p:blipFill>
         <p:spPr>
           <a:xfrm>
-            <a:off x="17280" y="1217880"/>
-            <a:ext cx="6202080" cy="2298240"/>
+            <a:off x="4104000" y="3493080"/>
+            <a:ext cx="2809080" cy="523080"/>
           </a:xfrm>
           <a:prstGeom prst="rect">
             <a:avLst/>
@@ -3138,7 +3367,7 @@
       </p:pic>
       <p:pic>
         <p:nvPicPr>
-          <p:cNvPr id="116" name="Shape 113" descr=""/>
+          <p:cNvPr id="115" name="Shape 112"/>
           <p:cNvPicPr/>
           <p:nvPr/>
         </p:nvPicPr>
@@ -3150,6 +3379,31 @@
         </p:blipFill>
         <p:spPr>
           <a:xfrm>
+            <a:off x="17280" y="1217880"/>
+            <a:ext cx="6202080" cy="2298240"/>
+          </a:xfrm>
+          <a:prstGeom prst="rect">
+            <a:avLst/>
+          </a:prstGeom>
+          <a:ln>
+            <a:noFill/>
+          </a:ln>
+        </p:spPr>
+      </p:pic>
+      <p:pic>
+        <p:nvPicPr>
+          <p:cNvPr id="116" name="Shape 113"/>
+          <p:cNvPicPr/>
+          <p:nvPr/>
+        </p:nvPicPr>
+        <p:blipFill>
+          <a:blip r:embed="rId4"/>
+          <a:stretch>
+            <a:fillRect/>
+          </a:stretch>
+        </p:blipFill>
+        <p:spPr>
+          <a:xfrm>
             <a:off x="5112720" y="2444400"/>
             <a:ext cx="3726000" cy="2381400"/>
           </a:xfrm>
@@ -3163,35 +3417,38 @@
       </p:pic>
     </p:spTree>
   </p:cSld>
+  <p:clrMapOvr>
+    <a:masterClrMapping/>
+  </p:clrMapOvr>
   <p:timing>
     <p:tnLst>
       <p:par>
-        <p:cTn id="24" dur="indefinite" restart="never" nodeType="tmRoot">
+        <p:cTn xmlns:p14="http://schemas.microsoft.com/office/powerpoint/2010/main" id="1" dur="indefinite" restart="never" nodeType="tmRoot">
           <p:childTnLst>
             <p:seq>
-              <p:cTn id="25" dur="indefinite" nodeType="mainSeq">
+              <p:cTn id="2" dur="indefinite" nodeType="mainSeq">
                 <p:childTnLst>
                   <p:par>
-                    <p:cTn id="26" fill="hold">
+                    <p:cTn id="3" fill="hold">
                       <p:stCondLst>
                         <p:cond delay="indefinite"/>
                       </p:stCondLst>
                       <p:childTnLst>
                         <p:par>
-                          <p:cTn id="27" fill="hold">
+                          <p:cTn id="4" fill="hold">
                             <p:stCondLst>
                               <p:cond delay="0"/>
                             </p:stCondLst>
                             <p:childTnLst>
                               <p:par>
-                                <p:cTn id="28" nodeType="clickEffect" fill="hold" presetClass="entr" presetID="10">
+                                <p:cTn id="5" presetID="10" presetClass="entr" fill="hold" nodeType="clickEffect">
                                   <p:stCondLst>
                                     <p:cond delay="0"/>
                                   </p:stCondLst>
                                   <p:childTnLst>
                                     <p:set>
                                       <p:cBhvr>
-                                        <p:cTn id="29" dur="1" fill="hold">
+                                        <p:cTn id="6" dur="1" fill="hold">
                                           <p:stCondLst>
                                             <p:cond delay="0"/>
                                           </p:stCondLst>
@@ -3207,9 +3464,9 @@
                                         <p:strVal val="visible"/>
                                       </p:to>
                                     </p:set>
-                                    <p:animEffect filter="fade" transition="in">
+                                    <p:animEffect transition="in" filter="fade">
                                       <p:cBhvr additive="repl">
-                                        <p:cTn id="30" dur="1000"/>
+                                        <p:cTn id="7" dur="1000"/>
                                         <p:tgtEl>
                                           <p:spTgt spid="114"/>
                                         </p:tgtEl>
@@ -3219,14 +3476,14 @@
                                 </p:cTn>
                               </p:par>
                               <p:par>
-                                <p:cTn id="31" nodeType="withEffect" fill="hold" presetClass="entr" presetID="10">
+                                <p:cTn id="8" presetID="10" presetClass="entr" fill="hold" nodeType="withEffect">
                                   <p:stCondLst>
                                     <p:cond delay="0"/>
                                   </p:stCondLst>
                                   <p:childTnLst>
                                     <p:set>
                                       <p:cBhvr>
-                                        <p:cTn id="32" dur="1" fill="hold">
+                                        <p:cTn id="9" dur="1" fill="hold">
                                           <p:stCondLst>
                                             <p:cond delay="0"/>
                                           </p:stCondLst>
@@ -3242,9 +3499,9 @@
                                         <p:strVal val="visible"/>
                                       </p:to>
                                     </p:set>
-                                    <p:animEffect filter="fade" transition="in">
+                                    <p:animEffect transition="in" filter="fade">
                                       <p:cBhvr additive="repl">
-                                        <p:cTn id="33" dur="1000"/>
+                                        <p:cTn id="10" dur="1000"/>
                                         <p:tgtEl>
                                           <p:spTgt spid="116"/>
                                         </p:tgtEl>
@@ -3262,14 +3519,14 @@
                 </p:childTnLst>
               </p:cTn>
               <p:prevCondLst>
-                <p:cond delay="0" evt="onPrev">
+                <p:cond evt="onPrev" delay="0">
                   <p:tgtEl>
                     <p:sldTgt/>
                   </p:tgtEl>
                 </p:cond>
               </p:prevCondLst>
               <p:nextCondLst>
-                <p:cond delay="0" evt="onNext">
+                <p:cond evt="onNext" delay="0">
                   <p:tgtEl>
                     <p:sldTgt/>
                   </p:tgtEl>
@@ -3285,7 +3542,7 @@
 </file>
 
 <file path=ppt/slides/slide11.xml><?xml version="1.0" encoding="utf-8"?>
-<p:sld xmlns:a="http://schemas.openxmlformats.org/drawingml/2006/main" xmlns:p="http://schemas.openxmlformats.org/presentationml/2006/main" xmlns:r="http://schemas.openxmlformats.org/officeDocument/2006/relationships">
+<p:sld xmlns:a="http://schemas.openxmlformats.org/drawingml/2006/main" xmlns:r="http://schemas.openxmlformats.org/officeDocument/2006/relationships" xmlns:p="http://schemas.openxmlformats.org/presentationml/2006/main">
   <p:cSld>
     <p:spTree>
       <p:nvGrpSpPr>
@@ -3321,7 +3578,8 @@
           </a:ln>
         </p:spPr>
         <p:txBody>
-          <a:bodyPr lIns="90000" rIns="90000" tIns="91440" bIns="91440" anchor="b"/>
+          <a:bodyPr lIns="90000" tIns="91440" rIns="90000" bIns="91440" anchor="b"/>
+          <a:lstStyle/>
           <a:p>
             <a:pPr>
               <a:lnSpc>
@@ -3329,9 +3587,9 @@
               </a:lnSpc>
             </a:pPr>
             <a:r>
-              <a:rPr b="1" lang="en-GB" sz="3600">
+              <a:rPr lang="en-GB" sz="3600" b="1">
                 <a:solidFill>
-                  <a:srgbClr val="da0002"/>
+                  <a:srgbClr val="DA0002"/>
                 </a:solidFill>
                 <a:latin typeface="Arial"/>
                 <a:ea typeface="Arial"/>
@@ -3362,7 +3620,8 @@
           </a:ln>
         </p:spPr>
         <p:txBody>
-          <a:bodyPr lIns="90000" rIns="90000" tIns="91440" bIns="91440" anchor="ctr"/>
+          <a:bodyPr lIns="90000" tIns="91440" rIns="90000" bIns="91440" anchor="ctr"/>
+          <a:lstStyle/>
           <a:p>
             <a:pPr>
               <a:lnSpc>
@@ -3377,7 +3636,7 @@
                 <a:latin typeface="Arial"/>
                 <a:ea typeface="Arial"/>
               </a:rPr>
-              <a:t>&lt;number&gt;</a:t>
+              <a:t>11</a:t>
             </a:fld>
             <a:endParaRPr/>
           </a:p>
@@ -3385,32 +3644,7 @@
       </p:sp>
       <p:pic>
         <p:nvPicPr>
-          <p:cNvPr id="119" name="Shape 120" descr=""/>
-          <p:cNvPicPr/>
-          <p:nvPr/>
-        </p:nvPicPr>
-        <p:blipFill>
-          <a:blip r:embed="rId1"/>
-          <a:stretch>
-            <a:fillRect/>
-          </a:stretch>
-        </p:blipFill>
-        <p:spPr>
-          <a:xfrm>
-            <a:off x="156960" y="1648440"/>
-            <a:ext cx="5752440" cy="1666080"/>
-          </a:xfrm>
-          <a:prstGeom prst="rect">
-            <a:avLst/>
-          </a:prstGeom>
-          <a:ln>
-            <a:noFill/>
-          </a:ln>
-        </p:spPr>
-      </p:pic>
-      <p:pic>
-        <p:nvPicPr>
-          <p:cNvPr id="120" name="Shape 121" descr=""/>
+          <p:cNvPr id="119" name="Shape 120"/>
           <p:cNvPicPr/>
           <p:nvPr/>
         </p:nvPicPr>
@@ -3422,6 +3656,31 @@
         </p:blipFill>
         <p:spPr>
           <a:xfrm>
+            <a:off x="156960" y="1648440"/>
+            <a:ext cx="5752440" cy="1666080"/>
+          </a:xfrm>
+          <a:prstGeom prst="rect">
+            <a:avLst/>
+          </a:prstGeom>
+          <a:ln>
+            <a:noFill/>
+          </a:ln>
+        </p:spPr>
+      </p:pic>
+      <p:pic>
+        <p:nvPicPr>
+          <p:cNvPr id="120" name="Shape 121"/>
+          <p:cNvPicPr/>
+          <p:nvPr/>
+        </p:nvPicPr>
+        <p:blipFill>
+          <a:blip r:embed="rId3"/>
+          <a:stretch>
+            <a:fillRect/>
+          </a:stretch>
+        </p:blipFill>
+        <p:spPr>
+          <a:xfrm>
             <a:off x="5361120" y="2653560"/>
             <a:ext cx="3423600" cy="1851480"/>
           </a:xfrm>
@@ -3435,22 +3694,25 @@
       </p:pic>
     </p:spTree>
   </p:cSld>
+  <p:clrMapOvr>
+    <a:masterClrMapping/>
+  </p:clrMapOvr>
   <p:timing>
     <p:tnLst>
       <p:par>
-        <p:cTn id="34" dur="indefinite" restart="never" nodeType="tmRoot">
+        <p:cTn xmlns:p14="http://schemas.microsoft.com/office/powerpoint/2010/main" id="1" dur="indefinite" restart="never" nodeType="tmRoot">
           <p:childTnLst>
             <p:seq>
-              <p:cTn id="35" nodeType="mainSeq"/>
+              <p:cTn id="2" nodeType="mainSeq"/>
               <p:prevCondLst>
-                <p:cond delay="0" evt="onPrev">
+                <p:cond evt="onPrev" delay="0">
                   <p:tgtEl>
                     <p:sldTgt/>
                   </p:tgtEl>
                 </p:cond>
               </p:prevCondLst>
               <p:nextCondLst>
-                <p:cond delay="0" evt="onNext">
+                <p:cond evt="onNext" delay="0">
                   <p:tgtEl>
                     <p:sldTgt/>
                   </p:tgtEl>
@@ -3466,7 +3728,7 @@
 </file>
 
 <file path=ppt/slides/slide12.xml><?xml version="1.0" encoding="utf-8"?>
-<p:sld xmlns:a="http://schemas.openxmlformats.org/drawingml/2006/main" xmlns:p="http://schemas.openxmlformats.org/presentationml/2006/main" xmlns:r="http://schemas.openxmlformats.org/officeDocument/2006/relationships">
+<p:sld xmlns:a="http://schemas.openxmlformats.org/drawingml/2006/main" xmlns:r="http://schemas.openxmlformats.org/officeDocument/2006/relationships" xmlns:p="http://schemas.openxmlformats.org/presentationml/2006/main">
   <p:cSld>
     <p:spTree>
       <p:nvGrpSpPr>
@@ -3502,7 +3764,8 @@
           </a:ln>
         </p:spPr>
         <p:txBody>
-          <a:bodyPr lIns="90000" rIns="90000" tIns="91440" bIns="91440" anchor="b"/>
+          <a:bodyPr lIns="90000" tIns="91440" rIns="90000" bIns="91440" anchor="b"/>
+          <a:lstStyle/>
           <a:p>
             <a:pPr>
               <a:lnSpc>
@@ -3510,9 +3773,9 @@
               </a:lnSpc>
             </a:pPr>
             <a:r>
-              <a:rPr b="1" lang="en-GB" sz="3600">
+              <a:rPr lang="en-GB" sz="3600" b="1">
                 <a:solidFill>
-                  <a:srgbClr val="da0002"/>
+                  <a:srgbClr val="DA0002"/>
                 </a:solidFill>
                 <a:latin typeface="Arial"/>
                 <a:ea typeface="Arial"/>
@@ -3543,7 +3806,8 @@
           </a:ln>
         </p:spPr>
         <p:txBody>
-          <a:bodyPr lIns="90000" rIns="90000" tIns="91440" bIns="91440" anchor="ctr"/>
+          <a:bodyPr lIns="90000" tIns="91440" rIns="90000" bIns="91440" anchor="ctr"/>
+          <a:lstStyle/>
           <a:p>
             <a:pPr>
               <a:lnSpc>
@@ -3558,7 +3822,7 @@
                 <a:latin typeface="Arial"/>
                 <a:ea typeface="Arial"/>
               </a:rPr>
-              <a:t>&lt;number&gt;</a:t>
+              <a:t>12</a:t>
             </a:fld>
             <a:endParaRPr/>
           </a:p>
@@ -3566,32 +3830,7 @@
       </p:sp>
       <p:pic>
         <p:nvPicPr>
-          <p:cNvPr id="123" name="Shape 128" descr=""/>
-          <p:cNvPicPr/>
-          <p:nvPr/>
-        </p:nvPicPr>
-        <p:blipFill>
-          <a:blip r:embed="rId1"/>
-          <a:stretch>
-            <a:fillRect/>
-          </a:stretch>
-        </p:blipFill>
-        <p:spPr>
-          <a:xfrm>
-            <a:off x="863280" y="1303200"/>
-            <a:ext cx="3472920" cy="660960"/>
-          </a:xfrm>
-          <a:prstGeom prst="rect">
-            <a:avLst/>
-          </a:prstGeom>
-          <a:ln>
-            <a:noFill/>
-          </a:ln>
-        </p:spPr>
-      </p:pic>
-      <p:pic>
-        <p:nvPicPr>
-          <p:cNvPr id="124" name="Shape 129" descr=""/>
+          <p:cNvPr id="123" name="Shape 128"/>
           <p:cNvPicPr/>
           <p:nvPr/>
         </p:nvPicPr>
@@ -3603,6 +3842,31 @@
         </p:blipFill>
         <p:spPr>
           <a:xfrm>
+            <a:off x="863280" y="1303200"/>
+            <a:ext cx="3472920" cy="660960"/>
+          </a:xfrm>
+          <a:prstGeom prst="rect">
+            <a:avLst/>
+          </a:prstGeom>
+          <a:ln>
+            <a:noFill/>
+          </a:ln>
+        </p:spPr>
+      </p:pic>
+      <p:pic>
+        <p:nvPicPr>
+          <p:cNvPr id="124" name="Shape 129"/>
+          <p:cNvPicPr/>
+          <p:nvPr/>
+        </p:nvPicPr>
+        <p:blipFill>
+          <a:blip r:embed="rId3"/>
+          <a:stretch>
+            <a:fillRect/>
+          </a:stretch>
+        </p:blipFill>
+        <p:spPr>
+          <a:xfrm>
             <a:off x="4716000" y="1418760"/>
             <a:ext cx="3168360" cy="505080"/>
           </a:xfrm>
@@ -3634,7 +3898,8 @@
           </a:ln>
         </p:spPr>
         <p:txBody>
-          <a:bodyPr lIns="90000" rIns="90000" tIns="91440" bIns="91440"/>
+          <a:bodyPr lIns="90000" tIns="91440" rIns="90000" bIns="91440"/>
+          <a:lstStyle/>
           <a:p>
             <a:pPr>
               <a:lnSpc>
@@ -3672,7 +3937,7 @@
           <a:noFill/>
           <a:ln w="19080">
             <a:solidFill>
-              <a:srgbClr val="5b595a"/>
+              <a:srgbClr val="5B595A"/>
             </a:solidFill>
             <a:round/>
           </a:ln>
@@ -3680,19 +3945,19 @@
       </p:sp>
       <p:pic>
         <p:nvPicPr>
-          <p:cNvPr id="127" name="Shape 132" descr=""/>
+          <p:cNvPr id="127" name="Shape 132"/>
           <p:cNvPicPr/>
           <p:nvPr/>
         </p:nvPicPr>
         <p:blipFill>
-          <a:blip r:embed="rId3"/>
+          <a:blip r:embed="rId4"/>
           <a:stretch>
             <a:fillRect/>
           </a:stretch>
         </p:blipFill>
         <p:spPr>
           <a:xfrm>
-            <a:off x="1379160" y="2039040"/>
+            <a:off x="1379160" y="1949120"/>
             <a:ext cx="5933520" cy="2837520"/>
           </a:xfrm>
           <a:prstGeom prst="rect">
@@ -3723,7 +3988,8 @@
           </a:ln>
         </p:spPr>
         <p:txBody>
-          <a:bodyPr lIns="90000" rIns="90000" tIns="91440" bIns="91440"/>
+          <a:bodyPr lIns="90000" tIns="91440" rIns="90000" bIns="91440"/>
+          <a:lstStyle/>
           <a:p>
             <a:pPr>
               <a:lnSpc>
@@ -3744,24 +4010,81 @@
           </a:p>
         </p:txBody>
       </p:sp>
+      <p:sp>
+        <p:nvSpPr>
+          <p:cNvPr id="2" name="ZoneTexte 1"/>
+          <p:cNvSpPr txBox="1"/>
+          <p:nvPr/>
+        </p:nvSpPr>
+        <p:spPr>
+          <a:xfrm>
+            <a:off x="1933038" y="4671160"/>
+            <a:ext cx="5563103" cy="276999"/>
+          </a:xfrm>
+          <a:prstGeom prst="rect">
+            <a:avLst/>
+          </a:prstGeom>
+          <a:noFill/>
+        </p:spPr>
+        <p:txBody>
+          <a:bodyPr wrap="square" rtlCol="0">
+            <a:spAutoFit/>
+          </a:bodyPr>
+          <a:lstStyle/>
+          <a:p>
+            <a:r>
+              <a:rPr lang="fr-FR" sz="1200" dirty="0" smtClean="0"/>
+              <a:t>Plot of the concentration of ligands over time </a:t>
+            </a:r>
+            <a:r>
+              <a:rPr lang="fr-FR" sz="1200" dirty="0" err="1" smtClean="0"/>
+              <a:t>at</a:t>
+            </a:r>
+            <a:r>
+              <a:rPr lang="fr-FR" sz="1200" dirty="0" smtClean="0"/>
+              <a:t> a </a:t>
+            </a:r>
+            <a:r>
+              <a:rPr lang="fr-FR" sz="1200" dirty="0" err="1" smtClean="0"/>
+              <a:t>fixed</a:t>
+            </a:r>
+            <a:r>
+              <a:rPr lang="fr-FR" sz="1200" dirty="0" smtClean="0"/>
+              <a:t> distance </a:t>
+            </a:r>
+            <a:r>
+              <a:rPr lang="fr-FR" sz="1200" dirty="0" err="1" smtClean="0"/>
+              <a:t>from</a:t>
+            </a:r>
+            <a:r>
+              <a:rPr lang="fr-FR" sz="1200" dirty="0" smtClean="0"/>
+              <a:t> the source </a:t>
+            </a:r>
+            <a:endParaRPr lang="fr-FR" sz="1200" dirty="0"/>
+          </a:p>
+        </p:txBody>
+      </p:sp>
     </p:spTree>
   </p:cSld>
+  <p:clrMapOvr>
+    <a:masterClrMapping/>
+  </p:clrMapOvr>
   <p:timing>
     <p:tnLst>
       <p:par>
-        <p:cTn id="36" dur="indefinite" restart="never" nodeType="tmRoot">
+        <p:cTn xmlns:p14="http://schemas.microsoft.com/office/powerpoint/2010/main" id="1" dur="indefinite" restart="never" nodeType="tmRoot">
           <p:childTnLst>
             <p:seq>
-              <p:cTn id="37" nodeType="mainSeq"/>
+              <p:cTn id="2" nodeType="mainSeq"/>
               <p:prevCondLst>
-                <p:cond delay="0" evt="onPrev">
+                <p:cond evt="onPrev" delay="0">
                   <p:tgtEl>
                     <p:sldTgt/>
                   </p:tgtEl>
                 </p:cond>
               </p:prevCondLst>
               <p:nextCondLst>
-                <p:cond delay="0" evt="onNext">
+                <p:cond evt="onNext" delay="0">
                   <p:tgtEl>
                     <p:sldTgt/>
                   </p:tgtEl>
@@ -3777,7 +4100,7 @@
 </file>
 
 <file path=ppt/slides/slide13.xml><?xml version="1.0" encoding="utf-8"?>
-<p:sld xmlns:a="http://schemas.openxmlformats.org/drawingml/2006/main" xmlns:p="http://schemas.openxmlformats.org/presentationml/2006/main" xmlns:r="http://schemas.openxmlformats.org/officeDocument/2006/relationships">
+<p:sld xmlns:a="http://schemas.openxmlformats.org/drawingml/2006/main" xmlns:r="http://schemas.openxmlformats.org/officeDocument/2006/relationships" xmlns:p="http://schemas.openxmlformats.org/presentationml/2006/main">
   <p:cSld>
     <p:spTree>
       <p:nvGrpSpPr>
@@ -3813,7 +4136,8 @@
           </a:ln>
         </p:spPr>
         <p:txBody>
-          <a:bodyPr lIns="90000" rIns="90000" tIns="91440" bIns="91440" anchor="b"/>
+          <a:bodyPr lIns="90000" tIns="91440" rIns="90000" bIns="91440" anchor="b"/>
+          <a:lstStyle/>
           <a:p>
             <a:pPr>
               <a:lnSpc>
@@ -3821,9 +4145,9 @@
               </a:lnSpc>
             </a:pPr>
             <a:r>
-              <a:rPr b="1" lang="en-GB" sz="3600">
+              <a:rPr lang="en-GB" sz="3600" b="1">
                 <a:solidFill>
-                  <a:srgbClr val="da0002"/>
+                  <a:srgbClr val="DA0002"/>
                 </a:solidFill>
                 <a:latin typeface="Arial"/>
                 <a:ea typeface="Arial"/>
@@ -3854,7 +4178,8 @@
           </a:ln>
         </p:spPr>
         <p:txBody>
-          <a:bodyPr lIns="90000" rIns="90000" tIns="91440" bIns="91440" anchor="ctr"/>
+          <a:bodyPr lIns="90000" tIns="91440" rIns="90000" bIns="91440" anchor="ctr"/>
+          <a:lstStyle/>
           <a:p>
             <a:pPr>
               <a:lnSpc>
@@ -3869,7 +4194,7 @@
                 <a:latin typeface="Arial"/>
                 <a:ea typeface="Arial"/>
               </a:rPr>
-              <a:t>&lt;number&gt;</a:t>
+              <a:t>13</a:t>
             </a:fld>
             <a:endParaRPr/>
           </a:p>
@@ -3877,12 +4202,12 @@
       </p:sp>
       <p:pic>
         <p:nvPicPr>
-          <p:cNvPr id="131" name="Shape 140" descr=""/>
+          <p:cNvPr id="131" name="Shape 140"/>
           <p:cNvPicPr/>
           <p:nvPr/>
         </p:nvPicPr>
         <p:blipFill>
-          <a:blip r:embed="rId1"/>
+          <a:blip r:embed="rId2"/>
           <a:stretch>
             <a:fillRect/>
           </a:stretch>
@@ -3902,22 +4227,25 @@
       </p:pic>
     </p:spTree>
   </p:cSld>
+  <p:clrMapOvr>
+    <a:masterClrMapping/>
+  </p:clrMapOvr>
   <p:timing>
     <p:tnLst>
       <p:par>
-        <p:cTn id="38" dur="indefinite" restart="never" nodeType="tmRoot">
+        <p:cTn xmlns:p14="http://schemas.microsoft.com/office/powerpoint/2010/main" id="1" dur="indefinite" restart="never" nodeType="tmRoot">
           <p:childTnLst>
             <p:seq>
-              <p:cTn id="39" nodeType="mainSeq"/>
+              <p:cTn id="2" nodeType="mainSeq"/>
               <p:prevCondLst>
-                <p:cond delay="0" evt="onPrev">
+                <p:cond evt="onPrev" delay="0">
                   <p:tgtEl>
                     <p:sldTgt/>
                   </p:tgtEl>
                 </p:cond>
               </p:prevCondLst>
               <p:nextCondLst>
-                <p:cond delay="0" evt="onNext">
+                <p:cond evt="onNext" delay="0">
                   <p:tgtEl>
                     <p:sldTgt/>
                   </p:tgtEl>
@@ -3933,7 +4261,7 @@
 </file>
 
 <file path=ppt/slides/slide14.xml><?xml version="1.0" encoding="utf-8"?>
-<p:sld xmlns:a="http://schemas.openxmlformats.org/drawingml/2006/main" xmlns:p="http://schemas.openxmlformats.org/presentationml/2006/main" xmlns:r="http://schemas.openxmlformats.org/officeDocument/2006/relationships">
+<p:sld xmlns:a="http://schemas.openxmlformats.org/drawingml/2006/main" xmlns:r="http://schemas.openxmlformats.org/officeDocument/2006/relationships" xmlns:p="http://schemas.openxmlformats.org/presentationml/2006/main">
   <p:cSld>
     <p:spTree>
       <p:nvGrpSpPr>
@@ -3969,7 +4297,8 @@
           </a:ln>
         </p:spPr>
         <p:txBody>
-          <a:bodyPr lIns="90000" rIns="90000" tIns="91440" bIns="91440" anchor="b"/>
+          <a:bodyPr lIns="90000" tIns="91440" rIns="90000" bIns="91440" anchor="b"/>
+          <a:lstStyle/>
           <a:p>
             <a:pPr>
               <a:lnSpc>
@@ -3977,9 +4306,9 @@
               </a:lnSpc>
             </a:pPr>
             <a:r>
-              <a:rPr b="1" lang="en-GB" sz="3600">
+              <a:rPr lang="en-GB" sz="3600" b="1">
                 <a:solidFill>
-                  <a:srgbClr val="da0002"/>
+                  <a:srgbClr val="DA0002"/>
                 </a:solidFill>
                 <a:latin typeface="Arial"/>
                 <a:ea typeface="Arial"/>
@@ -4010,7 +4339,8 @@
           </a:ln>
         </p:spPr>
         <p:txBody>
-          <a:bodyPr lIns="90000" rIns="90000" tIns="91440" bIns="91440" anchor="ctr"/>
+          <a:bodyPr lIns="90000" tIns="91440" rIns="90000" bIns="91440" anchor="ctr"/>
+          <a:lstStyle/>
           <a:p>
             <a:pPr>
               <a:lnSpc>
@@ -4025,37 +4355,12 @@
                 <a:latin typeface="Arial"/>
                 <a:ea typeface="Arial"/>
               </a:rPr>
-              <a:t>&lt;number&gt;</a:t>
+              <a:t>14</a:t>
             </a:fld>
             <a:endParaRPr/>
           </a:p>
         </p:txBody>
       </p:sp>
-      <p:pic>
-        <p:nvPicPr>
-          <p:cNvPr id="134" name="Shape 147" descr=""/>
-          <p:cNvPicPr/>
-          <p:nvPr/>
-        </p:nvPicPr>
-        <p:blipFill>
-          <a:blip r:embed="rId1"/>
-          <a:stretch>
-            <a:fillRect/>
-          </a:stretch>
-        </p:blipFill>
-        <p:spPr>
-          <a:xfrm>
-            <a:off x="2488680" y="1273320"/>
-            <a:ext cx="6457320" cy="3552120"/>
-          </a:xfrm>
-          <a:prstGeom prst="rect">
-            <a:avLst/>
-          </a:prstGeom>
-          <a:ln>
-            <a:noFill/>
-          </a:ln>
-        </p:spPr>
-      </p:pic>
       <p:sp>
         <p:nvSpPr>
           <p:cNvPr id="135" name="CustomShape 3"/>
@@ -4076,7 +4381,8 @@
           </a:ln>
         </p:spPr>
         <p:txBody>
-          <a:bodyPr lIns="90000" rIns="90000" tIns="91440" bIns="91440"/>
+          <a:bodyPr lIns="90000" tIns="91440" rIns="90000" bIns="91440"/>
+          <a:lstStyle/>
           <a:p>
             <a:pPr>
               <a:lnSpc>
@@ -4084,7 +4390,7 @@
               </a:lnSpc>
             </a:pPr>
             <a:r>
-              <a:rPr lang="en-GB" sz="1400">
+              <a:rPr lang="en-GB" sz="1400" dirty="0">
                 <a:solidFill>
                   <a:srgbClr val="000000"/>
                 </a:solidFill>
@@ -4093,28 +4399,31 @@
               </a:rPr>
               <a:t>VIDEO of the integrative diffusion instead and click on the location and coefficient button to show the other interface</a:t>
             </a:r>
-            <a:endParaRPr/>
+            <a:endParaRPr dirty="0"/>
           </a:p>
         </p:txBody>
       </p:sp>
     </p:spTree>
   </p:cSld>
+  <p:clrMapOvr>
+    <a:masterClrMapping/>
+  </p:clrMapOvr>
   <p:timing>
     <p:tnLst>
       <p:par>
-        <p:cTn id="40" dur="indefinite" restart="never" nodeType="tmRoot">
+        <p:cTn xmlns:p14="http://schemas.microsoft.com/office/powerpoint/2010/main" id="1" dur="indefinite" restart="never" nodeType="tmRoot">
           <p:childTnLst>
             <p:seq>
-              <p:cTn id="41" nodeType="mainSeq"/>
+              <p:cTn id="2" nodeType="mainSeq"/>
               <p:prevCondLst>
-                <p:cond delay="0" evt="onPrev">
+                <p:cond evt="onPrev" delay="0">
                   <p:tgtEl>
                     <p:sldTgt/>
                   </p:tgtEl>
                 </p:cond>
               </p:prevCondLst>
               <p:nextCondLst>
-                <p:cond delay="0" evt="onNext">
+                <p:cond evt="onNext" delay="0">
                   <p:tgtEl>
                     <p:sldTgt/>
                   </p:tgtEl>
@@ -4130,7 +4439,7 @@
 </file>
 
 <file path=ppt/slides/slide15.xml><?xml version="1.0" encoding="utf-8"?>
-<p:sld xmlns:a="http://schemas.openxmlformats.org/drawingml/2006/main" xmlns:p="http://schemas.openxmlformats.org/presentationml/2006/main" xmlns:r="http://schemas.openxmlformats.org/officeDocument/2006/relationships">
+<p:sld xmlns:a="http://schemas.openxmlformats.org/drawingml/2006/main" xmlns:r="http://schemas.openxmlformats.org/officeDocument/2006/relationships" xmlns:p="http://schemas.openxmlformats.org/presentationml/2006/main">
   <p:cSld>
     <p:spTree>
       <p:nvGrpSpPr>
@@ -4166,7 +4475,8 @@
           </a:ln>
         </p:spPr>
         <p:txBody>
-          <a:bodyPr lIns="90000" rIns="90000" tIns="91440" bIns="91440" anchor="b"/>
+          <a:bodyPr lIns="90000" tIns="91440" rIns="90000" bIns="91440" anchor="b"/>
+          <a:lstStyle/>
           <a:p>
             <a:pPr>
               <a:lnSpc>
@@ -4174,9 +4484,9 @@
               </a:lnSpc>
             </a:pPr>
             <a:r>
-              <a:rPr b="1" lang="en-GB" sz="3600">
+              <a:rPr lang="en-GB" sz="3600" b="1">
                 <a:solidFill>
-                  <a:srgbClr val="da0002"/>
+                  <a:srgbClr val="DA0002"/>
                 </a:solidFill>
                 <a:latin typeface="Arial"/>
                 <a:ea typeface="Arial"/>
@@ -4207,7 +4517,8 @@
           </a:ln>
         </p:spPr>
         <p:txBody>
-          <a:bodyPr lIns="90000" rIns="90000" tIns="91440" bIns="91440" anchor="ctr"/>
+          <a:bodyPr lIns="90000" tIns="91440" rIns="90000" bIns="91440" anchor="ctr"/>
+          <a:lstStyle/>
           <a:p>
             <a:pPr>
               <a:lnSpc>
@@ -4222,7 +4533,7 @@
                 <a:latin typeface="Arial"/>
                 <a:ea typeface="Arial"/>
               </a:rPr>
-              <a:t>&lt;number&gt;</a:t>
+              <a:t>15</a:t>
             </a:fld>
             <a:endParaRPr/>
           </a:p>
@@ -4230,12 +4541,12 @@
       </p:sp>
       <p:pic>
         <p:nvPicPr>
-          <p:cNvPr id="138" name="" descr=""/>
+          <p:cNvPr id="138" name="Image 137"/>
           <p:cNvPicPr/>
           <p:nvPr/>
         </p:nvPicPr>
         <p:blipFill>
-          <a:blip r:embed="rId1"/>
+          <a:blip r:embed="rId2"/>
           <a:stretch>
             <a:fillRect/>
           </a:stretch>
@@ -4255,22 +4566,25 @@
       </p:pic>
     </p:spTree>
   </p:cSld>
+  <p:clrMapOvr>
+    <a:masterClrMapping/>
+  </p:clrMapOvr>
   <p:timing>
     <p:tnLst>
       <p:par>
-        <p:cTn id="42" dur="indefinite" restart="never" nodeType="tmRoot">
+        <p:cTn xmlns:p14="http://schemas.microsoft.com/office/powerpoint/2010/main" id="1" dur="indefinite" restart="never" nodeType="tmRoot">
           <p:childTnLst>
             <p:seq>
-              <p:cTn id="43" nodeType="mainSeq"/>
+              <p:cTn id="2" nodeType="mainSeq"/>
               <p:prevCondLst>
-                <p:cond delay="0" evt="onPrev">
+                <p:cond evt="onPrev" delay="0">
                   <p:tgtEl>
                     <p:sldTgt/>
                   </p:tgtEl>
                 </p:cond>
               </p:prevCondLst>
               <p:nextCondLst>
-                <p:cond delay="0" evt="onNext">
+                <p:cond evt="onNext" delay="0">
                   <p:tgtEl>
                     <p:sldTgt/>
                   </p:tgtEl>
@@ -4286,7 +4600,7 @@
 </file>
 
 <file path=ppt/slides/slide16.xml><?xml version="1.0" encoding="utf-8"?>
-<p:sld xmlns:a="http://schemas.openxmlformats.org/drawingml/2006/main" xmlns:p="http://schemas.openxmlformats.org/presentationml/2006/main" xmlns:r="http://schemas.openxmlformats.org/officeDocument/2006/relationships">
+<p:sld xmlns:a="http://schemas.openxmlformats.org/drawingml/2006/main" xmlns:r="http://schemas.openxmlformats.org/officeDocument/2006/relationships" xmlns:p="http://schemas.openxmlformats.org/presentationml/2006/main">
   <p:cSld>
     <p:spTree>
       <p:nvGrpSpPr>
@@ -4322,7 +4636,8 @@
           </a:ln>
         </p:spPr>
         <p:txBody>
-          <a:bodyPr lIns="0" rIns="0" tIns="0" bIns="0" anchor="ctr"/>
+          <a:bodyPr lIns="0" tIns="0" rIns="0" bIns="0" anchor="ctr"/>
+          <a:lstStyle/>
           <a:p>
             <a:pPr>
               <a:lnSpc>
@@ -4330,9 +4645,9 @@
               </a:lnSpc>
             </a:pPr>
             <a:r>
-              <a:rPr b="1" lang="en-GB" sz="3600">
+              <a:rPr lang="en-GB" sz="3600" b="1">
                 <a:solidFill>
-                  <a:srgbClr val="da0002"/>
+                  <a:srgbClr val="DA0002"/>
                 </a:solidFill>
                 <a:latin typeface="Arial"/>
                 <a:ea typeface="Arial"/>
@@ -4345,12 +4660,12 @@
       </p:sp>
       <p:pic>
         <p:nvPicPr>
-          <p:cNvPr id="140" name="" descr=""/>
+          <p:cNvPr id="140" name="Image 139"/>
           <p:cNvPicPr/>
           <p:nvPr/>
         </p:nvPicPr>
         <p:blipFill>
-          <a:blip r:embed="rId1"/>
+          <a:blip r:embed="rId2"/>
           <a:stretch>
             <a:fillRect/>
           </a:stretch>
@@ -4370,22 +4685,25 @@
       </p:pic>
     </p:spTree>
   </p:cSld>
+  <p:clrMapOvr>
+    <a:masterClrMapping/>
+  </p:clrMapOvr>
   <p:timing>
     <p:tnLst>
       <p:par>
-        <p:cTn id="44" dur="indefinite" restart="never" nodeType="tmRoot">
+        <p:cTn xmlns:p14="http://schemas.microsoft.com/office/powerpoint/2010/main" id="1" dur="indefinite" restart="never" nodeType="tmRoot">
           <p:childTnLst>
             <p:seq>
-              <p:cTn id="45" nodeType="mainSeq"/>
+              <p:cTn id="2" nodeType="mainSeq"/>
               <p:prevCondLst>
-                <p:cond delay="0" evt="onPrev">
+                <p:cond evt="onPrev" delay="0">
                   <p:tgtEl>
                     <p:sldTgt/>
                   </p:tgtEl>
                 </p:cond>
               </p:prevCondLst>
               <p:nextCondLst>
-                <p:cond delay="0" evt="onNext">
+                <p:cond evt="onNext" delay="0">
                   <p:tgtEl>
                     <p:sldTgt/>
                   </p:tgtEl>
@@ -4401,7 +4719,7 @@
 </file>
 
 <file path=ppt/slides/slide17.xml><?xml version="1.0" encoding="utf-8"?>
-<p:sld xmlns:a="http://schemas.openxmlformats.org/drawingml/2006/main" xmlns:p="http://schemas.openxmlformats.org/presentationml/2006/main" xmlns:r="http://schemas.openxmlformats.org/officeDocument/2006/relationships">
+<p:sld xmlns:a="http://schemas.openxmlformats.org/drawingml/2006/main" xmlns:r="http://schemas.openxmlformats.org/officeDocument/2006/relationships" xmlns:p="http://schemas.openxmlformats.org/presentationml/2006/main">
   <p:cSld>
     <p:spTree>
       <p:nvGrpSpPr>
@@ -4437,7 +4755,8 @@
           </a:ln>
         </p:spPr>
         <p:txBody>
-          <a:bodyPr lIns="0" rIns="0" tIns="0" bIns="0" anchor="ctr"/>
+          <a:bodyPr lIns="0" tIns="0" rIns="0" bIns="0" anchor="ctr"/>
+          <a:lstStyle/>
           <a:p>
             <a:pPr>
               <a:lnSpc>
@@ -4445,9 +4764,9 @@
               </a:lnSpc>
             </a:pPr>
             <a:r>
-              <a:rPr b="1" lang="en-GB" sz="3600">
+              <a:rPr lang="en-GB" sz="3600" b="1">
                 <a:solidFill>
-                  <a:srgbClr val="da0002"/>
+                  <a:srgbClr val="DA0002"/>
                 </a:solidFill>
                 <a:latin typeface="Arial"/>
                 <a:ea typeface="Arial"/>
@@ -4460,22 +4779,25 @@
       </p:sp>
     </p:spTree>
   </p:cSld>
+  <p:clrMapOvr>
+    <a:masterClrMapping/>
+  </p:clrMapOvr>
   <p:timing>
     <p:tnLst>
       <p:par>
-        <p:cTn id="46" dur="indefinite" restart="never" nodeType="tmRoot">
+        <p:cTn xmlns:p14="http://schemas.microsoft.com/office/powerpoint/2010/main" id="1" dur="indefinite" restart="never" nodeType="tmRoot">
           <p:childTnLst>
             <p:seq>
-              <p:cTn id="47" nodeType="mainSeq"/>
+              <p:cTn id="2" nodeType="mainSeq"/>
               <p:prevCondLst>
-                <p:cond delay="0" evt="onPrev">
+                <p:cond evt="onPrev" delay="0">
                   <p:tgtEl>
                     <p:sldTgt/>
                   </p:tgtEl>
                 </p:cond>
               </p:prevCondLst>
               <p:nextCondLst>
-                <p:cond delay="0" evt="onNext">
+                <p:cond evt="onNext" delay="0">
                   <p:tgtEl>
                     <p:sldTgt/>
                   </p:tgtEl>
@@ -4491,7 +4813,7 @@
 </file>
 
 <file path=ppt/slides/slide18.xml><?xml version="1.0" encoding="utf-8"?>
-<p:sld xmlns:a="http://schemas.openxmlformats.org/drawingml/2006/main" xmlns:p="http://schemas.openxmlformats.org/presentationml/2006/main" xmlns:r="http://schemas.openxmlformats.org/officeDocument/2006/relationships">
+<p:sld xmlns:a="http://schemas.openxmlformats.org/drawingml/2006/main" xmlns:r="http://schemas.openxmlformats.org/officeDocument/2006/relationships" xmlns:p="http://schemas.openxmlformats.org/presentationml/2006/main">
   <p:cSld>
     <p:spTree>
       <p:nvGrpSpPr>
@@ -4527,7 +4849,8 @@
           </a:ln>
         </p:spPr>
         <p:txBody>
-          <a:bodyPr lIns="0" rIns="0" tIns="0" bIns="0" anchor="ctr"/>
+          <a:bodyPr lIns="0" tIns="0" rIns="0" bIns="0" anchor="ctr"/>
+          <a:lstStyle/>
           <a:p>
             <a:pPr>
               <a:lnSpc>
@@ -4535,9 +4858,9 @@
               </a:lnSpc>
             </a:pPr>
             <a:r>
-              <a:rPr b="1" lang="en-GB" sz="3600">
+              <a:rPr lang="en-GB" sz="3600" b="1">
                 <a:solidFill>
-                  <a:srgbClr val="da0002"/>
+                  <a:srgbClr val="DA0002"/>
                 </a:solidFill>
                 <a:latin typeface="Arial"/>
                 <a:ea typeface="Arial"/>
@@ -4550,32 +4873,7 @@
       </p:sp>
       <p:pic>
         <p:nvPicPr>
-          <p:cNvPr id="143" name="" descr=""/>
-          <p:cNvPicPr/>
-          <p:nvPr/>
-        </p:nvPicPr>
-        <p:blipFill>
-          <a:blip r:embed="rId1"/>
-          <a:stretch>
-            <a:fillRect/>
-          </a:stretch>
-        </p:blipFill>
-        <p:spPr>
-          <a:xfrm>
-            <a:off x="4536000" y="1786680"/>
-            <a:ext cx="4319640" cy="3036960"/>
-          </a:xfrm>
-          <a:prstGeom prst="rect">
-            <a:avLst/>
-          </a:prstGeom>
-          <a:ln>
-            <a:noFill/>
-          </a:ln>
-        </p:spPr>
-      </p:pic>
-      <p:pic>
-        <p:nvPicPr>
-          <p:cNvPr id="144" name="" descr=""/>
+          <p:cNvPr id="143" name="Image 142"/>
           <p:cNvPicPr/>
           <p:nvPr/>
         </p:nvPicPr>
@@ -4587,6 +4885,31 @@
         </p:blipFill>
         <p:spPr>
           <a:xfrm>
+            <a:off x="4536000" y="1786680"/>
+            <a:ext cx="4319640" cy="3036960"/>
+          </a:xfrm>
+          <a:prstGeom prst="rect">
+            <a:avLst/>
+          </a:prstGeom>
+          <a:ln>
+            <a:noFill/>
+          </a:ln>
+        </p:spPr>
+      </p:pic>
+      <p:pic>
+        <p:nvPicPr>
+          <p:cNvPr id="144" name="Image 143"/>
+          <p:cNvPicPr/>
+          <p:nvPr/>
+        </p:nvPicPr>
+        <p:blipFill>
+          <a:blip r:embed="rId3"/>
+          <a:stretch>
+            <a:fillRect/>
+          </a:stretch>
+        </p:blipFill>
+        <p:spPr>
+          <a:xfrm>
             <a:off x="576000" y="1692720"/>
             <a:ext cx="3674880" cy="3274920"/>
           </a:xfrm>
@@ -4600,22 +4923,25 @@
       </p:pic>
     </p:spTree>
   </p:cSld>
+  <p:clrMapOvr>
+    <a:masterClrMapping/>
+  </p:clrMapOvr>
   <p:timing>
     <p:tnLst>
       <p:par>
-        <p:cTn id="48" dur="indefinite" restart="never" nodeType="tmRoot">
+        <p:cTn xmlns:p14="http://schemas.microsoft.com/office/powerpoint/2010/main" id="1" dur="indefinite" restart="never" nodeType="tmRoot">
           <p:childTnLst>
             <p:seq>
-              <p:cTn id="49" nodeType="mainSeq"/>
+              <p:cTn id="2" nodeType="mainSeq"/>
               <p:prevCondLst>
-                <p:cond delay="0" evt="onPrev">
+                <p:cond evt="onPrev" delay="0">
                   <p:tgtEl>
                     <p:sldTgt/>
                   </p:tgtEl>
                 </p:cond>
               </p:prevCondLst>
               <p:nextCondLst>
-                <p:cond delay="0" evt="onNext">
+                <p:cond evt="onNext" delay="0">
                   <p:tgtEl>
                     <p:sldTgt/>
                   </p:tgtEl>
@@ -4631,7 +4957,7 @@
 </file>
 
 <file path=ppt/slides/slide19.xml><?xml version="1.0" encoding="utf-8"?>
-<p:sld xmlns:a="http://schemas.openxmlformats.org/drawingml/2006/main" xmlns:p="http://schemas.openxmlformats.org/presentationml/2006/main" xmlns:r="http://schemas.openxmlformats.org/officeDocument/2006/relationships">
+<p:sld xmlns:a="http://schemas.openxmlformats.org/drawingml/2006/main" xmlns:r="http://schemas.openxmlformats.org/officeDocument/2006/relationships" xmlns:p="http://schemas.openxmlformats.org/presentationml/2006/main">
   <p:cSld>
     <p:spTree>
       <p:nvGrpSpPr>
@@ -4667,7 +4993,8 @@
           </a:ln>
         </p:spPr>
         <p:txBody>
-          <a:bodyPr lIns="90000" rIns="90000" tIns="91440" bIns="91440" anchor="b"/>
+          <a:bodyPr lIns="90000" tIns="91440" rIns="90000" bIns="91440" anchor="b"/>
+          <a:lstStyle/>
           <a:p>
             <a:pPr>
               <a:lnSpc>
@@ -4675,9 +5002,9 @@
               </a:lnSpc>
             </a:pPr>
             <a:r>
-              <a:rPr b="1" lang="en-GB" sz="3600">
+              <a:rPr lang="en-GB" sz="3600" b="1">
                 <a:solidFill>
-                  <a:srgbClr val="da0002"/>
+                  <a:srgbClr val="DA0002"/>
                 </a:solidFill>
                 <a:latin typeface="Arial"/>
                 <a:ea typeface="Arial"/>
@@ -4708,7 +5035,8 @@
           </a:ln>
         </p:spPr>
         <p:txBody>
-          <a:bodyPr lIns="90000" rIns="90000" tIns="91440" bIns="91440"/>
+          <a:bodyPr lIns="90000" tIns="91440" rIns="90000" bIns="91440"/>
+          <a:lstStyle/>
           <a:p>
             <a:pPr>
               <a:lnSpc>
@@ -4726,7 +5054,7 @@
               <a:t>Kaul, Himanshu, and Yiannis Ventikos. "Investigating biocomplexity through the agent-based paradigm." </a:t>
             </a:r>
             <a:r>
-              <a:rPr i="1" lang="en-GB" sz="1200">
+              <a:rPr lang="en-GB" sz="1200" i="1">
                 <a:solidFill>
                   <a:srgbClr val="000000"/>
                 </a:solidFill>
@@ -4777,7 +5105,8 @@
           </a:ln>
         </p:spPr>
         <p:txBody>
-          <a:bodyPr lIns="90000" rIns="90000" tIns="91440" bIns="91440" anchor="ctr"/>
+          <a:bodyPr lIns="90000" tIns="91440" rIns="90000" bIns="91440" anchor="ctr"/>
+          <a:lstStyle/>
           <a:p>
             <a:pPr>
               <a:lnSpc>
@@ -4792,7 +5121,7 @@
                 <a:latin typeface="Arial"/>
                 <a:ea typeface="Arial"/>
               </a:rPr>
-              <a:t>&lt;number&gt;</a:t>
+              <a:t>19</a:t>
             </a:fld>
             <a:endParaRPr/>
           </a:p>
@@ -4800,22 +5129,25 @@
       </p:sp>
     </p:spTree>
   </p:cSld>
+  <p:clrMapOvr>
+    <a:masterClrMapping/>
+  </p:clrMapOvr>
   <p:timing>
     <p:tnLst>
       <p:par>
-        <p:cTn id="50" dur="indefinite" restart="never" nodeType="tmRoot">
+        <p:cTn xmlns:p14="http://schemas.microsoft.com/office/powerpoint/2010/main" id="1" dur="indefinite" restart="never" nodeType="tmRoot">
           <p:childTnLst>
             <p:seq>
-              <p:cTn id="51" nodeType="mainSeq"/>
+              <p:cTn id="2" nodeType="mainSeq"/>
               <p:prevCondLst>
-                <p:cond delay="0" evt="onPrev">
+                <p:cond evt="onPrev" delay="0">
                   <p:tgtEl>
                     <p:sldTgt/>
                   </p:tgtEl>
                 </p:cond>
               </p:prevCondLst>
               <p:nextCondLst>
-                <p:cond delay="0" evt="onNext">
+                <p:cond evt="onNext" delay="0">
                   <p:tgtEl>
                     <p:sldTgt/>
                   </p:tgtEl>
@@ -4831,7 +5163,7 @@
 </file>
 
 <file path=ppt/slides/slide2.xml><?xml version="1.0" encoding="utf-8"?>
-<p:sld xmlns:a="http://schemas.openxmlformats.org/drawingml/2006/main" xmlns:p="http://schemas.openxmlformats.org/presentationml/2006/main" xmlns:r="http://schemas.openxmlformats.org/officeDocument/2006/relationships">
+<p:sld xmlns:a="http://schemas.openxmlformats.org/drawingml/2006/main" xmlns:r="http://schemas.openxmlformats.org/officeDocument/2006/relationships" xmlns:p="http://schemas.openxmlformats.org/presentationml/2006/main">
   <p:cSld>
     <p:spTree>
       <p:nvGrpSpPr>
@@ -4867,7 +5199,8 @@
           </a:ln>
         </p:spPr>
         <p:txBody>
-          <a:bodyPr lIns="90000" rIns="90000" tIns="91440" bIns="91440" anchor="b"/>
+          <a:bodyPr lIns="90000" tIns="91440" rIns="90000" bIns="91440" anchor="b"/>
+          <a:lstStyle/>
           <a:p>
             <a:pPr>
               <a:lnSpc>
@@ -4875,9 +5208,9 @@
               </a:lnSpc>
             </a:pPr>
             <a:r>
-              <a:rPr b="1" lang="en-GB" sz="3600">
+              <a:rPr lang="en-GB" sz="3600" b="1">
                 <a:solidFill>
-                  <a:srgbClr val="da0002"/>
+                  <a:srgbClr val="DA0002"/>
                 </a:solidFill>
                 <a:latin typeface="Arial"/>
                 <a:ea typeface="Arial"/>
@@ -4908,7 +5241,8 @@
           </a:ln>
         </p:spPr>
         <p:txBody>
-          <a:bodyPr lIns="90000" rIns="90000" tIns="91440" bIns="91440"/>
+          <a:bodyPr lIns="90000" tIns="91440" rIns="90000" bIns="91440"/>
+          <a:lstStyle/>
           <a:p>
             <a:pPr algn="ctr">
               <a:lnSpc>
@@ -4957,7 +5291,8 @@
           </a:ln>
         </p:spPr>
         <p:txBody>
-          <a:bodyPr lIns="90000" rIns="90000" tIns="91440" bIns="91440"/>
+          <a:bodyPr lIns="90000" tIns="91440" rIns="90000" bIns="91440"/>
+          <a:lstStyle/>
           <a:p>
             <a:pPr algn="ctr">
               <a:lnSpc>
@@ -5001,7 +5336,8 @@
           </a:ln>
         </p:spPr>
         <p:txBody>
-          <a:bodyPr lIns="90000" rIns="90000" tIns="91440" bIns="91440" anchor="ctr"/>
+          <a:bodyPr lIns="90000" tIns="91440" rIns="90000" bIns="91440" anchor="ctr"/>
+          <a:lstStyle/>
           <a:p>
             <a:pPr algn="ctr">
               <a:lnSpc>
@@ -5057,10 +5393,10 @@
           <a:noFill/>
           <a:ln w="19080">
             <a:solidFill>
-              <a:srgbClr val="5b595a"/>
+              <a:srgbClr val="5B595A"/>
             </a:solidFill>
             <a:round/>
-            <a:tailEnd len="lg" type="triangle" w="lg"/>
+            <a:tailEnd type="triangle" w="lg" len="lg"/>
           </a:ln>
         </p:spPr>
       </p:sp>
@@ -5081,10 +5417,10 @@
           <a:noFill/>
           <a:ln w="19080">
             <a:solidFill>
-              <a:srgbClr val="5b595a"/>
+              <a:srgbClr val="5B595A"/>
             </a:solidFill>
             <a:round/>
-            <a:tailEnd len="lg" type="triangle" w="lg"/>
+            <a:tailEnd type="triangle" w="lg" len="lg"/>
           </a:ln>
         </p:spPr>
       </p:sp>
@@ -5108,7 +5444,8 @@
           </a:ln>
         </p:spPr>
         <p:txBody>
-          <a:bodyPr lIns="90000" rIns="90000" tIns="91440" bIns="91440" anchor="ctr"/>
+          <a:bodyPr lIns="90000" tIns="91440" rIns="90000" bIns="91440" anchor="ctr"/>
+          <a:lstStyle/>
           <a:p>
             <a:pPr>
               <a:lnSpc>
@@ -5123,7 +5460,7 @@
                 <a:latin typeface="Arial"/>
                 <a:ea typeface="Arial"/>
               </a:rPr>
-              <a:t>&lt;number&gt;</a:t>
+              <a:t>2</a:t>
             </a:fld>
             <a:endParaRPr/>
           </a:p>
@@ -5131,22 +5468,25 @@
       </p:sp>
     </p:spTree>
   </p:cSld>
+  <p:clrMapOvr>
+    <a:masterClrMapping/>
+  </p:clrMapOvr>
   <p:timing>
     <p:tnLst>
       <p:par>
-        <p:cTn id="3" dur="indefinite" restart="never" nodeType="tmRoot">
+        <p:cTn xmlns:p14="http://schemas.microsoft.com/office/powerpoint/2010/main" id="1" dur="indefinite" restart="never" nodeType="tmRoot">
           <p:childTnLst>
             <p:seq>
-              <p:cTn id="4" nodeType="mainSeq"/>
+              <p:cTn id="2" nodeType="mainSeq"/>
               <p:prevCondLst>
-                <p:cond delay="0" evt="onPrev">
+                <p:cond evt="onPrev" delay="0">
                   <p:tgtEl>
                     <p:sldTgt/>
                   </p:tgtEl>
                 </p:cond>
               </p:prevCondLst>
               <p:nextCondLst>
-                <p:cond delay="0" evt="onNext">
+                <p:cond evt="onNext" delay="0">
                   <p:tgtEl>
                     <p:sldTgt/>
                   </p:tgtEl>
@@ -5162,7 +5502,7 @@
 </file>
 
 <file path=ppt/slides/slide3.xml><?xml version="1.0" encoding="utf-8"?>
-<p:sld xmlns:a="http://schemas.openxmlformats.org/drawingml/2006/main" xmlns:p="http://schemas.openxmlformats.org/presentationml/2006/main" xmlns:r="http://schemas.openxmlformats.org/officeDocument/2006/relationships">
+<p:sld xmlns:a="http://schemas.openxmlformats.org/drawingml/2006/main" xmlns:r="http://schemas.openxmlformats.org/officeDocument/2006/relationships" xmlns:p="http://schemas.openxmlformats.org/presentationml/2006/main">
   <p:cSld>
     <p:spTree>
       <p:nvGrpSpPr>
@@ -5198,7 +5538,8 @@
           </a:ln>
         </p:spPr>
         <p:txBody>
-          <a:bodyPr lIns="90000" rIns="90000" tIns="91440" bIns="91440" anchor="b"/>
+          <a:bodyPr lIns="90000" tIns="91440" rIns="90000" bIns="91440" anchor="b"/>
+          <a:lstStyle/>
           <a:p>
             <a:pPr>
               <a:lnSpc>
@@ -5206,9 +5547,9 @@
               </a:lnSpc>
             </a:pPr>
             <a:r>
-              <a:rPr b="1" lang="en-GB" sz="3600">
+              <a:rPr lang="en-GB" sz="3600" b="1">
                 <a:solidFill>
-                  <a:srgbClr val="da0002"/>
+                  <a:srgbClr val="DA0002"/>
                 </a:solidFill>
                 <a:latin typeface="Arial"/>
                 <a:ea typeface="Arial"/>
@@ -5239,7 +5580,8 @@
           </a:ln>
         </p:spPr>
         <p:txBody>
-          <a:bodyPr lIns="90000" rIns="90000" tIns="91440" bIns="91440"/>
+          <a:bodyPr lIns="90000" tIns="91440" rIns="90000" bIns="91440"/>
+          <a:lstStyle/>
           <a:p>
             <a:pPr>
               <a:lnSpc>
@@ -5282,7 +5624,8 @@
           </a:ln>
         </p:spPr>
         <p:txBody>
-          <a:bodyPr lIns="90000" rIns="90000" tIns="91440" bIns="91440" anchor="ctr"/>
+          <a:bodyPr lIns="90000" tIns="91440" rIns="90000" bIns="91440" anchor="ctr"/>
+          <a:lstStyle/>
           <a:p>
             <a:pPr>
               <a:lnSpc>
@@ -5297,7 +5640,7 @@
                 <a:latin typeface="Arial"/>
                 <a:ea typeface="Arial"/>
               </a:rPr>
-              <a:t>&lt;number&gt;</a:t>
+              <a:t>3</a:t>
             </a:fld>
             <a:endParaRPr/>
           </a:p>
@@ -5305,22 +5648,25 @@
       </p:sp>
     </p:spTree>
   </p:cSld>
+  <p:clrMapOvr>
+    <a:masterClrMapping/>
+  </p:clrMapOvr>
   <p:timing>
     <p:tnLst>
       <p:par>
-        <p:cTn id="5" dur="indefinite" restart="never" nodeType="tmRoot">
+        <p:cTn xmlns:p14="http://schemas.microsoft.com/office/powerpoint/2010/main" id="1" dur="indefinite" restart="never" nodeType="tmRoot">
           <p:childTnLst>
             <p:seq>
-              <p:cTn id="6" nodeType="mainSeq"/>
+              <p:cTn id="2" nodeType="mainSeq"/>
               <p:prevCondLst>
-                <p:cond delay="0" evt="onPrev">
+                <p:cond evt="onPrev" delay="0">
                   <p:tgtEl>
                     <p:sldTgt/>
                   </p:tgtEl>
                 </p:cond>
               </p:prevCondLst>
               <p:nextCondLst>
-                <p:cond delay="0" evt="onNext">
+                <p:cond evt="onNext" delay="0">
                   <p:tgtEl>
                     <p:sldTgt/>
                   </p:tgtEl>
@@ -5336,7 +5682,7 @@
 </file>
 
 <file path=ppt/slides/slide4.xml><?xml version="1.0" encoding="utf-8"?>
-<p:sld xmlns:a="http://schemas.openxmlformats.org/drawingml/2006/main" xmlns:p="http://schemas.openxmlformats.org/presentationml/2006/main" xmlns:r="http://schemas.openxmlformats.org/officeDocument/2006/relationships">
+<p:sld xmlns:a="http://schemas.openxmlformats.org/drawingml/2006/main" xmlns:r="http://schemas.openxmlformats.org/officeDocument/2006/relationships" xmlns:p="http://schemas.openxmlformats.org/presentationml/2006/main">
   <p:cSld>
     <p:spTree>
       <p:nvGrpSpPr>
@@ -5372,7 +5718,8 @@
           </a:ln>
         </p:spPr>
         <p:txBody>
-          <a:bodyPr lIns="90000" rIns="90000" tIns="91440" bIns="91440" anchor="b"/>
+          <a:bodyPr lIns="90000" tIns="91440" rIns="90000" bIns="91440" anchor="b"/>
+          <a:lstStyle/>
           <a:p>
             <a:pPr>
               <a:lnSpc>
@@ -5380,9 +5727,9 @@
               </a:lnSpc>
             </a:pPr>
             <a:r>
-              <a:rPr b="1" lang="en-GB" sz="3600">
+              <a:rPr lang="en-GB" sz="3600" b="1">
                 <a:solidFill>
-                  <a:srgbClr val="da0002"/>
+                  <a:srgbClr val="DA0002"/>
                 </a:solidFill>
                 <a:latin typeface="Arial"/>
                 <a:ea typeface="Arial"/>
@@ -5413,7 +5760,8 @@
           </a:ln>
         </p:spPr>
         <p:txBody>
-          <a:bodyPr lIns="90000" rIns="90000" tIns="91440" bIns="91440"/>
+          <a:bodyPr lIns="90000" tIns="91440" rIns="90000" bIns="91440"/>
+          <a:lstStyle/>
           <a:p>
             <a:pPr>
               <a:lnSpc>
@@ -5516,7 +5864,8 @@
           </a:ln>
         </p:spPr>
         <p:txBody>
-          <a:bodyPr lIns="90000" rIns="90000" tIns="91440" bIns="91440" anchor="ctr"/>
+          <a:bodyPr lIns="90000" tIns="91440" rIns="90000" bIns="91440" anchor="ctr"/>
+          <a:lstStyle/>
           <a:p>
             <a:pPr>
               <a:lnSpc>
@@ -5531,7 +5880,7 @@
                 <a:latin typeface="Arial"/>
                 <a:ea typeface="Arial"/>
               </a:rPr>
-              <a:t>&lt;number&gt;</a:t>
+              <a:t>4</a:t>
             </a:fld>
             <a:endParaRPr/>
           </a:p>
@@ -5539,22 +5888,25 @@
       </p:sp>
     </p:spTree>
   </p:cSld>
+  <p:clrMapOvr>
+    <a:masterClrMapping/>
+  </p:clrMapOvr>
   <p:timing>
     <p:tnLst>
       <p:par>
-        <p:cTn id="7" dur="indefinite" restart="never" nodeType="tmRoot">
+        <p:cTn xmlns:p14="http://schemas.microsoft.com/office/powerpoint/2010/main" id="1" dur="indefinite" restart="never" nodeType="tmRoot">
           <p:childTnLst>
             <p:seq>
-              <p:cTn id="8" nodeType="mainSeq"/>
+              <p:cTn id="2" nodeType="mainSeq"/>
               <p:prevCondLst>
-                <p:cond delay="0" evt="onPrev">
+                <p:cond evt="onPrev" delay="0">
                   <p:tgtEl>
                     <p:sldTgt/>
                   </p:tgtEl>
                 </p:cond>
               </p:prevCondLst>
               <p:nextCondLst>
-                <p:cond delay="0" evt="onNext">
+                <p:cond evt="onNext" delay="0">
                   <p:tgtEl>
                     <p:sldTgt/>
                   </p:tgtEl>
@@ -5570,7 +5922,7 @@
 </file>
 
 <file path=ppt/slides/slide5.xml><?xml version="1.0" encoding="utf-8"?>
-<p:sld xmlns:a="http://schemas.openxmlformats.org/drawingml/2006/main" xmlns:p="http://schemas.openxmlformats.org/presentationml/2006/main" xmlns:r="http://schemas.openxmlformats.org/officeDocument/2006/relationships">
+<p:sld xmlns:a="http://schemas.openxmlformats.org/drawingml/2006/main" xmlns:r="http://schemas.openxmlformats.org/officeDocument/2006/relationships" xmlns:p="http://schemas.openxmlformats.org/presentationml/2006/main">
   <p:cSld>
     <p:spTree>
       <p:nvGrpSpPr>
@@ -5606,7 +5958,8 @@
           </a:ln>
         </p:spPr>
         <p:txBody>
-          <a:bodyPr lIns="90000" rIns="90000" tIns="91440" bIns="91440" anchor="b"/>
+          <a:bodyPr lIns="90000" tIns="91440" rIns="90000" bIns="91440" anchor="b"/>
+          <a:lstStyle/>
           <a:p>
             <a:pPr>
               <a:lnSpc>
@@ -5614,9 +5967,9 @@
               </a:lnSpc>
             </a:pPr>
             <a:r>
-              <a:rPr b="1" lang="en-GB" sz="3600">
+              <a:rPr lang="en-GB" sz="3600" b="1">
                 <a:solidFill>
-                  <a:srgbClr val="da0002"/>
+                  <a:srgbClr val="DA0002"/>
                 </a:solidFill>
                 <a:latin typeface="Arial"/>
                 <a:ea typeface="Arial"/>
@@ -5647,7 +6000,8 @@
           </a:ln>
         </p:spPr>
         <p:txBody>
-          <a:bodyPr lIns="90000" rIns="90000" tIns="91440" bIns="91440"/>
+          <a:bodyPr lIns="90000" tIns="91440" rIns="90000" bIns="91440"/>
+          <a:lstStyle/>
           <a:p>
             <a:pPr>
               <a:lnSpc>
@@ -5760,12 +6114,12 @@
       </p:sp>
       <p:pic>
         <p:nvPicPr>
-          <p:cNvPr id="94" name="Shape 71" descr=""/>
+          <p:cNvPr id="94" name="Shape 71"/>
           <p:cNvPicPr/>
           <p:nvPr/>
         </p:nvPicPr>
         <p:blipFill>
-          <a:blip r:embed="rId1"/>
+          <a:blip r:embed="rId2"/>
           <a:srcRect l="3847115" t="-7608977" r="5627926" b="-9084938"/>
           <a:stretch>
             <a:fillRect/>
@@ -5804,7 +6158,8 @@
           </a:ln>
         </p:spPr>
         <p:txBody>
-          <a:bodyPr lIns="90000" rIns="90000" tIns="91440" bIns="91440" anchor="ctr"/>
+          <a:bodyPr lIns="90000" tIns="91440" rIns="90000" bIns="91440" anchor="ctr"/>
+          <a:lstStyle/>
           <a:p>
             <a:pPr>
               <a:lnSpc>
@@ -5819,7 +6174,7 @@
                 <a:latin typeface="Arial"/>
                 <a:ea typeface="Arial"/>
               </a:rPr>
-              <a:t>&lt;number&gt;</a:t>
+              <a:t>5</a:t>
             </a:fld>
             <a:endParaRPr/>
           </a:p>
@@ -5827,22 +6182,25 @@
       </p:sp>
     </p:spTree>
   </p:cSld>
+  <p:clrMapOvr>
+    <a:masterClrMapping/>
+  </p:clrMapOvr>
   <p:timing>
     <p:tnLst>
       <p:par>
-        <p:cTn id="9" dur="indefinite" restart="never" nodeType="tmRoot">
+        <p:cTn xmlns:p14="http://schemas.microsoft.com/office/powerpoint/2010/main" id="1" dur="indefinite" restart="never" nodeType="tmRoot">
           <p:childTnLst>
             <p:seq>
-              <p:cTn id="10" nodeType="mainSeq"/>
+              <p:cTn id="2" nodeType="mainSeq"/>
               <p:prevCondLst>
-                <p:cond delay="0" evt="onPrev">
+                <p:cond evt="onPrev" delay="0">
                   <p:tgtEl>
                     <p:sldTgt/>
                   </p:tgtEl>
                 </p:cond>
               </p:prevCondLst>
               <p:nextCondLst>
-                <p:cond delay="0" evt="onNext">
+                <p:cond evt="onNext" delay="0">
                   <p:tgtEl>
                     <p:sldTgt/>
                   </p:tgtEl>
@@ -5858,7 +6216,7 @@
 </file>
 
 <file path=ppt/slides/slide6.xml><?xml version="1.0" encoding="utf-8"?>
-<p:sld xmlns:a="http://schemas.openxmlformats.org/drawingml/2006/main" xmlns:p="http://schemas.openxmlformats.org/presentationml/2006/main" xmlns:r="http://schemas.openxmlformats.org/officeDocument/2006/relationships">
+<p:sld xmlns:a="http://schemas.openxmlformats.org/drawingml/2006/main" xmlns:r="http://schemas.openxmlformats.org/officeDocument/2006/relationships" xmlns:p="http://schemas.openxmlformats.org/presentationml/2006/main">
   <p:cSld>
     <p:spTree>
       <p:nvGrpSpPr>
@@ -5894,7 +6252,8 @@
           </a:ln>
         </p:spPr>
         <p:txBody>
-          <a:bodyPr lIns="90000" rIns="90000" tIns="91440" bIns="91440" anchor="b"/>
+          <a:bodyPr lIns="90000" tIns="91440" rIns="90000" bIns="91440" anchor="b"/>
+          <a:lstStyle/>
           <a:p>
             <a:pPr>
               <a:lnSpc>
@@ -5902,9 +6261,9 @@
               </a:lnSpc>
             </a:pPr>
             <a:r>
-              <a:rPr b="1" lang="en-GB" sz="3600">
+              <a:rPr lang="en-GB" sz="3600" b="1">
                 <a:solidFill>
-                  <a:srgbClr val="da0002"/>
+                  <a:srgbClr val="DA0002"/>
                 </a:solidFill>
                 <a:latin typeface="Arial"/>
                 <a:ea typeface="Arial"/>
@@ -5917,12 +6276,12 @@
       </p:sp>
       <p:pic>
         <p:nvPicPr>
-          <p:cNvPr id="97" name="Shape 78" descr=""/>
+          <p:cNvPr id="97" name="Shape 78"/>
           <p:cNvPicPr/>
           <p:nvPr/>
         </p:nvPicPr>
         <p:blipFill>
-          <a:blip r:embed="rId1"/>
+          <a:blip r:embed="rId2"/>
           <a:stretch>
             <a:fillRect/>
           </a:stretch>
@@ -5960,7 +6319,8 @@
           </a:ln>
         </p:spPr>
         <p:txBody>
-          <a:bodyPr lIns="90000" rIns="90000" tIns="91440" bIns="91440" anchor="ctr"/>
+          <a:bodyPr lIns="90000" tIns="91440" rIns="90000" bIns="91440" anchor="ctr"/>
+          <a:lstStyle/>
           <a:p>
             <a:pPr>
               <a:lnSpc>
@@ -5975,7 +6335,7 @@
                 <a:latin typeface="Arial"/>
                 <a:ea typeface="Arial"/>
               </a:rPr>
-              <a:t>&lt;number&gt;</a:t>
+              <a:t>6</a:t>
             </a:fld>
             <a:endParaRPr/>
           </a:p>
@@ -5983,12 +6343,12 @@
       </p:sp>
       <p:pic>
         <p:nvPicPr>
-          <p:cNvPr id="99" name="Shape 80" descr=""/>
+          <p:cNvPr id="99" name="Shape 80"/>
           <p:cNvPicPr/>
           <p:nvPr/>
         </p:nvPicPr>
         <p:blipFill>
-          <a:blip r:embed="rId2"/>
+          <a:blip r:embed="rId3"/>
           <a:stretch>
             <a:fillRect/>
           </a:stretch>
@@ -6008,35 +6368,38 @@
       </p:pic>
     </p:spTree>
   </p:cSld>
+  <p:clrMapOvr>
+    <a:masterClrMapping/>
+  </p:clrMapOvr>
   <p:timing>
     <p:tnLst>
       <p:par>
-        <p:cTn id="11" dur="indefinite" restart="never" nodeType="tmRoot">
+        <p:cTn xmlns:p14="http://schemas.microsoft.com/office/powerpoint/2010/main" id="1" dur="indefinite" restart="never" nodeType="tmRoot">
           <p:childTnLst>
             <p:seq>
-              <p:cTn id="12" dur="indefinite" nodeType="mainSeq">
+              <p:cTn id="2" dur="indefinite" nodeType="mainSeq">
                 <p:childTnLst>
                   <p:par>
-                    <p:cTn id="13" fill="hold">
+                    <p:cTn id="3" fill="hold">
                       <p:stCondLst>
                         <p:cond delay="indefinite"/>
                       </p:stCondLst>
                       <p:childTnLst>
                         <p:par>
-                          <p:cTn id="14" fill="hold">
+                          <p:cTn id="4" fill="hold">
                             <p:stCondLst>
                               <p:cond delay="0"/>
                             </p:stCondLst>
                             <p:childTnLst>
                               <p:par>
-                                <p:cTn id="15" nodeType="clickEffect" fill="hold" presetClass="entr" presetID="10">
+                                <p:cTn id="5" presetID="10" presetClass="entr" fill="hold" nodeType="clickEffect">
                                   <p:stCondLst>
                                     <p:cond delay="0"/>
                                   </p:stCondLst>
                                   <p:childTnLst>
                                     <p:set>
                                       <p:cBhvr>
-                                        <p:cTn id="16" dur="1" fill="hold">
+                                        <p:cTn id="6" dur="1" fill="hold">
                                           <p:stCondLst>
                                             <p:cond delay="0"/>
                                           </p:stCondLst>
@@ -6052,9 +6415,9 @@
                                         <p:strVal val="visible"/>
                                       </p:to>
                                     </p:set>
-                                    <p:animEffect filter="fade" transition="in">
+                                    <p:animEffect transition="in" filter="fade">
                                       <p:cBhvr additive="repl">
-                                        <p:cTn id="17" dur="1000"/>
+                                        <p:cTn id="7" dur="1000"/>
                                         <p:tgtEl>
                                           <p:spTgt spid="99"/>
                                         </p:tgtEl>
@@ -6072,14 +6435,14 @@
                 </p:childTnLst>
               </p:cTn>
               <p:prevCondLst>
-                <p:cond delay="0" evt="onPrev">
+                <p:cond evt="onPrev" delay="0">
                   <p:tgtEl>
                     <p:sldTgt/>
                   </p:tgtEl>
                 </p:cond>
               </p:prevCondLst>
               <p:nextCondLst>
-                <p:cond delay="0" evt="onNext">
+                <p:cond evt="onNext" delay="0">
                   <p:tgtEl>
                     <p:sldTgt/>
                   </p:tgtEl>
@@ -6095,7 +6458,7 @@
 </file>
 
 <file path=ppt/slides/slide7.xml><?xml version="1.0" encoding="utf-8"?>
-<p:sld xmlns:a="http://schemas.openxmlformats.org/drawingml/2006/main" xmlns:p="http://schemas.openxmlformats.org/presentationml/2006/main" xmlns:r="http://schemas.openxmlformats.org/officeDocument/2006/relationships">
+<p:sld xmlns:a="http://schemas.openxmlformats.org/drawingml/2006/main" xmlns:r="http://schemas.openxmlformats.org/officeDocument/2006/relationships" xmlns:p="http://schemas.openxmlformats.org/presentationml/2006/main">
   <p:cSld>
     <p:spTree>
       <p:nvGrpSpPr>
@@ -6113,7 +6476,7 @@
       </p:grpSpPr>
       <p:sp>
         <p:nvSpPr>
-          <p:cNvPr id="100" name="CustomShape 1"/>
+          <p:cNvPr id="106" name="CustomShape 1"/>
           <p:cNvSpPr/>
           <p:nvPr/>
         </p:nvSpPr>
@@ -6131,7 +6494,8 @@
           </a:ln>
         </p:spPr>
         <p:txBody>
-          <a:bodyPr lIns="90000" rIns="90000" tIns="91440" bIns="91440" anchor="b"/>
+          <a:bodyPr lIns="90000" tIns="91440" rIns="90000" bIns="91440" anchor="b"/>
+          <a:lstStyle/>
           <a:p>
             <a:pPr>
               <a:lnSpc>
@@ -6139,47 +6503,64 @@
               </a:lnSpc>
             </a:pPr>
             <a:r>
-              <a:rPr b="1" lang="en-GB" sz="3600">
+              <a:rPr lang="en-GB" sz="3600" b="1">
                 <a:solidFill>
-                  <a:srgbClr val="da0002"/>
+                  <a:srgbClr val="DA0002"/>
                 </a:solidFill>
                 <a:latin typeface="Arial"/>
                 <a:ea typeface="Arial"/>
               </a:rPr>
-              <a:t>Cell Model</a:t>
+              <a:t>Cell Model Interface</a:t>
             </a:r>
+            <a:endParaRPr/>
+          </a:p>
+        </p:txBody>
+      </p:sp>
+      <p:sp>
+        <p:nvSpPr>
+          <p:cNvPr id="107" name="CustomShape 2"/>
+          <p:cNvSpPr/>
+          <p:nvPr/>
+        </p:nvSpPr>
+        <p:spPr>
+          <a:xfrm>
+            <a:off x="8556840" y="4749840"/>
+            <a:ext cx="547920" cy="392760"/>
+          </a:xfrm>
+          <a:prstGeom prst="rect">
+            <a:avLst/>
+          </a:prstGeom>
+          <a:noFill/>
+          <a:ln>
+            <a:noFill/>
+          </a:ln>
+        </p:spPr>
+        <p:txBody>
+          <a:bodyPr lIns="90000" tIns="91440" rIns="90000" bIns="91440" anchor="ctr"/>
+          <a:lstStyle/>
+          <a:p>
+            <a:pPr>
+              <a:lnSpc>
+                <a:spcPct val="100000"/>
+              </a:lnSpc>
+            </a:pPr>
+            <a:fld id="{CCD80399-815C-4098-893A-E862A46EA4C5}" type="slidenum">
+              <a:rPr lang="en-GB" sz="1300">
+                <a:solidFill>
+                  <a:srgbClr val="000000"/>
+                </a:solidFill>
+                <a:latin typeface="Arial"/>
+                <a:ea typeface="Arial"/>
+              </a:rPr>
+              <a:t>7</a:t>
+            </a:fld>
             <a:endParaRPr/>
           </a:p>
         </p:txBody>
       </p:sp>
       <p:pic>
         <p:nvPicPr>
-          <p:cNvPr id="101" name="Shape 86" descr=""/>
-          <p:cNvPicPr/>
-          <p:nvPr/>
-        </p:nvPicPr>
-        <p:blipFill>
-          <a:blip r:embed="rId1"/>
-          <a:stretch>
-            <a:fillRect/>
-          </a:stretch>
-        </p:blipFill>
-        <p:spPr>
-          <a:xfrm>
-            <a:off x="838080" y="1401120"/>
-            <a:ext cx="2742480" cy="1732680"/>
-          </a:xfrm>
-          <a:prstGeom prst="rect">
-            <a:avLst/>
-          </a:prstGeom>
-          <a:ln>
-            <a:noFill/>
-          </a:ln>
-        </p:spPr>
-      </p:pic>
-      <p:pic>
-        <p:nvPicPr>
-          <p:cNvPr id="102" name="Shape 87" descr=""/>
+          <p:cNvPr id="108" name="Shape 97"/>
           <p:cNvPicPr/>
           <p:nvPr/>
         </p:nvPicPr>
@@ -6191,8 +6572,8 @@
         </p:blipFill>
         <p:spPr>
           <a:xfrm>
-            <a:off x="2624760" y="2318040"/>
-            <a:ext cx="2297880" cy="2017440"/>
+            <a:off x="428400" y="1196640"/>
+            <a:ext cx="8413920" cy="3792960"/>
           </a:xfrm>
           <a:prstGeom prst="rect">
             <a:avLst/>
@@ -6202,131 +6583,27 @@
           </a:ln>
         </p:spPr>
       </p:pic>
-      <p:sp>
-        <p:nvSpPr>
-          <p:cNvPr id="103" name="CustomShape 2"/>
-          <p:cNvSpPr/>
-          <p:nvPr/>
-        </p:nvSpPr>
-        <p:spPr>
-          <a:xfrm>
-            <a:off x="8556840" y="4749840"/>
-            <a:ext cx="547920" cy="392760"/>
-          </a:xfrm>
-          <a:prstGeom prst="rect">
-            <a:avLst/>
-          </a:prstGeom>
-          <a:noFill/>
-          <a:ln>
-            <a:noFill/>
-          </a:ln>
-        </p:spPr>
-        <p:txBody>
-          <a:bodyPr lIns="90000" rIns="90000" tIns="91440" bIns="91440" anchor="ctr"/>
-          <a:p>
-            <a:pPr>
-              <a:lnSpc>
-                <a:spcPct val="100000"/>
-              </a:lnSpc>
-            </a:pPr>
-            <a:fld id="{370C9972-C7C2-48E8-801B-52238063A634}" type="slidenum">
-              <a:rPr lang="en-GB" sz="1300">
-                <a:solidFill>
-                  <a:srgbClr val="000000"/>
-                </a:solidFill>
-                <a:latin typeface="Arial"/>
-                <a:ea typeface="Arial"/>
-              </a:rPr>
-              <a:t>&lt;number&gt;</a:t>
-            </a:fld>
-            <a:endParaRPr/>
-          </a:p>
-        </p:txBody>
-      </p:sp>
-      <p:pic>
-        <p:nvPicPr>
-          <p:cNvPr id="104" name="Shape 89" descr=""/>
-          <p:cNvPicPr/>
-          <p:nvPr/>
-        </p:nvPicPr>
-        <p:blipFill>
-          <a:blip r:embed="rId3"/>
-          <a:stretch>
-            <a:fillRect/>
-          </a:stretch>
-        </p:blipFill>
-        <p:spPr>
-          <a:xfrm>
-            <a:off x="5697000" y="1468800"/>
-            <a:ext cx="1638720" cy="1092240"/>
-          </a:xfrm>
-          <a:prstGeom prst="rect">
-            <a:avLst/>
-          </a:prstGeom>
-          <a:ln>
-            <a:noFill/>
-          </a:ln>
-        </p:spPr>
-      </p:pic>
-      <p:sp>
-        <p:nvSpPr>
-          <p:cNvPr id="105" name="CustomShape 3"/>
-          <p:cNvSpPr/>
-          <p:nvPr/>
-        </p:nvSpPr>
-        <p:spPr>
-          <a:xfrm>
-            <a:off x="6644160" y="3134520"/>
-            <a:ext cx="2175840" cy="1156320"/>
-          </a:xfrm>
-          <a:prstGeom prst="rect">
-            <a:avLst/>
-          </a:prstGeom>
-          <a:noFill/>
-          <a:ln>
-            <a:noFill/>
-          </a:ln>
-        </p:spPr>
-        <p:txBody>
-          <a:bodyPr lIns="90000" rIns="90000" tIns="91440" bIns="91440"/>
-          <a:p>
-            <a:pPr>
-              <a:lnSpc>
-                <a:spcPct val="100000"/>
-              </a:lnSpc>
-            </a:pPr>
-            <a:r>
-              <a:rPr lang="en-GB" sz="1400">
-                <a:solidFill>
-                  <a:srgbClr val="000000"/>
-                </a:solidFill>
-                <a:latin typeface="Arial"/>
-                <a:ea typeface="Arial"/>
-              </a:rPr>
-              <a:t>Explanation of cell division</a:t>
-            </a:r>
-            <a:endParaRPr/>
-          </a:p>
-        </p:txBody>
-      </p:sp>
     </p:spTree>
   </p:cSld>
+  <p:clrMapOvr>
+    <a:masterClrMapping/>
+  </p:clrMapOvr>
   <p:timing>
     <p:tnLst>
       <p:par>
-        <p:cTn id="18" dur="indefinite" restart="never" nodeType="tmRoot">
+        <p:cTn xmlns:p14="http://schemas.microsoft.com/office/powerpoint/2010/main" id="1" dur="indefinite" restart="never" nodeType="tmRoot">
           <p:childTnLst>
             <p:seq>
-              <p:cTn id="19" nodeType="mainSeq"/>
+              <p:cTn id="2" nodeType="mainSeq"/>
               <p:prevCondLst>
-                <p:cond delay="0" evt="onPrev">
+                <p:cond evt="onPrev" delay="0">
                   <p:tgtEl>
                     <p:sldTgt/>
                   </p:tgtEl>
                 </p:cond>
               </p:prevCondLst>
               <p:nextCondLst>
-                <p:cond delay="0" evt="onNext">
+                <p:cond evt="onNext" delay="0">
                   <p:tgtEl>
                     <p:sldTgt/>
                   </p:tgtEl>
@@ -6342,7 +6619,7 @@
 </file>
 
 <file path=ppt/slides/slide8.xml><?xml version="1.0" encoding="utf-8"?>
-<p:sld xmlns:a="http://schemas.openxmlformats.org/drawingml/2006/main" xmlns:p="http://schemas.openxmlformats.org/presentationml/2006/main" xmlns:r="http://schemas.openxmlformats.org/officeDocument/2006/relationships">
+<p:sld xmlns:a="http://schemas.openxmlformats.org/drawingml/2006/main" xmlns:r="http://schemas.openxmlformats.org/officeDocument/2006/relationships" xmlns:p="http://schemas.openxmlformats.org/presentationml/2006/main">
   <p:cSld>
     <p:spTree>
       <p:nvGrpSpPr>
@@ -6360,7 +6637,7 @@
       </p:grpSpPr>
       <p:sp>
         <p:nvSpPr>
-          <p:cNvPr id="106" name="CustomShape 1"/>
+          <p:cNvPr id="100" name="CustomShape 1"/>
           <p:cNvSpPr/>
           <p:nvPr/>
         </p:nvSpPr>
@@ -6378,7 +6655,8 @@
           </a:ln>
         </p:spPr>
         <p:txBody>
-          <a:bodyPr lIns="90000" rIns="90000" tIns="91440" bIns="91440" anchor="b"/>
+          <a:bodyPr lIns="90000" tIns="91440" rIns="90000" bIns="91440" anchor="b"/>
+          <a:lstStyle/>
           <a:p>
             <a:pPr>
               <a:lnSpc>
@@ -6386,22 +6664,72 @@
               </a:lnSpc>
             </a:pPr>
             <a:r>
-              <a:rPr b="1" lang="en-GB" sz="3600">
+              <a:rPr lang="en-GB" sz="3600" b="1">
                 <a:solidFill>
-                  <a:srgbClr val="da0002"/>
+                  <a:srgbClr val="DA0002"/>
                 </a:solidFill>
                 <a:latin typeface="Arial"/>
                 <a:ea typeface="Arial"/>
               </a:rPr>
-              <a:t>Cell Model Interface</a:t>
+              <a:t>Cell Model</a:t>
             </a:r>
             <a:endParaRPr/>
           </a:p>
         </p:txBody>
       </p:sp>
-      <p:sp>
-        <p:nvSpPr>
-          <p:cNvPr id="107" name="CustomShape 2"/>
+      <p:pic>
+        <p:nvPicPr>
+          <p:cNvPr id="101" name="Shape 86"/>
+          <p:cNvPicPr/>
+          <p:nvPr/>
+        </p:nvPicPr>
+        <p:blipFill>
+          <a:blip r:embed="rId2"/>
+          <a:stretch>
+            <a:fillRect/>
+          </a:stretch>
+        </p:blipFill>
+        <p:spPr>
+          <a:xfrm>
+            <a:off x="838083" y="1496156"/>
+            <a:ext cx="2742480" cy="1732680"/>
+          </a:xfrm>
+          <a:prstGeom prst="rect">
+            <a:avLst/>
+          </a:prstGeom>
+          <a:ln>
+            <a:noFill/>
+          </a:ln>
+        </p:spPr>
+      </p:pic>
+      <p:pic>
+        <p:nvPicPr>
+          <p:cNvPr id="102" name="Shape 87"/>
+          <p:cNvPicPr/>
+          <p:nvPr/>
+        </p:nvPicPr>
+        <p:blipFill>
+          <a:blip r:embed="rId3"/>
+          <a:stretch>
+            <a:fillRect/>
+          </a:stretch>
+        </p:blipFill>
+        <p:spPr>
+          <a:xfrm>
+            <a:off x="3681707" y="1497420"/>
+            <a:ext cx="3837431" cy="3272760"/>
+          </a:xfrm>
+          <a:prstGeom prst="rect">
+            <a:avLst/>
+          </a:prstGeom>
+          <a:ln>
+            <a:noFill/>
+          </a:ln>
+        </p:spPr>
+      </p:pic>
+      <p:sp>
+        <p:nvSpPr>
+          <p:cNvPr id="103" name="CustomShape 2"/>
           <p:cNvSpPr/>
           <p:nvPr/>
         </p:nvSpPr>
@@ -6419,14 +6747,15 @@
           </a:ln>
         </p:spPr>
         <p:txBody>
-          <a:bodyPr lIns="90000" rIns="90000" tIns="91440" bIns="91440" anchor="ctr"/>
+          <a:bodyPr lIns="90000" tIns="91440" rIns="90000" bIns="91440" anchor="ctr"/>
+          <a:lstStyle/>
           <a:p>
             <a:pPr>
               <a:lnSpc>
                 <a:spcPct val="100000"/>
               </a:lnSpc>
             </a:pPr>
-            <a:fld id="{CCD80399-815C-4098-893A-E862A46EA4C5}" type="slidenum">
+            <a:fld id="{370C9972-C7C2-48E8-801B-52238063A634}" type="slidenum">
               <a:rPr lang="en-GB" sz="1300">
                 <a:solidFill>
                   <a:srgbClr val="000000"/>
@@ -6434,55 +6763,33 @@
                 <a:latin typeface="Arial"/>
                 <a:ea typeface="Arial"/>
               </a:rPr>
-              <a:t>&lt;number&gt;</a:t>
+              <a:t>8</a:t>
             </a:fld>
             <a:endParaRPr/>
           </a:p>
         </p:txBody>
       </p:sp>
-      <p:pic>
-        <p:nvPicPr>
-          <p:cNvPr id="108" name="Shape 97" descr=""/>
-          <p:cNvPicPr/>
-          <p:nvPr/>
-        </p:nvPicPr>
-        <p:blipFill>
-          <a:blip r:embed="rId1"/>
-          <a:stretch>
-            <a:fillRect/>
-          </a:stretch>
-        </p:blipFill>
-        <p:spPr>
-          <a:xfrm>
-            <a:off x="428400" y="1196640"/>
-            <a:ext cx="8413920" cy="3792960"/>
-          </a:xfrm>
-          <a:prstGeom prst="rect">
-            <a:avLst/>
-          </a:prstGeom>
-          <a:ln>
-            <a:noFill/>
-          </a:ln>
-        </p:spPr>
-      </p:pic>
     </p:spTree>
   </p:cSld>
+  <p:clrMapOvr>
+    <a:masterClrMapping/>
+  </p:clrMapOvr>
   <p:timing>
     <p:tnLst>
       <p:par>
-        <p:cTn id="20" dur="indefinite" restart="never" nodeType="tmRoot">
+        <p:cTn xmlns:p14="http://schemas.microsoft.com/office/powerpoint/2010/main" id="1" dur="indefinite" restart="never" nodeType="tmRoot">
           <p:childTnLst>
             <p:seq>
-              <p:cTn id="21" nodeType="mainSeq"/>
+              <p:cTn id="2" nodeType="mainSeq"/>
               <p:prevCondLst>
-                <p:cond delay="0" evt="onPrev">
+                <p:cond evt="onPrev" delay="0">
                   <p:tgtEl>
                     <p:sldTgt/>
                   </p:tgtEl>
                 </p:cond>
               </p:prevCondLst>
               <p:nextCondLst>
-                <p:cond delay="0" evt="onNext">
+                <p:cond evt="onNext" delay="0">
                   <p:tgtEl>
                     <p:sldTgt/>
                   </p:tgtEl>
@@ -6498,7 +6805,7 @@
 </file>
 
 <file path=ppt/slides/slide9.xml><?xml version="1.0" encoding="utf-8"?>
-<p:sld xmlns:a="http://schemas.openxmlformats.org/drawingml/2006/main" xmlns:p="http://schemas.openxmlformats.org/presentationml/2006/main" xmlns:r="http://schemas.openxmlformats.org/officeDocument/2006/relationships">
+<p:sld xmlns:a="http://schemas.openxmlformats.org/drawingml/2006/main" xmlns:r="http://schemas.openxmlformats.org/officeDocument/2006/relationships" xmlns:p="http://schemas.openxmlformats.org/presentationml/2006/main">
   <p:cSld>
     <p:spTree>
       <p:nvGrpSpPr>
@@ -6534,7 +6841,8 @@
           </a:ln>
         </p:spPr>
         <p:txBody>
-          <a:bodyPr lIns="90000" rIns="90000" tIns="91440" bIns="91440" anchor="b"/>
+          <a:bodyPr lIns="90000" tIns="91440" rIns="90000" bIns="91440" anchor="b"/>
+          <a:lstStyle/>
           <a:p>
             <a:pPr>
               <a:lnSpc>
@@ -6542,27 +6850,37 @@
               </a:lnSpc>
             </a:pPr>
             <a:r>
-              <a:rPr b="1" lang="en-GB" sz="3600">
+              <a:rPr lang="en-GB" sz="3600" b="1" dirty="0">
                 <a:solidFill>
-                  <a:srgbClr val="da0002"/>
+                  <a:srgbClr val="DA0002"/>
                 </a:solidFill>
                 <a:latin typeface="Arial"/>
                 <a:ea typeface="Arial"/>
               </a:rPr>
-              <a:t>Cell Ballistic</a:t>
+              <a:t>Cell </a:t>
             </a:r>
-            <a:endParaRPr/>
+            <a:r>
+              <a:rPr lang="en-GB" sz="3600" b="1" dirty="0" smtClean="0">
+                <a:solidFill>
+                  <a:srgbClr val="DA0002"/>
+                </a:solidFill>
+                <a:latin typeface="Arial"/>
+                <a:ea typeface="Arial"/>
+              </a:rPr>
+              <a:t>Ballistics</a:t>
+            </a:r>
+            <a:endParaRPr dirty="0"/>
           </a:p>
         </p:txBody>
       </p:sp>
       <p:pic>
         <p:nvPicPr>
-          <p:cNvPr id="110" name="Shape 103" descr=""/>
+          <p:cNvPr id="110" name="Shape 103"/>
           <p:cNvPicPr/>
           <p:nvPr/>
         </p:nvPicPr>
         <p:blipFill>
-          <a:blip r:embed="rId1"/>
+          <a:blip r:embed="rId2"/>
           <a:stretch>
             <a:fillRect/>
           </a:stretch>
@@ -6600,7 +6918,8 @@
           </a:ln>
         </p:spPr>
         <p:txBody>
-          <a:bodyPr lIns="90000" rIns="90000" tIns="91440" bIns="91440" anchor="ctr"/>
+          <a:bodyPr lIns="90000" tIns="91440" rIns="90000" bIns="91440" anchor="ctr"/>
+          <a:lstStyle/>
           <a:p>
             <a:pPr>
               <a:lnSpc>
@@ -6615,7 +6934,7 @@
                 <a:latin typeface="Arial"/>
                 <a:ea typeface="Arial"/>
               </a:rPr>
-              <a:t>&lt;number&gt;</a:t>
+              <a:t>9</a:t>
             </a:fld>
             <a:endParaRPr/>
           </a:p>
@@ -6623,22 +6942,25 @@
       </p:sp>
     </p:spTree>
   </p:cSld>
+  <p:clrMapOvr>
+    <a:masterClrMapping/>
+  </p:clrMapOvr>
   <p:timing>
     <p:tnLst>
       <p:par>
-        <p:cTn id="22" dur="indefinite" restart="never" nodeType="tmRoot">
+        <p:cTn xmlns:p14="http://schemas.microsoft.com/office/powerpoint/2010/main" id="1" dur="indefinite" restart="never" nodeType="tmRoot">
           <p:childTnLst>
             <p:seq>
-              <p:cTn id="23" nodeType="mainSeq"/>
+              <p:cTn id="2" nodeType="mainSeq"/>
               <p:prevCondLst>
-                <p:cond delay="0" evt="onPrev">
+                <p:cond evt="onPrev" delay="0">
                   <p:tgtEl>
                     <p:sldTgt/>
                   </p:tgtEl>
                 </p:cond>
               </p:prevCondLst>
               <p:nextCondLst>
-                <p:cond delay="0" evt="onNext">
+                <p:cond evt="onNext" delay="0">
                   <p:tgtEl>
                     <p:sldTgt/>
                   </p:tgtEl>
@@ -6873,6 +7195,8 @@
       </a:bgFillStyleLst>
     </a:fmtScheme>
   </a:themeElements>
+  <a:objectDefaults/>
+  <a:extraClrSchemeLst/>
 </a:theme>
 </file>
 
@@ -7096,5 +7420,7 @@
       </a:bgFillStyleLst>
     </a:fmtScheme>
   </a:themeElements>
+  <a:objectDefaults/>
+  <a:extraClrSchemeLst/>
 </a:theme>
 </file>
--- a/media/Cell Behaviour Modeling Platform Presentation.pptx
+++ b/media/Cell Behaviour Modeling Platform Presentation.pptx
@@ -5,26 +5,28 @@
     <p:sldMasterId id="2147483648" r:id="rId1"/>
     <p:sldMasterId id="2147483661" r:id="rId2"/>
   </p:sldMasterIdLst>
+  <p:notesMasterIdLst>
+    <p:notesMasterId r:id="rId21"/>
+  </p:notesMasterIdLst>
   <p:sldIdLst>
     <p:sldId id="256" r:id="rId3"/>
     <p:sldId id="257" r:id="rId4"/>
-    <p:sldId id="258" r:id="rId5"/>
-    <p:sldId id="259" r:id="rId6"/>
-    <p:sldId id="260" r:id="rId7"/>
-    <p:sldId id="261" r:id="rId8"/>
-    <p:sldId id="263" r:id="rId9"/>
-    <p:sldId id="262" r:id="rId10"/>
-    <p:sldId id="264" r:id="rId11"/>
-    <p:sldId id="265" r:id="rId12"/>
-    <p:sldId id="266" r:id="rId13"/>
-    <p:sldId id="267" r:id="rId14"/>
-    <p:sldId id="268" r:id="rId15"/>
-    <p:sldId id="269" r:id="rId16"/>
-    <p:sldId id="270" r:id="rId17"/>
-    <p:sldId id="271" r:id="rId18"/>
-    <p:sldId id="272" r:id="rId19"/>
-    <p:sldId id="273" r:id="rId20"/>
-    <p:sldId id="274" r:id="rId21"/>
+    <p:sldId id="259" r:id="rId5"/>
+    <p:sldId id="260" r:id="rId6"/>
+    <p:sldId id="261" r:id="rId7"/>
+    <p:sldId id="263" r:id="rId8"/>
+    <p:sldId id="262" r:id="rId9"/>
+    <p:sldId id="264" r:id="rId10"/>
+    <p:sldId id="265" r:id="rId11"/>
+    <p:sldId id="266" r:id="rId12"/>
+    <p:sldId id="267" r:id="rId13"/>
+    <p:sldId id="268" r:id="rId14"/>
+    <p:sldId id="269" r:id="rId15"/>
+    <p:sldId id="270" r:id="rId16"/>
+    <p:sldId id="271" r:id="rId17"/>
+    <p:sldId id="272" r:id="rId18"/>
+    <p:sldId id="273" r:id="rId19"/>
+    <p:sldId id="274" r:id="rId20"/>
   </p:sldIdLst>
   <p:sldSz cx="9144000" cy="5143500" type="screen16x9"/>
   <p:notesSz cx="7559675" cy="10691813"/>
@@ -123,7 +125,1296 @@
       </a:defRPr>
     </a:lvl9pPr>
   </p:defaultTextStyle>
+  <p:extLst>
+    <p:ext uri="{EFAFB233-063F-42B5-8137-9DF3F51BA10A}">
+      <p15:sldGuideLst xmlns:p15="http://schemas.microsoft.com/office/powerpoint/2012/main">
+        <p15:guide id="1" orient="horz" pos="1620">
+          <p15:clr>
+            <a:srgbClr val="A4A3A4"/>
+          </p15:clr>
+        </p15:guide>
+        <p15:guide id="2" pos="2880">
+          <p15:clr>
+            <a:srgbClr val="A4A3A4"/>
+          </p15:clr>
+        </p15:guide>
+      </p15:sldGuideLst>
+    </p:ext>
+  </p:extLst>
 </p:presentation>
+</file>
+
+<file path=ppt/notesMasters/notesMaster1.xml><?xml version="1.0" encoding="utf-8"?>
+<p:notesMaster xmlns:a="http://schemas.openxmlformats.org/drawingml/2006/main" xmlns:r="http://schemas.openxmlformats.org/officeDocument/2006/relationships" xmlns:p="http://schemas.openxmlformats.org/presentationml/2006/main">
+  <p:cSld>
+    <p:bg>
+      <p:bgRef idx="1001">
+        <a:schemeClr val="bg1"/>
+      </p:bgRef>
+    </p:bg>
+    <p:spTree>
+      <p:nvGrpSpPr>
+        <p:cNvPr id="1" name=""/>
+        <p:cNvGrpSpPr/>
+        <p:nvPr/>
+      </p:nvGrpSpPr>
+      <p:grpSpPr>
+        <a:xfrm>
+          <a:off x="0" y="0"/>
+          <a:ext cx="0" cy="0"/>
+          <a:chOff x="0" y="0"/>
+          <a:chExt cx="0" cy="0"/>
+        </a:xfrm>
+      </p:grpSpPr>
+      <p:sp>
+        <p:nvSpPr>
+          <p:cNvPr id="2" name="Header Placeholder 1"/>
+          <p:cNvSpPr>
+            <a:spLocks noGrp="1"/>
+          </p:cNvSpPr>
+          <p:nvPr>
+            <p:ph type="hdr" sz="quarter"/>
+          </p:nvPr>
+        </p:nvSpPr>
+        <p:spPr>
+          <a:xfrm>
+            <a:off x="0" y="0"/>
+            <a:ext cx="3276600" cy="536575"/>
+          </a:xfrm>
+          <a:prstGeom prst="rect">
+            <a:avLst/>
+          </a:prstGeom>
+        </p:spPr>
+        <p:txBody>
+          <a:bodyPr vert="horz" lIns="91440" tIns="45720" rIns="91440" bIns="45720" rtlCol="0"/>
+          <a:lstStyle>
+            <a:lvl1pPr algn="l">
+              <a:defRPr sz="1200"/>
+            </a:lvl1pPr>
+          </a:lstStyle>
+          <a:p>
+            <a:endParaRPr lang="en-US"/>
+          </a:p>
+        </p:txBody>
+      </p:sp>
+      <p:sp>
+        <p:nvSpPr>
+          <p:cNvPr id="3" name="Date Placeholder 2"/>
+          <p:cNvSpPr>
+            <a:spLocks noGrp="1"/>
+          </p:cNvSpPr>
+          <p:nvPr>
+            <p:ph type="dt" idx="1"/>
+          </p:nvPr>
+        </p:nvSpPr>
+        <p:spPr>
+          <a:xfrm>
+            <a:off x="4281488" y="0"/>
+            <a:ext cx="3276600" cy="536575"/>
+          </a:xfrm>
+          <a:prstGeom prst="rect">
+            <a:avLst/>
+          </a:prstGeom>
+        </p:spPr>
+        <p:txBody>
+          <a:bodyPr vert="horz" lIns="91440" tIns="45720" rIns="91440" bIns="45720" rtlCol="0"/>
+          <a:lstStyle>
+            <a:lvl1pPr algn="r">
+              <a:defRPr sz="1200"/>
+            </a:lvl1pPr>
+          </a:lstStyle>
+          <a:p>
+            <a:fld id="{96E5BA48-59BF-4B6E-9910-A5A6E3DC3174}" type="datetimeFigureOut">
+              <a:rPr lang="en-US"/>
+              <a:t>3/29/2015</a:t>
+            </a:fld>
+            <a:endParaRPr lang="en-US"/>
+          </a:p>
+        </p:txBody>
+      </p:sp>
+      <p:sp>
+        <p:nvSpPr>
+          <p:cNvPr id="4" name="Slide Image Placeholder 3"/>
+          <p:cNvSpPr>
+            <a:spLocks noGrp="1" noRot="1" noChangeAspect="1"/>
+          </p:cNvSpPr>
+          <p:nvPr>
+            <p:ph type="sldImg" idx="2"/>
+          </p:nvPr>
+        </p:nvSpPr>
+        <p:spPr>
+          <a:xfrm>
+            <a:off x="573088" y="1336675"/>
+            <a:ext cx="6413500" cy="3608388"/>
+          </a:xfrm>
+          <a:prstGeom prst="rect">
+            <a:avLst/>
+          </a:prstGeom>
+          <a:noFill/>
+          <a:ln w="12700">
+            <a:solidFill>
+              <a:prstClr val="black"/>
+            </a:solidFill>
+          </a:ln>
+        </p:spPr>
+        <p:txBody>
+          <a:bodyPr vert="horz" lIns="91440" tIns="45720" rIns="91440" bIns="45720" rtlCol="0" anchor="ctr"/>
+          <a:lstStyle/>
+          <a:p>
+            <a:endParaRPr lang="en-US"/>
+          </a:p>
+        </p:txBody>
+      </p:sp>
+      <p:sp>
+        <p:nvSpPr>
+          <p:cNvPr id="5" name="Notes Placeholder 4"/>
+          <p:cNvSpPr>
+            <a:spLocks noGrp="1"/>
+          </p:cNvSpPr>
+          <p:nvPr>
+            <p:ph type="body" sz="quarter" idx="3"/>
+          </p:nvPr>
+        </p:nvSpPr>
+        <p:spPr>
+          <a:xfrm>
+            <a:off x="755650" y="5145088"/>
+            <a:ext cx="6048375" cy="4210050"/>
+          </a:xfrm>
+          <a:prstGeom prst="rect">
+            <a:avLst/>
+          </a:prstGeom>
+        </p:spPr>
+        <p:txBody>
+          <a:bodyPr vert="horz" lIns="91440" tIns="45720" rIns="91440" bIns="45720" rtlCol="0"/>
+          <a:lstStyle/>
+          <a:p>
+            <a:pPr lvl="0"/>
+            <a:r>
+              <a:rPr lang="en-US"/>
+              <a:t>Edit Master text styles</a:t>
+            </a:r>
+          </a:p>
+          <a:p>
+            <a:pPr lvl="1"/>
+            <a:r>
+              <a:rPr lang="en-US"/>
+              <a:t>Second level</a:t>
+            </a:r>
+          </a:p>
+          <a:p>
+            <a:pPr lvl="2"/>
+            <a:r>
+              <a:rPr lang="en-US"/>
+              <a:t>Third level</a:t>
+            </a:r>
+          </a:p>
+          <a:p>
+            <a:pPr lvl="3"/>
+            <a:r>
+              <a:rPr lang="en-US"/>
+              <a:t>Fourth level</a:t>
+            </a:r>
+          </a:p>
+          <a:p>
+            <a:pPr lvl="4"/>
+            <a:r>
+              <a:rPr lang="en-US"/>
+              <a:t>Fifth level</a:t>
+            </a:r>
+          </a:p>
+        </p:txBody>
+      </p:sp>
+      <p:sp>
+        <p:nvSpPr>
+          <p:cNvPr id="6" name="Footer Placeholder 5"/>
+          <p:cNvSpPr>
+            <a:spLocks noGrp="1"/>
+          </p:cNvSpPr>
+          <p:nvPr>
+            <p:ph type="ftr" sz="quarter" idx="4"/>
+          </p:nvPr>
+        </p:nvSpPr>
+        <p:spPr>
+          <a:xfrm>
+            <a:off x="0" y="10155238"/>
+            <a:ext cx="3276600" cy="536575"/>
+          </a:xfrm>
+          <a:prstGeom prst="rect">
+            <a:avLst/>
+          </a:prstGeom>
+        </p:spPr>
+        <p:txBody>
+          <a:bodyPr vert="horz" lIns="91440" tIns="45720" rIns="91440" bIns="45720" rtlCol="0" anchor="b"/>
+          <a:lstStyle>
+            <a:lvl1pPr algn="l">
+              <a:defRPr sz="1200"/>
+            </a:lvl1pPr>
+          </a:lstStyle>
+          <a:p>
+            <a:endParaRPr lang="en-US"/>
+          </a:p>
+        </p:txBody>
+      </p:sp>
+      <p:sp>
+        <p:nvSpPr>
+          <p:cNvPr id="7" name="Slide Number Placeholder 6"/>
+          <p:cNvSpPr>
+            <a:spLocks noGrp="1"/>
+          </p:cNvSpPr>
+          <p:nvPr>
+            <p:ph type="sldNum" sz="quarter" idx="5"/>
+          </p:nvPr>
+        </p:nvSpPr>
+        <p:spPr>
+          <a:xfrm>
+            <a:off x="4281488" y="10155238"/>
+            <a:ext cx="3276600" cy="536575"/>
+          </a:xfrm>
+          <a:prstGeom prst="rect">
+            <a:avLst/>
+          </a:prstGeom>
+        </p:spPr>
+        <p:txBody>
+          <a:bodyPr vert="horz" lIns="91440" tIns="45720" rIns="91440" bIns="45720" rtlCol="0" anchor="b"/>
+          <a:lstStyle>
+            <a:lvl1pPr algn="r">
+              <a:defRPr sz="1200"/>
+            </a:lvl1pPr>
+          </a:lstStyle>
+          <a:p>
+            <a:fld id="{1C397201-E995-4965-A612-DA273398B788}" type="slidenum">
+              <a:rPr lang="en-US"/>
+              <a:t>‹#›</a:t>
+            </a:fld>
+            <a:endParaRPr lang="en-US"/>
+          </a:p>
+        </p:txBody>
+      </p:sp>
+    </p:spTree>
+    <p:extLst>
+      <p:ext uri="{BB962C8B-B14F-4D97-AF65-F5344CB8AC3E}">
+        <p14:creationId xmlns:p14="http://schemas.microsoft.com/office/powerpoint/2010/main" val="1773500778"/>
+      </p:ext>
+    </p:extLst>
+  </p:cSld>
+  <p:clrMap bg1="lt1" tx1="dk1" bg2="lt2" tx2="dk2" accent1="accent1" accent2="accent2" accent3="accent3" accent4="accent4" accent5="accent5" accent6="accent6" hlink="hlink" folHlink="folHlink"/>
+  <p:notesStyle>
+    <a:lvl1pPr marL="0" algn="l" defTabSz="914400" rtl="0" eaLnBrk="1" latinLnBrk="0" hangingPunct="1">
+      <a:defRPr sz="1200" kern="1200">
+        <a:solidFill>
+          <a:schemeClr val="tx1"/>
+        </a:solidFill>
+        <a:latin typeface="+mn-lt"/>
+        <a:ea typeface="+mn-ea"/>
+        <a:cs typeface="+mn-cs"/>
+      </a:defRPr>
+    </a:lvl1pPr>
+    <a:lvl2pPr marL="457200" algn="l" defTabSz="914400" rtl="0" eaLnBrk="1" latinLnBrk="0" hangingPunct="1">
+      <a:defRPr sz="1200" kern="1200">
+        <a:solidFill>
+          <a:schemeClr val="tx1"/>
+        </a:solidFill>
+        <a:latin typeface="+mn-lt"/>
+        <a:ea typeface="+mn-ea"/>
+        <a:cs typeface="+mn-cs"/>
+      </a:defRPr>
+    </a:lvl2pPr>
+    <a:lvl3pPr marL="914400" algn="l" defTabSz="914400" rtl="0" eaLnBrk="1" latinLnBrk="0" hangingPunct="1">
+      <a:defRPr sz="1200" kern="1200">
+        <a:solidFill>
+          <a:schemeClr val="tx1"/>
+        </a:solidFill>
+        <a:latin typeface="+mn-lt"/>
+        <a:ea typeface="+mn-ea"/>
+        <a:cs typeface="+mn-cs"/>
+      </a:defRPr>
+    </a:lvl3pPr>
+    <a:lvl4pPr marL="1371600" algn="l" defTabSz="914400" rtl="0" eaLnBrk="1" latinLnBrk="0" hangingPunct="1">
+      <a:defRPr sz="1200" kern="1200">
+        <a:solidFill>
+          <a:schemeClr val="tx1"/>
+        </a:solidFill>
+        <a:latin typeface="+mn-lt"/>
+        <a:ea typeface="+mn-ea"/>
+        <a:cs typeface="+mn-cs"/>
+      </a:defRPr>
+    </a:lvl4pPr>
+    <a:lvl5pPr marL="1828800" algn="l" defTabSz="914400" rtl="0" eaLnBrk="1" latinLnBrk="0" hangingPunct="1">
+      <a:defRPr sz="1200" kern="1200">
+        <a:solidFill>
+          <a:schemeClr val="tx1"/>
+        </a:solidFill>
+        <a:latin typeface="+mn-lt"/>
+        <a:ea typeface="+mn-ea"/>
+        <a:cs typeface="+mn-cs"/>
+      </a:defRPr>
+    </a:lvl5pPr>
+    <a:lvl6pPr marL="2286000" algn="l" defTabSz="914400" rtl="0" eaLnBrk="1" latinLnBrk="0" hangingPunct="1">
+      <a:defRPr sz="1200" kern="1200">
+        <a:solidFill>
+          <a:schemeClr val="tx1"/>
+        </a:solidFill>
+        <a:latin typeface="+mn-lt"/>
+        <a:ea typeface="+mn-ea"/>
+        <a:cs typeface="+mn-cs"/>
+      </a:defRPr>
+    </a:lvl6pPr>
+    <a:lvl7pPr marL="2743200" algn="l" defTabSz="914400" rtl="0" eaLnBrk="1" latinLnBrk="0" hangingPunct="1">
+      <a:defRPr sz="1200" kern="1200">
+        <a:solidFill>
+          <a:schemeClr val="tx1"/>
+        </a:solidFill>
+        <a:latin typeface="+mn-lt"/>
+        <a:ea typeface="+mn-ea"/>
+        <a:cs typeface="+mn-cs"/>
+      </a:defRPr>
+    </a:lvl7pPr>
+    <a:lvl8pPr marL="3200400" algn="l" defTabSz="914400" rtl="0" eaLnBrk="1" latinLnBrk="0" hangingPunct="1">
+      <a:defRPr sz="1200" kern="1200">
+        <a:solidFill>
+          <a:schemeClr val="tx1"/>
+        </a:solidFill>
+        <a:latin typeface="+mn-lt"/>
+        <a:ea typeface="+mn-ea"/>
+        <a:cs typeface="+mn-cs"/>
+      </a:defRPr>
+    </a:lvl8pPr>
+    <a:lvl9pPr marL="3657600" algn="l" defTabSz="914400" rtl="0" eaLnBrk="1" latinLnBrk="0" hangingPunct="1">
+      <a:defRPr sz="1200" kern="1200">
+        <a:solidFill>
+          <a:schemeClr val="tx1"/>
+        </a:solidFill>
+        <a:latin typeface="+mn-lt"/>
+        <a:ea typeface="+mn-ea"/>
+        <a:cs typeface="+mn-cs"/>
+      </a:defRPr>
+    </a:lvl9pPr>
+  </p:notesStyle>
+</p:notesMaster>
+</file>
+
+<file path=ppt/notesSlides/notesSlide1.xml><?xml version="1.0" encoding="utf-8"?>
+<p:notes xmlns:a="http://schemas.openxmlformats.org/drawingml/2006/main" xmlns:r="http://schemas.openxmlformats.org/officeDocument/2006/relationships" xmlns:p="http://schemas.openxmlformats.org/presentationml/2006/main">
+  <p:cSld>
+    <p:spTree>
+      <p:nvGrpSpPr>
+        <p:cNvPr id="1" name=""/>
+        <p:cNvGrpSpPr/>
+        <p:nvPr/>
+      </p:nvGrpSpPr>
+      <p:grpSpPr>
+        <a:xfrm>
+          <a:off x="0" y="0"/>
+          <a:ext cx="0" cy="0"/>
+          <a:chOff x="0" y="0"/>
+          <a:chExt cx="0" cy="0"/>
+        </a:xfrm>
+      </p:grpSpPr>
+      <p:sp>
+        <p:nvSpPr>
+          <p:cNvPr id="2" name="Slide Image Placeholder 1"/>
+          <p:cNvSpPr>
+            <a:spLocks noGrp="1" noRot="1" noChangeAspect="1"/>
+          </p:cNvSpPr>
+          <p:nvPr>
+            <p:ph type="sldImg"/>
+          </p:nvPr>
+        </p:nvSpPr>
+        <p:spPr/>
+      </p:sp>
+      <p:sp>
+        <p:nvSpPr>
+          <p:cNvPr id="3" name="Notes Placeholder 2"/>
+          <p:cNvSpPr>
+            <a:spLocks noGrp="1"/>
+          </p:cNvSpPr>
+          <p:nvPr>
+            <p:ph type="body" idx="1"/>
+          </p:nvPr>
+        </p:nvSpPr>
+        <p:spPr/>
+        <p:txBody>
+          <a:bodyPr/>
+          <a:lstStyle/>
+          <a:p>
+            <a:endParaRPr lang="en-US"/>
+          </a:p>
+        </p:txBody>
+      </p:sp>
+      <p:sp>
+        <p:nvSpPr>
+          <p:cNvPr id="4" name="Slide Number Placeholder 3"/>
+          <p:cNvSpPr>
+            <a:spLocks noGrp="1"/>
+          </p:cNvSpPr>
+          <p:nvPr>
+            <p:ph type="sldNum" sz="quarter" idx="10"/>
+          </p:nvPr>
+        </p:nvSpPr>
+        <p:spPr/>
+        <p:txBody>
+          <a:bodyPr/>
+          <a:lstStyle/>
+          <a:p>
+            <a:fld id="{1C397201-E995-4965-A612-DA273398B788}" type="slidenum">
+              <a:rPr lang="en-US"/>
+              <a:t>1</a:t>
+            </a:fld>
+            <a:endParaRPr lang="en-US"/>
+          </a:p>
+        </p:txBody>
+      </p:sp>
+    </p:spTree>
+    <p:extLst>
+      <p:ext uri="{BB962C8B-B14F-4D97-AF65-F5344CB8AC3E}">
+        <p14:creationId xmlns:p14="http://schemas.microsoft.com/office/powerpoint/2010/main" val="3172409654"/>
+      </p:ext>
+    </p:extLst>
+  </p:cSld>
+  <p:clrMapOvr>
+    <a:masterClrMapping/>
+  </p:clrMapOvr>
+</p:notes>
+</file>
+
+<file path=ppt/notesSlides/notesSlide10.xml><?xml version="1.0" encoding="utf-8"?>
+<p:notes xmlns:a="http://schemas.openxmlformats.org/drawingml/2006/main" xmlns:r="http://schemas.openxmlformats.org/officeDocument/2006/relationships" xmlns:p="http://schemas.openxmlformats.org/presentationml/2006/main">
+  <p:cSld>
+    <p:spTree>
+      <p:nvGrpSpPr>
+        <p:cNvPr id="1" name=""/>
+        <p:cNvGrpSpPr/>
+        <p:nvPr/>
+      </p:nvGrpSpPr>
+      <p:grpSpPr>
+        <a:xfrm>
+          <a:off x="0" y="0"/>
+          <a:ext cx="0" cy="0"/>
+          <a:chOff x="0" y="0"/>
+          <a:chExt cx="0" cy="0"/>
+        </a:xfrm>
+      </p:grpSpPr>
+      <p:sp>
+        <p:nvSpPr>
+          <p:cNvPr id="2" name="Slide Image Placeholder 1"/>
+          <p:cNvSpPr>
+            <a:spLocks noGrp="1" noRot="1" noChangeAspect="1"/>
+          </p:cNvSpPr>
+          <p:nvPr>
+            <p:ph type="sldImg"/>
+          </p:nvPr>
+        </p:nvSpPr>
+        <p:spPr/>
+      </p:sp>
+      <p:sp>
+        <p:nvSpPr>
+          <p:cNvPr id="3" name="Notes Placeholder 2"/>
+          <p:cNvSpPr>
+            <a:spLocks noGrp="1"/>
+          </p:cNvSpPr>
+          <p:nvPr>
+            <p:ph type="body" idx="1"/>
+          </p:nvPr>
+        </p:nvSpPr>
+        <p:spPr/>
+        <p:txBody>
+          <a:bodyPr/>
+          <a:lstStyle/>
+          <a:p>
+            <a:endParaRPr lang="en-US"/>
+          </a:p>
+        </p:txBody>
+      </p:sp>
+      <p:sp>
+        <p:nvSpPr>
+          <p:cNvPr id="4" name="Slide Number Placeholder 3"/>
+          <p:cNvSpPr>
+            <a:spLocks noGrp="1"/>
+          </p:cNvSpPr>
+          <p:nvPr>
+            <p:ph type="sldNum" sz="quarter" idx="10"/>
+          </p:nvPr>
+        </p:nvSpPr>
+        <p:spPr/>
+        <p:txBody>
+          <a:bodyPr/>
+          <a:lstStyle/>
+          <a:p>
+            <a:fld id="{1C397201-E995-4965-A612-DA273398B788}" type="slidenum">
+              <a:rPr lang="en-US"/>
+              <a:t>10</a:t>
+            </a:fld>
+            <a:endParaRPr lang="en-US"/>
+          </a:p>
+        </p:txBody>
+      </p:sp>
+    </p:spTree>
+    <p:extLst>
+      <p:ext uri="{BB962C8B-B14F-4D97-AF65-F5344CB8AC3E}">
+        <p14:creationId xmlns:p14="http://schemas.microsoft.com/office/powerpoint/2010/main" val="2003299010"/>
+      </p:ext>
+    </p:extLst>
+  </p:cSld>
+  <p:clrMapOvr>
+    <a:masterClrMapping/>
+  </p:clrMapOvr>
+</p:notes>
+</file>
+
+<file path=ppt/notesSlides/notesSlide11.xml><?xml version="1.0" encoding="utf-8"?>
+<p:notes xmlns:a="http://schemas.openxmlformats.org/drawingml/2006/main" xmlns:r="http://schemas.openxmlformats.org/officeDocument/2006/relationships" xmlns:p="http://schemas.openxmlformats.org/presentationml/2006/main">
+  <p:cSld>
+    <p:spTree>
+      <p:nvGrpSpPr>
+        <p:cNvPr id="1" name=""/>
+        <p:cNvGrpSpPr/>
+        <p:nvPr/>
+      </p:nvGrpSpPr>
+      <p:grpSpPr>
+        <a:xfrm>
+          <a:off x="0" y="0"/>
+          <a:ext cx="0" cy="0"/>
+          <a:chOff x="0" y="0"/>
+          <a:chExt cx="0" cy="0"/>
+        </a:xfrm>
+      </p:grpSpPr>
+      <p:sp>
+        <p:nvSpPr>
+          <p:cNvPr id="2" name="Slide Image Placeholder 1"/>
+          <p:cNvSpPr>
+            <a:spLocks noGrp="1" noRot="1" noChangeAspect="1"/>
+          </p:cNvSpPr>
+          <p:nvPr>
+            <p:ph type="sldImg"/>
+          </p:nvPr>
+        </p:nvSpPr>
+        <p:spPr/>
+      </p:sp>
+      <p:sp>
+        <p:nvSpPr>
+          <p:cNvPr id="3" name="Notes Placeholder 2"/>
+          <p:cNvSpPr>
+            <a:spLocks noGrp="1"/>
+          </p:cNvSpPr>
+          <p:nvPr>
+            <p:ph type="body" idx="1"/>
+          </p:nvPr>
+        </p:nvSpPr>
+        <p:spPr/>
+        <p:txBody>
+          <a:bodyPr/>
+          <a:lstStyle/>
+          <a:p>
+            <a:endParaRPr lang="en-US"/>
+          </a:p>
+        </p:txBody>
+      </p:sp>
+      <p:sp>
+        <p:nvSpPr>
+          <p:cNvPr id="4" name="Slide Number Placeholder 3"/>
+          <p:cNvSpPr>
+            <a:spLocks noGrp="1"/>
+          </p:cNvSpPr>
+          <p:nvPr>
+            <p:ph type="sldNum" sz="quarter" idx="10"/>
+          </p:nvPr>
+        </p:nvSpPr>
+        <p:spPr/>
+        <p:txBody>
+          <a:bodyPr/>
+          <a:lstStyle/>
+          <a:p>
+            <a:fld id="{1C397201-E995-4965-A612-DA273398B788}" type="slidenum">
+              <a:rPr lang="en-US"/>
+              <a:t>11</a:t>
+            </a:fld>
+            <a:endParaRPr lang="en-US"/>
+          </a:p>
+        </p:txBody>
+      </p:sp>
+    </p:spTree>
+    <p:extLst>
+      <p:ext uri="{BB962C8B-B14F-4D97-AF65-F5344CB8AC3E}">
+        <p14:creationId xmlns:p14="http://schemas.microsoft.com/office/powerpoint/2010/main" val="2752350634"/>
+      </p:ext>
+    </p:extLst>
+  </p:cSld>
+  <p:clrMapOvr>
+    <a:masterClrMapping/>
+  </p:clrMapOvr>
+</p:notes>
+</file>
+
+<file path=ppt/notesSlides/notesSlide2.xml><?xml version="1.0" encoding="utf-8"?>
+<p:notes xmlns:a="http://schemas.openxmlformats.org/drawingml/2006/main" xmlns:r="http://schemas.openxmlformats.org/officeDocument/2006/relationships" xmlns:p="http://schemas.openxmlformats.org/presentationml/2006/main">
+  <p:cSld>
+    <p:spTree>
+      <p:nvGrpSpPr>
+        <p:cNvPr id="1" name=""/>
+        <p:cNvGrpSpPr/>
+        <p:nvPr/>
+      </p:nvGrpSpPr>
+      <p:grpSpPr>
+        <a:xfrm>
+          <a:off x="0" y="0"/>
+          <a:ext cx="0" cy="0"/>
+          <a:chOff x="0" y="0"/>
+          <a:chExt cx="0" cy="0"/>
+        </a:xfrm>
+      </p:grpSpPr>
+      <p:sp>
+        <p:nvSpPr>
+          <p:cNvPr id="2" name="Slide Image Placeholder 1"/>
+          <p:cNvSpPr>
+            <a:spLocks noGrp="1" noRot="1" noChangeAspect="1"/>
+          </p:cNvSpPr>
+          <p:nvPr>
+            <p:ph type="sldImg"/>
+          </p:nvPr>
+        </p:nvSpPr>
+        <p:spPr/>
+      </p:sp>
+      <p:sp>
+        <p:nvSpPr>
+          <p:cNvPr id="3" name="Notes Placeholder 2"/>
+          <p:cNvSpPr>
+            <a:spLocks noGrp="1"/>
+          </p:cNvSpPr>
+          <p:nvPr>
+            <p:ph type="body" idx="1"/>
+          </p:nvPr>
+        </p:nvSpPr>
+        <p:spPr/>
+        <p:txBody>
+          <a:bodyPr/>
+          <a:lstStyle/>
+          <a:p>
+            <a:endParaRPr lang="en-US"/>
+          </a:p>
+        </p:txBody>
+      </p:sp>
+      <p:sp>
+        <p:nvSpPr>
+          <p:cNvPr id="4" name="Slide Number Placeholder 3"/>
+          <p:cNvSpPr>
+            <a:spLocks noGrp="1"/>
+          </p:cNvSpPr>
+          <p:nvPr>
+            <p:ph type="sldNum" sz="quarter" idx="10"/>
+          </p:nvPr>
+        </p:nvSpPr>
+        <p:spPr/>
+        <p:txBody>
+          <a:bodyPr/>
+          <a:lstStyle/>
+          <a:p>
+            <a:fld id="{1C397201-E995-4965-A612-DA273398B788}" type="slidenum">
+              <a:rPr lang="en-US"/>
+              <a:t>2</a:t>
+            </a:fld>
+            <a:endParaRPr lang="en-US"/>
+          </a:p>
+        </p:txBody>
+      </p:sp>
+    </p:spTree>
+    <p:extLst>
+      <p:ext uri="{BB962C8B-B14F-4D97-AF65-F5344CB8AC3E}">
+        <p14:creationId xmlns:p14="http://schemas.microsoft.com/office/powerpoint/2010/main" val="3537150194"/>
+      </p:ext>
+    </p:extLst>
+  </p:cSld>
+  <p:clrMapOvr>
+    <a:masterClrMapping/>
+  </p:clrMapOvr>
+</p:notes>
+</file>
+
+<file path=ppt/notesSlides/notesSlide3.xml><?xml version="1.0" encoding="utf-8"?>
+<p:notes xmlns:a="http://schemas.openxmlformats.org/drawingml/2006/main" xmlns:r="http://schemas.openxmlformats.org/officeDocument/2006/relationships" xmlns:p="http://schemas.openxmlformats.org/presentationml/2006/main">
+  <p:cSld>
+    <p:spTree>
+      <p:nvGrpSpPr>
+        <p:cNvPr id="1" name=""/>
+        <p:cNvGrpSpPr/>
+        <p:nvPr/>
+      </p:nvGrpSpPr>
+      <p:grpSpPr>
+        <a:xfrm>
+          <a:off x="0" y="0"/>
+          <a:ext cx="0" cy="0"/>
+          <a:chOff x="0" y="0"/>
+          <a:chExt cx="0" cy="0"/>
+        </a:xfrm>
+      </p:grpSpPr>
+      <p:sp>
+        <p:nvSpPr>
+          <p:cNvPr id="2" name="Slide Image Placeholder 1"/>
+          <p:cNvSpPr>
+            <a:spLocks noGrp="1" noRot="1" noChangeAspect="1"/>
+          </p:cNvSpPr>
+          <p:nvPr>
+            <p:ph type="sldImg"/>
+          </p:nvPr>
+        </p:nvSpPr>
+        <p:spPr/>
+      </p:sp>
+      <p:sp>
+        <p:nvSpPr>
+          <p:cNvPr id="3" name="Notes Placeholder 2"/>
+          <p:cNvSpPr>
+            <a:spLocks noGrp="1"/>
+          </p:cNvSpPr>
+          <p:nvPr>
+            <p:ph type="body" idx="1"/>
+          </p:nvPr>
+        </p:nvSpPr>
+        <p:spPr/>
+        <p:txBody>
+          <a:bodyPr/>
+          <a:lstStyle/>
+          <a:p>
+            <a:endParaRPr lang="en-US"/>
+          </a:p>
+        </p:txBody>
+      </p:sp>
+      <p:sp>
+        <p:nvSpPr>
+          <p:cNvPr id="4" name="Slide Number Placeholder 3"/>
+          <p:cNvSpPr>
+            <a:spLocks noGrp="1"/>
+          </p:cNvSpPr>
+          <p:nvPr>
+            <p:ph type="sldNum" sz="quarter" idx="10"/>
+          </p:nvPr>
+        </p:nvSpPr>
+        <p:spPr/>
+        <p:txBody>
+          <a:bodyPr/>
+          <a:lstStyle/>
+          <a:p>
+            <a:fld id="{1C397201-E995-4965-A612-DA273398B788}" type="slidenum">
+              <a:rPr lang="en-US"/>
+              <a:t>3</a:t>
+            </a:fld>
+            <a:endParaRPr lang="en-US"/>
+          </a:p>
+        </p:txBody>
+      </p:sp>
+    </p:spTree>
+    <p:extLst>
+      <p:ext uri="{BB962C8B-B14F-4D97-AF65-F5344CB8AC3E}">
+        <p14:creationId xmlns:p14="http://schemas.microsoft.com/office/powerpoint/2010/main" val="203277446"/>
+      </p:ext>
+    </p:extLst>
+  </p:cSld>
+  <p:clrMapOvr>
+    <a:masterClrMapping/>
+  </p:clrMapOvr>
+</p:notes>
+</file>
+
+<file path=ppt/notesSlides/notesSlide4.xml><?xml version="1.0" encoding="utf-8"?>
+<p:notes xmlns:a="http://schemas.openxmlformats.org/drawingml/2006/main" xmlns:r="http://schemas.openxmlformats.org/officeDocument/2006/relationships" xmlns:p="http://schemas.openxmlformats.org/presentationml/2006/main">
+  <p:cSld>
+    <p:spTree>
+      <p:nvGrpSpPr>
+        <p:cNvPr id="1" name=""/>
+        <p:cNvGrpSpPr/>
+        <p:nvPr/>
+      </p:nvGrpSpPr>
+      <p:grpSpPr>
+        <a:xfrm>
+          <a:off x="0" y="0"/>
+          <a:ext cx="0" cy="0"/>
+          <a:chOff x="0" y="0"/>
+          <a:chExt cx="0" cy="0"/>
+        </a:xfrm>
+      </p:grpSpPr>
+      <p:sp>
+        <p:nvSpPr>
+          <p:cNvPr id="2" name="Slide Image Placeholder 1"/>
+          <p:cNvSpPr>
+            <a:spLocks noGrp="1" noRot="1" noChangeAspect="1"/>
+          </p:cNvSpPr>
+          <p:nvPr>
+            <p:ph type="sldImg"/>
+          </p:nvPr>
+        </p:nvSpPr>
+        <p:spPr/>
+      </p:sp>
+      <p:sp>
+        <p:nvSpPr>
+          <p:cNvPr id="3" name="Notes Placeholder 2"/>
+          <p:cNvSpPr>
+            <a:spLocks noGrp="1"/>
+          </p:cNvSpPr>
+          <p:nvPr>
+            <p:ph type="body" idx="1"/>
+          </p:nvPr>
+        </p:nvSpPr>
+        <p:spPr/>
+        <p:txBody>
+          <a:bodyPr/>
+          <a:lstStyle/>
+          <a:p>
+            <a:endParaRPr lang="en-US"/>
+          </a:p>
+        </p:txBody>
+      </p:sp>
+      <p:sp>
+        <p:nvSpPr>
+          <p:cNvPr id="4" name="Slide Number Placeholder 3"/>
+          <p:cNvSpPr>
+            <a:spLocks noGrp="1"/>
+          </p:cNvSpPr>
+          <p:nvPr>
+            <p:ph type="sldNum" sz="quarter" idx="10"/>
+          </p:nvPr>
+        </p:nvSpPr>
+        <p:spPr/>
+        <p:txBody>
+          <a:bodyPr/>
+          <a:lstStyle/>
+          <a:p>
+            <a:fld id="{1C397201-E995-4965-A612-DA273398B788}" type="slidenum">
+              <a:rPr lang="en-US"/>
+              <a:t>4</a:t>
+            </a:fld>
+            <a:endParaRPr lang="en-US"/>
+          </a:p>
+        </p:txBody>
+      </p:sp>
+    </p:spTree>
+    <p:extLst>
+      <p:ext uri="{BB962C8B-B14F-4D97-AF65-F5344CB8AC3E}">
+        <p14:creationId xmlns:p14="http://schemas.microsoft.com/office/powerpoint/2010/main" val="2200365105"/>
+      </p:ext>
+    </p:extLst>
+  </p:cSld>
+  <p:clrMapOvr>
+    <a:masterClrMapping/>
+  </p:clrMapOvr>
+</p:notes>
+</file>
+
+<file path=ppt/notesSlides/notesSlide5.xml><?xml version="1.0" encoding="utf-8"?>
+<p:notes xmlns:a="http://schemas.openxmlformats.org/drawingml/2006/main" xmlns:r="http://schemas.openxmlformats.org/officeDocument/2006/relationships" xmlns:p="http://schemas.openxmlformats.org/presentationml/2006/main">
+  <p:cSld>
+    <p:spTree>
+      <p:nvGrpSpPr>
+        <p:cNvPr id="1" name=""/>
+        <p:cNvGrpSpPr/>
+        <p:nvPr/>
+      </p:nvGrpSpPr>
+      <p:grpSpPr>
+        <a:xfrm>
+          <a:off x="0" y="0"/>
+          <a:ext cx="0" cy="0"/>
+          <a:chOff x="0" y="0"/>
+          <a:chExt cx="0" cy="0"/>
+        </a:xfrm>
+      </p:grpSpPr>
+      <p:sp>
+        <p:nvSpPr>
+          <p:cNvPr id="2" name="Slide Image Placeholder 1"/>
+          <p:cNvSpPr>
+            <a:spLocks noGrp="1" noRot="1" noChangeAspect="1"/>
+          </p:cNvSpPr>
+          <p:nvPr>
+            <p:ph type="sldImg"/>
+          </p:nvPr>
+        </p:nvSpPr>
+        <p:spPr/>
+      </p:sp>
+      <p:sp>
+        <p:nvSpPr>
+          <p:cNvPr id="3" name="Notes Placeholder 2"/>
+          <p:cNvSpPr>
+            <a:spLocks noGrp="1"/>
+          </p:cNvSpPr>
+          <p:nvPr>
+            <p:ph type="body" idx="1"/>
+          </p:nvPr>
+        </p:nvSpPr>
+        <p:spPr/>
+        <p:txBody>
+          <a:bodyPr/>
+          <a:lstStyle/>
+          <a:p>
+            <a:endParaRPr lang="en-US"/>
+          </a:p>
+        </p:txBody>
+      </p:sp>
+      <p:sp>
+        <p:nvSpPr>
+          <p:cNvPr id="4" name="Slide Number Placeholder 3"/>
+          <p:cNvSpPr>
+            <a:spLocks noGrp="1"/>
+          </p:cNvSpPr>
+          <p:nvPr>
+            <p:ph type="sldNum" sz="quarter" idx="10"/>
+          </p:nvPr>
+        </p:nvSpPr>
+        <p:spPr/>
+        <p:txBody>
+          <a:bodyPr/>
+          <a:lstStyle/>
+          <a:p>
+            <a:fld id="{1C397201-E995-4965-A612-DA273398B788}" type="slidenum">
+              <a:rPr lang="en-US"/>
+              <a:t>5</a:t>
+            </a:fld>
+            <a:endParaRPr lang="en-US"/>
+          </a:p>
+        </p:txBody>
+      </p:sp>
+    </p:spTree>
+    <p:extLst>
+      <p:ext uri="{BB962C8B-B14F-4D97-AF65-F5344CB8AC3E}">
+        <p14:creationId xmlns:p14="http://schemas.microsoft.com/office/powerpoint/2010/main" val="641942988"/>
+      </p:ext>
+    </p:extLst>
+  </p:cSld>
+  <p:clrMapOvr>
+    <a:masterClrMapping/>
+  </p:clrMapOvr>
+</p:notes>
+</file>
+
+<file path=ppt/notesSlides/notesSlide6.xml><?xml version="1.0" encoding="utf-8"?>
+<p:notes xmlns:a="http://schemas.openxmlformats.org/drawingml/2006/main" xmlns:r="http://schemas.openxmlformats.org/officeDocument/2006/relationships" xmlns:p="http://schemas.openxmlformats.org/presentationml/2006/main">
+  <p:cSld>
+    <p:spTree>
+      <p:nvGrpSpPr>
+        <p:cNvPr id="1" name=""/>
+        <p:cNvGrpSpPr/>
+        <p:nvPr/>
+      </p:nvGrpSpPr>
+      <p:grpSpPr>
+        <a:xfrm>
+          <a:off x="0" y="0"/>
+          <a:ext cx="0" cy="0"/>
+          <a:chOff x="0" y="0"/>
+          <a:chExt cx="0" cy="0"/>
+        </a:xfrm>
+      </p:grpSpPr>
+      <p:sp>
+        <p:nvSpPr>
+          <p:cNvPr id="2" name="Slide Image Placeholder 1"/>
+          <p:cNvSpPr>
+            <a:spLocks noGrp="1" noRot="1" noChangeAspect="1"/>
+          </p:cNvSpPr>
+          <p:nvPr>
+            <p:ph type="sldImg"/>
+          </p:nvPr>
+        </p:nvSpPr>
+        <p:spPr/>
+      </p:sp>
+      <p:sp>
+        <p:nvSpPr>
+          <p:cNvPr id="3" name="Notes Placeholder 2"/>
+          <p:cNvSpPr>
+            <a:spLocks noGrp="1"/>
+          </p:cNvSpPr>
+          <p:nvPr>
+            <p:ph type="body" idx="1"/>
+          </p:nvPr>
+        </p:nvSpPr>
+        <p:spPr/>
+        <p:txBody>
+          <a:bodyPr/>
+          <a:lstStyle/>
+          <a:p>
+            <a:endParaRPr lang="en-US"/>
+          </a:p>
+        </p:txBody>
+      </p:sp>
+      <p:sp>
+        <p:nvSpPr>
+          <p:cNvPr id="4" name="Slide Number Placeholder 3"/>
+          <p:cNvSpPr>
+            <a:spLocks noGrp="1"/>
+          </p:cNvSpPr>
+          <p:nvPr>
+            <p:ph type="sldNum" sz="quarter" idx="10"/>
+          </p:nvPr>
+        </p:nvSpPr>
+        <p:spPr/>
+        <p:txBody>
+          <a:bodyPr/>
+          <a:lstStyle/>
+          <a:p>
+            <a:fld id="{1C397201-E995-4965-A612-DA273398B788}" type="slidenum">
+              <a:rPr lang="en-US"/>
+              <a:t>6</a:t>
+            </a:fld>
+            <a:endParaRPr lang="en-US"/>
+          </a:p>
+        </p:txBody>
+      </p:sp>
+    </p:spTree>
+    <p:extLst>
+      <p:ext uri="{BB962C8B-B14F-4D97-AF65-F5344CB8AC3E}">
+        <p14:creationId xmlns:p14="http://schemas.microsoft.com/office/powerpoint/2010/main" val="494537677"/>
+      </p:ext>
+    </p:extLst>
+  </p:cSld>
+  <p:clrMapOvr>
+    <a:masterClrMapping/>
+  </p:clrMapOvr>
+</p:notes>
+</file>
+
+<file path=ppt/notesSlides/notesSlide7.xml><?xml version="1.0" encoding="utf-8"?>
+<p:notes xmlns:a="http://schemas.openxmlformats.org/drawingml/2006/main" xmlns:r="http://schemas.openxmlformats.org/officeDocument/2006/relationships" xmlns:p="http://schemas.openxmlformats.org/presentationml/2006/main">
+  <p:cSld>
+    <p:spTree>
+      <p:nvGrpSpPr>
+        <p:cNvPr id="1" name=""/>
+        <p:cNvGrpSpPr/>
+        <p:nvPr/>
+      </p:nvGrpSpPr>
+      <p:grpSpPr>
+        <a:xfrm>
+          <a:off x="0" y="0"/>
+          <a:ext cx="0" cy="0"/>
+          <a:chOff x="0" y="0"/>
+          <a:chExt cx="0" cy="0"/>
+        </a:xfrm>
+      </p:grpSpPr>
+      <p:sp>
+        <p:nvSpPr>
+          <p:cNvPr id="2" name="Slide Image Placeholder 1"/>
+          <p:cNvSpPr>
+            <a:spLocks noGrp="1" noRot="1" noChangeAspect="1"/>
+          </p:cNvSpPr>
+          <p:nvPr>
+            <p:ph type="sldImg"/>
+          </p:nvPr>
+        </p:nvSpPr>
+        <p:spPr/>
+      </p:sp>
+      <p:sp>
+        <p:nvSpPr>
+          <p:cNvPr id="3" name="Notes Placeholder 2"/>
+          <p:cNvSpPr>
+            <a:spLocks noGrp="1"/>
+          </p:cNvSpPr>
+          <p:nvPr>
+            <p:ph type="body" idx="1"/>
+          </p:nvPr>
+        </p:nvSpPr>
+        <p:spPr/>
+        <p:txBody>
+          <a:bodyPr/>
+          <a:lstStyle/>
+          <a:p>
+            <a:endParaRPr lang="en-US"/>
+          </a:p>
+        </p:txBody>
+      </p:sp>
+      <p:sp>
+        <p:nvSpPr>
+          <p:cNvPr id="4" name="Slide Number Placeholder 3"/>
+          <p:cNvSpPr>
+            <a:spLocks noGrp="1"/>
+          </p:cNvSpPr>
+          <p:nvPr>
+            <p:ph type="sldNum" sz="quarter" idx="10"/>
+          </p:nvPr>
+        </p:nvSpPr>
+        <p:spPr/>
+        <p:txBody>
+          <a:bodyPr/>
+          <a:lstStyle/>
+          <a:p>
+            <a:fld id="{1C397201-E995-4965-A612-DA273398B788}" type="slidenum">
+              <a:rPr lang="en-US"/>
+              <a:t>7</a:t>
+            </a:fld>
+            <a:endParaRPr lang="en-US"/>
+          </a:p>
+        </p:txBody>
+      </p:sp>
+    </p:spTree>
+    <p:extLst>
+      <p:ext uri="{BB962C8B-B14F-4D97-AF65-F5344CB8AC3E}">
+        <p14:creationId xmlns:p14="http://schemas.microsoft.com/office/powerpoint/2010/main" val="1412855254"/>
+      </p:ext>
+    </p:extLst>
+  </p:cSld>
+  <p:clrMapOvr>
+    <a:masterClrMapping/>
+  </p:clrMapOvr>
+</p:notes>
+</file>
+
+<file path=ppt/notesSlides/notesSlide8.xml><?xml version="1.0" encoding="utf-8"?>
+<p:notes xmlns:a="http://schemas.openxmlformats.org/drawingml/2006/main" xmlns:r="http://schemas.openxmlformats.org/officeDocument/2006/relationships" xmlns:p="http://schemas.openxmlformats.org/presentationml/2006/main">
+  <p:cSld>
+    <p:spTree>
+      <p:nvGrpSpPr>
+        <p:cNvPr id="1" name=""/>
+        <p:cNvGrpSpPr/>
+        <p:nvPr/>
+      </p:nvGrpSpPr>
+      <p:grpSpPr>
+        <a:xfrm>
+          <a:off x="0" y="0"/>
+          <a:ext cx="0" cy="0"/>
+          <a:chOff x="0" y="0"/>
+          <a:chExt cx="0" cy="0"/>
+        </a:xfrm>
+      </p:grpSpPr>
+      <p:sp>
+        <p:nvSpPr>
+          <p:cNvPr id="2" name="Slide Image Placeholder 1"/>
+          <p:cNvSpPr>
+            <a:spLocks noGrp="1" noRot="1" noChangeAspect="1"/>
+          </p:cNvSpPr>
+          <p:nvPr>
+            <p:ph type="sldImg"/>
+          </p:nvPr>
+        </p:nvSpPr>
+        <p:spPr/>
+      </p:sp>
+      <p:sp>
+        <p:nvSpPr>
+          <p:cNvPr id="3" name="Notes Placeholder 2"/>
+          <p:cNvSpPr>
+            <a:spLocks noGrp="1"/>
+          </p:cNvSpPr>
+          <p:nvPr>
+            <p:ph type="body" idx="1"/>
+          </p:nvPr>
+        </p:nvSpPr>
+        <p:spPr/>
+        <p:txBody>
+          <a:bodyPr/>
+          <a:lstStyle/>
+          <a:p>
+            <a:endParaRPr lang="en-US"/>
+          </a:p>
+        </p:txBody>
+      </p:sp>
+      <p:sp>
+        <p:nvSpPr>
+          <p:cNvPr id="4" name="Slide Number Placeholder 3"/>
+          <p:cNvSpPr>
+            <a:spLocks noGrp="1"/>
+          </p:cNvSpPr>
+          <p:nvPr>
+            <p:ph type="sldNum" sz="quarter" idx="10"/>
+          </p:nvPr>
+        </p:nvSpPr>
+        <p:spPr/>
+        <p:txBody>
+          <a:bodyPr/>
+          <a:lstStyle/>
+          <a:p>
+            <a:fld id="{1C397201-E995-4965-A612-DA273398B788}" type="slidenum">
+              <a:rPr lang="en-US"/>
+              <a:t>8</a:t>
+            </a:fld>
+            <a:endParaRPr lang="en-US"/>
+          </a:p>
+        </p:txBody>
+      </p:sp>
+    </p:spTree>
+    <p:extLst>
+      <p:ext uri="{BB962C8B-B14F-4D97-AF65-F5344CB8AC3E}">
+        <p14:creationId xmlns:p14="http://schemas.microsoft.com/office/powerpoint/2010/main" val="2443502728"/>
+      </p:ext>
+    </p:extLst>
+  </p:cSld>
+  <p:clrMapOvr>
+    <a:masterClrMapping/>
+  </p:clrMapOvr>
+</p:notes>
+</file>
+
+<file path=ppt/notesSlides/notesSlide9.xml><?xml version="1.0" encoding="utf-8"?>
+<p:notes xmlns:a="http://schemas.openxmlformats.org/drawingml/2006/main" xmlns:r="http://schemas.openxmlformats.org/officeDocument/2006/relationships" xmlns:p="http://schemas.openxmlformats.org/presentationml/2006/main">
+  <p:cSld>
+    <p:spTree>
+      <p:nvGrpSpPr>
+        <p:cNvPr id="1" name=""/>
+        <p:cNvGrpSpPr/>
+        <p:nvPr/>
+      </p:nvGrpSpPr>
+      <p:grpSpPr>
+        <a:xfrm>
+          <a:off x="0" y="0"/>
+          <a:ext cx="0" cy="0"/>
+          <a:chOff x="0" y="0"/>
+          <a:chExt cx="0" cy="0"/>
+        </a:xfrm>
+      </p:grpSpPr>
+      <p:sp>
+        <p:nvSpPr>
+          <p:cNvPr id="2" name="Slide Image Placeholder 1"/>
+          <p:cNvSpPr>
+            <a:spLocks noGrp="1" noRot="1" noChangeAspect="1"/>
+          </p:cNvSpPr>
+          <p:nvPr>
+            <p:ph type="sldImg"/>
+          </p:nvPr>
+        </p:nvSpPr>
+        <p:spPr/>
+      </p:sp>
+      <p:sp>
+        <p:nvSpPr>
+          <p:cNvPr id="3" name="Notes Placeholder 2"/>
+          <p:cNvSpPr>
+            <a:spLocks noGrp="1"/>
+          </p:cNvSpPr>
+          <p:nvPr>
+            <p:ph type="body" idx="1"/>
+          </p:nvPr>
+        </p:nvSpPr>
+        <p:spPr/>
+        <p:txBody>
+          <a:bodyPr/>
+          <a:lstStyle/>
+          <a:p>
+            <a:endParaRPr lang="en-US"/>
+          </a:p>
+        </p:txBody>
+      </p:sp>
+      <p:sp>
+        <p:nvSpPr>
+          <p:cNvPr id="4" name="Slide Number Placeholder 3"/>
+          <p:cNvSpPr>
+            <a:spLocks noGrp="1"/>
+          </p:cNvSpPr>
+          <p:nvPr>
+            <p:ph type="sldNum" sz="quarter" idx="10"/>
+          </p:nvPr>
+        </p:nvSpPr>
+        <p:spPr/>
+        <p:txBody>
+          <a:bodyPr/>
+          <a:lstStyle/>
+          <a:p>
+            <a:fld id="{1C397201-E995-4965-A612-DA273398B788}" type="slidenum">
+              <a:rPr lang="en-US"/>
+              <a:t>9</a:t>
+            </a:fld>
+            <a:endParaRPr lang="en-US"/>
+          </a:p>
+        </p:txBody>
+      </p:sp>
+    </p:spTree>
+    <p:extLst>
+      <p:ext uri="{BB962C8B-B14F-4D97-AF65-F5344CB8AC3E}">
+        <p14:creationId xmlns:p14="http://schemas.microsoft.com/office/powerpoint/2010/main" val="1755498069"/>
+      </p:ext>
+    </p:extLst>
+  </p:cSld>
+  <p:clrMapOvr>
+    <a:masterClrMapping/>
+  </p:clrMapOvr>
+</p:notes>
 </file>
 
 <file path=ppt/slideLayouts/slideLayout1.xml><?xml version="1.0" encoding="utf-8"?>
@@ -3149,16 +4440,16 @@
               </a:lnSpc>
             </a:pPr>
             <a:r>
-              <a:rPr lang="en-GB" sz="7200" b="1">
+              <a:rPr lang="en-GB" sz="6600" b="1">
                 <a:solidFill>
                   <a:srgbClr val="CC0202"/>
                 </a:solidFill>
                 <a:latin typeface="Arial"/>
                 <a:ea typeface="Arial"/>
               </a:rPr>
-              <a:t>Cell Behaviour Modeling Platform</a:t>
+              <a:t>Cell Behaviour Modelling Platform</a:t>
             </a:r>
-            <a:endParaRPr/>
+            <a:endParaRPr sz="6600"/>
           </a:p>
         </p:txBody>
       </p:sp>
@@ -3212,7 +4503,7 @@
   <p:timing>
     <p:tnLst>
       <p:par>
-        <p:cTn xmlns:p14="http://schemas.microsoft.com/office/powerpoint/2010/main" id="1" dur="indefinite" restart="never" nodeType="tmRoot">
+        <p:cTn id="1" dur="indefinite" restart="never" nodeType="tmRoot">
           <p:childTnLst>
             <p:seq>
               <p:cTn id="2" nodeType="mainSeq"/>
@@ -3258,6 +4549,3259 @@
       </p:grpSpPr>
       <p:sp>
         <p:nvSpPr>
+          <p:cNvPr id="117" name="CustomShape 1"/>
+          <p:cNvSpPr/>
+          <p:nvPr/>
+        </p:nvSpPr>
+        <p:spPr>
+          <a:xfrm>
+            <a:off x="457200" y="205920"/>
+            <a:ext cx="8228880" cy="856800"/>
+          </a:xfrm>
+          <a:prstGeom prst="rect">
+            <a:avLst/>
+          </a:prstGeom>
+          <a:noFill/>
+          <a:ln>
+            <a:noFill/>
+          </a:ln>
+        </p:spPr>
+        <p:txBody>
+          <a:bodyPr lIns="90000" tIns="91440" rIns="90000" bIns="91440" anchor="b"/>
+          <a:lstStyle/>
+          <a:p>
+            <a:pPr>
+              <a:lnSpc>
+                <a:spcPct val="100000"/>
+              </a:lnSpc>
+            </a:pPr>
+            <a:r>
+              <a:rPr lang="en-GB" sz="3600" b="1">
+                <a:solidFill>
+                  <a:srgbClr val="DA0002"/>
+                </a:solidFill>
+                <a:latin typeface="Arial"/>
+                <a:ea typeface="Arial"/>
+              </a:rPr>
+              <a:t>Cell-Wall interaction</a:t>
+            </a:r>
+            <a:endParaRPr/>
+          </a:p>
+        </p:txBody>
+      </p:sp>
+      <p:sp>
+        <p:nvSpPr>
+          <p:cNvPr id="118" name="CustomShape 2"/>
+          <p:cNvSpPr/>
+          <p:nvPr/>
+        </p:nvSpPr>
+        <p:spPr>
+          <a:xfrm>
+            <a:off x="8556840" y="4749840"/>
+            <a:ext cx="547920" cy="392760"/>
+          </a:xfrm>
+          <a:prstGeom prst="rect">
+            <a:avLst/>
+          </a:prstGeom>
+          <a:noFill/>
+          <a:ln>
+            <a:noFill/>
+          </a:ln>
+        </p:spPr>
+        <p:txBody>
+          <a:bodyPr lIns="90000" tIns="91440" rIns="90000" bIns="91440" anchor="ctr"/>
+          <a:lstStyle/>
+          <a:p>
+            <a:pPr>
+              <a:lnSpc>
+                <a:spcPct val="100000"/>
+              </a:lnSpc>
+            </a:pPr>
+            <a:fld id="{931551E3-91EB-47F1-8D1F-2EC258F53C17}" type="slidenum">
+              <a:rPr lang="en-GB" sz="1300">
+                <a:solidFill>
+                  <a:srgbClr val="000000"/>
+                </a:solidFill>
+                <a:latin typeface="Arial"/>
+                <a:ea typeface="Arial"/>
+              </a:rPr>
+              <a:t>10</a:t>
+            </a:fld>
+            <a:endParaRPr/>
+          </a:p>
+        </p:txBody>
+      </p:sp>
+      <p:pic>
+        <p:nvPicPr>
+          <p:cNvPr id="119" name="Shape 120"/>
+          <p:cNvPicPr/>
+          <p:nvPr/>
+        </p:nvPicPr>
+        <p:blipFill>
+          <a:blip r:embed="rId3"/>
+          <a:stretch>
+            <a:fillRect/>
+          </a:stretch>
+        </p:blipFill>
+        <p:spPr>
+          <a:xfrm>
+            <a:off x="156960" y="1648440"/>
+            <a:ext cx="5752440" cy="1666080"/>
+          </a:xfrm>
+          <a:prstGeom prst="rect">
+            <a:avLst/>
+          </a:prstGeom>
+          <a:ln>
+            <a:noFill/>
+          </a:ln>
+        </p:spPr>
+      </p:pic>
+      <p:pic>
+        <p:nvPicPr>
+          <p:cNvPr id="120" name="Shape 121"/>
+          <p:cNvPicPr/>
+          <p:nvPr/>
+        </p:nvPicPr>
+        <p:blipFill>
+          <a:blip r:embed="rId4"/>
+          <a:stretch>
+            <a:fillRect/>
+          </a:stretch>
+        </p:blipFill>
+        <p:spPr>
+          <a:xfrm>
+            <a:off x="5361120" y="2653560"/>
+            <a:ext cx="3423600" cy="1851480"/>
+          </a:xfrm>
+          <a:prstGeom prst="rect">
+            <a:avLst/>
+          </a:prstGeom>
+          <a:ln>
+            <a:noFill/>
+          </a:ln>
+        </p:spPr>
+      </p:pic>
+    </p:spTree>
+  </p:cSld>
+  <p:clrMapOvr>
+    <a:masterClrMapping/>
+  </p:clrMapOvr>
+  <p:timing>
+    <p:tnLst>
+      <p:par>
+        <p:cTn id="1" dur="indefinite" restart="never" nodeType="tmRoot">
+          <p:childTnLst>
+            <p:seq>
+              <p:cTn id="2" nodeType="mainSeq"/>
+              <p:prevCondLst>
+                <p:cond evt="onPrev" delay="0">
+                  <p:tgtEl>
+                    <p:sldTgt/>
+                  </p:tgtEl>
+                </p:cond>
+              </p:prevCondLst>
+              <p:nextCondLst>
+                <p:cond evt="onNext" delay="0">
+                  <p:tgtEl>
+                    <p:sldTgt/>
+                  </p:tgtEl>
+                </p:cond>
+              </p:nextCondLst>
+            </p:seq>
+          </p:childTnLst>
+        </p:cTn>
+      </p:par>
+    </p:tnLst>
+  </p:timing>
+</p:sld>
+</file>
+
+<file path=ppt/slides/slide11.xml><?xml version="1.0" encoding="utf-8"?>
+<p:sld xmlns:a="http://schemas.openxmlformats.org/drawingml/2006/main" xmlns:r="http://schemas.openxmlformats.org/officeDocument/2006/relationships" xmlns:p="http://schemas.openxmlformats.org/presentationml/2006/main">
+  <p:cSld>
+    <p:spTree>
+      <p:nvGrpSpPr>
+        <p:cNvPr id="1" name=""/>
+        <p:cNvGrpSpPr/>
+        <p:nvPr/>
+      </p:nvGrpSpPr>
+      <p:grpSpPr>
+        <a:xfrm>
+          <a:off x="0" y="0"/>
+          <a:ext cx="0" cy="0"/>
+          <a:chOff x="0" y="0"/>
+          <a:chExt cx="0" cy="0"/>
+        </a:xfrm>
+      </p:grpSpPr>
+      <p:sp>
+        <p:nvSpPr>
+          <p:cNvPr id="121" name="CustomShape 1"/>
+          <p:cNvSpPr/>
+          <p:nvPr/>
+        </p:nvSpPr>
+        <p:spPr>
+          <a:xfrm>
+            <a:off x="457200" y="205920"/>
+            <a:ext cx="8228880" cy="856800"/>
+          </a:xfrm>
+          <a:prstGeom prst="rect">
+            <a:avLst/>
+          </a:prstGeom>
+          <a:noFill/>
+          <a:ln>
+            <a:noFill/>
+          </a:ln>
+        </p:spPr>
+        <p:txBody>
+          <a:bodyPr lIns="90000" tIns="91440" rIns="90000" bIns="91440" anchor="b"/>
+          <a:lstStyle/>
+          <a:p>
+            <a:pPr>
+              <a:lnSpc>
+                <a:spcPct val="100000"/>
+              </a:lnSpc>
+            </a:pPr>
+            <a:r>
+              <a:rPr lang="en-GB" sz="3600" b="1">
+                <a:solidFill>
+                  <a:srgbClr val="DA0002"/>
+                </a:solidFill>
+                <a:latin typeface="Arial"/>
+                <a:ea typeface="Arial"/>
+              </a:rPr>
+              <a:t>Diffusion</a:t>
+            </a:r>
+            <a:endParaRPr/>
+          </a:p>
+        </p:txBody>
+      </p:sp>
+      <p:sp>
+        <p:nvSpPr>
+          <p:cNvPr id="122" name="CustomShape 2"/>
+          <p:cNvSpPr/>
+          <p:nvPr/>
+        </p:nvSpPr>
+        <p:spPr>
+          <a:xfrm>
+            <a:off x="8556840" y="4749840"/>
+            <a:ext cx="547920" cy="392760"/>
+          </a:xfrm>
+          <a:prstGeom prst="rect">
+            <a:avLst/>
+          </a:prstGeom>
+          <a:noFill/>
+          <a:ln>
+            <a:noFill/>
+          </a:ln>
+        </p:spPr>
+        <p:txBody>
+          <a:bodyPr lIns="90000" tIns="91440" rIns="90000" bIns="91440" anchor="ctr"/>
+          <a:lstStyle/>
+          <a:p>
+            <a:pPr>
+              <a:lnSpc>
+                <a:spcPct val="100000"/>
+              </a:lnSpc>
+            </a:pPr>
+            <a:fld id="{C20EDC80-F3D5-42F5-98F8-204839370AF6}" type="slidenum">
+              <a:rPr lang="en-GB" sz="1300">
+                <a:solidFill>
+                  <a:srgbClr val="000000"/>
+                </a:solidFill>
+                <a:latin typeface="Arial"/>
+                <a:ea typeface="Arial"/>
+              </a:rPr>
+              <a:t>11</a:t>
+            </a:fld>
+            <a:endParaRPr/>
+          </a:p>
+        </p:txBody>
+      </p:sp>
+      <p:pic>
+        <p:nvPicPr>
+          <p:cNvPr id="123" name="Shape 128"/>
+          <p:cNvPicPr/>
+          <p:nvPr/>
+        </p:nvPicPr>
+        <p:blipFill>
+          <a:blip r:embed="rId3"/>
+          <a:stretch>
+            <a:fillRect/>
+          </a:stretch>
+        </p:blipFill>
+        <p:spPr>
+          <a:xfrm>
+            <a:off x="863280" y="1303200"/>
+            <a:ext cx="3472920" cy="660960"/>
+          </a:xfrm>
+          <a:prstGeom prst="rect">
+            <a:avLst/>
+          </a:prstGeom>
+          <a:ln>
+            <a:noFill/>
+          </a:ln>
+        </p:spPr>
+      </p:pic>
+      <p:pic>
+        <p:nvPicPr>
+          <p:cNvPr id="124" name="Shape 129"/>
+          <p:cNvPicPr/>
+          <p:nvPr/>
+        </p:nvPicPr>
+        <p:blipFill>
+          <a:blip r:embed="rId4"/>
+          <a:stretch>
+            <a:fillRect/>
+          </a:stretch>
+        </p:blipFill>
+        <p:spPr>
+          <a:xfrm>
+            <a:off x="4716000" y="1418760"/>
+            <a:ext cx="3168360" cy="505080"/>
+          </a:xfrm>
+          <a:prstGeom prst="rect">
+            <a:avLst/>
+          </a:prstGeom>
+          <a:ln>
+            <a:noFill/>
+          </a:ln>
+        </p:spPr>
+      </p:pic>
+      <p:sp>
+        <p:nvSpPr>
+          <p:cNvPr id="125" name="CustomShape 3"/>
+          <p:cNvSpPr/>
+          <p:nvPr/>
+        </p:nvSpPr>
+        <p:spPr>
+          <a:xfrm>
+            <a:off x="7280640" y="2119320"/>
+            <a:ext cx="1344600" cy="505080"/>
+          </a:xfrm>
+          <a:prstGeom prst="rect">
+            <a:avLst/>
+          </a:prstGeom>
+          <a:noFill/>
+          <a:ln>
+            <a:noFill/>
+          </a:ln>
+        </p:spPr>
+        <p:txBody>
+          <a:bodyPr lIns="90000" tIns="91440" rIns="90000" bIns="91440"/>
+          <a:lstStyle/>
+          <a:p>
+            <a:pPr>
+              <a:lnSpc>
+                <a:spcPct val="100000"/>
+              </a:lnSpc>
+            </a:pPr>
+            <a:r>
+              <a:rPr lang="en-GB" sz="1400">
+                <a:solidFill>
+                  <a:srgbClr val="000000"/>
+                </a:solidFill>
+                <a:latin typeface="Arial"/>
+                <a:ea typeface="Arial"/>
+              </a:rPr>
+              <a:t>Instantaneous</a:t>
+            </a:r>
+            <a:endParaRPr/>
+          </a:p>
+        </p:txBody>
+      </p:sp>
+      <p:sp>
+        <p:nvSpPr>
+          <p:cNvPr id="126" name="CustomShape 4"/>
+          <p:cNvSpPr/>
+          <p:nvPr/>
+        </p:nvSpPr>
+        <p:spPr>
+          <a:xfrm>
+            <a:off x="4551840" y="1317240"/>
+            <a:ext cx="6840" cy="3229560"/>
+          </a:xfrm>
+          <a:prstGeom prst="straightConnector1">
+            <a:avLst/>
+          </a:prstGeom>
+          <a:noFill/>
+          <a:ln w="19080">
+            <a:solidFill>
+              <a:srgbClr val="5B595A"/>
+            </a:solidFill>
+            <a:round/>
+          </a:ln>
+        </p:spPr>
+      </p:sp>
+      <p:pic>
+        <p:nvPicPr>
+          <p:cNvPr id="127" name="Shape 132"/>
+          <p:cNvPicPr/>
+          <p:nvPr/>
+        </p:nvPicPr>
+        <p:blipFill>
+          <a:blip r:embed="rId5"/>
+          <a:stretch>
+            <a:fillRect/>
+          </a:stretch>
+        </p:blipFill>
+        <p:spPr>
+          <a:xfrm>
+            <a:off x="1379160" y="1949120"/>
+            <a:ext cx="5933520" cy="2837520"/>
+          </a:xfrm>
+          <a:prstGeom prst="rect">
+            <a:avLst/>
+          </a:prstGeom>
+          <a:ln>
+            <a:noFill/>
+          </a:ln>
+        </p:spPr>
+      </p:pic>
+      <p:sp>
+        <p:nvSpPr>
+          <p:cNvPr id="128" name="CustomShape 5"/>
+          <p:cNvSpPr/>
+          <p:nvPr/>
+        </p:nvSpPr>
+        <p:spPr>
+          <a:xfrm>
+            <a:off x="685800" y="2119320"/>
+            <a:ext cx="1116000" cy="505080"/>
+          </a:xfrm>
+          <a:prstGeom prst="rect">
+            <a:avLst/>
+          </a:prstGeom>
+          <a:noFill/>
+          <a:ln>
+            <a:noFill/>
+          </a:ln>
+        </p:spPr>
+        <p:txBody>
+          <a:bodyPr lIns="90000" tIns="91440" rIns="90000" bIns="91440"/>
+          <a:lstStyle/>
+          <a:p>
+            <a:pPr>
+              <a:lnSpc>
+                <a:spcPct val="100000"/>
+              </a:lnSpc>
+            </a:pPr>
+            <a:r>
+              <a:rPr lang="en-GB" sz="1400">
+                <a:solidFill>
+                  <a:srgbClr val="000000"/>
+                </a:solidFill>
+                <a:latin typeface="Arial"/>
+                <a:ea typeface="Arial"/>
+              </a:rPr>
+              <a:t>Sustained</a:t>
+            </a:r>
+            <a:endParaRPr/>
+          </a:p>
+        </p:txBody>
+      </p:sp>
+      <p:sp>
+        <p:nvSpPr>
+          <p:cNvPr id="2" name="ZoneTexte 1"/>
+          <p:cNvSpPr txBox="1"/>
+          <p:nvPr/>
+        </p:nvSpPr>
+        <p:spPr>
+          <a:xfrm>
+            <a:off x="1933038" y="4671160"/>
+            <a:ext cx="5563103" cy="276999"/>
+          </a:xfrm>
+          <a:prstGeom prst="rect">
+            <a:avLst/>
+          </a:prstGeom>
+          <a:noFill/>
+        </p:spPr>
+        <p:txBody>
+          <a:bodyPr wrap="square" rtlCol="0">
+            <a:spAutoFit/>
+          </a:bodyPr>
+          <a:lstStyle/>
+          <a:p>
+            <a:r>
+              <a:rPr lang="fr-FR" sz="1200" dirty="0" smtClean="0"/>
+              <a:t>Plot of the concentration of ligands over time </a:t>
+            </a:r>
+            <a:r>
+              <a:rPr lang="fr-FR" sz="1200" dirty="0" err="1" smtClean="0"/>
+              <a:t>at</a:t>
+            </a:r>
+            <a:r>
+              <a:rPr lang="fr-FR" sz="1200" dirty="0" smtClean="0"/>
+              <a:t> a </a:t>
+            </a:r>
+            <a:r>
+              <a:rPr lang="fr-FR" sz="1200" dirty="0" err="1" smtClean="0"/>
+              <a:t>fixed</a:t>
+            </a:r>
+            <a:r>
+              <a:rPr lang="fr-FR" sz="1200" dirty="0" smtClean="0"/>
+              <a:t> distance </a:t>
+            </a:r>
+            <a:r>
+              <a:rPr lang="fr-FR" sz="1200" dirty="0" err="1" smtClean="0"/>
+              <a:t>from</a:t>
+            </a:r>
+            <a:r>
+              <a:rPr lang="fr-FR" sz="1200" dirty="0" smtClean="0"/>
+              <a:t> the source </a:t>
+            </a:r>
+            <a:endParaRPr lang="fr-FR" sz="1200" dirty="0"/>
+          </a:p>
+        </p:txBody>
+      </p:sp>
+    </p:spTree>
+  </p:cSld>
+  <p:clrMapOvr>
+    <a:masterClrMapping/>
+  </p:clrMapOvr>
+  <p:timing>
+    <p:tnLst>
+      <p:par>
+        <p:cTn id="1" dur="indefinite" restart="never" nodeType="tmRoot">
+          <p:childTnLst>
+            <p:seq>
+              <p:cTn id="2" nodeType="mainSeq"/>
+              <p:prevCondLst>
+                <p:cond evt="onPrev" delay="0">
+                  <p:tgtEl>
+                    <p:sldTgt/>
+                  </p:tgtEl>
+                </p:cond>
+              </p:prevCondLst>
+              <p:nextCondLst>
+                <p:cond evt="onNext" delay="0">
+                  <p:tgtEl>
+                    <p:sldTgt/>
+                  </p:tgtEl>
+                </p:cond>
+              </p:nextCondLst>
+            </p:seq>
+          </p:childTnLst>
+        </p:cTn>
+      </p:par>
+    </p:tnLst>
+  </p:timing>
+</p:sld>
+</file>
+
+<file path=ppt/slides/slide12.xml><?xml version="1.0" encoding="utf-8"?>
+<p:sld xmlns:a="http://schemas.openxmlformats.org/drawingml/2006/main" xmlns:r="http://schemas.openxmlformats.org/officeDocument/2006/relationships" xmlns:p="http://schemas.openxmlformats.org/presentationml/2006/main">
+  <p:cSld>
+    <p:spTree>
+      <p:nvGrpSpPr>
+        <p:cNvPr id="1" name=""/>
+        <p:cNvGrpSpPr/>
+        <p:nvPr/>
+      </p:nvGrpSpPr>
+      <p:grpSpPr>
+        <a:xfrm>
+          <a:off x="0" y="0"/>
+          <a:ext cx="0" cy="0"/>
+          <a:chOff x="0" y="0"/>
+          <a:chExt cx="0" cy="0"/>
+        </a:xfrm>
+      </p:grpSpPr>
+      <p:sp>
+        <p:nvSpPr>
+          <p:cNvPr id="129" name="CustomShape 1"/>
+          <p:cNvSpPr/>
+          <p:nvPr/>
+        </p:nvSpPr>
+        <p:spPr>
+          <a:xfrm>
+            <a:off x="457200" y="205920"/>
+            <a:ext cx="8228880" cy="856800"/>
+          </a:xfrm>
+          <a:prstGeom prst="rect">
+            <a:avLst/>
+          </a:prstGeom>
+          <a:noFill/>
+          <a:ln>
+            <a:noFill/>
+          </a:ln>
+        </p:spPr>
+        <p:txBody>
+          <a:bodyPr lIns="90000" tIns="91440" rIns="90000" bIns="91440" anchor="b"/>
+          <a:lstStyle/>
+          <a:p>
+            <a:pPr>
+              <a:lnSpc>
+                <a:spcPct val="100000"/>
+              </a:lnSpc>
+            </a:pPr>
+            <a:r>
+              <a:rPr lang="en-GB" sz="3600" b="1">
+                <a:solidFill>
+                  <a:srgbClr val="DA0002"/>
+                </a:solidFill>
+                <a:latin typeface="Arial"/>
+                <a:ea typeface="Arial"/>
+              </a:rPr>
+              <a:t>Diffusion Illustration</a:t>
+            </a:r>
+            <a:endParaRPr/>
+          </a:p>
+        </p:txBody>
+      </p:sp>
+      <p:sp>
+        <p:nvSpPr>
+          <p:cNvPr id="130" name="CustomShape 2"/>
+          <p:cNvSpPr/>
+          <p:nvPr/>
+        </p:nvSpPr>
+        <p:spPr>
+          <a:xfrm>
+            <a:off x="8556840" y="4749840"/>
+            <a:ext cx="547920" cy="392760"/>
+          </a:xfrm>
+          <a:prstGeom prst="rect">
+            <a:avLst/>
+          </a:prstGeom>
+          <a:noFill/>
+          <a:ln>
+            <a:noFill/>
+          </a:ln>
+        </p:spPr>
+        <p:txBody>
+          <a:bodyPr lIns="90000" tIns="91440" rIns="90000" bIns="91440" anchor="ctr"/>
+          <a:lstStyle/>
+          <a:p>
+            <a:pPr>
+              <a:lnSpc>
+                <a:spcPct val="100000"/>
+              </a:lnSpc>
+            </a:pPr>
+            <a:fld id="{6F90FF7D-A028-413A-B0DB-F0A673D853F4}" type="slidenum">
+              <a:rPr lang="en-GB" sz="1300">
+                <a:solidFill>
+                  <a:srgbClr val="000000"/>
+                </a:solidFill>
+                <a:latin typeface="Arial"/>
+                <a:ea typeface="Arial"/>
+              </a:rPr>
+              <a:t>12</a:t>
+            </a:fld>
+            <a:endParaRPr/>
+          </a:p>
+        </p:txBody>
+      </p:sp>
+      <p:pic>
+        <p:nvPicPr>
+          <p:cNvPr id="131" name="Shape 140"/>
+          <p:cNvPicPr/>
+          <p:nvPr/>
+        </p:nvPicPr>
+        <p:blipFill>
+          <a:blip r:embed="rId2"/>
+          <a:stretch>
+            <a:fillRect/>
+          </a:stretch>
+        </p:blipFill>
+        <p:spPr>
+          <a:xfrm>
+            <a:off x="457200" y="1446840"/>
+            <a:ext cx="8228880" cy="2925720"/>
+          </a:xfrm>
+          <a:prstGeom prst="rect">
+            <a:avLst/>
+          </a:prstGeom>
+          <a:ln>
+            <a:noFill/>
+          </a:ln>
+        </p:spPr>
+      </p:pic>
+    </p:spTree>
+  </p:cSld>
+  <p:clrMapOvr>
+    <a:masterClrMapping/>
+  </p:clrMapOvr>
+  <p:timing>
+    <p:tnLst>
+      <p:par>
+        <p:cTn id="1" dur="indefinite" restart="never" nodeType="tmRoot">
+          <p:childTnLst>
+            <p:seq>
+              <p:cTn id="2" nodeType="mainSeq"/>
+              <p:prevCondLst>
+                <p:cond evt="onPrev" delay="0">
+                  <p:tgtEl>
+                    <p:sldTgt/>
+                  </p:tgtEl>
+                </p:cond>
+              </p:prevCondLst>
+              <p:nextCondLst>
+                <p:cond evt="onNext" delay="0">
+                  <p:tgtEl>
+                    <p:sldTgt/>
+                  </p:tgtEl>
+                </p:cond>
+              </p:nextCondLst>
+            </p:seq>
+          </p:childTnLst>
+        </p:cTn>
+      </p:par>
+    </p:tnLst>
+  </p:timing>
+</p:sld>
+</file>
+
+<file path=ppt/slides/slide13.xml><?xml version="1.0" encoding="utf-8"?>
+<p:sld xmlns:a="http://schemas.openxmlformats.org/drawingml/2006/main" xmlns:r="http://schemas.openxmlformats.org/officeDocument/2006/relationships" xmlns:p="http://schemas.openxmlformats.org/presentationml/2006/main">
+  <p:cSld>
+    <p:spTree>
+      <p:nvGrpSpPr>
+        <p:cNvPr id="1" name=""/>
+        <p:cNvGrpSpPr/>
+        <p:nvPr/>
+      </p:nvGrpSpPr>
+      <p:grpSpPr>
+        <a:xfrm>
+          <a:off x="0" y="0"/>
+          <a:ext cx="0" cy="0"/>
+          <a:chOff x="0" y="0"/>
+          <a:chExt cx="0" cy="0"/>
+        </a:xfrm>
+      </p:grpSpPr>
+      <p:sp>
+        <p:nvSpPr>
+          <p:cNvPr id="132" name="CustomShape 1"/>
+          <p:cNvSpPr/>
+          <p:nvPr/>
+        </p:nvSpPr>
+        <p:spPr>
+          <a:xfrm>
+            <a:off x="457200" y="205920"/>
+            <a:ext cx="8228880" cy="856800"/>
+          </a:xfrm>
+          <a:prstGeom prst="rect">
+            <a:avLst/>
+          </a:prstGeom>
+          <a:noFill/>
+          <a:ln>
+            <a:noFill/>
+          </a:ln>
+        </p:spPr>
+        <p:txBody>
+          <a:bodyPr lIns="90000" tIns="91440" rIns="90000" bIns="91440" anchor="b"/>
+          <a:lstStyle/>
+          <a:p>
+            <a:pPr>
+              <a:lnSpc>
+                <a:spcPct val="100000"/>
+              </a:lnSpc>
+            </a:pPr>
+            <a:r>
+              <a:rPr lang="en-GB" sz="3600" b="1">
+                <a:solidFill>
+                  <a:srgbClr val="DA0002"/>
+                </a:solidFill>
+                <a:latin typeface="Arial"/>
+                <a:ea typeface="Arial"/>
+              </a:rPr>
+              <a:t>Diffusion Interface</a:t>
+            </a:r>
+            <a:endParaRPr/>
+          </a:p>
+        </p:txBody>
+      </p:sp>
+      <p:sp>
+        <p:nvSpPr>
+          <p:cNvPr id="133" name="CustomShape 2"/>
+          <p:cNvSpPr/>
+          <p:nvPr/>
+        </p:nvSpPr>
+        <p:spPr>
+          <a:xfrm>
+            <a:off x="8556840" y="4749840"/>
+            <a:ext cx="547920" cy="392760"/>
+          </a:xfrm>
+          <a:prstGeom prst="rect">
+            <a:avLst/>
+          </a:prstGeom>
+          <a:noFill/>
+          <a:ln>
+            <a:noFill/>
+          </a:ln>
+        </p:spPr>
+        <p:txBody>
+          <a:bodyPr lIns="90000" tIns="91440" rIns="90000" bIns="91440" anchor="ctr"/>
+          <a:lstStyle/>
+          <a:p>
+            <a:pPr>
+              <a:lnSpc>
+                <a:spcPct val="100000"/>
+              </a:lnSpc>
+            </a:pPr>
+            <a:fld id="{AC3A44DD-1DCF-40FF-9395-E0D1BE1BD5BA}" type="slidenum">
+              <a:rPr lang="en-GB" sz="1300">
+                <a:solidFill>
+                  <a:srgbClr val="000000"/>
+                </a:solidFill>
+                <a:latin typeface="Arial"/>
+                <a:ea typeface="Arial"/>
+              </a:rPr>
+              <a:t>13</a:t>
+            </a:fld>
+            <a:endParaRPr/>
+          </a:p>
+        </p:txBody>
+      </p:sp>
+      <p:sp>
+        <p:nvSpPr>
+          <p:cNvPr id="135" name="CustomShape 3"/>
+          <p:cNvSpPr/>
+          <p:nvPr/>
+        </p:nvSpPr>
+        <p:spPr>
+          <a:xfrm>
+            <a:off x="504000" y="1615320"/>
+            <a:ext cx="1499760" cy="2015640"/>
+          </a:xfrm>
+          <a:prstGeom prst="rect">
+            <a:avLst/>
+          </a:prstGeom>
+          <a:noFill/>
+          <a:ln>
+            <a:noFill/>
+          </a:ln>
+        </p:spPr>
+        <p:txBody>
+          <a:bodyPr lIns="90000" tIns="91440" rIns="90000" bIns="91440"/>
+          <a:lstStyle/>
+          <a:p>
+            <a:pPr>
+              <a:lnSpc>
+                <a:spcPct val="100000"/>
+              </a:lnSpc>
+            </a:pPr>
+            <a:r>
+              <a:rPr lang="en-GB" sz="1400" dirty="0">
+                <a:solidFill>
+                  <a:srgbClr val="000000"/>
+                </a:solidFill>
+                <a:latin typeface="Arial"/>
+                <a:ea typeface="Arial"/>
+              </a:rPr>
+              <a:t>VIDEO of the integrative diffusion instead and click on the location and coefficient button to show the other interface</a:t>
+            </a:r>
+            <a:endParaRPr dirty="0"/>
+          </a:p>
+        </p:txBody>
+      </p:sp>
+    </p:spTree>
+  </p:cSld>
+  <p:clrMapOvr>
+    <a:masterClrMapping/>
+  </p:clrMapOvr>
+  <p:timing>
+    <p:tnLst>
+      <p:par>
+        <p:cTn id="1" dur="indefinite" restart="never" nodeType="tmRoot">
+          <p:childTnLst>
+            <p:seq>
+              <p:cTn id="2" nodeType="mainSeq"/>
+              <p:prevCondLst>
+                <p:cond evt="onPrev" delay="0">
+                  <p:tgtEl>
+                    <p:sldTgt/>
+                  </p:tgtEl>
+                </p:cond>
+              </p:prevCondLst>
+              <p:nextCondLst>
+                <p:cond evt="onNext" delay="0">
+                  <p:tgtEl>
+                    <p:sldTgt/>
+                  </p:tgtEl>
+                </p:cond>
+              </p:nextCondLst>
+            </p:seq>
+          </p:childTnLst>
+        </p:cTn>
+      </p:par>
+    </p:tnLst>
+  </p:timing>
+</p:sld>
+</file>
+
+<file path=ppt/slides/slide14.xml><?xml version="1.0" encoding="utf-8"?>
+<p:sld xmlns:a="http://schemas.openxmlformats.org/drawingml/2006/main" xmlns:r="http://schemas.openxmlformats.org/officeDocument/2006/relationships" xmlns:p="http://schemas.openxmlformats.org/presentationml/2006/main">
+  <p:cSld>
+    <p:spTree>
+      <p:nvGrpSpPr>
+        <p:cNvPr id="1" name=""/>
+        <p:cNvGrpSpPr/>
+        <p:nvPr/>
+      </p:nvGrpSpPr>
+      <p:grpSpPr>
+        <a:xfrm>
+          <a:off x="0" y="0"/>
+          <a:ext cx="0" cy="0"/>
+          <a:chOff x="0" y="0"/>
+          <a:chExt cx="0" cy="0"/>
+        </a:xfrm>
+      </p:grpSpPr>
+      <p:sp>
+        <p:nvSpPr>
+          <p:cNvPr id="136" name="CustomShape 1"/>
+          <p:cNvSpPr/>
+          <p:nvPr/>
+        </p:nvSpPr>
+        <p:spPr>
+          <a:xfrm>
+            <a:off x="457200" y="205920"/>
+            <a:ext cx="8228880" cy="856800"/>
+          </a:xfrm>
+          <a:prstGeom prst="rect">
+            <a:avLst/>
+          </a:prstGeom>
+          <a:noFill/>
+          <a:ln>
+            <a:noFill/>
+          </a:ln>
+        </p:spPr>
+        <p:txBody>
+          <a:bodyPr lIns="90000" tIns="91440" rIns="90000" bIns="91440" anchor="b"/>
+          <a:lstStyle/>
+          <a:p>
+            <a:pPr>
+              <a:lnSpc>
+                <a:spcPct val="100000"/>
+              </a:lnSpc>
+            </a:pPr>
+            <a:r>
+              <a:rPr lang="en-GB" sz="3600" b="1">
+                <a:solidFill>
+                  <a:srgbClr val="DA0002"/>
+                </a:solidFill>
+                <a:latin typeface="Arial"/>
+                <a:ea typeface="Arial"/>
+              </a:rPr>
+              <a:t>Example: Stem Cell Replication</a:t>
+            </a:r>
+            <a:endParaRPr/>
+          </a:p>
+        </p:txBody>
+      </p:sp>
+      <p:sp>
+        <p:nvSpPr>
+          <p:cNvPr id="137" name="CustomShape 2"/>
+          <p:cNvSpPr/>
+          <p:nvPr/>
+        </p:nvSpPr>
+        <p:spPr>
+          <a:xfrm>
+            <a:off x="8556840" y="4749840"/>
+            <a:ext cx="547920" cy="392760"/>
+          </a:xfrm>
+          <a:prstGeom prst="rect">
+            <a:avLst/>
+          </a:prstGeom>
+          <a:noFill/>
+          <a:ln>
+            <a:noFill/>
+          </a:ln>
+        </p:spPr>
+        <p:txBody>
+          <a:bodyPr lIns="90000" tIns="91440" rIns="90000" bIns="91440" anchor="ctr"/>
+          <a:lstStyle/>
+          <a:p>
+            <a:pPr>
+              <a:lnSpc>
+                <a:spcPct val="100000"/>
+              </a:lnSpc>
+            </a:pPr>
+            <a:fld id="{8E1C14B5-BC25-4EDE-953F-4437E00491E6}" type="slidenum">
+              <a:rPr lang="en-GB" sz="1300">
+                <a:solidFill>
+                  <a:srgbClr val="000000"/>
+                </a:solidFill>
+                <a:latin typeface="Arial"/>
+                <a:ea typeface="Arial"/>
+              </a:rPr>
+              <a:t>14</a:t>
+            </a:fld>
+            <a:endParaRPr/>
+          </a:p>
+        </p:txBody>
+      </p:sp>
+      <p:pic>
+        <p:nvPicPr>
+          <p:cNvPr id="138" name="Image 137"/>
+          <p:cNvPicPr/>
+          <p:nvPr/>
+        </p:nvPicPr>
+        <p:blipFill>
+          <a:blip r:embed="rId2"/>
+          <a:stretch>
+            <a:fillRect/>
+          </a:stretch>
+        </p:blipFill>
+        <p:spPr>
+          <a:xfrm>
+            <a:off x="4477680" y="1332720"/>
+            <a:ext cx="4089960" cy="3418920"/>
+          </a:xfrm>
+          <a:prstGeom prst="rect">
+            <a:avLst/>
+          </a:prstGeom>
+          <a:ln>
+            <a:noFill/>
+          </a:ln>
+        </p:spPr>
+      </p:pic>
+    </p:spTree>
+  </p:cSld>
+  <p:clrMapOvr>
+    <a:masterClrMapping/>
+  </p:clrMapOvr>
+  <p:timing>
+    <p:tnLst>
+      <p:par>
+        <p:cTn id="1" dur="indefinite" restart="never" nodeType="tmRoot">
+          <p:childTnLst>
+            <p:seq>
+              <p:cTn id="2" nodeType="mainSeq"/>
+              <p:prevCondLst>
+                <p:cond evt="onPrev" delay="0">
+                  <p:tgtEl>
+                    <p:sldTgt/>
+                  </p:tgtEl>
+                </p:cond>
+              </p:prevCondLst>
+              <p:nextCondLst>
+                <p:cond evt="onNext" delay="0">
+                  <p:tgtEl>
+                    <p:sldTgt/>
+                  </p:tgtEl>
+                </p:cond>
+              </p:nextCondLst>
+            </p:seq>
+          </p:childTnLst>
+        </p:cTn>
+      </p:par>
+    </p:tnLst>
+  </p:timing>
+</p:sld>
+</file>
+
+<file path=ppt/slides/slide15.xml><?xml version="1.0" encoding="utf-8"?>
+<p:sld xmlns:a="http://schemas.openxmlformats.org/drawingml/2006/main" xmlns:r="http://schemas.openxmlformats.org/officeDocument/2006/relationships" xmlns:p="http://schemas.openxmlformats.org/presentationml/2006/main">
+  <p:cSld>
+    <p:spTree>
+      <p:nvGrpSpPr>
+        <p:cNvPr id="1" name=""/>
+        <p:cNvGrpSpPr/>
+        <p:nvPr/>
+      </p:nvGrpSpPr>
+      <p:grpSpPr>
+        <a:xfrm>
+          <a:off x="0" y="0"/>
+          <a:ext cx="0" cy="0"/>
+          <a:chOff x="0" y="0"/>
+          <a:chExt cx="0" cy="0"/>
+        </a:xfrm>
+      </p:grpSpPr>
+      <p:sp>
+        <p:nvSpPr>
+          <p:cNvPr id="139" name="CustomShape 1"/>
+          <p:cNvSpPr/>
+          <p:nvPr/>
+        </p:nvSpPr>
+        <p:spPr>
+          <a:xfrm>
+            <a:off x="457200" y="205920"/>
+            <a:ext cx="8228880" cy="856800"/>
+          </a:xfrm>
+          <a:prstGeom prst="rect">
+            <a:avLst/>
+          </a:prstGeom>
+          <a:noFill/>
+          <a:ln>
+            <a:noFill/>
+          </a:ln>
+        </p:spPr>
+        <p:txBody>
+          <a:bodyPr lIns="0" tIns="0" rIns="0" bIns="0" anchor="ctr"/>
+          <a:lstStyle/>
+          <a:p>
+            <a:pPr>
+              <a:lnSpc>
+                <a:spcPct val="100000"/>
+              </a:lnSpc>
+            </a:pPr>
+            <a:r>
+              <a:rPr lang="en-GB" sz="3600" b="1">
+                <a:solidFill>
+                  <a:srgbClr val="DA0002"/>
+                </a:solidFill>
+                <a:latin typeface="Arial"/>
+                <a:ea typeface="Arial"/>
+              </a:rPr>
+              <a:t>Example: Stem Cell Replication</a:t>
+            </a:r>
+            <a:endParaRPr/>
+          </a:p>
+        </p:txBody>
+      </p:sp>
+      <p:pic>
+        <p:nvPicPr>
+          <p:cNvPr id="140" name="Image 139"/>
+          <p:cNvPicPr/>
+          <p:nvPr/>
+        </p:nvPicPr>
+        <p:blipFill>
+          <a:blip r:embed="rId2"/>
+          <a:stretch>
+            <a:fillRect/>
+          </a:stretch>
+        </p:blipFill>
+        <p:spPr>
+          <a:xfrm>
+            <a:off x="2100240" y="1209240"/>
+            <a:ext cx="4942440" cy="3706560"/>
+          </a:xfrm>
+          <a:prstGeom prst="rect">
+            <a:avLst/>
+          </a:prstGeom>
+          <a:ln>
+            <a:noFill/>
+          </a:ln>
+        </p:spPr>
+      </p:pic>
+    </p:spTree>
+  </p:cSld>
+  <p:clrMapOvr>
+    <a:masterClrMapping/>
+  </p:clrMapOvr>
+  <p:timing>
+    <p:tnLst>
+      <p:par>
+        <p:cTn id="1" dur="indefinite" restart="never" nodeType="tmRoot">
+          <p:childTnLst>
+            <p:seq>
+              <p:cTn id="2" nodeType="mainSeq"/>
+              <p:prevCondLst>
+                <p:cond evt="onPrev" delay="0">
+                  <p:tgtEl>
+                    <p:sldTgt/>
+                  </p:tgtEl>
+                </p:cond>
+              </p:prevCondLst>
+              <p:nextCondLst>
+                <p:cond evt="onNext" delay="0">
+                  <p:tgtEl>
+                    <p:sldTgt/>
+                  </p:tgtEl>
+                </p:cond>
+              </p:nextCondLst>
+            </p:seq>
+          </p:childTnLst>
+        </p:cTn>
+      </p:par>
+    </p:tnLst>
+  </p:timing>
+</p:sld>
+</file>
+
+<file path=ppt/slides/slide16.xml><?xml version="1.0" encoding="utf-8"?>
+<p:sld xmlns:a="http://schemas.openxmlformats.org/drawingml/2006/main" xmlns:r="http://schemas.openxmlformats.org/officeDocument/2006/relationships" xmlns:p="http://schemas.openxmlformats.org/presentationml/2006/main">
+  <p:cSld>
+    <p:spTree>
+      <p:nvGrpSpPr>
+        <p:cNvPr id="1" name=""/>
+        <p:cNvGrpSpPr/>
+        <p:nvPr/>
+      </p:nvGrpSpPr>
+      <p:grpSpPr>
+        <a:xfrm>
+          <a:off x="0" y="0"/>
+          <a:ext cx="0" cy="0"/>
+          <a:chOff x="0" y="0"/>
+          <a:chExt cx="0" cy="0"/>
+        </a:xfrm>
+      </p:grpSpPr>
+      <p:sp>
+        <p:nvSpPr>
+          <p:cNvPr id="141" name="CustomShape 1"/>
+          <p:cNvSpPr/>
+          <p:nvPr/>
+        </p:nvSpPr>
+        <p:spPr>
+          <a:xfrm>
+            <a:off x="457200" y="205920"/>
+            <a:ext cx="8228880" cy="856800"/>
+          </a:xfrm>
+          <a:prstGeom prst="rect">
+            <a:avLst/>
+          </a:prstGeom>
+          <a:noFill/>
+          <a:ln>
+            <a:noFill/>
+          </a:ln>
+        </p:spPr>
+        <p:txBody>
+          <a:bodyPr lIns="0" tIns="0" rIns="0" bIns="0" anchor="ctr"/>
+          <a:lstStyle/>
+          <a:p>
+            <a:pPr>
+              <a:lnSpc>
+                <a:spcPct val="100000"/>
+              </a:lnSpc>
+            </a:pPr>
+            <a:r>
+              <a:rPr lang="en-GB" sz="3600" b="1">
+                <a:solidFill>
+                  <a:srgbClr val="DA0002"/>
+                </a:solidFill>
+                <a:latin typeface="Arial"/>
+                <a:ea typeface="Arial"/>
+              </a:rPr>
+              <a:t>Example: Macrophage Migration</a:t>
+            </a:r>
+            <a:endParaRPr/>
+          </a:p>
+        </p:txBody>
+      </p:sp>
+    </p:spTree>
+  </p:cSld>
+  <p:clrMapOvr>
+    <a:masterClrMapping/>
+  </p:clrMapOvr>
+  <p:timing>
+    <p:tnLst>
+      <p:par>
+        <p:cTn id="1" dur="indefinite" restart="never" nodeType="tmRoot">
+          <p:childTnLst>
+            <p:seq>
+              <p:cTn id="2" nodeType="mainSeq"/>
+              <p:prevCondLst>
+                <p:cond evt="onPrev" delay="0">
+                  <p:tgtEl>
+                    <p:sldTgt/>
+                  </p:tgtEl>
+                </p:cond>
+              </p:prevCondLst>
+              <p:nextCondLst>
+                <p:cond evt="onNext" delay="0">
+                  <p:tgtEl>
+                    <p:sldTgt/>
+                  </p:tgtEl>
+                </p:cond>
+              </p:nextCondLst>
+            </p:seq>
+          </p:childTnLst>
+        </p:cTn>
+      </p:par>
+    </p:tnLst>
+  </p:timing>
+</p:sld>
+</file>
+
+<file path=ppt/slides/slide17.xml><?xml version="1.0" encoding="utf-8"?>
+<p:sld xmlns:a="http://schemas.openxmlformats.org/drawingml/2006/main" xmlns:r="http://schemas.openxmlformats.org/officeDocument/2006/relationships" xmlns:p="http://schemas.openxmlformats.org/presentationml/2006/main">
+  <p:cSld>
+    <p:spTree>
+      <p:nvGrpSpPr>
+        <p:cNvPr id="1" name=""/>
+        <p:cNvGrpSpPr/>
+        <p:nvPr/>
+      </p:nvGrpSpPr>
+      <p:grpSpPr>
+        <a:xfrm>
+          <a:off x="0" y="0"/>
+          <a:ext cx="0" cy="0"/>
+          <a:chOff x="0" y="0"/>
+          <a:chExt cx="0" cy="0"/>
+        </a:xfrm>
+      </p:grpSpPr>
+      <p:sp>
+        <p:nvSpPr>
+          <p:cNvPr id="142" name="CustomShape 1"/>
+          <p:cNvSpPr/>
+          <p:nvPr/>
+        </p:nvSpPr>
+        <p:spPr>
+          <a:xfrm>
+            <a:off x="457200" y="205920"/>
+            <a:ext cx="8228880" cy="856800"/>
+          </a:xfrm>
+          <a:prstGeom prst="rect">
+            <a:avLst/>
+          </a:prstGeom>
+          <a:noFill/>
+          <a:ln>
+            <a:noFill/>
+          </a:ln>
+        </p:spPr>
+        <p:txBody>
+          <a:bodyPr lIns="0" tIns="0" rIns="0" bIns="0" anchor="ctr"/>
+          <a:lstStyle/>
+          <a:p>
+            <a:pPr>
+              <a:lnSpc>
+                <a:spcPct val="100000"/>
+              </a:lnSpc>
+            </a:pPr>
+            <a:r>
+              <a:rPr lang="en-GB" sz="3600" b="1">
+                <a:solidFill>
+                  <a:srgbClr val="DA0002"/>
+                </a:solidFill>
+                <a:latin typeface="Arial"/>
+                <a:ea typeface="Arial"/>
+              </a:rPr>
+              <a:t>Example: Macrophage Migration</a:t>
+            </a:r>
+            <a:endParaRPr/>
+          </a:p>
+        </p:txBody>
+      </p:sp>
+      <p:pic>
+        <p:nvPicPr>
+          <p:cNvPr id="143" name="Image 142"/>
+          <p:cNvPicPr/>
+          <p:nvPr/>
+        </p:nvPicPr>
+        <p:blipFill>
+          <a:blip r:embed="rId2"/>
+          <a:stretch>
+            <a:fillRect/>
+          </a:stretch>
+        </p:blipFill>
+        <p:spPr>
+          <a:xfrm>
+            <a:off x="4536000" y="1786680"/>
+            <a:ext cx="4319640" cy="3036960"/>
+          </a:xfrm>
+          <a:prstGeom prst="rect">
+            <a:avLst/>
+          </a:prstGeom>
+          <a:ln>
+            <a:noFill/>
+          </a:ln>
+        </p:spPr>
+      </p:pic>
+      <p:pic>
+        <p:nvPicPr>
+          <p:cNvPr id="144" name="Image 143"/>
+          <p:cNvPicPr/>
+          <p:nvPr/>
+        </p:nvPicPr>
+        <p:blipFill>
+          <a:blip r:embed="rId3"/>
+          <a:stretch>
+            <a:fillRect/>
+          </a:stretch>
+        </p:blipFill>
+        <p:spPr>
+          <a:xfrm>
+            <a:off x="576000" y="1692720"/>
+            <a:ext cx="3674880" cy="3274920"/>
+          </a:xfrm>
+          <a:prstGeom prst="rect">
+            <a:avLst/>
+          </a:prstGeom>
+          <a:ln>
+            <a:noFill/>
+          </a:ln>
+        </p:spPr>
+      </p:pic>
+    </p:spTree>
+  </p:cSld>
+  <p:clrMapOvr>
+    <a:masterClrMapping/>
+  </p:clrMapOvr>
+  <p:timing>
+    <p:tnLst>
+      <p:par>
+        <p:cTn id="1" dur="indefinite" restart="never" nodeType="tmRoot">
+          <p:childTnLst>
+            <p:seq>
+              <p:cTn id="2" nodeType="mainSeq"/>
+              <p:prevCondLst>
+                <p:cond evt="onPrev" delay="0">
+                  <p:tgtEl>
+                    <p:sldTgt/>
+                  </p:tgtEl>
+                </p:cond>
+              </p:prevCondLst>
+              <p:nextCondLst>
+                <p:cond evt="onNext" delay="0">
+                  <p:tgtEl>
+                    <p:sldTgt/>
+                  </p:tgtEl>
+                </p:cond>
+              </p:nextCondLst>
+            </p:seq>
+          </p:childTnLst>
+        </p:cTn>
+      </p:par>
+    </p:tnLst>
+  </p:timing>
+</p:sld>
+</file>
+
+<file path=ppt/slides/slide18.xml><?xml version="1.0" encoding="utf-8"?>
+<p:sld xmlns:a="http://schemas.openxmlformats.org/drawingml/2006/main" xmlns:r="http://schemas.openxmlformats.org/officeDocument/2006/relationships" xmlns:p="http://schemas.openxmlformats.org/presentationml/2006/main">
+  <p:cSld>
+    <p:spTree>
+      <p:nvGrpSpPr>
+        <p:cNvPr id="1" name=""/>
+        <p:cNvGrpSpPr/>
+        <p:nvPr/>
+      </p:nvGrpSpPr>
+      <p:grpSpPr>
+        <a:xfrm>
+          <a:off x="0" y="0"/>
+          <a:ext cx="0" cy="0"/>
+          <a:chOff x="0" y="0"/>
+          <a:chExt cx="0" cy="0"/>
+        </a:xfrm>
+      </p:grpSpPr>
+      <p:sp>
+        <p:nvSpPr>
+          <p:cNvPr id="145" name="CustomShape 1"/>
+          <p:cNvSpPr/>
+          <p:nvPr/>
+        </p:nvSpPr>
+        <p:spPr>
+          <a:xfrm>
+            <a:off x="457200" y="205920"/>
+            <a:ext cx="8228880" cy="856800"/>
+          </a:xfrm>
+          <a:prstGeom prst="rect">
+            <a:avLst/>
+          </a:prstGeom>
+          <a:noFill/>
+          <a:ln>
+            <a:noFill/>
+          </a:ln>
+        </p:spPr>
+        <p:txBody>
+          <a:bodyPr lIns="90000" tIns="91440" rIns="90000" bIns="91440" anchor="b"/>
+          <a:lstStyle/>
+          <a:p>
+            <a:pPr>
+              <a:lnSpc>
+                <a:spcPct val="100000"/>
+              </a:lnSpc>
+            </a:pPr>
+            <a:r>
+              <a:rPr lang="en-GB" sz="3600" b="1">
+                <a:solidFill>
+                  <a:srgbClr val="DA0002"/>
+                </a:solidFill>
+                <a:latin typeface="Arial"/>
+                <a:ea typeface="Arial"/>
+              </a:rPr>
+              <a:t>References</a:t>
+            </a:r>
+            <a:endParaRPr/>
+          </a:p>
+        </p:txBody>
+      </p:sp>
+      <p:sp>
+        <p:nvSpPr>
+          <p:cNvPr id="146" name="CustomShape 2"/>
+          <p:cNvSpPr/>
+          <p:nvPr/>
+        </p:nvSpPr>
+        <p:spPr>
+          <a:xfrm>
+            <a:off x="457200" y="1200240"/>
+            <a:ext cx="8228880" cy="3724920"/>
+          </a:xfrm>
+          <a:prstGeom prst="rect">
+            <a:avLst/>
+          </a:prstGeom>
+          <a:noFill/>
+          <a:ln>
+            <a:noFill/>
+          </a:ln>
+        </p:spPr>
+        <p:txBody>
+          <a:bodyPr lIns="90000" tIns="91440" rIns="90000" bIns="91440"/>
+          <a:lstStyle/>
+          <a:p>
+            <a:pPr>
+              <a:lnSpc>
+                <a:spcPct val="100000"/>
+              </a:lnSpc>
+            </a:pPr>
+            <a:r>
+              <a:rPr lang="en-GB" sz="1200">
+                <a:solidFill>
+                  <a:srgbClr val="000000"/>
+                </a:solidFill>
+                <a:latin typeface="Arial"/>
+                <a:ea typeface="Arial"/>
+              </a:rPr>
+              <a:t>Kaul, Himanshu, and Yiannis Ventikos. "Investigating biocomplexity through the agent-based paradigm." </a:t>
+            </a:r>
+            <a:r>
+              <a:rPr lang="en-GB" sz="1200" i="1">
+                <a:solidFill>
+                  <a:srgbClr val="000000"/>
+                </a:solidFill>
+                <a:latin typeface="Arial"/>
+                <a:ea typeface="Arial"/>
+              </a:rPr>
+              <a:t>Briefings in bioinformatics</a:t>
+            </a:r>
+            <a:r>
+              <a:rPr lang="en-GB" sz="1200">
+                <a:solidFill>
+                  <a:srgbClr val="000000"/>
+                </a:solidFill>
+                <a:latin typeface="Arial"/>
+                <a:ea typeface="Arial"/>
+              </a:rPr>
+              <a:t> 16.1 (2015): 137-152.</a:t>
+            </a:r>
+            <a:endParaRPr/>
+          </a:p>
+          <a:p>
+            <a:pPr>
+              <a:lnSpc>
+                <a:spcPct val="100000"/>
+              </a:lnSpc>
+            </a:pPr>
+            <a:endParaRPr/>
+          </a:p>
+        </p:txBody>
+      </p:sp>
+      <p:sp>
+        <p:nvSpPr>
+          <p:cNvPr id="147" name="CustomShape 3"/>
+          <p:cNvSpPr/>
+          <p:nvPr/>
+        </p:nvSpPr>
+        <p:spPr>
+          <a:xfrm>
+            <a:off x="8556840" y="4749840"/>
+            <a:ext cx="547920" cy="392760"/>
+          </a:xfrm>
+          <a:prstGeom prst="rect">
+            <a:avLst/>
+          </a:prstGeom>
+          <a:noFill/>
+          <a:ln>
+            <a:noFill/>
+          </a:ln>
+        </p:spPr>
+        <p:txBody>
+          <a:bodyPr lIns="90000" tIns="91440" rIns="90000" bIns="91440" anchor="ctr"/>
+          <a:lstStyle/>
+          <a:p>
+            <a:pPr>
+              <a:lnSpc>
+                <a:spcPct val="100000"/>
+              </a:lnSpc>
+            </a:pPr>
+            <a:fld id="{213D8F78-8DB4-4BFA-BB79-FD2A2B808256}" type="slidenum">
+              <a:rPr lang="en-GB" sz="1300">
+                <a:solidFill>
+                  <a:srgbClr val="000000"/>
+                </a:solidFill>
+                <a:latin typeface="Arial"/>
+                <a:ea typeface="Arial"/>
+              </a:rPr>
+              <a:t>18</a:t>
+            </a:fld>
+            <a:endParaRPr/>
+          </a:p>
+        </p:txBody>
+      </p:sp>
+    </p:spTree>
+  </p:cSld>
+  <p:clrMapOvr>
+    <a:masterClrMapping/>
+  </p:clrMapOvr>
+  <p:timing>
+    <p:tnLst>
+      <p:par>
+        <p:cTn id="1" dur="indefinite" restart="never" nodeType="tmRoot">
+          <p:childTnLst>
+            <p:seq>
+              <p:cTn id="2" nodeType="mainSeq"/>
+              <p:prevCondLst>
+                <p:cond evt="onPrev" delay="0">
+                  <p:tgtEl>
+                    <p:sldTgt/>
+                  </p:tgtEl>
+                </p:cond>
+              </p:prevCondLst>
+              <p:nextCondLst>
+                <p:cond evt="onNext" delay="0">
+                  <p:tgtEl>
+                    <p:sldTgt/>
+                  </p:tgtEl>
+                </p:cond>
+              </p:nextCondLst>
+            </p:seq>
+          </p:childTnLst>
+        </p:cTn>
+      </p:par>
+    </p:tnLst>
+  </p:timing>
+</p:sld>
+</file>
+
+<file path=ppt/slides/slide2.xml><?xml version="1.0" encoding="utf-8"?>
+<p:sld xmlns:a="http://schemas.openxmlformats.org/drawingml/2006/main" xmlns:r="http://schemas.openxmlformats.org/officeDocument/2006/relationships" xmlns:p="http://schemas.openxmlformats.org/presentationml/2006/main">
+  <p:cSld>
+    <p:spTree>
+      <p:nvGrpSpPr>
+        <p:cNvPr id="1" name=""/>
+        <p:cNvGrpSpPr/>
+        <p:nvPr/>
+      </p:nvGrpSpPr>
+      <p:grpSpPr>
+        <a:xfrm>
+          <a:off x="0" y="0"/>
+          <a:ext cx="0" cy="0"/>
+          <a:chOff x="0" y="0"/>
+          <a:chExt cx="0" cy="0"/>
+        </a:xfrm>
+      </p:grpSpPr>
+      <p:sp>
+        <p:nvSpPr>
+          <p:cNvPr id="79" name="CustomShape 1"/>
+          <p:cNvSpPr/>
+          <p:nvPr/>
+        </p:nvSpPr>
+        <p:spPr>
+          <a:xfrm>
+            <a:off x="457200" y="205920"/>
+            <a:ext cx="8228880" cy="856800"/>
+          </a:xfrm>
+          <a:prstGeom prst="rect">
+            <a:avLst/>
+          </a:prstGeom>
+          <a:noFill/>
+          <a:ln>
+            <a:noFill/>
+          </a:ln>
+        </p:spPr>
+        <p:txBody>
+          <a:bodyPr lIns="90000" tIns="91440" rIns="90000" bIns="91440" anchor="b"/>
+          <a:lstStyle/>
+          <a:p>
+            <a:pPr>
+              <a:lnSpc>
+                <a:spcPct val="100000"/>
+              </a:lnSpc>
+            </a:pPr>
+            <a:r>
+              <a:rPr lang="en-GB" sz="3600" b="1">
+                <a:solidFill>
+                  <a:srgbClr val="DA0002"/>
+                </a:solidFill>
+                <a:latin typeface="Arial"/>
+                <a:ea typeface="Arial"/>
+              </a:rPr>
+              <a:t>Design aims</a:t>
+            </a:r>
+            <a:endParaRPr/>
+          </a:p>
+        </p:txBody>
+      </p:sp>
+      <p:sp>
+        <p:nvSpPr>
+          <p:cNvPr id="80" name="CustomShape 2"/>
+          <p:cNvSpPr/>
+          <p:nvPr/>
+        </p:nvSpPr>
+        <p:spPr>
+          <a:xfrm>
+            <a:off x="452898" y="2523237"/>
+            <a:ext cx="1996560" cy="1212120"/>
+          </a:xfrm>
+          <a:prstGeom prst="rect">
+            <a:avLst/>
+          </a:prstGeom>
+          <a:noFill/>
+          <a:ln>
+            <a:noFill/>
+          </a:ln>
+        </p:spPr>
+        <p:txBody>
+          <a:bodyPr lIns="90000" tIns="91440" rIns="90000" bIns="91440"/>
+          <a:lstStyle/>
+          <a:p>
+            <a:pPr algn="ctr">
+              <a:lnSpc>
+                <a:spcPct val="100000"/>
+              </a:lnSpc>
+            </a:pPr>
+            <a:r>
+              <a:rPr lang="en-GB" sz="3000">
+                <a:solidFill>
+                  <a:srgbClr val="000000"/>
+                </a:solidFill>
+                <a:latin typeface="Arial"/>
+                <a:ea typeface="Arial"/>
+              </a:rPr>
+              <a:t>Graphical or prompt</a:t>
+            </a:r>
+            <a:endParaRPr/>
+          </a:p>
+          <a:p>
+            <a:pPr algn="ctr">
+              <a:lnSpc>
+                <a:spcPct val="100000"/>
+              </a:lnSpc>
+            </a:pPr>
+            <a:endParaRPr/>
+          </a:p>
+        </p:txBody>
+      </p:sp>
+      <p:sp>
+        <p:nvSpPr>
+          <p:cNvPr id="81" name="CustomShape 3"/>
+          <p:cNvSpPr/>
+          <p:nvPr/>
+        </p:nvSpPr>
+        <p:spPr>
+          <a:xfrm>
+            <a:off x="6825662" y="2523237"/>
+            <a:ext cx="1859760" cy="1099080"/>
+          </a:xfrm>
+          <a:prstGeom prst="rect">
+            <a:avLst/>
+          </a:prstGeom>
+          <a:noFill/>
+          <a:ln>
+            <a:noFill/>
+          </a:ln>
+        </p:spPr>
+        <p:txBody>
+          <a:bodyPr lIns="90000" tIns="91440" rIns="90000" bIns="91440"/>
+          <a:lstStyle/>
+          <a:p>
+            <a:pPr algn="ctr">
+              <a:lnSpc>
+                <a:spcPct val="100000"/>
+              </a:lnSpc>
+            </a:pPr>
+            <a:r>
+              <a:rPr lang="en-GB" sz="3000">
+                <a:solidFill>
+                  <a:srgbClr val="000000"/>
+                </a:solidFill>
+                <a:latin typeface="Arial"/>
+                <a:ea typeface="Arial"/>
+              </a:rPr>
+              <a:t>Graphical or binary</a:t>
+            </a:r>
+            <a:endParaRPr/>
+          </a:p>
+        </p:txBody>
+      </p:sp>
+      <p:sp>
+        <p:nvSpPr>
+          <p:cNvPr id="82" name="CustomShape 4"/>
+          <p:cNvSpPr/>
+          <p:nvPr/>
+        </p:nvSpPr>
+        <p:spPr>
+          <a:xfrm>
+            <a:off x="3375720" y="1586160"/>
+            <a:ext cx="2250000" cy="3038760"/>
+          </a:xfrm>
+          <a:prstGeom prst="rect">
+            <a:avLst/>
+          </a:prstGeom>
+          <a:noFill/>
+          <a:ln w="19080">
+            <a:solidFill>
+              <a:srgbClr val="000000"/>
+            </a:solidFill>
+            <a:round/>
+          </a:ln>
+        </p:spPr>
+        <p:txBody>
+          <a:bodyPr lIns="90000" tIns="91440" rIns="90000" bIns="91440" anchor="ctr"/>
+          <a:lstStyle/>
+          <a:p>
+            <a:pPr algn="ctr">
+              <a:lnSpc>
+                <a:spcPct val="100000"/>
+              </a:lnSpc>
+            </a:pPr>
+            <a:r>
+              <a:rPr lang="en-GB" sz="3000">
+                <a:solidFill>
+                  <a:srgbClr val="000000"/>
+                </a:solidFill>
+                <a:latin typeface="Arial"/>
+                <a:ea typeface="Arial"/>
+              </a:rPr>
+              <a:t>Flexibly &amp; efficiently</a:t>
+            </a:r>
+            <a:endParaRPr/>
+          </a:p>
+          <a:p>
+            <a:pPr algn="ctr">
+              <a:lnSpc>
+                <a:spcPct val="100000"/>
+              </a:lnSpc>
+            </a:pPr>
+            <a:r>
+              <a:rPr lang="en-GB" sz="3000">
+                <a:solidFill>
+                  <a:srgbClr val="000000"/>
+                </a:solidFill>
+                <a:latin typeface="Arial"/>
+                <a:ea typeface="Arial"/>
+              </a:rPr>
+              <a:t>reproduce biologically realistic behaviour</a:t>
+            </a:r>
+            <a:endParaRPr/>
+          </a:p>
+        </p:txBody>
+      </p:sp>
+      <p:sp>
+        <p:nvSpPr>
+          <p:cNvPr id="83" name="CustomShape 5"/>
+          <p:cNvSpPr/>
+          <p:nvPr/>
+        </p:nvSpPr>
+        <p:spPr>
+          <a:xfrm>
+            <a:off x="576000" y="3124080"/>
+            <a:ext cx="2781360" cy="360"/>
+          </a:xfrm>
+          <a:prstGeom prst="straightConnector1">
+            <a:avLst/>
+          </a:prstGeom>
+          <a:noFill/>
+          <a:ln w="19080">
+            <a:solidFill>
+              <a:srgbClr val="5B595A"/>
+            </a:solidFill>
+            <a:round/>
+            <a:tailEnd type="triangle" w="lg" len="lg"/>
+          </a:ln>
+        </p:spPr>
+      </p:sp>
+      <p:sp>
+        <p:nvSpPr>
+          <p:cNvPr id="84" name="CustomShape 6"/>
+          <p:cNvSpPr/>
+          <p:nvPr/>
+        </p:nvSpPr>
+        <p:spPr>
+          <a:xfrm>
+            <a:off x="5626440" y="3124080"/>
+            <a:ext cx="2781360" cy="360"/>
+          </a:xfrm>
+          <a:prstGeom prst="straightConnector1">
+            <a:avLst/>
+          </a:prstGeom>
+          <a:noFill/>
+          <a:ln w="19080">
+            <a:solidFill>
+              <a:srgbClr val="5B595A"/>
+            </a:solidFill>
+            <a:round/>
+            <a:tailEnd type="triangle" w="lg" len="lg"/>
+          </a:ln>
+        </p:spPr>
+      </p:sp>
+      <p:sp>
+        <p:nvSpPr>
+          <p:cNvPr id="85" name="CustomShape 7"/>
+          <p:cNvSpPr/>
+          <p:nvPr/>
+        </p:nvSpPr>
+        <p:spPr>
+          <a:xfrm>
+            <a:off x="8556840" y="4749840"/>
+            <a:ext cx="547920" cy="392760"/>
+          </a:xfrm>
+          <a:prstGeom prst="rect">
+            <a:avLst/>
+          </a:prstGeom>
+          <a:noFill/>
+          <a:ln>
+            <a:noFill/>
+          </a:ln>
+        </p:spPr>
+        <p:txBody>
+          <a:bodyPr lIns="90000" tIns="91440" rIns="90000" bIns="91440" anchor="ctr"/>
+          <a:lstStyle/>
+          <a:p>
+            <a:pPr>
+              <a:lnSpc>
+                <a:spcPct val="100000"/>
+              </a:lnSpc>
+            </a:pPr>
+            <a:fld id="{0F23025E-82B4-4C92-BD75-39837EF642AE}" type="slidenum">
+              <a:rPr lang="en-GB" sz="1300">
+                <a:solidFill>
+                  <a:srgbClr val="000000"/>
+                </a:solidFill>
+                <a:latin typeface="Arial"/>
+                <a:ea typeface="Arial"/>
+              </a:rPr>
+              <a:t>2</a:t>
+            </a:fld>
+            <a:endParaRPr/>
+          </a:p>
+        </p:txBody>
+      </p:sp>
+    </p:spTree>
+  </p:cSld>
+  <p:clrMapOvr>
+    <a:masterClrMapping/>
+  </p:clrMapOvr>
+  <p:timing>
+    <p:tnLst>
+      <p:par>
+        <p:cTn id="1" dur="indefinite" restart="never" nodeType="tmRoot">
+          <p:childTnLst>
+            <p:seq>
+              <p:cTn id="2" nodeType="mainSeq"/>
+              <p:prevCondLst>
+                <p:cond evt="onPrev" delay="0">
+                  <p:tgtEl>
+                    <p:sldTgt/>
+                  </p:tgtEl>
+                </p:cond>
+              </p:prevCondLst>
+              <p:nextCondLst>
+                <p:cond evt="onNext" delay="0">
+                  <p:tgtEl>
+                    <p:sldTgt/>
+                  </p:tgtEl>
+                </p:cond>
+              </p:nextCondLst>
+            </p:seq>
+          </p:childTnLst>
+        </p:cTn>
+      </p:par>
+    </p:tnLst>
+  </p:timing>
+</p:sld>
+</file>
+
+<file path=ppt/slides/slide3.xml><?xml version="1.0" encoding="utf-8"?>
+<p:sld xmlns:a="http://schemas.openxmlformats.org/drawingml/2006/main" xmlns:r="http://schemas.openxmlformats.org/officeDocument/2006/relationships" xmlns:p="http://schemas.openxmlformats.org/presentationml/2006/main">
+  <p:cSld>
+    <p:spTree>
+      <p:nvGrpSpPr>
+        <p:cNvPr id="1" name=""/>
+        <p:cNvGrpSpPr/>
+        <p:nvPr/>
+      </p:nvGrpSpPr>
+      <p:grpSpPr>
+        <a:xfrm>
+          <a:off x="0" y="0"/>
+          <a:ext cx="0" cy="0"/>
+          <a:chOff x="0" y="0"/>
+          <a:chExt cx="0" cy="0"/>
+        </a:xfrm>
+      </p:grpSpPr>
+      <p:sp>
+        <p:nvSpPr>
+          <p:cNvPr id="89" name="CustomShape 1"/>
+          <p:cNvSpPr/>
+          <p:nvPr/>
+        </p:nvSpPr>
+        <p:spPr>
+          <a:xfrm>
+            <a:off x="457200" y="205920"/>
+            <a:ext cx="8228880" cy="856800"/>
+          </a:xfrm>
+          <a:prstGeom prst="rect">
+            <a:avLst/>
+          </a:prstGeom>
+          <a:noFill/>
+          <a:ln>
+            <a:noFill/>
+          </a:ln>
+        </p:spPr>
+        <p:txBody>
+          <a:bodyPr lIns="90000" tIns="91440" rIns="90000" bIns="91440" anchor="b"/>
+          <a:lstStyle/>
+          <a:p>
+            <a:pPr>
+              <a:lnSpc>
+                <a:spcPct val="100000"/>
+              </a:lnSpc>
+            </a:pPr>
+            <a:r>
+              <a:rPr lang="en-GB" sz="3600" b="1">
+                <a:solidFill>
+                  <a:srgbClr val="DA0002"/>
+                </a:solidFill>
+                <a:latin typeface="Arial"/>
+                <a:ea typeface="Arial"/>
+              </a:rPr>
+              <a:t>Agent-based models (ABMs)</a:t>
+            </a:r>
+            <a:endParaRPr/>
+          </a:p>
+        </p:txBody>
+      </p:sp>
+      <p:sp>
+        <p:nvSpPr>
+          <p:cNvPr id="90" name="CustomShape 2"/>
+          <p:cNvSpPr/>
+          <p:nvPr/>
+        </p:nvSpPr>
+        <p:spPr>
+          <a:xfrm>
+            <a:off x="457200" y="1200240"/>
+            <a:ext cx="8228880" cy="3724920"/>
+          </a:xfrm>
+          <a:prstGeom prst="rect">
+            <a:avLst/>
+          </a:prstGeom>
+          <a:noFill/>
+          <a:ln>
+            <a:noFill/>
+          </a:ln>
+        </p:spPr>
+        <p:txBody>
+          <a:bodyPr lIns="90000" tIns="91440" rIns="90000" bIns="91440"/>
+          <a:lstStyle/>
+          <a:p>
+            <a:pPr>
+              <a:lnSpc>
+                <a:spcPct val="100000"/>
+              </a:lnSpc>
+              <a:buFont typeface="Arial"/>
+              <a:buChar char="●"/>
+            </a:pPr>
+            <a:r>
+              <a:rPr lang="en-GB" sz="3000">
+                <a:solidFill>
+                  <a:srgbClr val="000000"/>
+                </a:solidFill>
+                <a:latin typeface="Arial"/>
+                <a:ea typeface="Arial"/>
+              </a:rPr>
+              <a:t>Suited to modelling interdependent modules (e.g. cells)</a:t>
+            </a:r>
+            <a:endParaRPr/>
+          </a:p>
+          <a:p>
+            <a:pPr>
+              <a:lnSpc>
+                <a:spcPct val="100000"/>
+              </a:lnSpc>
+              <a:buFont typeface="Arial"/>
+              <a:buChar char="●"/>
+            </a:pPr>
+            <a:r>
+              <a:rPr lang="en-GB" sz="3000">
+                <a:solidFill>
+                  <a:srgbClr val="000000"/>
+                </a:solidFill>
+                <a:latin typeface="Arial"/>
+                <a:ea typeface="Arial"/>
+              </a:rPr>
+              <a:t>Flexible</a:t>
+            </a:r>
+            <a:endParaRPr/>
+          </a:p>
+          <a:p>
+            <a:pPr>
+              <a:lnSpc>
+                <a:spcPct val="100000"/>
+              </a:lnSpc>
+              <a:buFont typeface="Arial"/>
+              <a:buChar char="●"/>
+            </a:pPr>
+            <a:r>
+              <a:rPr lang="en-GB" sz="3000">
+                <a:solidFill>
+                  <a:srgbClr val="000000"/>
+                </a:solidFill>
+                <a:latin typeface="Arial"/>
+                <a:ea typeface="Arial"/>
+              </a:rPr>
+              <a:t>Can model heterogenous entities with heterogenous interaction network. (Kaul 2015)</a:t>
+            </a:r>
+            <a:endParaRPr/>
+          </a:p>
+          <a:p>
+            <a:pPr>
+              <a:lnSpc>
+                <a:spcPct val="100000"/>
+              </a:lnSpc>
+              <a:buFont typeface="Arial"/>
+              <a:buChar char="●"/>
+            </a:pPr>
+            <a:r>
+              <a:rPr lang="en-GB" sz="3000">
+                <a:solidFill>
+                  <a:srgbClr val="000000"/>
+                </a:solidFill>
+                <a:latin typeface="Arial"/>
+                <a:ea typeface="Arial"/>
+              </a:rPr>
+              <a:t>Growing in popularity</a:t>
+            </a:r>
+            <a:endParaRPr/>
+          </a:p>
+        </p:txBody>
+      </p:sp>
+      <p:sp>
+        <p:nvSpPr>
+          <p:cNvPr id="91" name="CustomShape 3"/>
+          <p:cNvSpPr/>
+          <p:nvPr/>
+        </p:nvSpPr>
+        <p:spPr>
+          <a:xfrm>
+            <a:off x="8556840" y="4749840"/>
+            <a:ext cx="547920" cy="392760"/>
+          </a:xfrm>
+          <a:prstGeom prst="rect">
+            <a:avLst/>
+          </a:prstGeom>
+          <a:noFill/>
+          <a:ln>
+            <a:noFill/>
+          </a:ln>
+        </p:spPr>
+        <p:txBody>
+          <a:bodyPr lIns="90000" tIns="91440" rIns="90000" bIns="91440" anchor="ctr"/>
+          <a:lstStyle/>
+          <a:p>
+            <a:pPr>
+              <a:lnSpc>
+                <a:spcPct val="100000"/>
+              </a:lnSpc>
+            </a:pPr>
+            <a:fld id="{A424C30F-C156-452E-A521-05B40F5FB7E2}" type="slidenum">
+              <a:rPr lang="en-GB" sz="1300">
+                <a:solidFill>
+                  <a:srgbClr val="000000"/>
+                </a:solidFill>
+                <a:latin typeface="Arial"/>
+                <a:ea typeface="Arial"/>
+              </a:rPr>
+              <a:t>3</a:t>
+            </a:fld>
+            <a:endParaRPr/>
+          </a:p>
+        </p:txBody>
+      </p:sp>
+    </p:spTree>
+  </p:cSld>
+  <p:clrMapOvr>
+    <a:masterClrMapping/>
+  </p:clrMapOvr>
+  <p:timing>
+    <p:tnLst>
+      <p:par>
+        <p:cTn id="1" dur="indefinite" restart="never" nodeType="tmRoot">
+          <p:childTnLst>
+            <p:seq>
+              <p:cTn id="2" nodeType="mainSeq"/>
+              <p:prevCondLst>
+                <p:cond evt="onPrev" delay="0">
+                  <p:tgtEl>
+                    <p:sldTgt/>
+                  </p:tgtEl>
+                </p:cond>
+              </p:prevCondLst>
+              <p:nextCondLst>
+                <p:cond evt="onNext" delay="0">
+                  <p:tgtEl>
+                    <p:sldTgt/>
+                  </p:tgtEl>
+                </p:cond>
+              </p:nextCondLst>
+            </p:seq>
+          </p:childTnLst>
+        </p:cTn>
+      </p:par>
+    </p:tnLst>
+  </p:timing>
+</p:sld>
+</file>
+
+<file path=ppt/slides/slide4.xml><?xml version="1.0" encoding="utf-8"?>
+<p:sld xmlns:a="http://schemas.openxmlformats.org/drawingml/2006/main" xmlns:r="http://schemas.openxmlformats.org/officeDocument/2006/relationships" xmlns:p="http://schemas.openxmlformats.org/presentationml/2006/main">
+  <p:cSld>
+    <p:spTree>
+      <p:nvGrpSpPr>
+        <p:cNvPr id="1" name=""/>
+        <p:cNvGrpSpPr/>
+        <p:nvPr/>
+      </p:nvGrpSpPr>
+      <p:grpSpPr>
+        <a:xfrm>
+          <a:off x="0" y="0"/>
+          <a:ext cx="0" cy="0"/>
+          <a:chOff x="0" y="0"/>
+          <a:chExt cx="0" cy="0"/>
+        </a:xfrm>
+      </p:grpSpPr>
+      <p:sp>
+        <p:nvSpPr>
+          <p:cNvPr id="92" name="CustomShape 1"/>
+          <p:cNvSpPr/>
+          <p:nvPr/>
+        </p:nvSpPr>
+        <p:spPr>
+          <a:xfrm>
+            <a:off x="457200" y="205920"/>
+            <a:ext cx="8228880" cy="856800"/>
+          </a:xfrm>
+          <a:prstGeom prst="rect">
+            <a:avLst/>
+          </a:prstGeom>
+          <a:noFill/>
+          <a:ln>
+            <a:noFill/>
+          </a:ln>
+        </p:spPr>
+        <p:txBody>
+          <a:bodyPr lIns="90000" tIns="91440" rIns="90000" bIns="91440" anchor="b"/>
+          <a:lstStyle/>
+          <a:p>
+            <a:pPr>
+              <a:lnSpc>
+                <a:spcPct val="100000"/>
+              </a:lnSpc>
+            </a:pPr>
+            <a:r>
+              <a:rPr lang="en-GB" sz="3600" b="1">
+                <a:solidFill>
+                  <a:srgbClr val="DA0002"/>
+                </a:solidFill>
+                <a:latin typeface="Arial"/>
+                <a:ea typeface="Arial"/>
+              </a:rPr>
+              <a:t>Design choices</a:t>
+            </a:r>
+            <a:endParaRPr/>
+          </a:p>
+        </p:txBody>
+      </p:sp>
+      <p:sp>
+        <p:nvSpPr>
+          <p:cNvPr id="93" name="CustomShape 2"/>
+          <p:cNvSpPr/>
+          <p:nvPr/>
+        </p:nvSpPr>
+        <p:spPr>
+          <a:xfrm>
+            <a:off x="457200" y="1200240"/>
+            <a:ext cx="8228880" cy="3724920"/>
+          </a:xfrm>
+          <a:prstGeom prst="rect">
+            <a:avLst/>
+          </a:prstGeom>
+          <a:noFill/>
+          <a:ln>
+            <a:noFill/>
+          </a:ln>
+        </p:spPr>
+        <p:txBody>
+          <a:bodyPr lIns="90000" tIns="91440" rIns="90000" bIns="91440"/>
+          <a:lstStyle/>
+          <a:p>
+            <a:pPr>
+              <a:lnSpc>
+                <a:spcPct val="100000"/>
+              </a:lnSpc>
+              <a:buFont typeface="Arial"/>
+              <a:buChar char="●"/>
+            </a:pPr>
+            <a:r>
+              <a:rPr lang="en-GB" sz="3000">
+                <a:solidFill>
+                  <a:srgbClr val="000000"/>
+                </a:solidFill>
+                <a:latin typeface="Arial"/>
+                <a:ea typeface="Arial"/>
+              </a:rPr>
+              <a:t>Agent-based models</a:t>
+            </a:r>
+            <a:endParaRPr/>
+          </a:p>
+          <a:p>
+            <a:pPr>
+              <a:lnSpc>
+                <a:spcPct val="100000"/>
+              </a:lnSpc>
+              <a:buFont typeface="Arial"/>
+              <a:buChar char="●"/>
+            </a:pPr>
+            <a:r>
+              <a:rPr lang="en-GB" sz="3000">
+                <a:solidFill>
+                  <a:srgbClr val="000000"/>
+                </a:solidFill>
+                <a:latin typeface="Arial"/>
+                <a:ea typeface="Arial"/>
+              </a:rPr>
+              <a:t>Continuous space</a:t>
+            </a:r>
+            <a:endParaRPr/>
+          </a:p>
+          <a:p>
+            <a:pPr>
+              <a:lnSpc>
+                <a:spcPct val="100000"/>
+              </a:lnSpc>
+              <a:buFont typeface="Arial"/>
+              <a:buChar char="●"/>
+            </a:pPr>
+            <a:r>
+              <a:rPr lang="en-GB" sz="3000">
+                <a:solidFill>
+                  <a:srgbClr val="000000"/>
+                </a:solidFill>
+                <a:latin typeface="Arial"/>
+                <a:ea typeface="Arial"/>
+              </a:rPr>
+              <a:t>Different types of cells</a:t>
+            </a:r>
+            <a:endParaRPr/>
+          </a:p>
+          <a:p>
+            <a:pPr>
+              <a:lnSpc>
+                <a:spcPct val="100000"/>
+              </a:lnSpc>
+              <a:buFont typeface="Arial"/>
+              <a:buChar char="●"/>
+            </a:pPr>
+            <a:r>
+              <a:rPr lang="en-GB" sz="3000">
+                <a:solidFill>
+                  <a:srgbClr val="000000"/>
+                </a:solidFill>
+                <a:latin typeface="Arial"/>
+                <a:ea typeface="Arial"/>
+              </a:rPr>
+              <a:t>Environment modelled with PDEs</a:t>
+            </a:r>
+            <a:endParaRPr/>
+          </a:p>
+          <a:p>
+            <a:pPr>
+              <a:lnSpc>
+                <a:spcPct val="100000"/>
+              </a:lnSpc>
+              <a:buFont typeface="Arial"/>
+              <a:buChar char="●"/>
+            </a:pPr>
+            <a:r>
+              <a:rPr lang="en-GB" sz="3000">
+                <a:solidFill>
+                  <a:srgbClr val="000000"/>
+                </a:solidFill>
+                <a:latin typeface="Arial"/>
+                <a:ea typeface="Arial"/>
+              </a:rPr>
+              <a:t>Julia Language</a:t>
+            </a:r>
+            <a:endParaRPr/>
+          </a:p>
+          <a:p>
+            <a:pPr>
+              <a:lnSpc>
+                <a:spcPct val="100000"/>
+              </a:lnSpc>
+            </a:pPr>
+            <a:endParaRPr/>
+          </a:p>
+        </p:txBody>
+      </p:sp>
+      <p:pic>
+        <p:nvPicPr>
+          <p:cNvPr id="94" name="Shape 71"/>
+          <p:cNvPicPr/>
+          <p:nvPr/>
+        </p:nvPicPr>
+        <p:blipFill>
+          <a:blip r:embed="rId3"/>
+          <a:srcRect l="3847115" t="-7608977" r="5627926" b="-9084938"/>
+          <a:stretch>
+            <a:fillRect/>
+          </a:stretch>
+        </p:blipFill>
+        <p:spPr>
+          <a:xfrm>
+            <a:off x="5679720" y="3544200"/>
+            <a:ext cx="1877760" cy="1284120"/>
+          </a:xfrm>
+          <a:prstGeom prst="rect">
+            <a:avLst/>
+          </a:prstGeom>
+          <a:ln>
+            <a:noFill/>
+          </a:ln>
+        </p:spPr>
+      </p:pic>
+      <p:sp>
+        <p:nvSpPr>
+          <p:cNvPr id="95" name="CustomShape 3"/>
+          <p:cNvSpPr/>
+          <p:nvPr/>
+        </p:nvSpPr>
+        <p:spPr>
+          <a:xfrm>
+            <a:off x="8556840" y="4749840"/>
+            <a:ext cx="547920" cy="392760"/>
+          </a:xfrm>
+          <a:prstGeom prst="rect">
+            <a:avLst/>
+          </a:prstGeom>
+          <a:noFill/>
+          <a:ln>
+            <a:noFill/>
+          </a:ln>
+        </p:spPr>
+        <p:txBody>
+          <a:bodyPr lIns="90000" tIns="91440" rIns="90000" bIns="91440" anchor="ctr"/>
+          <a:lstStyle/>
+          <a:p>
+            <a:pPr>
+              <a:lnSpc>
+                <a:spcPct val="100000"/>
+              </a:lnSpc>
+            </a:pPr>
+            <a:fld id="{A77E122C-5888-4A78-B968-AC77EC839F93}" type="slidenum">
+              <a:rPr lang="en-GB" sz="1300">
+                <a:solidFill>
+                  <a:srgbClr val="000000"/>
+                </a:solidFill>
+                <a:latin typeface="Arial"/>
+                <a:ea typeface="Arial"/>
+              </a:rPr>
+              <a:t>4</a:t>
+            </a:fld>
+            <a:endParaRPr/>
+          </a:p>
+        </p:txBody>
+      </p:sp>
+    </p:spTree>
+  </p:cSld>
+  <p:clrMapOvr>
+    <a:masterClrMapping/>
+  </p:clrMapOvr>
+  <p:timing>
+    <p:tnLst>
+      <p:par>
+        <p:cTn id="1" dur="indefinite" restart="never" nodeType="tmRoot">
+          <p:childTnLst>
+            <p:seq>
+              <p:cTn id="2" nodeType="mainSeq"/>
+              <p:prevCondLst>
+                <p:cond evt="onPrev" delay="0">
+                  <p:tgtEl>
+                    <p:sldTgt/>
+                  </p:tgtEl>
+                </p:cond>
+              </p:prevCondLst>
+              <p:nextCondLst>
+                <p:cond evt="onNext" delay="0">
+                  <p:tgtEl>
+                    <p:sldTgt/>
+                  </p:tgtEl>
+                </p:cond>
+              </p:nextCondLst>
+            </p:seq>
+          </p:childTnLst>
+        </p:cTn>
+      </p:par>
+    </p:tnLst>
+  </p:timing>
+</p:sld>
+</file>
+
+<file path=ppt/slides/slide5.xml><?xml version="1.0" encoding="utf-8"?>
+<p:sld xmlns:a="http://schemas.openxmlformats.org/drawingml/2006/main" xmlns:r="http://schemas.openxmlformats.org/officeDocument/2006/relationships" xmlns:p="http://schemas.openxmlformats.org/presentationml/2006/main">
+  <p:cSld>
+    <p:spTree>
+      <p:nvGrpSpPr>
+        <p:cNvPr id="1" name=""/>
+        <p:cNvGrpSpPr/>
+        <p:nvPr/>
+      </p:nvGrpSpPr>
+      <p:grpSpPr>
+        <a:xfrm>
+          <a:off x="0" y="0"/>
+          <a:ext cx="0" cy="0"/>
+          <a:chOff x="0" y="0"/>
+          <a:chExt cx="0" cy="0"/>
+        </a:xfrm>
+      </p:grpSpPr>
+      <p:sp>
+        <p:nvSpPr>
+          <p:cNvPr id="96" name="CustomShape 1"/>
+          <p:cNvSpPr/>
+          <p:nvPr/>
+        </p:nvSpPr>
+        <p:spPr>
+          <a:xfrm>
+            <a:off x="457200" y="205920"/>
+            <a:ext cx="8228880" cy="856800"/>
+          </a:xfrm>
+          <a:prstGeom prst="rect">
+            <a:avLst/>
+          </a:prstGeom>
+          <a:noFill/>
+          <a:ln>
+            <a:noFill/>
+          </a:ln>
+        </p:spPr>
+        <p:txBody>
+          <a:bodyPr lIns="90000" tIns="91440" rIns="90000" bIns="91440" anchor="b"/>
+          <a:lstStyle/>
+          <a:p>
+            <a:pPr>
+              <a:lnSpc>
+                <a:spcPct val="100000"/>
+              </a:lnSpc>
+            </a:pPr>
+            <a:r>
+              <a:rPr lang="en-GB" sz="3600" b="1">
+                <a:solidFill>
+                  <a:srgbClr val="DA0002"/>
+                </a:solidFill>
+                <a:latin typeface="Arial"/>
+                <a:ea typeface="Arial"/>
+              </a:rPr>
+              <a:t>Model overview</a:t>
+            </a:r>
+            <a:endParaRPr/>
+          </a:p>
+        </p:txBody>
+      </p:sp>
+      <p:sp>
+        <p:nvSpPr>
+          <p:cNvPr id="98" name="CustomShape 2"/>
+          <p:cNvSpPr/>
+          <p:nvPr/>
+        </p:nvSpPr>
+        <p:spPr>
+          <a:xfrm>
+            <a:off x="8556840" y="4749840"/>
+            <a:ext cx="547920" cy="392760"/>
+          </a:xfrm>
+          <a:prstGeom prst="rect">
+            <a:avLst/>
+          </a:prstGeom>
+          <a:noFill/>
+          <a:ln>
+            <a:noFill/>
+          </a:ln>
+        </p:spPr>
+        <p:txBody>
+          <a:bodyPr lIns="90000" tIns="91440" rIns="90000" bIns="91440" anchor="ctr"/>
+          <a:lstStyle/>
+          <a:p>
+            <a:pPr>
+              <a:lnSpc>
+                <a:spcPct val="100000"/>
+              </a:lnSpc>
+            </a:pPr>
+            <a:fld id="{281FA1D1-D664-4892-8874-B0872B018E0C}" type="slidenum">
+              <a:rPr lang="en-GB" sz="1300">
+                <a:solidFill>
+                  <a:srgbClr val="000000"/>
+                </a:solidFill>
+                <a:latin typeface="Arial"/>
+                <a:ea typeface="Arial"/>
+              </a:rPr>
+              <a:t>5</a:t>
+            </a:fld>
+            <a:endParaRPr/>
+          </a:p>
+        </p:txBody>
+      </p:sp>
+      <p:pic>
+        <p:nvPicPr>
+          <p:cNvPr id="99" name="Shape 80"/>
+          <p:cNvPicPr/>
+          <p:nvPr/>
+        </p:nvPicPr>
+        <p:blipFill>
+          <a:blip r:embed="rId3"/>
+          <a:stretch>
+            <a:fillRect/>
+          </a:stretch>
+        </p:blipFill>
+        <p:spPr>
+          <a:xfrm>
+            <a:off x="4944600" y="1244520"/>
+            <a:ext cx="3180240" cy="3683520"/>
+          </a:xfrm>
+          <a:prstGeom prst="rect">
+            <a:avLst/>
+          </a:prstGeom>
+          <a:ln>
+            <a:noFill/>
+          </a:ln>
+        </p:spPr>
+      </p:pic>
+      <p:pic>
+        <p:nvPicPr>
+          <p:cNvPr id="3" name="Picture 2" descr="algorithmoverview.png"/>
+          <p:cNvPicPr>
+            <a:picLocks noChangeAspect="1"/>
+          </p:cNvPicPr>
+          <p:nvPr/>
+        </p:nvPicPr>
+        <p:blipFill>
+          <a:blip r:embed="rId4"/>
+          <a:stretch>
+            <a:fillRect/>
+          </a:stretch>
+        </p:blipFill>
+        <p:spPr>
+          <a:xfrm>
+            <a:off x="1000052" y="1456608"/>
+            <a:ext cx="2743200" cy="3255665"/>
+          </a:xfrm>
+          <a:prstGeom prst="rect">
+            <a:avLst/>
+          </a:prstGeom>
+        </p:spPr>
+      </p:pic>
+    </p:spTree>
+  </p:cSld>
+  <p:clrMapOvr>
+    <a:masterClrMapping/>
+  </p:clrMapOvr>
+  <p:timing>
+    <p:tnLst>
+      <p:par>
+        <p:cTn id="1" dur="indefinite" restart="never" nodeType="tmRoot">
+          <p:childTnLst>
+            <p:seq>
+              <p:cTn id="2" dur="indefinite" nodeType="mainSeq">
+                <p:childTnLst>
+                  <p:par>
+                    <p:cTn id="3" fill="hold">
+                      <p:stCondLst>
+                        <p:cond delay="indefinite"/>
+                      </p:stCondLst>
+                      <p:childTnLst>
+                        <p:par>
+                          <p:cTn id="4" fill="hold">
+                            <p:stCondLst>
+                              <p:cond delay="0"/>
+                            </p:stCondLst>
+                            <p:childTnLst>
+                              <p:par>
+                                <p:cTn id="5" presetID="10" presetClass="entr" fill="hold" nodeType="clickEffect">
+                                  <p:stCondLst>
+                                    <p:cond delay="0"/>
+                                  </p:stCondLst>
+                                  <p:childTnLst>
+                                    <p:set>
+                                      <p:cBhvr>
+                                        <p:cTn id="6" dur="1" fill="hold">
+                                          <p:stCondLst>
+                                            <p:cond delay="0"/>
+                                          </p:stCondLst>
+                                        </p:cTn>
+                                        <p:tgtEl>
+                                          <p:spTgt spid="99"/>
+                                        </p:tgtEl>
+                                        <p:attrNameLst>
+                                          <p:attrName>style.visibility</p:attrName>
+                                        </p:attrNameLst>
+                                      </p:cBhvr>
+                                      <p:to>
+                                        <p:strVal val="visible"/>
+                                      </p:to>
+                                    </p:set>
+                                    <p:animEffect transition="in" filter="fade">
+                                      <p:cBhvr additive="repl">
+                                        <p:cTn id="7" dur="1000"/>
+                                        <p:tgtEl>
+                                          <p:spTgt spid="99"/>
+                                        </p:tgtEl>
+                                      </p:cBhvr>
+                                    </p:animEffect>
+                                  </p:childTnLst>
+                                </p:cTn>
+                              </p:par>
+                            </p:childTnLst>
+                          </p:cTn>
+                        </p:par>
+                      </p:childTnLst>
+                    </p:cTn>
+                  </p:par>
+                </p:childTnLst>
+              </p:cTn>
+              <p:prevCondLst>
+                <p:cond evt="onPrev" delay="0">
+                  <p:tgtEl>
+                    <p:sldTgt/>
+                  </p:tgtEl>
+                </p:cond>
+              </p:prevCondLst>
+              <p:nextCondLst>
+                <p:cond evt="onNext" delay="0">
+                  <p:tgtEl>
+                    <p:sldTgt/>
+                  </p:tgtEl>
+                </p:cond>
+              </p:nextCondLst>
+            </p:seq>
+          </p:childTnLst>
+        </p:cTn>
+      </p:par>
+    </p:tnLst>
+  </p:timing>
+</p:sld>
+</file>
+
+<file path=ppt/slides/slide6.xml><?xml version="1.0" encoding="utf-8"?>
+<p:sld xmlns:a="http://schemas.openxmlformats.org/drawingml/2006/main" xmlns:r="http://schemas.openxmlformats.org/officeDocument/2006/relationships" xmlns:p="http://schemas.openxmlformats.org/presentationml/2006/main">
+  <p:cSld>
+    <p:spTree>
+      <p:nvGrpSpPr>
+        <p:cNvPr id="1" name=""/>
+        <p:cNvGrpSpPr/>
+        <p:nvPr/>
+      </p:nvGrpSpPr>
+      <p:grpSpPr>
+        <a:xfrm>
+          <a:off x="0" y="0"/>
+          <a:ext cx="0" cy="0"/>
+          <a:chOff x="0" y="0"/>
+          <a:chExt cx="0" cy="0"/>
+        </a:xfrm>
+      </p:grpSpPr>
+      <p:sp>
+        <p:nvSpPr>
+          <p:cNvPr id="106" name="CustomShape 1"/>
+          <p:cNvSpPr/>
+          <p:nvPr/>
+        </p:nvSpPr>
+        <p:spPr>
+          <a:xfrm>
+            <a:off x="457200" y="205920"/>
+            <a:ext cx="8228880" cy="856800"/>
+          </a:xfrm>
+          <a:prstGeom prst="rect">
+            <a:avLst/>
+          </a:prstGeom>
+          <a:noFill/>
+          <a:ln>
+            <a:noFill/>
+          </a:ln>
+        </p:spPr>
+        <p:txBody>
+          <a:bodyPr lIns="90000" tIns="91440" rIns="90000" bIns="91440" anchor="b"/>
+          <a:lstStyle/>
+          <a:p>
+            <a:pPr>
+              <a:lnSpc>
+                <a:spcPct val="100000"/>
+              </a:lnSpc>
+            </a:pPr>
+            <a:r>
+              <a:rPr lang="en-GB" sz="3600" b="1">
+                <a:solidFill>
+                  <a:srgbClr val="DA0002"/>
+                </a:solidFill>
+                <a:latin typeface="Arial"/>
+                <a:ea typeface="Arial"/>
+              </a:rPr>
+              <a:t>Cell Model Interface</a:t>
+            </a:r>
+            <a:endParaRPr/>
+          </a:p>
+        </p:txBody>
+      </p:sp>
+      <p:sp>
+        <p:nvSpPr>
+          <p:cNvPr id="107" name="CustomShape 2"/>
+          <p:cNvSpPr/>
+          <p:nvPr/>
+        </p:nvSpPr>
+        <p:spPr>
+          <a:xfrm>
+            <a:off x="8556840" y="4749840"/>
+            <a:ext cx="547920" cy="392760"/>
+          </a:xfrm>
+          <a:prstGeom prst="rect">
+            <a:avLst/>
+          </a:prstGeom>
+          <a:noFill/>
+          <a:ln>
+            <a:noFill/>
+          </a:ln>
+        </p:spPr>
+        <p:txBody>
+          <a:bodyPr lIns="90000" tIns="91440" rIns="90000" bIns="91440" anchor="ctr"/>
+          <a:lstStyle/>
+          <a:p>
+            <a:pPr>
+              <a:lnSpc>
+                <a:spcPct val="100000"/>
+              </a:lnSpc>
+            </a:pPr>
+            <a:fld id="{CCD80399-815C-4098-893A-E862A46EA4C5}" type="slidenum">
+              <a:rPr lang="en-GB" sz="1300">
+                <a:solidFill>
+                  <a:srgbClr val="000000"/>
+                </a:solidFill>
+                <a:latin typeface="Arial"/>
+                <a:ea typeface="Arial"/>
+              </a:rPr>
+              <a:t>6</a:t>
+            </a:fld>
+            <a:endParaRPr/>
+          </a:p>
+        </p:txBody>
+      </p:sp>
+      <p:pic>
+        <p:nvPicPr>
+          <p:cNvPr id="108" name="Shape 97"/>
+          <p:cNvPicPr/>
+          <p:nvPr/>
+        </p:nvPicPr>
+        <p:blipFill>
+          <a:blip r:embed="rId3"/>
+          <a:stretch>
+            <a:fillRect/>
+          </a:stretch>
+        </p:blipFill>
+        <p:spPr>
+          <a:xfrm>
+            <a:off x="428400" y="1196640"/>
+            <a:ext cx="8413920" cy="3792960"/>
+          </a:xfrm>
+          <a:prstGeom prst="rect">
+            <a:avLst/>
+          </a:prstGeom>
+          <a:ln>
+            <a:noFill/>
+          </a:ln>
+        </p:spPr>
+      </p:pic>
+    </p:spTree>
+  </p:cSld>
+  <p:clrMapOvr>
+    <a:masterClrMapping/>
+  </p:clrMapOvr>
+  <p:timing>
+    <p:tnLst>
+      <p:par>
+        <p:cTn id="1" dur="indefinite" restart="never" nodeType="tmRoot">
+          <p:childTnLst>
+            <p:seq>
+              <p:cTn id="2" nodeType="mainSeq"/>
+              <p:prevCondLst>
+                <p:cond evt="onPrev" delay="0">
+                  <p:tgtEl>
+                    <p:sldTgt/>
+                  </p:tgtEl>
+                </p:cond>
+              </p:prevCondLst>
+              <p:nextCondLst>
+                <p:cond evt="onNext" delay="0">
+                  <p:tgtEl>
+                    <p:sldTgt/>
+                  </p:tgtEl>
+                </p:cond>
+              </p:nextCondLst>
+            </p:seq>
+          </p:childTnLst>
+        </p:cTn>
+      </p:par>
+    </p:tnLst>
+  </p:timing>
+</p:sld>
+</file>
+
+<file path=ppt/slides/slide7.xml><?xml version="1.0" encoding="utf-8"?>
+<p:sld xmlns:a="http://schemas.openxmlformats.org/drawingml/2006/main" xmlns:r="http://schemas.openxmlformats.org/officeDocument/2006/relationships" xmlns:p="http://schemas.openxmlformats.org/presentationml/2006/main">
+  <p:cSld>
+    <p:spTree>
+      <p:nvGrpSpPr>
+        <p:cNvPr id="1" name=""/>
+        <p:cNvGrpSpPr/>
+        <p:nvPr/>
+      </p:nvGrpSpPr>
+      <p:grpSpPr>
+        <a:xfrm>
+          <a:off x="0" y="0"/>
+          <a:ext cx="0" cy="0"/>
+          <a:chOff x="0" y="0"/>
+          <a:chExt cx="0" cy="0"/>
+        </a:xfrm>
+      </p:grpSpPr>
+      <p:sp>
+        <p:nvSpPr>
+          <p:cNvPr id="100" name="CustomShape 1"/>
+          <p:cNvSpPr/>
+          <p:nvPr/>
+        </p:nvSpPr>
+        <p:spPr>
+          <a:xfrm>
+            <a:off x="457200" y="205920"/>
+            <a:ext cx="8228880" cy="856800"/>
+          </a:xfrm>
+          <a:prstGeom prst="rect">
+            <a:avLst/>
+          </a:prstGeom>
+          <a:noFill/>
+          <a:ln>
+            <a:noFill/>
+          </a:ln>
+        </p:spPr>
+        <p:txBody>
+          <a:bodyPr lIns="90000" tIns="91440" rIns="90000" bIns="91440" anchor="b"/>
+          <a:lstStyle/>
+          <a:p>
+            <a:pPr>
+              <a:lnSpc>
+                <a:spcPct val="100000"/>
+              </a:lnSpc>
+            </a:pPr>
+            <a:r>
+              <a:rPr lang="en-GB" sz="3600" b="1">
+                <a:solidFill>
+                  <a:srgbClr val="DA0002"/>
+                </a:solidFill>
+                <a:latin typeface="Arial"/>
+                <a:ea typeface="Arial"/>
+              </a:rPr>
+              <a:t>Cell Model</a:t>
+            </a:r>
+            <a:endParaRPr/>
+          </a:p>
+        </p:txBody>
+      </p:sp>
+      <p:pic>
+        <p:nvPicPr>
+          <p:cNvPr id="101" name="Shape 86"/>
+          <p:cNvPicPr/>
+          <p:nvPr/>
+        </p:nvPicPr>
+        <p:blipFill>
+          <a:blip r:embed="rId3"/>
+          <a:stretch>
+            <a:fillRect/>
+          </a:stretch>
+        </p:blipFill>
+        <p:spPr>
+          <a:xfrm>
+            <a:off x="838083" y="1496156"/>
+            <a:ext cx="2742480" cy="1732680"/>
+          </a:xfrm>
+          <a:prstGeom prst="rect">
+            <a:avLst/>
+          </a:prstGeom>
+          <a:ln>
+            <a:noFill/>
+          </a:ln>
+        </p:spPr>
+      </p:pic>
+      <p:pic>
+        <p:nvPicPr>
+          <p:cNvPr id="102" name="Shape 87"/>
+          <p:cNvPicPr/>
+          <p:nvPr/>
+        </p:nvPicPr>
+        <p:blipFill>
+          <a:blip r:embed="rId4"/>
+          <a:stretch>
+            <a:fillRect/>
+          </a:stretch>
+        </p:blipFill>
+        <p:spPr>
+          <a:xfrm>
+            <a:off x="3681707" y="1497420"/>
+            <a:ext cx="3837431" cy="3272760"/>
+          </a:xfrm>
+          <a:prstGeom prst="rect">
+            <a:avLst/>
+          </a:prstGeom>
+          <a:ln>
+            <a:noFill/>
+          </a:ln>
+        </p:spPr>
+      </p:pic>
+      <p:sp>
+        <p:nvSpPr>
+          <p:cNvPr id="103" name="CustomShape 2"/>
+          <p:cNvSpPr/>
+          <p:nvPr/>
+        </p:nvSpPr>
+        <p:spPr>
+          <a:xfrm>
+            <a:off x="8556840" y="4749840"/>
+            <a:ext cx="547920" cy="392760"/>
+          </a:xfrm>
+          <a:prstGeom prst="rect">
+            <a:avLst/>
+          </a:prstGeom>
+          <a:noFill/>
+          <a:ln>
+            <a:noFill/>
+          </a:ln>
+        </p:spPr>
+        <p:txBody>
+          <a:bodyPr lIns="90000" tIns="91440" rIns="90000" bIns="91440" anchor="ctr"/>
+          <a:lstStyle/>
+          <a:p>
+            <a:pPr>
+              <a:lnSpc>
+                <a:spcPct val="100000"/>
+              </a:lnSpc>
+            </a:pPr>
+            <a:fld id="{370C9972-C7C2-48E8-801B-52238063A634}" type="slidenum">
+              <a:rPr lang="en-GB" sz="1300">
+                <a:solidFill>
+                  <a:srgbClr val="000000"/>
+                </a:solidFill>
+                <a:latin typeface="Arial"/>
+                <a:ea typeface="Arial"/>
+              </a:rPr>
+              <a:t>7</a:t>
+            </a:fld>
+            <a:endParaRPr/>
+          </a:p>
+        </p:txBody>
+      </p:sp>
+    </p:spTree>
+  </p:cSld>
+  <p:clrMapOvr>
+    <a:masterClrMapping/>
+  </p:clrMapOvr>
+  <p:timing>
+    <p:tnLst>
+      <p:par>
+        <p:cTn id="1" dur="indefinite" restart="never" nodeType="tmRoot">
+          <p:childTnLst>
+            <p:seq>
+              <p:cTn id="2" nodeType="mainSeq"/>
+              <p:prevCondLst>
+                <p:cond evt="onPrev" delay="0">
+                  <p:tgtEl>
+                    <p:sldTgt/>
+                  </p:tgtEl>
+                </p:cond>
+              </p:prevCondLst>
+              <p:nextCondLst>
+                <p:cond evt="onNext" delay="0">
+                  <p:tgtEl>
+                    <p:sldTgt/>
+                  </p:tgtEl>
+                </p:cond>
+              </p:nextCondLst>
+            </p:seq>
+          </p:childTnLst>
+        </p:cTn>
+      </p:par>
+    </p:tnLst>
+  </p:timing>
+</p:sld>
+</file>
+
+<file path=ppt/slides/slide8.xml><?xml version="1.0" encoding="utf-8"?>
+<p:sld xmlns:a="http://schemas.openxmlformats.org/drawingml/2006/main" xmlns:r="http://schemas.openxmlformats.org/officeDocument/2006/relationships" xmlns:p="http://schemas.openxmlformats.org/presentationml/2006/main">
+  <p:cSld>
+    <p:spTree>
+      <p:nvGrpSpPr>
+        <p:cNvPr id="1" name=""/>
+        <p:cNvGrpSpPr/>
+        <p:nvPr/>
+      </p:nvGrpSpPr>
+      <p:grpSpPr>
+        <a:xfrm>
+          <a:off x="0" y="0"/>
+          <a:ext cx="0" cy="0"/>
+          <a:chOff x="0" y="0"/>
+          <a:chExt cx="0" cy="0"/>
+        </a:xfrm>
+      </p:grpSpPr>
+      <p:sp>
+        <p:nvSpPr>
+          <p:cNvPr id="109" name="CustomShape 1"/>
+          <p:cNvSpPr/>
+          <p:nvPr/>
+        </p:nvSpPr>
+        <p:spPr>
+          <a:xfrm>
+            <a:off x="457200" y="205920"/>
+            <a:ext cx="8228880" cy="856800"/>
+          </a:xfrm>
+          <a:prstGeom prst="rect">
+            <a:avLst/>
+          </a:prstGeom>
+          <a:noFill/>
+          <a:ln>
+            <a:noFill/>
+          </a:ln>
+        </p:spPr>
+        <p:txBody>
+          <a:bodyPr lIns="90000" tIns="91440" rIns="90000" bIns="91440" anchor="b"/>
+          <a:lstStyle/>
+          <a:p>
+            <a:pPr>
+              <a:lnSpc>
+                <a:spcPct val="100000"/>
+              </a:lnSpc>
+            </a:pPr>
+            <a:r>
+              <a:rPr lang="en-GB" sz="3600" b="1" dirty="0">
+                <a:solidFill>
+                  <a:srgbClr val="DA0002"/>
+                </a:solidFill>
+                <a:latin typeface="Arial"/>
+                <a:ea typeface="Arial"/>
+              </a:rPr>
+              <a:t>Cell </a:t>
+            </a:r>
+            <a:r>
+              <a:rPr lang="en-GB" sz="3600" b="1" dirty="0" smtClean="0">
+                <a:solidFill>
+                  <a:srgbClr val="DA0002"/>
+                </a:solidFill>
+                <a:latin typeface="Arial"/>
+                <a:ea typeface="Arial"/>
+              </a:rPr>
+              <a:t>Ballistics</a:t>
+            </a:r>
+            <a:endParaRPr dirty="0"/>
+          </a:p>
+        </p:txBody>
+      </p:sp>
+      <p:pic>
+        <p:nvPicPr>
+          <p:cNvPr id="110" name="Shape 103"/>
+          <p:cNvPicPr/>
+          <p:nvPr/>
+        </p:nvPicPr>
+        <p:blipFill>
+          <a:blip r:embed="rId3"/>
+          <a:stretch>
+            <a:fillRect/>
+          </a:stretch>
+        </p:blipFill>
+        <p:spPr>
+          <a:xfrm>
+            <a:off x="1149120" y="1218240"/>
+            <a:ext cx="6284880" cy="3621600"/>
+          </a:xfrm>
+          <a:prstGeom prst="rect">
+            <a:avLst/>
+          </a:prstGeom>
+          <a:ln>
+            <a:noFill/>
+          </a:ln>
+        </p:spPr>
+      </p:pic>
+      <p:sp>
+        <p:nvSpPr>
+          <p:cNvPr id="111" name="CustomShape 2"/>
+          <p:cNvSpPr/>
+          <p:nvPr/>
+        </p:nvSpPr>
+        <p:spPr>
+          <a:xfrm>
+            <a:off x="8556840" y="4749840"/>
+            <a:ext cx="547920" cy="392760"/>
+          </a:xfrm>
+          <a:prstGeom prst="rect">
+            <a:avLst/>
+          </a:prstGeom>
+          <a:noFill/>
+          <a:ln>
+            <a:noFill/>
+          </a:ln>
+        </p:spPr>
+        <p:txBody>
+          <a:bodyPr lIns="90000" tIns="91440" rIns="90000" bIns="91440" anchor="ctr"/>
+          <a:lstStyle/>
+          <a:p>
+            <a:pPr>
+              <a:lnSpc>
+                <a:spcPct val="100000"/>
+              </a:lnSpc>
+            </a:pPr>
+            <a:fld id="{C7FB02DB-285D-4335-B406-BF8EAB0A1099}" type="slidenum">
+              <a:rPr lang="en-GB" sz="1300">
+                <a:solidFill>
+                  <a:srgbClr val="000000"/>
+                </a:solidFill>
+                <a:latin typeface="Arial"/>
+                <a:ea typeface="Arial"/>
+              </a:rPr>
+              <a:t>8</a:t>
+            </a:fld>
+            <a:endParaRPr/>
+          </a:p>
+        </p:txBody>
+      </p:sp>
+    </p:spTree>
+  </p:cSld>
+  <p:clrMapOvr>
+    <a:masterClrMapping/>
+  </p:clrMapOvr>
+  <p:timing>
+    <p:tnLst>
+      <p:par>
+        <p:cTn id="1" dur="indefinite" restart="never" nodeType="tmRoot">
+          <p:childTnLst>
+            <p:seq>
+              <p:cTn id="2" nodeType="mainSeq"/>
+              <p:prevCondLst>
+                <p:cond evt="onPrev" delay="0">
+                  <p:tgtEl>
+                    <p:sldTgt/>
+                  </p:tgtEl>
+                </p:cond>
+              </p:prevCondLst>
+              <p:nextCondLst>
+                <p:cond evt="onNext" delay="0">
+                  <p:tgtEl>
+                    <p:sldTgt/>
+                  </p:tgtEl>
+                </p:cond>
+              </p:nextCondLst>
+            </p:seq>
+          </p:childTnLst>
+        </p:cTn>
+      </p:par>
+    </p:tnLst>
+  </p:timing>
+</p:sld>
+</file>
+
+<file path=ppt/slides/slide9.xml><?xml version="1.0" encoding="utf-8"?>
+<p:sld xmlns:a="http://schemas.openxmlformats.org/drawingml/2006/main" xmlns:r="http://schemas.openxmlformats.org/officeDocument/2006/relationships" xmlns:p="http://schemas.openxmlformats.org/presentationml/2006/main">
+  <p:cSld>
+    <p:spTree>
+      <p:nvGrpSpPr>
+        <p:cNvPr id="1" name=""/>
+        <p:cNvGrpSpPr/>
+        <p:nvPr/>
+      </p:nvGrpSpPr>
+      <p:grpSpPr>
+        <a:xfrm>
+          <a:off x="0" y="0"/>
+          <a:ext cx="0" cy="0"/>
+          <a:chOff x="0" y="0"/>
+          <a:chExt cx="0" cy="0"/>
+        </a:xfrm>
+      </p:grpSpPr>
+      <p:sp>
+        <p:nvSpPr>
           <p:cNvPr id="112" name="CustomShape 1"/>
           <p:cNvSpPr/>
           <p:nvPr/>
@@ -3334,7 +7878,7 @@
                 <a:latin typeface="Arial"/>
                 <a:ea typeface="Arial"/>
               </a:rPr>
-              <a:t>10</a:t>
+              <a:t>9</a:t>
             </a:fld>
             <a:endParaRPr/>
           </a:p>
@@ -3343,31 +7887,6 @@
       <p:pic>
         <p:nvPicPr>
           <p:cNvPr id="114" name="Shape 111"/>
-          <p:cNvPicPr/>
-          <p:nvPr/>
-        </p:nvPicPr>
-        <p:blipFill>
-          <a:blip r:embed="rId2"/>
-          <a:stretch>
-            <a:fillRect/>
-          </a:stretch>
-        </p:blipFill>
-        <p:spPr>
-          <a:xfrm>
-            <a:off x="4104000" y="3493080"/>
-            <a:ext cx="2809080" cy="523080"/>
-          </a:xfrm>
-          <a:prstGeom prst="rect">
-            <a:avLst/>
-          </a:prstGeom>
-          <a:ln>
-            <a:noFill/>
-          </a:ln>
-        </p:spPr>
-      </p:pic>
-      <p:pic>
-        <p:nvPicPr>
-          <p:cNvPr id="115" name="Shape 112"/>
           <p:cNvPicPr/>
           <p:nvPr/>
         </p:nvPicPr>
@@ -3379,8 +7898,8 @@
         </p:blipFill>
         <p:spPr>
           <a:xfrm>
-            <a:off x="17280" y="1217880"/>
-            <a:ext cx="6202080" cy="2298240"/>
+            <a:off x="4104000" y="3493080"/>
+            <a:ext cx="2809080" cy="523080"/>
           </a:xfrm>
           <a:prstGeom prst="rect">
             <a:avLst/>
@@ -3392,7 +7911,7 @@
       </p:pic>
       <p:pic>
         <p:nvPicPr>
-          <p:cNvPr id="116" name="Shape 113"/>
+          <p:cNvPr id="115" name="Shape 112"/>
           <p:cNvPicPr/>
           <p:nvPr/>
         </p:nvPicPr>
@@ -3404,6 +7923,31 @@
         </p:blipFill>
         <p:spPr>
           <a:xfrm>
+            <a:off x="17280" y="1217880"/>
+            <a:ext cx="6202080" cy="2298240"/>
+          </a:xfrm>
+          <a:prstGeom prst="rect">
+            <a:avLst/>
+          </a:prstGeom>
+          <a:ln>
+            <a:noFill/>
+          </a:ln>
+        </p:spPr>
+      </p:pic>
+      <p:pic>
+        <p:nvPicPr>
+          <p:cNvPr id="116" name="Shape 113"/>
+          <p:cNvPicPr/>
+          <p:nvPr/>
+        </p:nvPicPr>
+        <p:blipFill>
+          <a:blip r:embed="rId5"/>
+          <a:stretch>
+            <a:fillRect/>
+          </a:stretch>
+        </p:blipFill>
+        <p:spPr>
+          <a:xfrm>
             <a:off x="5112720" y="2444400"/>
             <a:ext cx="3726000" cy="2381400"/>
           </a:xfrm>
@@ -3423,7 +7967,7 @@
   <p:timing>
     <p:tnLst>
       <p:par>
-        <p:cTn xmlns:p14="http://schemas.microsoft.com/office/powerpoint/2010/main" id="1" dur="indefinite" restart="never" nodeType="tmRoot">
+        <p:cTn id="1" dur="indefinite" restart="never" nodeType="tmRoot">
           <p:childTnLst>
             <p:seq>
               <p:cTn id="2" dur="indefinite" nodeType="mainSeq">
@@ -3518,3440 +8062,6 @@
                   </p:par>
                 </p:childTnLst>
               </p:cTn>
-              <p:prevCondLst>
-                <p:cond evt="onPrev" delay="0">
-                  <p:tgtEl>
-                    <p:sldTgt/>
-                  </p:tgtEl>
-                </p:cond>
-              </p:prevCondLst>
-              <p:nextCondLst>
-                <p:cond evt="onNext" delay="0">
-                  <p:tgtEl>
-                    <p:sldTgt/>
-                  </p:tgtEl>
-                </p:cond>
-              </p:nextCondLst>
-            </p:seq>
-          </p:childTnLst>
-        </p:cTn>
-      </p:par>
-    </p:tnLst>
-  </p:timing>
-</p:sld>
-</file>
-
-<file path=ppt/slides/slide11.xml><?xml version="1.0" encoding="utf-8"?>
-<p:sld xmlns:a="http://schemas.openxmlformats.org/drawingml/2006/main" xmlns:r="http://schemas.openxmlformats.org/officeDocument/2006/relationships" xmlns:p="http://schemas.openxmlformats.org/presentationml/2006/main">
-  <p:cSld>
-    <p:spTree>
-      <p:nvGrpSpPr>
-        <p:cNvPr id="1" name=""/>
-        <p:cNvGrpSpPr/>
-        <p:nvPr/>
-      </p:nvGrpSpPr>
-      <p:grpSpPr>
-        <a:xfrm>
-          <a:off x="0" y="0"/>
-          <a:ext cx="0" cy="0"/>
-          <a:chOff x="0" y="0"/>
-          <a:chExt cx="0" cy="0"/>
-        </a:xfrm>
-      </p:grpSpPr>
-      <p:sp>
-        <p:nvSpPr>
-          <p:cNvPr id="117" name="CustomShape 1"/>
-          <p:cNvSpPr/>
-          <p:nvPr/>
-        </p:nvSpPr>
-        <p:spPr>
-          <a:xfrm>
-            <a:off x="457200" y="205920"/>
-            <a:ext cx="8228880" cy="856800"/>
-          </a:xfrm>
-          <a:prstGeom prst="rect">
-            <a:avLst/>
-          </a:prstGeom>
-          <a:noFill/>
-          <a:ln>
-            <a:noFill/>
-          </a:ln>
-        </p:spPr>
-        <p:txBody>
-          <a:bodyPr lIns="90000" tIns="91440" rIns="90000" bIns="91440" anchor="b"/>
-          <a:lstStyle/>
-          <a:p>
-            <a:pPr>
-              <a:lnSpc>
-                <a:spcPct val="100000"/>
-              </a:lnSpc>
-            </a:pPr>
-            <a:r>
-              <a:rPr lang="en-GB" sz="3600" b="1">
-                <a:solidFill>
-                  <a:srgbClr val="DA0002"/>
-                </a:solidFill>
-                <a:latin typeface="Arial"/>
-                <a:ea typeface="Arial"/>
-              </a:rPr>
-              <a:t>Cell-Wall interaction</a:t>
-            </a:r>
-            <a:endParaRPr/>
-          </a:p>
-        </p:txBody>
-      </p:sp>
-      <p:sp>
-        <p:nvSpPr>
-          <p:cNvPr id="118" name="CustomShape 2"/>
-          <p:cNvSpPr/>
-          <p:nvPr/>
-        </p:nvSpPr>
-        <p:spPr>
-          <a:xfrm>
-            <a:off x="8556840" y="4749840"/>
-            <a:ext cx="547920" cy="392760"/>
-          </a:xfrm>
-          <a:prstGeom prst="rect">
-            <a:avLst/>
-          </a:prstGeom>
-          <a:noFill/>
-          <a:ln>
-            <a:noFill/>
-          </a:ln>
-        </p:spPr>
-        <p:txBody>
-          <a:bodyPr lIns="90000" tIns="91440" rIns="90000" bIns="91440" anchor="ctr"/>
-          <a:lstStyle/>
-          <a:p>
-            <a:pPr>
-              <a:lnSpc>
-                <a:spcPct val="100000"/>
-              </a:lnSpc>
-            </a:pPr>
-            <a:fld id="{931551E3-91EB-47F1-8D1F-2EC258F53C17}" type="slidenum">
-              <a:rPr lang="en-GB" sz="1300">
-                <a:solidFill>
-                  <a:srgbClr val="000000"/>
-                </a:solidFill>
-                <a:latin typeface="Arial"/>
-                <a:ea typeface="Arial"/>
-              </a:rPr>
-              <a:t>11</a:t>
-            </a:fld>
-            <a:endParaRPr/>
-          </a:p>
-        </p:txBody>
-      </p:sp>
-      <p:pic>
-        <p:nvPicPr>
-          <p:cNvPr id="119" name="Shape 120"/>
-          <p:cNvPicPr/>
-          <p:nvPr/>
-        </p:nvPicPr>
-        <p:blipFill>
-          <a:blip r:embed="rId2"/>
-          <a:stretch>
-            <a:fillRect/>
-          </a:stretch>
-        </p:blipFill>
-        <p:spPr>
-          <a:xfrm>
-            <a:off x="156960" y="1648440"/>
-            <a:ext cx="5752440" cy="1666080"/>
-          </a:xfrm>
-          <a:prstGeom prst="rect">
-            <a:avLst/>
-          </a:prstGeom>
-          <a:ln>
-            <a:noFill/>
-          </a:ln>
-        </p:spPr>
-      </p:pic>
-      <p:pic>
-        <p:nvPicPr>
-          <p:cNvPr id="120" name="Shape 121"/>
-          <p:cNvPicPr/>
-          <p:nvPr/>
-        </p:nvPicPr>
-        <p:blipFill>
-          <a:blip r:embed="rId3"/>
-          <a:stretch>
-            <a:fillRect/>
-          </a:stretch>
-        </p:blipFill>
-        <p:spPr>
-          <a:xfrm>
-            <a:off x="5361120" y="2653560"/>
-            <a:ext cx="3423600" cy="1851480"/>
-          </a:xfrm>
-          <a:prstGeom prst="rect">
-            <a:avLst/>
-          </a:prstGeom>
-          <a:ln>
-            <a:noFill/>
-          </a:ln>
-        </p:spPr>
-      </p:pic>
-    </p:spTree>
-  </p:cSld>
-  <p:clrMapOvr>
-    <a:masterClrMapping/>
-  </p:clrMapOvr>
-  <p:timing>
-    <p:tnLst>
-      <p:par>
-        <p:cTn xmlns:p14="http://schemas.microsoft.com/office/powerpoint/2010/main" id="1" dur="indefinite" restart="never" nodeType="tmRoot">
-          <p:childTnLst>
-            <p:seq>
-              <p:cTn id="2" nodeType="mainSeq"/>
-              <p:prevCondLst>
-                <p:cond evt="onPrev" delay="0">
-                  <p:tgtEl>
-                    <p:sldTgt/>
-                  </p:tgtEl>
-                </p:cond>
-              </p:prevCondLst>
-              <p:nextCondLst>
-                <p:cond evt="onNext" delay="0">
-                  <p:tgtEl>
-                    <p:sldTgt/>
-                  </p:tgtEl>
-                </p:cond>
-              </p:nextCondLst>
-            </p:seq>
-          </p:childTnLst>
-        </p:cTn>
-      </p:par>
-    </p:tnLst>
-  </p:timing>
-</p:sld>
-</file>
-
-<file path=ppt/slides/slide12.xml><?xml version="1.0" encoding="utf-8"?>
-<p:sld xmlns:a="http://schemas.openxmlformats.org/drawingml/2006/main" xmlns:r="http://schemas.openxmlformats.org/officeDocument/2006/relationships" xmlns:p="http://schemas.openxmlformats.org/presentationml/2006/main">
-  <p:cSld>
-    <p:spTree>
-      <p:nvGrpSpPr>
-        <p:cNvPr id="1" name=""/>
-        <p:cNvGrpSpPr/>
-        <p:nvPr/>
-      </p:nvGrpSpPr>
-      <p:grpSpPr>
-        <a:xfrm>
-          <a:off x="0" y="0"/>
-          <a:ext cx="0" cy="0"/>
-          <a:chOff x="0" y="0"/>
-          <a:chExt cx="0" cy="0"/>
-        </a:xfrm>
-      </p:grpSpPr>
-      <p:sp>
-        <p:nvSpPr>
-          <p:cNvPr id="121" name="CustomShape 1"/>
-          <p:cNvSpPr/>
-          <p:nvPr/>
-        </p:nvSpPr>
-        <p:spPr>
-          <a:xfrm>
-            <a:off x="457200" y="205920"/>
-            <a:ext cx="8228880" cy="856800"/>
-          </a:xfrm>
-          <a:prstGeom prst="rect">
-            <a:avLst/>
-          </a:prstGeom>
-          <a:noFill/>
-          <a:ln>
-            <a:noFill/>
-          </a:ln>
-        </p:spPr>
-        <p:txBody>
-          <a:bodyPr lIns="90000" tIns="91440" rIns="90000" bIns="91440" anchor="b"/>
-          <a:lstStyle/>
-          <a:p>
-            <a:pPr>
-              <a:lnSpc>
-                <a:spcPct val="100000"/>
-              </a:lnSpc>
-            </a:pPr>
-            <a:r>
-              <a:rPr lang="en-GB" sz="3600" b="1">
-                <a:solidFill>
-                  <a:srgbClr val="DA0002"/>
-                </a:solidFill>
-                <a:latin typeface="Arial"/>
-                <a:ea typeface="Arial"/>
-              </a:rPr>
-              <a:t>Diffusion</a:t>
-            </a:r>
-            <a:endParaRPr/>
-          </a:p>
-        </p:txBody>
-      </p:sp>
-      <p:sp>
-        <p:nvSpPr>
-          <p:cNvPr id="122" name="CustomShape 2"/>
-          <p:cNvSpPr/>
-          <p:nvPr/>
-        </p:nvSpPr>
-        <p:spPr>
-          <a:xfrm>
-            <a:off x="8556840" y="4749840"/>
-            <a:ext cx="547920" cy="392760"/>
-          </a:xfrm>
-          <a:prstGeom prst="rect">
-            <a:avLst/>
-          </a:prstGeom>
-          <a:noFill/>
-          <a:ln>
-            <a:noFill/>
-          </a:ln>
-        </p:spPr>
-        <p:txBody>
-          <a:bodyPr lIns="90000" tIns="91440" rIns="90000" bIns="91440" anchor="ctr"/>
-          <a:lstStyle/>
-          <a:p>
-            <a:pPr>
-              <a:lnSpc>
-                <a:spcPct val="100000"/>
-              </a:lnSpc>
-            </a:pPr>
-            <a:fld id="{C20EDC80-F3D5-42F5-98F8-204839370AF6}" type="slidenum">
-              <a:rPr lang="en-GB" sz="1300">
-                <a:solidFill>
-                  <a:srgbClr val="000000"/>
-                </a:solidFill>
-                <a:latin typeface="Arial"/>
-                <a:ea typeface="Arial"/>
-              </a:rPr>
-              <a:t>12</a:t>
-            </a:fld>
-            <a:endParaRPr/>
-          </a:p>
-        </p:txBody>
-      </p:sp>
-      <p:pic>
-        <p:nvPicPr>
-          <p:cNvPr id="123" name="Shape 128"/>
-          <p:cNvPicPr/>
-          <p:nvPr/>
-        </p:nvPicPr>
-        <p:blipFill>
-          <a:blip r:embed="rId2"/>
-          <a:stretch>
-            <a:fillRect/>
-          </a:stretch>
-        </p:blipFill>
-        <p:spPr>
-          <a:xfrm>
-            <a:off x="863280" y="1303200"/>
-            <a:ext cx="3472920" cy="660960"/>
-          </a:xfrm>
-          <a:prstGeom prst="rect">
-            <a:avLst/>
-          </a:prstGeom>
-          <a:ln>
-            <a:noFill/>
-          </a:ln>
-        </p:spPr>
-      </p:pic>
-      <p:pic>
-        <p:nvPicPr>
-          <p:cNvPr id="124" name="Shape 129"/>
-          <p:cNvPicPr/>
-          <p:nvPr/>
-        </p:nvPicPr>
-        <p:blipFill>
-          <a:blip r:embed="rId3"/>
-          <a:stretch>
-            <a:fillRect/>
-          </a:stretch>
-        </p:blipFill>
-        <p:spPr>
-          <a:xfrm>
-            <a:off x="4716000" y="1418760"/>
-            <a:ext cx="3168360" cy="505080"/>
-          </a:xfrm>
-          <a:prstGeom prst="rect">
-            <a:avLst/>
-          </a:prstGeom>
-          <a:ln>
-            <a:noFill/>
-          </a:ln>
-        </p:spPr>
-      </p:pic>
-      <p:sp>
-        <p:nvSpPr>
-          <p:cNvPr id="125" name="CustomShape 3"/>
-          <p:cNvSpPr/>
-          <p:nvPr/>
-        </p:nvSpPr>
-        <p:spPr>
-          <a:xfrm>
-            <a:off x="7280640" y="2119320"/>
-            <a:ext cx="1344600" cy="505080"/>
-          </a:xfrm>
-          <a:prstGeom prst="rect">
-            <a:avLst/>
-          </a:prstGeom>
-          <a:noFill/>
-          <a:ln>
-            <a:noFill/>
-          </a:ln>
-        </p:spPr>
-        <p:txBody>
-          <a:bodyPr lIns="90000" tIns="91440" rIns="90000" bIns="91440"/>
-          <a:lstStyle/>
-          <a:p>
-            <a:pPr>
-              <a:lnSpc>
-                <a:spcPct val="100000"/>
-              </a:lnSpc>
-            </a:pPr>
-            <a:r>
-              <a:rPr lang="en-GB" sz="1400">
-                <a:solidFill>
-                  <a:srgbClr val="000000"/>
-                </a:solidFill>
-                <a:latin typeface="Arial"/>
-                <a:ea typeface="Arial"/>
-              </a:rPr>
-              <a:t>Instantaneous</a:t>
-            </a:r>
-            <a:endParaRPr/>
-          </a:p>
-        </p:txBody>
-      </p:sp>
-      <p:sp>
-        <p:nvSpPr>
-          <p:cNvPr id="126" name="CustomShape 4"/>
-          <p:cNvSpPr/>
-          <p:nvPr/>
-        </p:nvSpPr>
-        <p:spPr>
-          <a:xfrm>
-            <a:off x="4551840" y="1317240"/>
-            <a:ext cx="6840" cy="3229560"/>
-          </a:xfrm>
-          <a:prstGeom prst="straightConnector1">
-            <a:avLst/>
-          </a:prstGeom>
-          <a:noFill/>
-          <a:ln w="19080">
-            <a:solidFill>
-              <a:srgbClr val="5B595A"/>
-            </a:solidFill>
-            <a:round/>
-          </a:ln>
-        </p:spPr>
-      </p:sp>
-      <p:pic>
-        <p:nvPicPr>
-          <p:cNvPr id="127" name="Shape 132"/>
-          <p:cNvPicPr/>
-          <p:nvPr/>
-        </p:nvPicPr>
-        <p:blipFill>
-          <a:blip r:embed="rId4"/>
-          <a:stretch>
-            <a:fillRect/>
-          </a:stretch>
-        </p:blipFill>
-        <p:spPr>
-          <a:xfrm>
-            <a:off x="1379160" y="1949120"/>
-            <a:ext cx="5933520" cy="2837520"/>
-          </a:xfrm>
-          <a:prstGeom prst="rect">
-            <a:avLst/>
-          </a:prstGeom>
-          <a:ln>
-            <a:noFill/>
-          </a:ln>
-        </p:spPr>
-      </p:pic>
-      <p:sp>
-        <p:nvSpPr>
-          <p:cNvPr id="128" name="CustomShape 5"/>
-          <p:cNvSpPr/>
-          <p:nvPr/>
-        </p:nvSpPr>
-        <p:spPr>
-          <a:xfrm>
-            <a:off x="685800" y="2119320"/>
-            <a:ext cx="1116000" cy="505080"/>
-          </a:xfrm>
-          <a:prstGeom prst="rect">
-            <a:avLst/>
-          </a:prstGeom>
-          <a:noFill/>
-          <a:ln>
-            <a:noFill/>
-          </a:ln>
-        </p:spPr>
-        <p:txBody>
-          <a:bodyPr lIns="90000" tIns="91440" rIns="90000" bIns="91440"/>
-          <a:lstStyle/>
-          <a:p>
-            <a:pPr>
-              <a:lnSpc>
-                <a:spcPct val="100000"/>
-              </a:lnSpc>
-            </a:pPr>
-            <a:r>
-              <a:rPr lang="en-GB" sz="1400">
-                <a:solidFill>
-                  <a:srgbClr val="000000"/>
-                </a:solidFill>
-                <a:latin typeface="Arial"/>
-                <a:ea typeface="Arial"/>
-              </a:rPr>
-              <a:t>Sustained</a:t>
-            </a:r>
-            <a:endParaRPr/>
-          </a:p>
-        </p:txBody>
-      </p:sp>
-      <p:sp>
-        <p:nvSpPr>
-          <p:cNvPr id="2" name="ZoneTexte 1"/>
-          <p:cNvSpPr txBox="1"/>
-          <p:nvPr/>
-        </p:nvSpPr>
-        <p:spPr>
-          <a:xfrm>
-            <a:off x="1933038" y="4671160"/>
-            <a:ext cx="5563103" cy="276999"/>
-          </a:xfrm>
-          <a:prstGeom prst="rect">
-            <a:avLst/>
-          </a:prstGeom>
-          <a:noFill/>
-        </p:spPr>
-        <p:txBody>
-          <a:bodyPr wrap="square" rtlCol="0">
-            <a:spAutoFit/>
-          </a:bodyPr>
-          <a:lstStyle/>
-          <a:p>
-            <a:r>
-              <a:rPr lang="fr-FR" sz="1200" dirty="0" smtClean="0"/>
-              <a:t>Plot of the concentration of ligands over time </a:t>
-            </a:r>
-            <a:r>
-              <a:rPr lang="fr-FR" sz="1200" dirty="0" err="1" smtClean="0"/>
-              <a:t>at</a:t>
-            </a:r>
-            <a:r>
-              <a:rPr lang="fr-FR" sz="1200" dirty="0" smtClean="0"/>
-              <a:t> a </a:t>
-            </a:r>
-            <a:r>
-              <a:rPr lang="fr-FR" sz="1200" dirty="0" err="1" smtClean="0"/>
-              <a:t>fixed</a:t>
-            </a:r>
-            <a:r>
-              <a:rPr lang="fr-FR" sz="1200" dirty="0" smtClean="0"/>
-              <a:t> distance </a:t>
-            </a:r>
-            <a:r>
-              <a:rPr lang="fr-FR" sz="1200" dirty="0" err="1" smtClean="0"/>
-              <a:t>from</a:t>
-            </a:r>
-            <a:r>
-              <a:rPr lang="fr-FR" sz="1200" dirty="0" smtClean="0"/>
-              <a:t> the source </a:t>
-            </a:r>
-            <a:endParaRPr lang="fr-FR" sz="1200" dirty="0"/>
-          </a:p>
-        </p:txBody>
-      </p:sp>
-    </p:spTree>
-  </p:cSld>
-  <p:clrMapOvr>
-    <a:masterClrMapping/>
-  </p:clrMapOvr>
-  <p:timing>
-    <p:tnLst>
-      <p:par>
-        <p:cTn xmlns:p14="http://schemas.microsoft.com/office/powerpoint/2010/main" id="1" dur="indefinite" restart="never" nodeType="tmRoot">
-          <p:childTnLst>
-            <p:seq>
-              <p:cTn id="2" nodeType="mainSeq"/>
-              <p:prevCondLst>
-                <p:cond evt="onPrev" delay="0">
-                  <p:tgtEl>
-                    <p:sldTgt/>
-                  </p:tgtEl>
-                </p:cond>
-              </p:prevCondLst>
-              <p:nextCondLst>
-                <p:cond evt="onNext" delay="0">
-                  <p:tgtEl>
-                    <p:sldTgt/>
-                  </p:tgtEl>
-                </p:cond>
-              </p:nextCondLst>
-            </p:seq>
-          </p:childTnLst>
-        </p:cTn>
-      </p:par>
-    </p:tnLst>
-  </p:timing>
-</p:sld>
-</file>
-
-<file path=ppt/slides/slide13.xml><?xml version="1.0" encoding="utf-8"?>
-<p:sld xmlns:a="http://schemas.openxmlformats.org/drawingml/2006/main" xmlns:r="http://schemas.openxmlformats.org/officeDocument/2006/relationships" xmlns:p="http://schemas.openxmlformats.org/presentationml/2006/main">
-  <p:cSld>
-    <p:spTree>
-      <p:nvGrpSpPr>
-        <p:cNvPr id="1" name=""/>
-        <p:cNvGrpSpPr/>
-        <p:nvPr/>
-      </p:nvGrpSpPr>
-      <p:grpSpPr>
-        <a:xfrm>
-          <a:off x="0" y="0"/>
-          <a:ext cx="0" cy="0"/>
-          <a:chOff x="0" y="0"/>
-          <a:chExt cx="0" cy="0"/>
-        </a:xfrm>
-      </p:grpSpPr>
-      <p:sp>
-        <p:nvSpPr>
-          <p:cNvPr id="129" name="CustomShape 1"/>
-          <p:cNvSpPr/>
-          <p:nvPr/>
-        </p:nvSpPr>
-        <p:spPr>
-          <a:xfrm>
-            <a:off x="457200" y="205920"/>
-            <a:ext cx="8228880" cy="856800"/>
-          </a:xfrm>
-          <a:prstGeom prst="rect">
-            <a:avLst/>
-          </a:prstGeom>
-          <a:noFill/>
-          <a:ln>
-            <a:noFill/>
-          </a:ln>
-        </p:spPr>
-        <p:txBody>
-          <a:bodyPr lIns="90000" tIns="91440" rIns="90000" bIns="91440" anchor="b"/>
-          <a:lstStyle/>
-          <a:p>
-            <a:pPr>
-              <a:lnSpc>
-                <a:spcPct val="100000"/>
-              </a:lnSpc>
-            </a:pPr>
-            <a:r>
-              <a:rPr lang="en-GB" sz="3600" b="1">
-                <a:solidFill>
-                  <a:srgbClr val="DA0002"/>
-                </a:solidFill>
-                <a:latin typeface="Arial"/>
-                <a:ea typeface="Arial"/>
-              </a:rPr>
-              <a:t>Diffusion Illustration</a:t>
-            </a:r>
-            <a:endParaRPr/>
-          </a:p>
-        </p:txBody>
-      </p:sp>
-      <p:sp>
-        <p:nvSpPr>
-          <p:cNvPr id="130" name="CustomShape 2"/>
-          <p:cNvSpPr/>
-          <p:nvPr/>
-        </p:nvSpPr>
-        <p:spPr>
-          <a:xfrm>
-            <a:off x="8556840" y="4749840"/>
-            <a:ext cx="547920" cy="392760"/>
-          </a:xfrm>
-          <a:prstGeom prst="rect">
-            <a:avLst/>
-          </a:prstGeom>
-          <a:noFill/>
-          <a:ln>
-            <a:noFill/>
-          </a:ln>
-        </p:spPr>
-        <p:txBody>
-          <a:bodyPr lIns="90000" tIns="91440" rIns="90000" bIns="91440" anchor="ctr"/>
-          <a:lstStyle/>
-          <a:p>
-            <a:pPr>
-              <a:lnSpc>
-                <a:spcPct val="100000"/>
-              </a:lnSpc>
-            </a:pPr>
-            <a:fld id="{6F90FF7D-A028-413A-B0DB-F0A673D853F4}" type="slidenum">
-              <a:rPr lang="en-GB" sz="1300">
-                <a:solidFill>
-                  <a:srgbClr val="000000"/>
-                </a:solidFill>
-                <a:latin typeface="Arial"/>
-                <a:ea typeface="Arial"/>
-              </a:rPr>
-              <a:t>13</a:t>
-            </a:fld>
-            <a:endParaRPr/>
-          </a:p>
-        </p:txBody>
-      </p:sp>
-      <p:pic>
-        <p:nvPicPr>
-          <p:cNvPr id="131" name="Shape 140"/>
-          <p:cNvPicPr/>
-          <p:nvPr/>
-        </p:nvPicPr>
-        <p:blipFill>
-          <a:blip r:embed="rId2"/>
-          <a:stretch>
-            <a:fillRect/>
-          </a:stretch>
-        </p:blipFill>
-        <p:spPr>
-          <a:xfrm>
-            <a:off x="457200" y="1446840"/>
-            <a:ext cx="8228880" cy="2925720"/>
-          </a:xfrm>
-          <a:prstGeom prst="rect">
-            <a:avLst/>
-          </a:prstGeom>
-          <a:ln>
-            <a:noFill/>
-          </a:ln>
-        </p:spPr>
-      </p:pic>
-    </p:spTree>
-  </p:cSld>
-  <p:clrMapOvr>
-    <a:masterClrMapping/>
-  </p:clrMapOvr>
-  <p:timing>
-    <p:tnLst>
-      <p:par>
-        <p:cTn xmlns:p14="http://schemas.microsoft.com/office/powerpoint/2010/main" id="1" dur="indefinite" restart="never" nodeType="tmRoot">
-          <p:childTnLst>
-            <p:seq>
-              <p:cTn id="2" nodeType="mainSeq"/>
-              <p:prevCondLst>
-                <p:cond evt="onPrev" delay="0">
-                  <p:tgtEl>
-                    <p:sldTgt/>
-                  </p:tgtEl>
-                </p:cond>
-              </p:prevCondLst>
-              <p:nextCondLst>
-                <p:cond evt="onNext" delay="0">
-                  <p:tgtEl>
-                    <p:sldTgt/>
-                  </p:tgtEl>
-                </p:cond>
-              </p:nextCondLst>
-            </p:seq>
-          </p:childTnLst>
-        </p:cTn>
-      </p:par>
-    </p:tnLst>
-  </p:timing>
-</p:sld>
-</file>
-
-<file path=ppt/slides/slide14.xml><?xml version="1.0" encoding="utf-8"?>
-<p:sld xmlns:a="http://schemas.openxmlformats.org/drawingml/2006/main" xmlns:r="http://schemas.openxmlformats.org/officeDocument/2006/relationships" xmlns:p="http://schemas.openxmlformats.org/presentationml/2006/main">
-  <p:cSld>
-    <p:spTree>
-      <p:nvGrpSpPr>
-        <p:cNvPr id="1" name=""/>
-        <p:cNvGrpSpPr/>
-        <p:nvPr/>
-      </p:nvGrpSpPr>
-      <p:grpSpPr>
-        <a:xfrm>
-          <a:off x="0" y="0"/>
-          <a:ext cx="0" cy="0"/>
-          <a:chOff x="0" y="0"/>
-          <a:chExt cx="0" cy="0"/>
-        </a:xfrm>
-      </p:grpSpPr>
-      <p:sp>
-        <p:nvSpPr>
-          <p:cNvPr id="132" name="CustomShape 1"/>
-          <p:cNvSpPr/>
-          <p:nvPr/>
-        </p:nvSpPr>
-        <p:spPr>
-          <a:xfrm>
-            <a:off x="457200" y="205920"/>
-            <a:ext cx="8228880" cy="856800"/>
-          </a:xfrm>
-          <a:prstGeom prst="rect">
-            <a:avLst/>
-          </a:prstGeom>
-          <a:noFill/>
-          <a:ln>
-            <a:noFill/>
-          </a:ln>
-        </p:spPr>
-        <p:txBody>
-          <a:bodyPr lIns="90000" tIns="91440" rIns="90000" bIns="91440" anchor="b"/>
-          <a:lstStyle/>
-          <a:p>
-            <a:pPr>
-              <a:lnSpc>
-                <a:spcPct val="100000"/>
-              </a:lnSpc>
-            </a:pPr>
-            <a:r>
-              <a:rPr lang="en-GB" sz="3600" b="1">
-                <a:solidFill>
-                  <a:srgbClr val="DA0002"/>
-                </a:solidFill>
-                <a:latin typeface="Arial"/>
-                <a:ea typeface="Arial"/>
-              </a:rPr>
-              <a:t>Diffusion Interface</a:t>
-            </a:r>
-            <a:endParaRPr/>
-          </a:p>
-        </p:txBody>
-      </p:sp>
-      <p:sp>
-        <p:nvSpPr>
-          <p:cNvPr id="133" name="CustomShape 2"/>
-          <p:cNvSpPr/>
-          <p:nvPr/>
-        </p:nvSpPr>
-        <p:spPr>
-          <a:xfrm>
-            <a:off x="8556840" y="4749840"/>
-            <a:ext cx="547920" cy="392760"/>
-          </a:xfrm>
-          <a:prstGeom prst="rect">
-            <a:avLst/>
-          </a:prstGeom>
-          <a:noFill/>
-          <a:ln>
-            <a:noFill/>
-          </a:ln>
-        </p:spPr>
-        <p:txBody>
-          <a:bodyPr lIns="90000" tIns="91440" rIns="90000" bIns="91440" anchor="ctr"/>
-          <a:lstStyle/>
-          <a:p>
-            <a:pPr>
-              <a:lnSpc>
-                <a:spcPct val="100000"/>
-              </a:lnSpc>
-            </a:pPr>
-            <a:fld id="{AC3A44DD-1DCF-40FF-9395-E0D1BE1BD5BA}" type="slidenum">
-              <a:rPr lang="en-GB" sz="1300">
-                <a:solidFill>
-                  <a:srgbClr val="000000"/>
-                </a:solidFill>
-                <a:latin typeface="Arial"/>
-                <a:ea typeface="Arial"/>
-              </a:rPr>
-              <a:t>14</a:t>
-            </a:fld>
-            <a:endParaRPr/>
-          </a:p>
-        </p:txBody>
-      </p:sp>
-      <p:sp>
-        <p:nvSpPr>
-          <p:cNvPr id="135" name="CustomShape 3"/>
-          <p:cNvSpPr/>
-          <p:nvPr/>
-        </p:nvSpPr>
-        <p:spPr>
-          <a:xfrm>
-            <a:off x="504000" y="1615320"/>
-            <a:ext cx="1499760" cy="2015640"/>
-          </a:xfrm>
-          <a:prstGeom prst="rect">
-            <a:avLst/>
-          </a:prstGeom>
-          <a:noFill/>
-          <a:ln>
-            <a:noFill/>
-          </a:ln>
-        </p:spPr>
-        <p:txBody>
-          <a:bodyPr lIns="90000" tIns="91440" rIns="90000" bIns="91440"/>
-          <a:lstStyle/>
-          <a:p>
-            <a:pPr>
-              <a:lnSpc>
-                <a:spcPct val="100000"/>
-              </a:lnSpc>
-            </a:pPr>
-            <a:r>
-              <a:rPr lang="en-GB" sz="1400" dirty="0">
-                <a:solidFill>
-                  <a:srgbClr val="000000"/>
-                </a:solidFill>
-                <a:latin typeface="Arial"/>
-                <a:ea typeface="Arial"/>
-              </a:rPr>
-              <a:t>VIDEO of the integrative diffusion instead and click on the location and coefficient button to show the other interface</a:t>
-            </a:r>
-            <a:endParaRPr dirty="0"/>
-          </a:p>
-        </p:txBody>
-      </p:sp>
-    </p:spTree>
-  </p:cSld>
-  <p:clrMapOvr>
-    <a:masterClrMapping/>
-  </p:clrMapOvr>
-  <p:timing>
-    <p:tnLst>
-      <p:par>
-        <p:cTn xmlns:p14="http://schemas.microsoft.com/office/powerpoint/2010/main" id="1" dur="indefinite" restart="never" nodeType="tmRoot">
-          <p:childTnLst>
-            <p:seq>
-              <p:cTn id="2" nodeType="mainSeq"/>
-              <p:prevCondLst>
-                <p:cond evt="onPrev" delay="0">
-                  <p:tgtEl>
-                    <p:sldTgt/>
-                  </p:tgtEl>
-                </p:cond>
-              </p:prevCondLst>
-              <p:nextCondLst>
-                <p:cond evt="onNext" delay="0">
-                  <p:tgtEl>
-                    <p:sldTgt/>
-                  </p:tgtEl>
-                </p:cond>
-              </p:nextCondLst>
-            </p:seq>
-          </p:childTnLst>
-        </p:cTn>
-      </p:par>
-    </p:tnLst>
-  </p:timing>
-</p:sld>
-</file>
-
-<file path=ppt/slides/slide15.xml><?xml version="1.0" encoding="utf-8"?>
-<p:sld xmlns:a="http://schemas.openxmlformats.org/drawingml/2006/main" xmlns:r="http://schemas.openxmlformats.org/officeDocument/2006/relationships" xmlns:p="http://schemas.openxmlformats.org/presentationml/2006/main">
-  <p:cSld>
-    <p:spTree>
-      <p:nvGrpSpPr>
-        <p:cNvPr id="1" name=""/>
-        <p:cNvGrpSpPr/>
-        <p:nvPr/>
-      </p:nvGrpSpPr>
-      <p:grpSpPr>
-        <a:xfrm>
-          <a:off x="0" y="0"/>
-          <a:ext cx="0" cy="0"/>
-          <a:chOff x="0" y="0"/>
-          <a:chExt cx="0" cy="0"/>
-        </a:xfrm>
-      </p:grpSpPr>
-      <p:sp>
-        <p:nvSpPr>
-          <p:cNvPr id="136" name="CustomShape 1"/>
-          <p:cNvSpPr/>
-          <p:nvPr/>
-        </p:nvSpPr>
-        <p:spPr>
-          <a:xfrm>
-            <a:off x="457200" y="205920"/>
-            <a:ext cx="8228880" cy="856800"/>
-          </a:xfrm>
-          <a:prstGeom prst="rect">
-            <a:avLst/>
-          </a:prstGeom>
-          <a:noFill/>
-          <a:ln>
-            <a:noFill/>
-          </a:ln>
-        </p:spPr>
-        <p:txBody>
-          <a:bodyPr lIns="90000" tIns="91440" rIns="90000" bIns="91440" anchor="b"/>
-          <a:lstStyle/>
-          <a:p>
-            <a:pPr>
-              <a:lnSpc>
-                <a:spcPct val="100000"/>
-              </a:lnSpc>
-            </a:pPr>
-            <a:r>
-              <a:rPr lang="en-GB" sz="3600" b="1">
-                <a:solidFill>
-                  <a:srgbClr val="DA0002"/>
-                </a:solidFill>
-                <a:latin typeface="Arial"/>
-                <a:ea typeface="Arial"/>
-              </a:rPr>
-              <a:t>Example: Stem Cell Replication</a:t>
-            </a:r>
-            <a:endParaRPr/>
-          </a:p>
-        </p:txBody>
-      </p:sp>
-      <p:sp>
-        <p:nvSpPr>
-          <p:cNvPr id="137" name="CustomShape 2"/>
-          <p:cNvSpPr/>
-          <p:nvPr/>
-        </p:nvSpPr>
-        <p:spPr>
-          <a:xfrm>
-            <a:off x="8556840" y="4749840"/>
-            <a:ext cx="547920" cy="392760"/>
-          </a:xfrm>
-          <a:prstGeom prst="rect">
-            <a:avLst/>
-          </a:prstGeom>
-          <a:noFill/>
-          <a:ln>
-            <a:noFill/>
-          </a:ln>
-        </p:spPr>
-        <p:txBody>
-          <a:bodyPr lIns="90000" tIns="91440" rIns="90000" bIns="91440" anchor="ctr"/>
-          <a:lstStyle/>
-          <a:p>
-            <a:pPr>
-              <a:lnSpc>
-                <a:spcPct val="100000"/>
-              </a:lnSpc>
-            </a:pPr>
-            <a:fld id="{8E1C14B5-BC25-4EDE-953F-4437E00491E6}" type="slidenum">
-              <a:rPr lang="en-GB" sz="1300">
-                <a:solidFill>
-                  <a:srgbClr val="000000"/>
-                </a:solidFill>
-                <a:latin typeface="Arial"/>
-                <a:ea typeface="Arial"/>
-              </a:rPr>
-              <a:t>15</a:t>
-            </a:fld>
-            <a:endParaRPr/>
-          </a:p>
-        </p:txBody>
-      </p:sp>
-      <p:pic>
-        <p:nvPicPr>
-          <p:cNvPr id="138" name="Image 137"/>
-          <p:cNvPicPr/>
-          <p:nvPr/>
-        </p:nvPicPr>
-        <p:blipFill>
-          <a:blip r:embed="rId2"/>
-          <a:stretch>
-            <a:fillRect/>
-          </a:stretch>
-        </p:blipFill>
-        <p:spPr>
-          <a:xfrm>
-            <a:off x="4477680" y="1332720"/>
-            <a:ext cx="4089960" cy="3418920"/>
-          </a:xfrm>
-          <a:prstGeom prst="rect">
-            <a:avLst/>
-          </a:prstGeom>
-          <a:ln>
-            <a:noFill/>
-          </a:ln>
-        </p:spPr>
-      </p:pic>
-    </p:spTree>
-  </p:cSld>
-  <p:clrMapOvr>
-    <a:masterClrMapping/>
-  </p:clrMapOvr>
-  <p:timing>
-    <p:tnLst>
-      <p:par>
-        <p:cTn xmlns:p14="http://schemas.microsoft.com/office/powerpoint/2010/main" id="1" dur="indefinite" restart="never" nodeType="tmRoot">
-          <p:childTnLst>
-            <p:seq>
-              <p:cTn id="2" nodeType="mainSeq"/>
-              <p:prevCondLst>
-                <p:cond evt="onPrev" delay="0">
-                  <p:tgtEl>
-                    <p:sldTgt/>
-                  </p:tgtEl>
-                </p:cond>
-              </p:prevCondLst>
-              <p:nextCondLst>
-                <p:cond evt="onNext" delay="0">
-                  <p:tgtEl>
-                    <p:sldTgt/>
-                  </p:tgtEl>
-                </p:cond>
-              </p:nextCondLst>
-            </p:seq>
-          </p:childTnLst>
-        </p:cTn>
-      </p:par>
-    </p:tnLst>
-  </p:timing>
-</p:sld>
-</file>
-
-<file path=ppt/slides/slide16.xml><?xml version="1.0" encoding="utf-8"?>
-<p:sld xmlns:a="http://schemas.openxmlformats.org/drawingml/2006/main" xmlns:r="http://schemas.openxmlformats.org/officeDocument/2006/relationships" xmlns:p="http://schemas.openxmlformats.org/presentationml/2006/main">
-  <p:cSld>
-    <p:spTree>
-      <p:nvGrpSpPr>
-        <p:cNvPr id="1" name=""/>
-        <p:cNvGrpSpPr/>
-        <p:nvPr/>
-      </p:nvGrpSpPr>
-      <p:grpSpPr>
-        <a:xfrm>
-          <a:off x="0" y="0"/>
-          <a:ext cx="0" cy="0"/>
-          <a:chOff x="0" y="0"/>
-          <a:chExt cx="0" cy="0"/>
-        </a:xfrm>
-      </p:grpSpPr>
-      <p:sp>
-        <p:nvSpPr>
-          <p:cNvPr id="139" name="CustomShape 1"/>
-          <p:cNvSpPr/>
-          <p:nvPr/>
-        </p:nvSpPr>
-        <p:spPr>
-          <a:xfrm>
-            <a:off x="457200" y="205920"/>
-            <a:ext cx="8228880" cy="856800"/>
-          </a:xfrm>
-          <a:prstGeom prst="rect">
-            <a:avLst/>
-          </a:prstGeom>
-          <a:noFill/>
-          <a:ln>
-            <a:noFill/>
-          </a:ln>
-        </p:spPr>
-        <p:txBody>
-          <a:bodyPr lIns="0" tIns="0" rIns="0" bIns="0" anchor="ctr"/>
-          <a:lstStyle/>
-          <a:p>
-            <a:pPr>
-              <a:lnSpc>
-                <a:spcPct val="100000"/>
-              </a:lnSpc>
-            </a:pPr>
-            <a:r>
-              <a:rPr lang="en-GB" sz="3600" b="1">
-                <a:solidFill>
-                  <a:srgbClr val="DA0002"/>
-                </a:solidFill>
-                <a:latin typeface="Arial"/>
-                <a:ea typeface="Arial"/>
-              </a:rPr>
-              <a:t>Example: Stem Cell Replication</a:t>
-            </a:r>
-            <a:endParaRPr/>
-          </a:p>
-        </p:txBody>
-      </p:sp>
-      <p:pic>
-        <p:nvPicPr>
-          <p:cNvPr id="140" name="Image 139"/>
-          <p:cNvPicPr/>
-          <p:nvPr/>
-        </p:nvPicPr>
-        <p:blipFill>
-          <a:blip r:embed="rId2"/>
-          <a:stretch>
-            <a:fillRect/>
-          </a:stretch>
-        </p:blipFill>
-        <p:spPr>
-          <a:xfrm>
-            <a:off x="2100240" y="1209240"/>
-            <a:ext cx="4942440" cy="3706560"/>
-          </a:xfrm>
-          <a:prstGeom prst="rect">
-            <a:avLst/>
-          </a:prstGeom>
-          <a:ln>
-            <a:noFill/>
-          </a:ln>
-        </p:spPr>
-      </p:pic>
-    </p:spTree>
-  </p:cSld>
-  <p:clrMapOvr>
-    <a:masterClrMapping/>
-  </p:clrMapOvr>
-  <p:timing>
-    <p:tnLst>
-      <p:par>
-        <p:cTn xmlns:p14="http://schemas.microsoft.com/office/powerpoint/2010/main" id="1" dur="indefinite" restart="never" nodeType="tmRoot">
-          <p:childTnLst>
-            <p:seq>
-              <p:cTn id="2" nodeType="mainSeq"/>
-              <p:prevCondLst>
-                <p:cond evt="onPrev" delay="0">
-                  <p:tgtEl>
-                    <p:sldTgt/>
-                  </p:tgtEl>
-                </p:cond>
-              </p:prevCondLst>
-              <p:nextCondLst>
-                <p:cond evt="onNext" delay="0">
-                  <p:tgtEl>
-                    <p:sldTgt/>
-                  </p:tgtEl>
-                </p:cond>
-              </p:nextCondLst>
-            </p:seq>
-          </p:childTnLst>
-        </p:cTn>
-      </p:par>
-    </p:tnLst>
-  </p:timing>
-</p:sld>
-</file>
-
-<file path=ppt/slides/slide17.xml><?xml version="1.0" encoding="utf-8"?>
-<p:sld xmlns:a="http://schemas.openxmlformats.org/drawingml/2006/main" xmlns:r="http://schemas.openxmlformats.org/officeDocument/2006/relationships" xmlns:p="http://schemas.openxmlformats.org/presentationml/2006/main">
-  <p:cSld>
-    <p:spTree>
-      <p:nvGrpSpPr>
-        <p:cNvPr id="1" name=""/>
-        <p:cNvGrpSpPr/>
-        <p:nvPr/>
-      </p:nvGrpSpPr>
-      <p:grpSpPr>
-        <a:xfrm>
-          <a:off x="0" y="0"/>
-          <a:ext cx="0" cy="0"/>
-          <a:chOff x="0" y="0"/>
-          <a:chExt cx="0" cy="0"/>
-        </a:xfrm>
-      </p:grpSpPr>
-      <p:sp>
-        <p:nvSpPr>
-          <p:cNvPr id="141" name="CustomShape 1"/>
-          <p:cNvSpPr/>
-          <p:nvPr/>
-        </p:nvSpPr>
-        <p:spPr>
-          <a:xfrm>
-            <a:off x="457200" y="205920"/>
-            <a:ext cx="8228880" cy="856800"/>
-          </a:xfrm>
-          <a:prstGeom prst="rect">
-            <a:avLst/>
-          </a:prstGeom>
-          <a:noFill/>
-          <a:ln>
-            <a:noFill/>
-          </a:ln>
-        </p:spPr>
-        <p:txBody>
-          <a:bodyPr lIns="0" tIns="0" rIns="0" bIns="0" anchor="ctr"/>
-          <a:lstStyle/>
-          <a:p>
-            <a:pPr>
-              <a:lnSpc>
-                <a:spcPct val="100000"/>
-              </a:lnSpc>
-            </a:pPr>
-            <a:r>
-              <a:rPr lang="en-GB" sz="3600" b="1">
-                <a:solidFill>
-                  <a:srgbClr val="DA0002"/>
-                </a:solidFill>
-                <a:latin typeface="Arial"/>
-                <a:ea typeface="Arial"/>
-              </a:rPr>
-              <a:t>Example: Macrophage Migration</a:t>
-            </a:r>
-            <a:endParaRPr/>
-          </a:p>
-        </p:txBody>
-      </p:sp>
-    </p:spTree>
-  </p:cSld>
-  <p:clrMapOvr>
-    <a:masterClrMapping/>
-  </p:clrMapOvr>
-  <p:timing>
-    <p:tnLst>
-      <p:par>
-        <p:cTn xmlns:p14="http://schemas.microsoft.com/office/powerpoint/2010/main" id="1" dur="indefinite" restart="never" nodeType="tmRoot">
-          <p:childTnLst>
-            <p:seq>
-              <p:cTn id="2" nodeType="mainSeq"/>
-              <p:prevCondLst>
-                <p:cond evt="onPrev" delay="0">
-                  <p:tgtEl>
-                    <p:sldTgt/>
-                  </p:tgtEl>
-                </p:cond>
-              </p:prevCondLst>
-              <p:nextCondLst>
-                <p:cond evt="onNext" delay="0">
-                  <p:tgtEl>
-                    <p:sldTgt/>
-                  </p:tgtEl>
-                </p:cond>
-              </p:nextCondLst>
-            </p:seq>
-          </p:childTnLst>
-        </p:cTn>
-      </p:par>
-    </p:tnLst>
-  </p:timing>
-</p:sld>
-</file>
-
-<file path=ppt/slides/slide18.xml><?xml version="1.0" encoding="utf-8"?>
-<p:sld xmlns:a="http://schemas.openxmlformats.org/drawingml/2006/main" xmlns:r="http://schemas.openxmlformats.org/officeDocument/2006/relationships" xmlns:p="http://schemas.openxmlformats.org/presentationml/2006/main">
-  <p:cSld>
-    <p:spTree>
-      <p:nvGrpSpPr>
-        <p:cNvPr id="1" name=""/>
-        <p:cNvGrpSpPr/>
-        <p:nvPr/>
-      </p:nvGrpSpPr>
-      <p:grpSpPr>
-        <a:xfrm>
-          <a:off x="0" y="0"/>
-          <a:ext cx="0" cy="0"/>
-          <a:chOff x="0" y="0"/>
-          <a:chExt cx="0" cy="0"/>
-        </a:xfrm>
-      </p:grpSpPr>
-      <p:sp>
-        <p:nvSpPr>
-          <p:cNvPr id="142" name="CustomShape 1"/>
-          <p:cNvSpPr/>
-          <p:nvPr/>
-        </p:nvSpPr>
-        <p:spPr>
-          <a:xfrm>
-            <a:off x="457200" y="205920"/>
-            <a:ext cx="8228880" cy="856800"/>
-          </a:xfrm>
-          <a:prstGeom prst="rect">
-            <a:avLst/>
-          </a:prstGeom>
-          <a:noFill/>
-          <a:ln>
-            <a:noFill/>
-          </a:ln>
-        </p:spPr>
-        <p:txBody>
-          <a:bodyPr lIns="0" tIns="0" rIns="0" bIns="0" anchor="ctr"/>
-          <a:lstStyle/>
-          <a:p>
-            <a:pPr>
-              <a:lnSpc>
-                <a:spcPct val="100000"/>
-              </a:lnSpc>
-            </a:pPr>
-            <a:r>
-              <a:rPr lang="en-GB" sz="3600" b="1">
-                <a:solidFill>
-                  <a:srgbClr val="DA0002"/>
-                </a:solidFill>
-                <a:latin typeface="Arial"/>
-                <a:ea typeface="Arial"/>
-              </a:rPr>
-              <a:t>Example: Macrophage Migration</a:t>
-            </a:r>
-            <a:endParaRPr/>
-          </a:p>
-        </p:txBody>
-      </p:sp>
-      <p:pic>
-        <p:nvPicPr>
-          <p:cNvPr id="143" name="Image 142"/>
-          <p:cNvPicPr/>
-          <p:nvPr/>
-        </p:nvPicPr>
-        <p:blipFill>
-          <a:blip r:embed="rId2"/>
-          <a:stretch>
-            <a:fillRect/>
-          </a:stretch>
-        </p:blipFill>
-        <p:spPr>
-          <a:xfrm>
-            <a:off x="4536000" y="1786680"/>
-            <a:ext cx="4319640" cy="3036960"/>
-          </a:xfrm>
-          <a:prstGeom prst="rect">
-            <a:avLst/>
-          </a:prstGeom>
-          <a:ln>
-            <a:noFill/>
-          </a:ln>
-        </p:spPr>
-      </p:pic>
-      <p:pic>
-        <p:nvPicPr>
-          <p:cNvPr id="144" name="Image 143"/>
-          <p:cNvPicPr/>
-          <p:nvPr/>
-        </p:nvPicPr>
-        <p:blipFill>
-          <a:blip r:embed="rId3"/>
-          <a:stretch>
-            <a:fillRect/>
-          </a:stretch>
-        </p:blipFill>
-        <p:spPr>
-          <a:xfrm>
-            <a:off x="576000" y="1692720"/>
-            <a:ext cx="3674880" cy="3274920"/>
-          </a:xfrm>
-          <a:prstGeom prst="rect">
-            <a:avLst/>
-          </a:prstGeom>
-          <a:ln>
-            <a:noFill/>
-          </a:ln>
-        </p:spPr>
-      </p:pic>
-    </p:spTree>
-  </p:cSld>
-  <p:clrMapOvr>
-    <a:masterClrMapping/>
-  </p:clrMapOvr>
-  <p:timing>
-    <p:tnLst>
-      <p:par>
-        <p:cTn xmlns:p14="http://schemas.microsoft.com/office/powerpoint/2010/main" id="1" dur="indefinite" restart="never" nodeType="tmRoot">
-          <p:childTnLst>
-            <p:seq>
-              <p:cTn id="2" nodeType="mainSeq"/>
-              <p:prevCondLst>
-                <p:cond evt="onPrev" delay="0">
-                  <p:tgtEl>
-                    <p:sldTgt/>
-                  </p:tgtEl>
-                </p:cond>
-              </p:prevCondLst>
-              <p:nextCondLst>
-                <p:cond evt="onNext" delay="0">
-                  <p:tgtEl>
-                    <p:sldTgt/>
-                  </p:tgtEl>
-                </p:cond>
-              </p:nextCondLst>
-            </p:seq>
-          </p:childTnLst>
-        </p:cTn>
-      </p:par>
-    </p:tnLst>
-  </p:timing>
-</p:sld>
-</file>
-
-<file path=ppt/slides/slide19.xml><?xml version="1.0" encoding="utf-8"?>
-<p:sld xmlns:a="http://schemas.openxmlformats.org/drawingml/2006/main" xmlns:r="http://schemas.openxmlformats.org/officeDocument/2006/relationships" xmlns:p="http://schemas.openxmlformats.org/presentationml/2006/main">
-  <p:cSld>
-    <p:spTree>
-      <p:nvGrpSpPr>
-        <p:cNvPr id="1" name=""/>
-        <p:cNvGrpSpPr/>
-        <p:nvPr/>
-      </p:nvGrpSpPr>
-      <p:grpSpPr>
-        <a:xfrm>
-          <a:off x="0" y="0"/>
-          <a:ext cx="0" cy="0"/>
-          <a:chOff x="0" y="0"/>
-          <a:chExt cx="0" cy="0"/>
-        </a:xfrm>
-      </p:grpSpPr>
-      <p:sp>
-        <p:nvSpPr>
-          <p:cNvPr id="145" name="CustomShape 1"/>
-          <p:cNvSpPr/>
-          <p:nvPr/>
-        </p:nvSpPr>
-        <p:spPr>
-          <a:xfrm>
-            <a:off x="457200" y="205920"/>
-            <a:ext cx="8228880" cy="856800"/>
-          </a:xfrm>
-          <a:prstGeom prst="rect">
-            <a:avLst/>
-          </a:prstGeom>
-          <a:noFill/>
-          <a:ln>
-            <a:noFill/>
-          </a:ln>
-        </p:spPr>
-        <p:txBody>
-          <a:bodyPr lIns="90000" tIns="91440" rIns="90000" bIns="91440" anchor="b"/>
-          <a:lstStyle/>
-          <a:p>
-            <a:pPr>
-              <a:lnSpc>
-                <a:spcPct val="100000"/>
-              </a:lnSpc>
-            </a:pPr>
-            <a:r>
-              <a:rPr lang="en-GB" sz="3600" b="1">
-                <a:solidFill>
-                  <a:srgbClr val="DA0002"/>
-                </a:solidFill>
-                <a:latin typeface="Arial"/>
-                <a:ea typeface="Arial"/>
-              </a:rPr>
-              <a:t>References</a:t>
-            </a:r>
-            <a:endParaRPr/>
-          </a:p>
-        </p:txBody>
-      </p:sp>
-      <p:sp>
-        <p:nvSpPr>
-          <p:cNvPr id="146" name="CustomShape 2"/>
-          <p:cNvSpPr/>
-          <p:nvPr/>
-        </p:nvSpPr>
-        <p:spPr>
-          <a:xfrm>
-            <a:off x="457200" y="1200240"/>
-            <a:ext cx="8228880" cy="3724920"/>
-          </a:xfrm>
-          <a:prstGeom prst="rect">
-            <a:avLst/>
-          </a:prstGeom>
-          <a:noFill/>
-          <a:ln>
-            <a:noFill/>
-          </a:ln>
-        </p:spPr>
-        <p:txBody>
-          <a:bodyPr lIns="90000" tIns="91440" rIns="90000" bIns="91440"/>
-          <a:lstStyle/>
-          <a:p>
-            <a:pPr>
-              <a:lnSpc>
-                <a:spcPct val="100000"/>
-              </a:lnSpc>
-            </a:pPr>
-            <a:r>
-              <a:rPr lang="en-GB" sz="1200">
-                <a:solidFill>
-                  <a:srgbClr val="000000"/>
-                </a:solidFill>
-                <a:latin typeface="Arial"/>
-                <a:ea typeface="Arial"/>
-              </a:rPr>
-              <a:t>Kaul, Himanshu, and Yiannis Ventikos. "Investigating biocomplexity through the agent-based paradigm." </a:t>
-            </a:r>
-            <a:r>
-              <a:rPr lang="en-GB" sz="1200" i="1">
-                <a:solidFill>
-                  <a:srgbClr val="000000"/>
-                </a:solidFill>
-                <a:latin typeface="Arial"/>
-                <a:ea typeface="Arial"/>
-              </a:rPr>
-              <a:t>Briefings in bioinformatics</a:t>
-            </a:r>
-            <a:r>
-              <a:rPr lang="en-GB" sz="1200">
-                <a:solidFill>
-                  <a:srgbClr val="000000"/>
-                </a:solidFill>
-                <a:latin typeface="Arial"/>
-                <a:ea typeface="Arial"/>
-              </a:rPr>
-              <a:t> 16.1 (2015): 137-152.</a:t>
-            </a:r>
-            <a:endParaRPr/>
-          </a:p>
-          <a:p>
-            <a:pPr>
-              <a:lnSpc>
-                <a:spcPct val="100000"/>
-              </a:lnSpc>
-            </a:pPr>
-            <a:endParaRPr/>
-          </a:p>
-        </p:txBody>
-      </p:sp>
-      <p:sp>
-        <p:nvSpPr>
-          <p:cNvPr id="147" name="CustomShape 3"/>
-          <p:cNvSpPr/>
-          <p:nvPr/>
-        </p:nvSpPr>
-        <p:spPr>
-          <a:xfrm>
-            <a:off x="8556840" y="4749840"/>
-            <a:ext cx="547920" cy="392760"/>
-          </a:xfrm>
-          <a:prstGeom prst="rect">
-            <a:avLst/>
-          </a:prstGeom>
-          <a:noFill/>
-          <a:ln>
-            <a:noFill/>
-          </a:ln>
-        </p:spPr>
-        <p:txBody>
-          <a:bodyPr lIns="90000" tIns="91440" rIns="90000" bIns="91440" anchor="ctr"/>
-          <a:lstStyle/>
-          <a:p>
-            <a:pPr>
-              <a:lnSpc>
-                <a:spcPct val="100000"/>
-              </a:lnSpc>
-            </a:pPr>
-            <a:fld id="{213D8F78-8DB4-4BFA-BB79-FD2A2B808256}" type="slidenum">
-              <a:rPr lang="en-GB" sz="1300">
-                <a:solidFill>
-                  <a:srgbClr val="000000"/>
-                </a:solidFill>
-                <a:latin typeface="Arial"/>
-                <a:ea typeface="Arial"/>
-              </a:rPr>
-              <a:t>19</a:t>
-            </a:fld>
-            <a:endParaRPr/>
-          </a:p>
-        </p:txBody>
-      </p:sp>
-    </p:spTree>
-  </p:cSld>
-  <p:clrMapOvr>
-    <a:masterClrMapping/>
-  </p:clrMapOvr>
-  <p:timing>
-    <p:tnLst>
-      <p:par>
-        <p:cTn xmlns:p14="http://schemas.microsoft.com/office/powerpoint/2010/main" id="1" dur="indefinite" restart="never" nodeType="tmRoot">
-          <p:childTnLst>
-            <p:seq>
-              <p:cTn id="2" nodeType="mainSeq"/>
-              <p:prevCondLst>
-                <p:cond evt="onPrev" delay="0">
-                  <p:tgtEl>
-                    <p:sldTgt/>
-                  </p:tgtEl>
-                </p:cond>
-              </p:prevCondLst>
-              <p:nextCondLst>
-                <p:cond evt="onNext" delay="0">
-                  <p:tgtEl>
-                    <p:sldTgt/>
-                  </p:tgtEl>
-                </p:cond>
-              </p:nextCondLst>
-            </p:seq>
-          </p:childTnLst>
-        </p:cTn>
-      </p:par>
-    </p:tnLst>
-  </p:timing>
-</p:sld>
-</file>
-
-<file path=ppt/slides/slide2.xml><?xml version="1.0" encoding="utf-8"?>
-<p:sld xmlns:a="http://schemas.openxmlformats.org/drawingml/2006/main" xmlns:r="http://schemas.openxmlformats.org/officeDocument/2006/relationships" xmlns:p="http://schemas.openxmlformats.org/presentationml/2006/main">
-  <p:cSld>
-    <p:spTree>
-      <p:nvGrpSpPr>
-        <p:cNvPr id="1" name=""/>
-        <p:cNvGrpSpPr/>
-        <p:nvPr/>
-      </p:nvGrpSpPr>
-      <p:grpSpPr>
-        <a:xfrm>
-          <a:off x="0" y="0"/>
-          <a:ext cx="0" cy="0"/>
-          <a:chOff x="0" y="0"/>
-          <a:chExt cx="0" cy="0"/>
-        </a:xfrm>
-      </p:grpSpPr>
-      <p:sp>
-        <p:nvSpPr>
-          <p:cNvPr id="79" name="CustomShape 1"/>
-          <p:cNvSpPr/>
-          <p:nvPr/>
-        </p:nvSpPr>
-        <p:spPr>
-          <a:xfrm>
-            <a:off x="457200" y="205920"/>
-            <a:ext cx="8228880" cy="856800"/>
-          </a:xfrm>
-          <a:prstGeom prst="rect">
-            <a:avLst/>
-          </a:prstGeom>
-          <a:noFill/>
-          <a:ln>
-            <a:noFill/>
-          </a:ln>
-        </p:spPr>
-        <p:txBody>
-          <a:bodyPr lIns="90000" tIns="91440" rIns="90000" bIns="91440" anchor="b"/>
-          <a:lstStyle/>
-          <a:p>
-            <a:pPr>
-              <a:lnSpc>
-                <a:spcPct val="100000"/>
-              </a:lnSpc>
-            </a:pPr>
-            <a:r>
-              <a:rPr lang="en-GB" sz="3600" b="1">
-                <a:solidFill>
-                  <a:srgbClr val="DA0002"/>
-                </a:solidFill>
-                <a:latin typeface="Arial"/>
-                <a:ea typeface="Arial"/>
-              </a:rPr>
-              <a:t>Design aims</a:t>
-            </a:r>
-            <a:endParaRPr/>
-          </a:p>
-        </p:txBody>
-      </p:sp>
-      <p:sp>
-        <p:nvSpPr>
-          <p:cNvPr id="80" name="CustomShape 2"/>
-          <p:cNvSpPr/>
-          <p:nvPr/>
-        </p:nvSpPr>
-        <p:spPr>
-          <a:xfrm>
-            <a:off x="457200" y="2471760"/>
-            <a:ext cx="1996560" cy="1212120"/>
-          </a:xfrm>
-          <a:prstGeom prst="rect">
-            <a:avLst/>
-          </a:prstGeom>
-          <a:noFill/>
-          <a:ln>
-            <a:noFill/>
-          </a:ln>
-        </p:spPr>
-        <p:txBody>
-          <a:bodyPr lIns="90000" tIns="91440" rIns="90000" bIns="91440"/>
-          <a:lstStyle/>
-          <a:p>
-            <a:pPr algn="ctr">
-              <a:lnSpc>
-                <a:spcPct val="100000"/>
-              </a:lnSpc>
-            </a:pPr>
-            <a:r>
-              <a:rPr lang="en-GB" sz="3000">
-                <a:solidFill>
-                  <a:srgbClr val="000000"/>
-                </a:solidFill>
-                <a:latin typeface="Arial"/>
-                <a:ea typeface="Arial"/>
-              </a:rPr>
-              <a:t>Graphical or prompt</a:t>
-            </a:r>
-            <a:endParaRPr/>
-          </a:p>
-          <a:p>
-            <a:pPr algn="ctr">
-              <a:lnSpc>
-                <a:spcPct val="100000"/>
-              </a:lnSpc>
-            </a:pPr>
-            <a:endParaRPr/>
-          </a:p>
-        </p:txBody>
-      </p:sp>
-      <p:sp>
-        <p:nvSpPr>
-          <p:cNvPr id="81" name="CustomShape 3"/>
-          <p:cNvSpPr/>
-          <p:nvPr/>
-        </p:nvSpPr>
-        <p:spPr>
-          <a:xfrm>
-            <a:off x="6826320" y="2471760"/>
-            <a:ext cx="1859760" cy="1099080"/>
-          </a:xfrm>
-          <a:prstGeom prst="rect">
-            <a:avLst/>
-          </a:prstGeom>
-          <a:noFill/>
-          <a:ln>
-            <a:noFill/>
-          </a:ln>
-        </p:spPr>
-        <p:txBody>
-          <a:bodyPr lIns="90000" tIns="91440" rIns="90000" bIns="91440"/>
-          <a:lstStyle/>
-          <a:p>
-            <a:pPr algn="ctr">
-              <a:lnSpc>
-                <a:spcPct val="100000"/>
-              </a:lnSpc>
-            </a:pPr>
-            <a:r>
-              <a:rPr lang="en-GB" sz="3000">
-                <a:solidFill>
-                  <a:srgbClr val="000000"/>
-                </a:solidFill>
-                <a:latin typeface="Arial"/>
-                <a:ea typeface="Arial"/>
-              </a:rPr>
-              <a:t>Graphical or binary</a:t>
-            </a:r>
-            <a:endParaRPr/>
-          </a:p>
-        </p:txBody>
-      </p:sp>
-      <p:sp>
-        <p:nvSpPr>
-          <p:cNvPr id="82" name="CustomShape 4"/>
-          <p:cNvSpPr/>
-          <p:nvPr/>
-        </p:nvSpPr>
-        <p:spPr>
-          <a:xfrm>
-            <a:off x="3375720" y="1586160"/>
-            <a:ext cx="2250000" cy="3038760"/>
-          </a:xfrm>
-          <a:prstGeom prst="rect">
-            <a:avLst/>
-          </a:prstGeom>
-          <a:noFill/>
-          <a:ln w="19080">
-            <a:solidFill>
-              <a:srgbClr val="000000"/>
-            </a:solidFill>
-            <a:round/>
-          </a:ln>
-        </p:spPr>
-        <p:txBody>
-          <a:bodyPr lIns="90000" tIns="91440" rIns="90000" bIns="91440" anchor="ctr"/>
-          <a:lstStyle/>
-          <a:p>
-            <a:pPr algn="ctr">
-              <a:lnSpc>
-                <a:spcPct val="100000"/>
-              </a:lnSpc>
-            </a:pPr>
-            <a:r>
-              <a:rPr lang="en-GB" sz="3000">
-                <a:solidFill>
-                  <a:srgbClr val="000000"/>
-                </a:solidFill>
-                <a:latin typeface="Arial"/>
-                <a:ea typeface="Arial"/>
-              </a:rPr>
-              <a:t>Flexibly &amp; efficiently</a:t>
-            </a:r>
-            <a:endParaRPr/>
-          </a:p>
-          <a:p>
-            <a:pPr algn="ctr">
-              <a:lnSpc>
-                <a:spcPct val="100000"/>
-              </a:lnSpc>
-            </a:pPr>
-            <a:r>
-              <a:rPr lang="en-GB" sz="3000">
-                <a:solidFill>
-                  <a:srgbClr val="000000"/>
-                </a:solidFill>
-                <a:latin typeface="Arial"/>
-                <a:ea typeface="Arial"/>
-              </a:rPr>
-              <a:t>reproduce biologically realistic behaviour</a:t>
-            </a:r>
-            <a:endParaRPr/>
-          </a:p>
-        </p:txBody>
-      </p:sp>
-      <p:sp>
-        <p:nvSpPr>
-          <p:cNvPr id="83" name="CustomShape 5"/>
-          <p:cNvSpPr/>
-          <p:nvPr/>
-        </p:nvSpPr>
-        <p:spPr>
-          <a:xfrm>
-            <a:off x="576000" y="3124080"/>
-            <a:ext cx="2781360" cy="360"/>
-          </a:xfrm>
-          <a:prstGeom prst="straightConnector1">
-            <a:avLst/>
-          </a:prstGeom>
-          <a:noFill/>
-          <a:ln w="19080">
-            <a:solidFill>
-              <a:srgbClr val="5B595A"/>
-            </a:solidFill>
-            <a:round/>
-            <a:tailEnd type="triangle" w="lg" len="lg"/>
-          </a:ln>
-        </p:spPr>
-      </p:sp>
-      <p:sp>
-        <p:nvSpPr>
-          <p:cNvPr id="84" name="CustomShape 6"/>
-          <p:cNvSpPr/>
-          <p:nvPr/>
-        </p:nvSpPr>
-        <p:spPr>
-          <a:xfrm>
-            <a:off x="5626440" y="3124080"/>
-            <a:ext cx="2781360" cy="360"/>
-          </a:xfrm>
-          <a:prstGeom prst="straightConnector1">
-            <a:avLst/>
-          </a:prstGeom>
-          <a:noFill/>
-          <a:ln w="19080">
-            <a:solidFill>
-              <a:srgbClr val="5B595A"/>
-            </a:solidFill>
-            <a:round/>
-            <a:tailEnd type="triangle" w="lg" len="lg"/>
-          </a:ln>
-        </p:spPr>
-      </p:sp>
-      <p:sp>
-        <p:nvSpPr>
-          <p:cNvPr id="85" name="CustomShape 7"/>
-          <p:cNvSpPr/>
-          <p:nvPr/>
-        </p:nvSpPr>
-        <p:spPr>
-          <a:xfrm>
-            <a:off x="8556840" y="4749840"/>
-            <a:ext cx="547920" cy="392760"/>
-          </a:xfrm>
-          <a:prstGeom prst="rect">
-            <a:avLst/>
-          </a:prstGeom>
-          <a:noFill/>
-          <a:ln>
-            <a:noFill/>
-          </a:ln>
-        </p:spPr>
-        <p:txBody>
-          <a:bodyPr lIns="90000" tIns="91440" rIns="90000" bIns="91440" anchor="ctr"/>
-          <a:lstStyle/>
-          <a:p>
-            <a:pPr>
-              <a:lnSpc>
-                <a:spcPct val="100000"/>
-              </a:lnSpc>
-            </a:pPr>
-            <a:fld id="{0F23025E-82B4-4C92-BD75-39837EF642AE}" type="slidenum">
-              <a:rPr lang="en-GB" sz="1300">
-                <a:solidFill>
-                  <a:srgbClr val="000000"/>
-                </a:solidFill>
-                <a:latin typeface="Arial"/>
-                <a:ea typeface="Arial"/>
-              </a:rPr>
-              <a:t>2</a:t>
-            </a:fld>
-            <a:endParaRPr/>
-          </a:p>
-        </p:txBody>
-      </p:sp>
-    </p:spTree>
-  </p:cSld>
-  <p:clrMapOvr>
-    <a:masterClrMapping/>
-  </p:clrMapOvr>
-  <p:timing>
-    <p:tnLst>
-      <p:par>
-        <p:cTn xmlns:p14="http://schemas.microsoft.com/office/powerpoint/2010/main" id="1" dur="indefinite" restart="never" nodeType="tmRoot">
-          <p:childTnLst>
-            <p:seq>
-              <p:cTn id="2" nodeType="mainSeq"/>
-              <p:prevCondLst>
-                <p:cond evt="onPrev" delay="0">
-                  <p:tgtEl>
-                    <p:sldTgt/>
-                  </p:tgtEl>
-                </p:cond>
-              </p:prevCondLst>
-              <p:nextCondLst>
-                <p:cond evt="onNext" delay="0">
-                  <p:tgtEl>
-                    <p:sldTgt/>
-                  </p:tgtEl>
-                </p:cond>
-              </p:nextCondLst>
-            </p:seq>
-          </p:childTnLst>
-        </p:cTn>
-      </p:par>
-    </p:tnLst>
-  </p:timing>
-</p:sld>
-</file>
-
-<file path=ppt/slides/slide3.xml><?xml version="1.0" encoding="utf-8"?>
-<p:sld xmlns:a="http://schemas.openxmlformats.org/drawingml/2006/main" xmlns:r="http://schemas.openxmlformats.org/officeDocument/2006/relationships" xmlns:p="http://schemas.openxmlformats.org/presentationml/2006/main">
-  <p:cSld>
-    <p:spTree>
-      <p:nvGrpSpPr>
-        <p:cNvPr id="1" name=""/>
-        <p:cNvGrpSpPr/>
-        <p:nvPr/>
-      </p:nvGrpSpPr>
-      <p:grpSpPr>
-        <a:xfrm>
-          <a:off x="0" y="0"/>
-          <a:ext cx="0" cy="0"/>
-          <a:chOff x="0" y="0"/>
-          <a:chExt cx="0" cy="0"/>
-        </a:xfrm>
-      </p:grpSpPr>
-      <p:sp>
-        <p:nvSpPr>
-          <p:cNvPr id="86" name="CustomShape 1"/>
-          <p:cNvSpPr/>
-          <p:nvPr/>
-        </p:nvSpPr>
-        <p:spPr>
-          <a:xfrm>
-            <a:off x="457200" y="205920"/>
-            <a:ext cx="8228880" cy="856800"/>
-          </a:xfrm>
-          <a:prstGeom prst="rect">
-            <a:avLst/>
-          </a:prstGeom>
-          <a:noFill/>
-          <a:ln>
-            <a:noFill/>
-          </a:ln>
-        </p:spPr>
-        <p:txBody>
-          <a:bodyPr lIns="90000" tIns="91440" rIns="90000" bIns="91440" anchor="b"/>
-          <a:lstStyle/>
-          <a:p>
-            <a:pPr>
-              <a:lnSpc>
-                <a:spcPct val="100000"/>
-              </a:lnSpc>
-            </a:pPr>
-            <a:r>
-              <a:rPr lang="en-GB" sz="3600" b="1">
-                <a:solidFill>
-                  <a:srgbClr val="DA0002"/>
-                </a:solidFill>
-                <a:latin typeface="Arial"/>
-                <a:ea typeface="Arial"/>
-              </a:rPr>
-              <a:t>Design choices</a:t>
-            </a:r>
-            <a:endParaRPr/>
-          </a:p>
-        </p:txBody>
-      </p:sp>
-      <p:sp>
-        <p:nvSpPr>
-          <p:cNvPr id="87" name="CustomShape 2"/>
-          <p:cNvSpPr/>
-          <p:nvPr/>
-        </p:nvSpPr>
-        <p:spPr>
-          <a:xfrm>
-            <a:off x="457200" y="1200240"/>
-            <a:ext cx="8228880" cy="3724920"/>
-          </a:xfrm>
-          <a:prstGeom prst="rect">
-            <a:avLst/>
-          </a:prstGeom>
-          <a:noFill/>
-          <a:ln>
-            <a:noFill/>
-          </a:ln>
-        </p:spPr>
-        <p:txBody>
-          <a:bodyPr lIns="90000" tIns="91440" rIns="90000" bIns="91440"/>
-          <a:lstStyle/>
-          <a:p>
-            <a:pPr>
-              <a:lnSpc>
-                <a:spcPct val="100000"/>
-              </a:lnSpc>
-              <a:buFont typeface="Arial"/>
-              <a:buChar char="●"/>
-            </a:pPr>
-            <a:r>
-              <a:rPr lang="en-GB" sz="3000">
-                <a:solidFill>
-                  <a:srgbClr val="000000"/>
-                </a:solidFill>
-                <a:latin typeface="Arial"/>
-                <a:ea typeface="Arial"/>
-              </a:rPr>
-              <a:t>Agent-based models</a:t>
-            </a:r>
-            <a:endParaRPr/>
-          </a:p>
-        </p:txBody>
-      </p:sp>
-      <p:sp>
-        <p:nvSpPr>
-          <p:cNvPr id="88" name="CustomShape 3"/>
-          <p:cNvSpPr/>
-          <p:nvPr/>
-        </p:nvSpPr>
-        <p:spPr>
-          <a:xfrm>
-            <a:off x="8556840" y="4749840"/>
-            <a:ext cx="547920" cy="392760"/>
-          </a:xfrm>
-          <a:prstGeom prst="rect">
-            <a:avLst/>
-          </a:prstGeom>
-          <a:noFill/>
-          <a:ln>
-            <a:noFill/>
-          </a:ln>
-        </p:spPr>
-        <p:txBody>
-          <a:bodyPr lIns="90000" tIns="91440" rIns="90000" bIns="91440" anchor="ctr"/>
-          <a:lstStyle/>
-          <a:p>
-            <a:pPr>
-              <a:lnSpc>
-                <a:spcPct val="100000"/>
-              </a:lnSpc>
-            </a:pPr>
-            <a:fld id="{7B1F3D70-550C-4869-B5F2-7095C2D285B7}" type="slidenum">
-              <a:rPr lang="en-GB" sz="1300">
-                <a:solidFill>
-                  <a:srgbClr val="000000"/>
-                </a:solidFill>
-                <a:latin typeface="Arial"/>
-                <a:ea typeface="Arial"/>
-              </a:rPr>
-              <a:t>3</a:t>
-            </a:fld>
-            <a:endParaRPr/>
-          </a:p>
-        </p:txBody>
-      </p:sp>
-    </p:spTree>
-  </p:cSld>
-  <p:clrMapOvr>
-    <a:masterClrMapping/>
-  </p:clrMapOvr>
-  <p:timing>
-    <p:tnLst>
-      <p:par>
-        <p:cTn xmlns:p14="http://schemas.microsoft.com/office/powerpoint/2010/main" id="1" dur="indefinite" restart="never" nodeType="tmRoot">
-          <p:childTnLst>
-            <p:seq>
-              <p:cTn id="2" nodeType="mainSeq"/>
-              <p:prevCondLst>
-                <p:cond evt="onPrev" delay="0">
-                  <p:tgtEl>
-                    <p:sldTgt/>
-                  </p:tgtEl>
-                </p:cond>
-              </p:prevCondLst>
-              <p:nextCondLst>
-                <p:cond evt="onNext" delay="0">
-                  <p:tgtEl>
-                    <p:sldTgt/>
-                  </p:tgtEl>
-                </p:cond>
-              </p:nextCondLst>
-            </p:seq>
-          </p:childTnLst>
-        </p:cTn>
-      </p:par>
-    </p:tnLst>
-  </p:timing>
-</p:sld>
-</file>
-
-<file path=ppt/slides/slide4.xml><?xml version="1.0" encoding="utf-8"?>
-<p:sld xmlns:a="http://schemas.openxmlformats.org/drawingml/2006/main" xmlns:r="http://schemas.openxmlformats.org/officeDocument/2006/relationships" xmlns:p="http://schemas.openxmlformats.org/presentationml/2006/main">
-  <p:cSld>
-    <p:spTree>
-      <p:nvGrpSpPr>
-        <p:cNvPr id="1" name=""/>
-        <p:cNvGrpSpPr/>
-        <p:nvPr/>
-      </p:nvGrpSpPr>
-      <p:grpSpPr>
-        <a:xfrm>
-          <a:off x="0" y="0"/>
-          <a:ext cx="0" cy="0"/>
-          <a:chOff x="0" y="0"/>
-          <a:chExt cx="0" cy="0"/>
-        </a:xfrm>
-      </p:grpSpPr>
-      <p:sp>
-        <p:nvSpPr>
-          <p:cNvPr id="89" name="CustomShape 1"/>
-          <p:cNvSpPr/>
-          <p:nvPr/>
-        </p:nvSpPr>
-        <p:spPr>
-          <a:xfrm>
-            <a:off x="457200" y="205920"/>
-            <a:ext cx="8228880" cy="856800"/>
-          </a:xfrm>
-          <a:prstGeom prst="rect">
-            <a:avLst/>
-          </a:prstGeom>
-          <a:noFill/>
-          <a:ln>
-            <a:noFill/>
-          </a:ln>
-        </p:spPr>
-        <p:txBody>
-          <a:bodyPr lIns="90000" tIns="91440" rIns="90000" bIns="91440" anchor="b"/>
-          <a:lstStyle/>
-          <a:p>
-            <a:pPr>
-              <a:lnSpc>
-                <a:spcPct val="100000"/>
-              </a:lnSpc>
-            </a:pPr>
-            <a:r>
-              <a:rPr lang="en-GB" sz="3600" b="1">
-                <a:solidFill>
-                  <a:srgbClr val="DA0002"/>
-                </a:solidFill>
-                <a:latin typeface="Arial"/>
-                <a:ea typeface="Arial"/>
-              </a:rPr>
-              <a:t>Agent-based models (ABMs)</a:t>
-            </a:r>
-            <a:endParaRPr/>
-          </a:p>
-        </p:txBody>
-      </p:sp>
-      <p:sp>
-        <p:nvSpPr>
-          <p:cNvPr id="90" name="CustomShape 2"/>
-          <p:cNvSpPr/>
-          <p:nvPr/>
-        </p:nvSpPr>
-        <p:spPr>
-          <a:xfrm>
-            <a:off x="457200" y="1200240"/>
-            <a:ext cx="8228880" cy="3724920"/>
-          </a:xfrm>
-          <a:prstGeom prst="rect">
-            <a:avLst/>
-          </a:prstGeom>
-          <a:noFill/>
-          <a:ln>
-            <a:noFill/>
-          </a:ln>
-        </p:spPr>
-        <p:txBody>
-          <a:bodyPr lIns="90000" tIns="91440" rIns="90000" bIns="91440"/>
-          <a:lstStyle/>
-          <a:p>
-            <a:pPr>
-              <a:lnSpc>
-                <a:spcPct val="100000"/>
-              </a:lnSpc>
-              <a:buFont typeface="Arial"/>
-              <a:buChar char="●"/>
-            </a:pPr>
-            <a:r>
-              <a:rPr lang="en-GB" sz="3000">
-                <a:solidFill>
-                  <a:srgbClr val="000000"/>
-                </a:solidFill>
-                <a:latin typeface="Arial"/>
-                <a:ea typeface="Arial"/>
-              </a:rPr>
-              <a:t>Suited to modelling interdependent modules (e.g. cells)</a:t>
-            </a:r>
-            <a:endParaRPr/>
-          </a:p>
-          <a:p>
-            <a:pPr>
-              <a:lnSpc>
-                <a:spcPct val="100000"/>
-              </a:lnSpc>
-              <a:buFont typeface="Arial"/>
-              <a:buChar char="●"/>
-            </a:pPr>
-            <a:r>
-              <a:rPr lang="en-GB" sz="3000">
-                <a:solidFill>
-                  <a:srgbClr val="000000"/>
-                </a:solidFill>
-                <a:latin typeface="Arial"/>
-                <a:ea typeface="Arial"/>
-              </a:rPr>
-              <a:t>Flexible</a:t>
-            </a:r>
-            <a:endParaRPr/>
-          </a:p>
-          <a:p>
-            <a:pPr>
-              <a:lnSpc>
-                <a:spcPct val="100000"/>
-              </a:lnSpc>
-              <a:buFont typeface="Arial"/>
-              <a:buChar char="●"/>
-            </a:pPr>
-            <a:r>
-              <a:rPr lang="en-GB" sz="3000">
-                <a:solidFill>
-                  <a:srgbClr val="000000"/>
-                </a:solidFill>
-                <a:latin typeface="Arial"/>
-                <a:ea typeface="Arial"/>
-              </a:rPr>
-              <a:t>Can model heterogenous entities with heterogenous interaction network. (Kaul 2015)</a:t>
-            </a:r>
-            <a:endParaRPr/>
-          </a:p>
-          <a:p>
-            <a:pPr>
-              <a:lnSpc>
-                <a:spcPct val="100000"/>
-              </a:lnSpc>
-              <a:buFont typeface="Arial"/>
-              <a:buChar char="●"/>
-            </a:pPr>
-            <a:r>
-              <a:rPr lang="en-GB" sz="3000">
-                <a:solidFill>
-                  <a:srgbClr val="000000"/>
-                </a:solidFill>
-                <a:latin typeface="Arial"/>
-                <a:ea typeface="Arial"/>
-              </a:rPr>
-              <a:t>Growing in popularity with increasing computing power</a:t>
-            </a:r>
-            <a:endParaRPr/>
-          </a:p>
-        </p:txBody>
-      </p:sp>
-      <p:sp>
-        <p:nvSpPr>
-          <p:cNvPr id="91" name="CustomShape 3"/>
-          <p:cNvSpPr/>
-          <p:nvPr/>
-        </p:nvSpPr>
-        <p:spPr>
-          <a:xfrm>
-            <a:off x="8556840" y="4749840"/>
-            <a:ext cx="547920" cy="392760"/>
-          </a:xfrm>
-          <a:prstGeom prst="rect">
-            <a:avLst/>
-          </a:prstGeom>
-          <a:noFill/>
-          <a:ln>
-            <a:noFill/>
-          </a:ln>
-        </p:spPr>
-        <p:txBody>
-          <a:bodyPr lIns="90000" tIns="91440" rIns="90000" bIns="91440" anchor="ctr"/>
-          <a:lstStyle/>
-          <a:p>
-            <a:pPr>
-              <a:lnSpc>
-                <a:spcPct val="100000"/>
-              </a:lnSpc>
-            </a:pPr>
-            <a:fld id="{A424C30F-C156-452E-A521-05B40F5FB7E2}" type="slidenum">
-              <a:rPr lang="en-GB" sz="1300">
-                <a:solidFill>
-                  <a:srgbClr val="000000"/>
-                </a:solidFill>
-                <a:latin typeface="Arial"/>
-                <a:ea typeface="Arial"/>
-              </a:rPr>
-              <a:t>4</a:t>
-            </a:fld>
-            <a:endParaRPr/>
-          </a:p>
-        </p:txBody>
-      </p:sp>
-    </p:spTree>
-  </p:cSld>
-  <p:clrMapOvr>
-    <a:masterClrMapping/>
-  </p:clrMapOvr>
-  <p:timing>
-    <p:tnLst>
-      <p:par>
-        <p:cTn xmlns:p14="http://schemas.microsoft.com/office/powerpoint/2010/main" id="1" dur="indefinite" restart="never" nodeType="tmRoot">
-          <p:childTnLst>
-            <p:seq>
-              <p:cTn id="2" nodeType="mainSeq"/>
-              <p:prevCondLst>
-                <p:cond evt="onPrev" delay="0">
-                  <p:tgtEl>
-                    <p:sldTgt/>
-                  </p:tgtEl>
-                </p:cond>
-              </p:prevCondLst>
-              <p:nextCondLst>
-                <p:cond evt="onNext" delay="0">
-                  <p:tgtEl>
-                    <p:sldTgt/>
-                  </p:tgtEl>
-                </p:cond>
-              </p:nextCondLst>
-            </p:seq>
-          </p:childTnLst>
-        </p:cTn>
-      </p:par>
-    </p:tnLst>
-  </p:timing>
-</p:sld>
-</file>
-
-<file path=ppt/slides/slide5.xml><?xml version="1.0" encoding="utf-8"?>
-<p:sld xmlns:a="http://schemas.openxmlformats.org/drawingml/2006/main" xmlns:r="http://schemas.openxmlformats.org/officeDocument/2006/relationships" xmlns:p="http://schemas.openxmlformats.org/presentationml/2006/main">
-  <p:cSld>
-    <p:spTree>
-      <p:nvGrpSpPr>
-        <p:cNvPr id="1" name=""/>
-        <p:cNvGrpSpPr/>
-        <p:nvPr/>
-      </p:nvGrpSpPr>
-      <p:grpSpPr>
-        <a:xfrm>
-          <a:off x="0" y="0"/>
-          <a:ext cx="0" cy="0"/>
-          <a:chOff x="0" y="0"/>
-          <a:chExt cx="0" cy="0"/>
-        </a:xfrm>
-      </p:grpSpPr>
-      <p:sp>
-        <p:nvSpPr>
-          <p:cNvPr id="92" name="CustomShape 1"/>
-          <p:cNvSpPr/>
-          <p:nvPr/>
-        </p:nvSpPr>
-        <p:spPr>
-          <a:xfrm>
-            <a:off x="457200" y="205920"/>
-            <a:ext cx="8228880" cy="856800"/>
-          </a:xfrm>
-          <a:prstGeom prst="rect">
-            <a:avLst/>
-          </a:prstGeom>
-          <a:noFill/>
-          <a:ln>
-            <a:noFill/>
-          </a:ln>
-        </p:spPr>
-        <p:txBody>
-          <a:bodyPr lIns="90000" tIns="91440" rIns="90000" bIns="91440" anchor="b"/>
-          <a:lstStyle/>
-          <a:p>
-            <a:pPr>
-              <a:lnSpc>
-                <a:spcPct val="100000"/>
-              </a:lnSpc>
-            </a:pPr>
-            <a:r>
-              <a:rPr lang="en-GB" sz="3600" b="1">
-                <a:solidFill>
-                  <a:srgbClr val="DA0002"/>
-                </a:solidFill>
-                <a:latin typeface="Arial"/>
-                <a:ea typeface="Arial"/>
-              </a:rPr>
-              <a:t>Design choices</a:t>
-            </a:r>
-            <a:endParaRPr/>
-          </a:p>
-        </p:txBody>
-      </p:sp>
-      <p:sp>
-        <p:nvSpPr>
-          <p:cNvPr id="93" name="CustomShape 2"/>
-          <p:cNvSpPr/>
-          <p:nvPr/>
-        </p:nvSpPr>
-        <p:spPr>
-          <a:xfrm>
-            <a:off x="457200" y="1200240"/>
-            <a:ext cx="8228880" cy="3724920"/>
-          </a:xfrm>
-          <a:prstGeom prst="rect">
-            <a:avLst/>
-          </a:prstGeom>
-          <a:noFill/>
-          <a:ln>
-            <a:noFill/>
-          </a:ln>
-        </p:spPr>
-        <p:txBody>
-          <a:bodyPr lIns="90000" tIns="91440" rIns="90000" bIns="91440"/>
-          <a:lstStyle/>
-          <a:p>
-            <a:pPr>
-              <a:lnSpc>
-                <a:spcPct val="100000"/>
-              </a:lnSpc>
-              <a:buFont typeface="Arial"/>
-              <a:buChar char="●"/>
-            </a:pPr>
-            <a:r>
-              <a:rPr lang="en-GB" sz="3000">
-                <a:solidFill>
-                  <a:srgbClr val="000000"/>
-                </a:solidFill>
-                <a:latin typeface="Arial"/>
-                <a:ea typeface="Arial"/>
-              </a:rPr>
-              <a:t>Agent-based models</a:t>
-            </a:r>
-            <a:endParaRPr/>
-          </a:p>
-          <a:p>
-            <a:pPr>
-              <a:lnSpc>
-                <a:spcPct val="100000"/>
-              </a:lnSpc>
-              <a:buFont typeface="Arial"/>
-              <a:buChar char="●"/>
-            </a:pPr>
-            <a:r>
-              <a:rPr lang="en-GB" sz="3000">
-                <a:solidFill>
-                  <a:srgbClr val="000000"/>
-                </a:solidFill>
-                <a:latin typeface="Arial"/>
-                <a:ea typeface="Arial"/>
-              </a:rPr>
-              <a:t>Continuous space</a:t>
-            </a:r>
-            <a:endParaRPr/>
-          </a:p>
-          <a:p>
-            <a:pPr>
-              <a:lnSpc>
-                <a:spcPct val="100000"/>
-              </a:lnSpc>
-              <a:buFont typeface="Arial"/>
-              <a:buChar char="●"/>
-            </a:pPr>
-            <a:r>
-              <a:rPr lang="en-GB" sz="3000">
-                <a:solidFill>
-                  <a:srgbClr val="000000"/>
-                </a:solidFill>
-                <a:latin typeface="Arial"/>
-                <a:ea typeface="Arial"/>
-              </a:rPr>
-              <a:t>Different types of cells</a:t>
-            </a:r>
-            <a:endParaRPr/>
-          </a:p>
-          <a:p>
-            <a:pPr>
-              <a:lnSpc>
-                <a:spcPct val="100000"/>
-              </a:lnSpc>
-              <a:buFont typeface="Arial"/>
-              <a:buChar char="●"/>
-            </a:pPr>
-            <a:r>
-              <a:rPr lang="en-GB" sz="3000">
-                <a:solidFill>
-                  <a:srgbClr val="000000"/>
-                </a:solidFill>
-                <a:latin typeface="Arial"/>
-                <a:ea typeface="Arial"/>
-              </a:rPr>
-              <a:t>Environment modelled with PDEs</a:t>
-            </a:r>
-            <a:endParaRPr/>
-          </a:p>
-          <a:p>
-            <a:pPr>
-              <a:lnSpc>
-                <a:spcPct val="100000"/>
-              </a:lnSpc>
-              <a:buFont typeface="Arial"/>
-              <a:buChar char="●"/>
-            </a:pPr>
-            <a:r>
-              <a:rPr lang="en-GB" sz="3000">
-                <a:solidFill>
-                  <a:srgbClr val="000000"/>
-                </a:solidFill>
-                <a:latin typeface="Arial"/>
-                <a:ea typeface="Arial"/>
-              </a:rPr>
-              <a:t>Julia Language</a:t>
-            </a:r>
-            <a:endParaRPr/>
-          </a:p>
-          <a:p>
-            <a:pPr>
-              <a:lnSpc>
-                <a:spcPct val="100000"/>
-              </a:lnSpc>
-            </a:pPr>
-            <a:endParaRPr/>
-          </a:p>
-        </p:txBody>
-      </p:sp>
-      <p:pic>
-        <p:nvPicPr>
-          <p:cNvPr id="94" name="Shape 71"/>
-          <p:cNvPicPr/>
-          <p:nvPr/>
-        </p:nvPicPr>
-        <p:blipFill>
-          <a:blip r:embed="rId2"/>
-          <a:srcRect l="3847115" t="-7608977" r="5627926" b="-9084938"/>
-          <a:stretch>
-            <a:fillRect/>
-          </a:stretch>
-        </p:blipFill>
-        <p:spPr>
-          <a:xfrm>
-            <a:off x="5679720" y="3544200"/>
-            <a:ext cx="1877760" cy="1284120"/>
-          </a:xfrm>
-          <a:prstGeom prst="rect">
-            <a:avLst/>
-          </a:prstGeom>
-          <a:ln>
-            <a:noFill/>
-          </a:ln>
-        </p:spPr>
-      </p:pic>
-      <p:sp>
-        <p:nvSpPr>
-          <p:cNvPr id="95" name="CustomShape 3"/>
-          <p:cNvSpPr/>
-          <p:nvPr/>
-        </p:nvSpPr>
-        <p:spPr>
-          <a:xfrm>
-            <a:off x="8556840" y="4749840"/>
-            <a:ext cx="547920" cy="392760"/>
-          </a:xfrm>
-          <a:prstGeom prst="rect">
-            <a:avLst/>
-          </a:prstGeom>
-          <a:noFill/>
-          <a:ln>
-            <a:noFill/>
-          </a:ln>
-        </p:spPr>
-        <p:txBody>
-          <a:bodyPr lIns="90000" tIns="91440" rIns="90000" bIns="91440" anchor="ctr"/>
-          <a:lstStyle/>
-          <a:p>
-            <a:pPr>
-              <a:lnSpc>
-                <a:spcPct val="100000"/>
-              </a:lnSpc>
-            </a:pPr>
-            <a:fld id="{A77E122C-5888-4A78-B968-AC77EC839F93}" type="slidenum">
-              <a:rPr lang="en-GB" sz="1300">
-                <a:solidFill>
-                  <a:srgbClr val="000000"/>
-                </a:solidFill>
-                <a:latin typeface="Arial"/>
-                <a:ea typeface="Arial"/>
-              </a:rPr>
-              <a:t>5</a:t>
-            </a:fld>
-            <a:endParaRPr/>
-          </a:p>
-        </p:txBody>
-      </p:sp>
-    </p:spTree>
-  </p:cSld>
-  <p:clrMapOvr>
-    <a:masterClrMapping/>
-  </p:clrMapOvr>
-  <p:timing>
-    <p:tnLst>
-      <p:par>
-        <p:cTn xmlns:p14="http://schemas.microsoft.com/office/powerpoint/2010/main" id="1" dur="indefinite" restart="never" nodeType="tmRoot">
-          <p:childTnLst>
-            <p:seq>
-              <p:cTn id="2" nodeType="mainSeq"/>
-              <p:prevCondLst>
-                <p:cond evt="onPrev" delay="0">
-                  <p:tgtEl>
-                    <p:sldTgt/>
-                  </p:tgtEl>
-                </p:cond>
-              </p:prevCondLst>
-              <p:nextCondLst>
-                <p:cond evt="onNext" delay="0">
-                  <p:tgtEl>
-                    <p:sldTgt/>
-                  </p:tgtEl>
-                </p:cond>
-              </p:nextCondLst>
-            </p:seq>
-          </p:childTnLst>
-        </p:cTn>
-      </p:par>
-    </p:tnLst>
-  </p:timing>
-</p:sld>
-</file>
-
-<file path=ppt/slides/slide6.xml><?xml version="1.0" encoding="utf-8"?>
-<p:sld xmlns:a="http://schemas.openxmlformats.org/drawingml/2006/main" xmlns:r="http://schemas.openxmlformats.org/officeDocument/2006/relationships" xmlns:p="http://schemas.openxmlformats.org/presentationml/2006/main">
-  <p:cSld>
-    <p:spTree>
-      <p:nvGrpSpPr>
-        <p:cNvPr id="1" name=""/>
-        <p:cNvGrpSpPr/>
-        <p:nvPr/>
-      </p:nvGrpSpPr>
-      <p:grpSpPr>
-        <a:xfrm>
-          <a:off x="0" y="0"/>
-          <a:ext cx="0" cy="0"/>
-          <a:chOff x="0" y="0"/>
-          <a:chExt cx="0" cy="0"/>
-        </a:xfrm>
-      </p:grpSpPr>
-      <p:sp>
-        <p:nvSpPr>
-          <p:cNvPr id="96" name="CustomShape 1"/>
-          <p:cNvSpPr/>
-          <p:nvPr/>
-        </p:nvSpPr>
-        <p:spPr>
-          <a:xfrm>
-            <a:off x="457200" y="205920"/>
-            <a:ext cx="8228880" cy="856800"/>
-          </a:xfrm>
-          <a:prstGeom prst="rect">
-            <a:avLst/>
-          </a:prstGeom>
-          <a:noFill/>
-          <a:ln>
-            <a:noFill/>
-          </a:ln>
-        </p:spPr>
-        <p:txBody>
-          <a:bodyPr lIns="90000" tIns="91440" rIns="90000" bIns="91440" anchor="b"/>
-          <a:lstStyle/>
-          <a:p>
-            <a:pPr>
-              <a:lnSpc>
-                <a:spcPct val="100000"/>
-              </a:lnSpc>
-            </a:pPr>
-            <a:r>
-              <a:rPr lang="en-GB" sz="3600" b="1">
-                <a:solidFill>
-                  <a:srgbClr val="DA0002"/>
-                </a:solidFill>
-                <a:latin typeface="Arial"/>
-                <a:ea typeface="Arial"/>
-              </a:rPr>
-              <a:t>Model overview</a:t>
-            </a:r>
-            <a:endParaRPr/>
-          </a:p>
-        </p:txBody>
-      </p:sp>
-      <p:pic>
-        <p:nvPicPr>
-          <p:cNvPr id="97" name="Shape 78"/>
-          <p:cNvPicPr/>
-          <p:nvPr/>
-        </p:nvPicPr>
-        <p:blipFill>
-          <a:blip r:embed="rId2"/>
-          <a:stretch>
-            <a:fillRect/>
-          </a:stretch>
-        </p:blipFill>
-        <p:spPr>
-          <a:xfrm>
-            <a:off x="786600" y="1248840"/>
-            <a:ext cx="3180240" cy="3674880"/>
-          </a:xfrm>
-          <a:prstGeom prst="rect">
-            <a:avLst/>
-          </a:prstGeom>
-          <a:ln>
-            <a:noFill/>
-          </a:ln>
-        </p:spPr>
-      </p:pic>
-      <p:sp>
-        <p:nvSpPr>
-          <p:cNvPr id="98" name="CustomShape 2"/>
-          <p:cNvSpPr/>
-          <p:nvPr/>
-        </p:nvSpPr>
-        <p:spPr>
-          <a:xfrm>
-            <a:off x="8556840" y="4749840"/>
-            <a:ext cx="547920" cy="392760"/>
-          </a:xfrm>
-          <a:prstGeom prst="rect">
-            <a:avLst/>
-          </a:prstGeom>
-          <a:noFill/>
-          <a:ln>
-            <a:noFill/>
-          </a:ln>
-        </p:spPr>
-        <p:txBody>
-          <a:bodyPr lIns="90000" tIns="91440" rIns="90000" bIns="91440" anchor="ctr"/>
-          <a:lstStyle/>
-          <a:p>
-            <a:pPr>
-              <a:lnSpc>
-                <a:spcPct val="100000"/>
-              </a:lnSpc>
-            </a:pPr>
-            <a:fld id="{281FA1D1-D664-4892-8874-B0872B018E0C}" type="slidenum">
-              <a:rPr lang="en-GB" sz="1300">
-                <a:solidFill>
-                  <a:srgbClr val="000000"/>
-                </a:solidFill>
-                <a:latin typeface="Arial"/>
-                <a:ea typeface="Arial"/>
-              </a:rPr>
-              <a:t>6</a:t>
-            </a:fld>
-            <a:endParaRPr/>
-          </a:p>
-        </p:txBody>
-      </p:sp>
-      <p:pic>
-        <p:nvPicPr>
-          <p:cNvPr id="99" name="Shape 80"/>
-          <p:cNvPicPr/>
-          <p:nvPr/>
-        </p:nvPicPr>
-        <p:blipFill>
-          <a:blip r:embed="rId3"/>
-          <a:stretch>
-            <a:fillRect/>
-          </a:stretch>
-        </p:blipFill>
-        <p:spPr>
-          <a:xfrm>
-            <a:off x="4944600" y="1244520"/>
-            <a:ext cx="3180240" cy="3683520"/>
-          </a:xfrm>
-          <a:prstGeom prst="rect">
-            <a:avLst/>
-          </a:prstGeom>
-          <a:ln>
-            <a:noFill/>
-          </a:ln>
-        </p:spPr>
-      </p:pic>
-    </p:spTree>
-  </p:cSld>
-  <p:clrMapOvr>
-    <a:masterClrMapping/>
-  </p:clrMapOvr>
-  <p:timing>
-    <p:tnLst>
-      <p:par>
-        <p:cTn xmlns:p14="http://schemas.microsoft.com/office/powerpoint/2010/main" id="1" dur="indefinite" restart="never" nodeType="tmRoot">
-          <p:childTnLst>
-            <p:seq>
-              <p:cTn id="2" dur="indefinite" nodeType="mainSeq">
-                <p:childTnLst>
-                  <p:par>
-                    <p:cTn id="3" fill="hold">
-                      <p:stCondLst>
-                        <p:cond delay="indefinite"/>
-                      </p:stCondLst>
-                      <p:childTnLst>
-                        <p:par>
-                          <p:cTn id="4" fill="hold">
-                            <p:stCondLst>
-                              <p:cond delay="0"/>
-                            </p:stCondLst>
-                            <p:childTnLst>
-                              <p:par>
-                                <p:cTn id="5" presetID="10" presetClass="entr" fill="hold" nodeType="clickEffect">
-                                  <p:stCondLst>
-                                    <p:cond delay="0"/>
-                                  </p:stCondLst>
-                                  <p:childTnLst>
-                                    <p:set>
-                                      <p:cBhvr>
-                                        <p:cTn id="6" dur="1" fill="hold">
-                                          <p:stCondLst>
-                                            <p:cond delay="0"/>
-                                          </p:stCondLst>
-                                        </p:cTn>
-                                        <p:tgtEl>
-                                          <p:spTgt spid="99"/>
-                                        </p:tgtEl>
-                                        <p:attrNameLst>
-                                          <p:attrName>style.visibility</p:attrName>
-                                        </p:attrNameLst>
-                                      </p:cBhvr>
-                                      <p:to>
-                                        <p:strVal val="visible"/>
-                                      </p:to>
-                                    </p:set>
-                                    <p:animEffect transition="in" filter="fade">
-                                      <p:cBhvr additive="repl">
-                                        <p:cTn id="7" dur="1000"/>
-                                        <p:tgtEl>
-                                          <p:spTgt spid="99"/>
-                                        </p:tgtEl>
-                                      </p:cBhvr>
-                                    </p:animEffect>
-                                  </p:childTnLst>
-                                </p:cTn>
-                              </p:par>
-                            </p:childTnLst>
-                          </p:cTn>
-                        </p:par>
-                      </p:childTnLst>
-                    </p:cTn>
-                  </p:par>
-                </p:childTnLst>
-              </p:cTn>
-              <p:prevCondLst>
-                <p:cond evt="onPrev" delay="0">
-                  <p:tgtEl>
-                    <p:sldTgt/>
-                  </p:tgtEl>
-                </p:cond>
-              </p:prevCondLst>
-              <p:nextCondLst>
-                <p:cond evt="onNext" delay="0">
-                  <p:tgtEl>
-                    <p:sldTgt/>
-                  </p:tgtEl>
-                </p:cond>
-              </p:nextCondLst>
-            </p:seq>
-          </p:childTnLst>
-        </p:cTn>
-      </p:par>
-    </p:tnLst>
-  </p:timing>
-</p:sld>
-</file>
-
-<file path=ppt/slides/slide7.xml><?xml version="1.0" encoding="utf-8"?>
-<p:sld xmlns:a="http://schemas.openxmlformats.org/drawingml/2006/main" xmlns:r="http://schemas.openxmlformats.org/officeDocument/2006/relationships" xmlns:p="http://schemas.openxmlformats.org/presentationml/2006/main">
-  <p:cSld>
-    <p:spTree>
-      <p:nvGrpSpPr>
-        <p:cNvPr id="1" name=""/>
-        <p:cNvGrpSpPr/>
-        <p:nvPr/>
-      </p:nvGrpSpPr>
-      <p:grpSpPr>
-        <a:xfrm>
-          <a:off x="0" y="0"/>
-          <a:ext cx="0" cy="0"/>
-          <a:chOff x="0" y="0"/>
-          <a:chExt cx="0" cy="0"/>
-        </a:xfrm>
-      </p:grpSpPr>
-      <p:sp>
-        <p:nvSpPr>
-          <p:cNvPr id="106" name="CustomShape 1"/>
-          <p:cNvSpPr/>
-          <p:nvPr/>
-        </p:nvSpPr>
-        <p:spPr>
-          <a:xfrm>
-            <a:off x="457200" y="205920"/>
-            <a:ext cx="8228880" cy="856800"/>
-          </a:xfrm>
-          <a:prstGeom prst="rect">
-            <a:avLst/>
-          </a:prstGeom>
-          <a:noFill/>
-          <a:ln>
-            <a:noFill/>
-          </a:ln>
-        </p:spPr>
-        <p:txBody>
-          <a:bodyPr lIns="90000" tIns="91440" rIns="90000" bIns="91440" anchor="b"/>
-          <a:lstStyle/>
-          <a:p>
-            <a:pPr>
-              <a:lnSpc>
-                <a:spcPct val="100000"/>
-              </a:lnSpc>
-            </a:pPr>
-            <a:r>
-              <a:rPr lang="en-GB" sz="3600" b="1">
-                <a:solidFill>
-                  <a:srgbClr val="DA0002"/>
-                </a:solidFill>
-                <a:latin typeface="Arial"/>
-                <a:ea typeface="Arial"/>
-              </a:rPr>
-              <a:t>Cell Model Interface</a:t>
-            </a:r>
-            <a:endParaRPr/>
-          </a:p>
-        </p:txBody>
-      </p:sp>
-      <p:sp>
-        <p:nvSpPr>
-          <p:cNvPr id="107" name="CustomShape 2"/>
-          <p:cNvSpPr/>
-          <p:nvPr/>
-        </p:nvSpPr>
-        <p:spPr>
-          <a:xfrm>
-            <a:off x="8556840" y="4749840"/>
-            <a:ext cx="547920" cy="392760"/>
-          </a:xfrm>
-          <a:prstGeom prst="rect">
-            <a:avLst/>
-          </a:prstGeom>
-          <a:noFill/>
-          <a:ln>
-            <a:noFill/>
-          </a:ln>
-        </p:spPr>
-        <p:txBody>
-          <a:bodyPr lIns="90000" tIns="91440" rIns="90000" bIns="91440" anchor="ctr"/>
-          <a:lstStyle/>
-          <a:p>
-            <a:pPr>
-              <a:lnSpc>
-                <a:spcPct val="100000"/>
-              </a:lnSpc>
-            </a:pPr>
-            <a:fld id="{CCD80399-815C-4098-893A-E862A46EA4C5}" type="slidenum">
-              <a:rPr lang="en-GB" sz="1300">
-                <a:solidFill>
-                  <a:srgbClr val="000000"/>
-                </a:solidFill>
-                <a:latin typeface="Arial"/>
-                <a:ea typeface="Arial"/>
-              </a:rPr>
-              <a:t>7</a:t>
-            </a:fld>
-            <a:endParaRPr/>
-          </a:p>
-        </p:txBody>
-      </p:sp>
-      <p:pic>
-        <p:nvPicPr>
-          <p:cNvPr id="108" name="Shape 97"/>
-          <p:cNvPicPr/>
-          <p:nvPr/>
-        </p:nvPicPr>
-        <p:blipFill>
-          <a:blip r:embed="rId2"/>
-          <a:stretch>
-            <a:fillRect/>
-          </a:stretch>
-        </p:blipFill>
-        <p:spPr>
-          <a:xfrm>
-            <a:off x="428400" y="1196640"/>
-            <a:ext cx="8413920" cy="3792960"/>
-          </a:xfrm>
-          <a:prstGeom prst="rect">
-            <a:avLst/>
-          </a:prstGeom>
-          <a:ln>
-            <a:noFill/>
-          </a:ln>
-        </p:spPr>
-      </p:pic>
-    </p:spTree>
-  </p:cSld>
-  <p:clrMapOvr>
-    <a:masterClrMapping/>
-  </p:clrMapOvr>
-  <p:timing>
-    <p:tnLst>
-      <p:par>
-        <p:cTn xmlns:p14="http://schemas.microsoft.com/office/powerpoint/2010/main" id="1" dur="indefinite" restart="never" nodeType="tmRoot">
-          <p:childTnLst>
-            <p:seq>
-              <p:cTn id="2" nodeType="mainSeq"/>
-              <p:prevCondLst>
-                <p:cond evt="onPrev" delay="0">
-                  <p:tgtEl>
-                    <p:sldTgt/>
-                  </p:tgtEl>
-                </p:cond>
-              </p:prevCondLst>
-              <p:nextCondLst>
-                <p:cond evt="onNext" delay="0">
-                  <p:tgtEl>
-                    <p:sldTgt/>
-                  </p:tgtEl>
-                </p:cond>
-              </p:nextCondLst>
-            </p:seq>
-          </p:childTnLst>
-        </p:cTn>
-      </p:par>
-    </p:tnLst>
-  </p:timing>
-</p:sld>
-</file>
-
-<file path=ppt/slides/slide8.xml><?xml version="1.0" encoding="utf-8"?>
-<p:sld xmlns:a="http://schemas.openxmlformats.org/drawingml/2006/main" xmlns:r="http://schemas.openxmlformats.org/officeDocument/2006/relationships" xmlns:p="http://schemas.openxmlformats.org/presentationml/2006/main">
-  <p:cSld>
-    <p:spTree>
-      <p:nvGrpSpPr>
-        <p:cNvPr id="1" name=""/>
-        <p:cNvGrpSpPr/>
-        <p:nvPr/>
-      </p:nvGrpSpPr>
-      <p:grpSpPr>
-        <a:xfrm>
-          <a:off x="0" y="0"/>
-          <a:ext cx="0" cy="0"/>
-          <a:chOff x="0" y="0"/>
-          <a:chExt cx="0" cy="0"/>
-        </a:xfrm>
-      </p:grpSpPr>
-      <p:sp>
-        <p:nvSpPr>
-          <p:cNvPr id="100" name="CustomShape 1"/>
-          <p:cNvSpPr/>
-          <p:nvPr/>
-        </p:nvSpPr>
-        <p:spPr>
-          <a:xfrm>
-            <a:off x="457200" y="205920"/>
-            <a:ext cx="8228880" cy="856800"/>
-          </a:xfrm>
-          <a:prstGeom prst="rect">
-            <a:avLst/>
-          </a:prstGeom>
-          <a:noFill/>
-          <a:ln>
-            <a:noFill/>
-          </a:ln>
-        </p:spPr>
-        <p:txBody>
-          <a:bodyPr lIns="90000" tIns="91440" rIns="90000" bIns="91440" anchor="b"/>
-          <a:lstStyle/>
-          <a:p>
-            <a:pPr>
-              <a:lnSpc>
-                <a:spcPct val="100000"/>
-              </a:lnSpc>
-            </a:pPr>
-            <a:r>
-              <a:rPr lang="en-GB" sz="3600" b="1">
-                <a:solidFill>
-                  <a:srgbClr val="DA0002"/>
-                </a:solidFill>
-                <a:latin typeface="Arial"/>
-                <a:ea typeface="Arial"/>
-              </a:rPr>
-              <a:t>Cell Model</a:t>
-            </a:r>
-            <a:endParaRPr/>
-          </a:p>
-        </p:txBody>
-      </p:sp>
-      <p:pic>
-        <p:nvPicPr>
-          <p:cNvPr id="101" name="Shape 86"/>
-          <p:cNvPicPr/>
-          <p:nvPr/>
-        </p:nvPicPr>
-        <p:blipFill>
-          <a:blip r:embed="rId2"/>
-          <a:stretch>
-            <a:fillRect/>
-          </a:stretch>
-        </p:blipFill>
-        <p:spPr>
-          <a:xfrm>
-            <a:off x="838083" y="1496156"/>
-            <a:ext cx="2742480" cy="1732680"/>
-          </a:xfrm>
-          <a:prstGeom prst="rect">
-            <a:avLst/>
-          </a:prstGeom>
-          <a:ln>
-            <a:noFill/>
-          </a:ln>
-        </p:spPr>
-      </p:pic>
-      <p:pic>
-        <p:nvPicPr>
-          <p:cNvPr id="102" name="Shape 87"/>
-          <p:cNvPicPr/>
-          <p:nvPr/>
-        </p:nvPicPr>
-        <p:blipFill>
-          <a:blip r:embed="rId3"/>
-          <a:stretch>
-            <a:fillRect/>
-          </a:stretch>
-        </p:blipFill>
-        <p:spPr>
-          <a:xfrm>
-            <a:off x="3681707" y="1497420"/>
-            <a:ext cx="3837431" cy="3272760"/>
-          </a:xfrm>
-          <a:prstGeom prst="rect">
-            <a:avLst/>
-          </a:prstGeom>
-          <a:ln>
-            <a:noFill/>
-          </a:ln>
-        </p:spPr>
-      </p:pic>
-      <p:sp>
-        <p:nvSpPr>
-          <p:cNvPr id="103" name="CustomShape 2"/>
-          <p:cNvSpPr/>
-          <p:nvPr/>
-        </p:nvSpPr>
-        <p:spPr>
-          <a:xfrm>
-            <a:off x="8556840" y="4749840"/>
-            <a:ext cx="547920" cy="392760"/>
-          </a:xfrm>
-          <a:prstGeom prst="rect">
-            <a:avLst/>
-          </a:prstGeom>
-          <a:noFill/>
-          <a:ln>
-            <a:noFill/>
-          </a:ln>
-        </p:spPr>
-        <p:txBody>
-          <a:bodyPr lIns="90000" tIns="91440" rIns="90000" bIns="91440" anchor="ctr"/>
-          <a:lstStyle/>
-          <a:p>
-            <a:pPr>
-              <a:lnSpc>
-                <a:spcPct val="100000"/>
-              </a:lnSpc>
-            </a:pPr>
-            <a:fld id="{370C9972-C7C2-48E8-801B-52238063A634}" type="slidenum">
-              <a:rPr lang="en-GB" sz="1300">
-                <a:solidFill>
-                  <a:srgbClr val="000000"/>
-                </a:solidFill>
-                <a:latin typeface="Arial"/>
-                <a:ea typeface="Arial"/>
-              </a:rPr>
-              <a:t>8</a:t>
-            </a:fld>
-            <a:endParaRPr/>
-          </a:p>
-        </p:txBody>
-      </p:sp>
-    </p:spTree>
-  </p:cSld>
-  <p:clrMapOvr>
-    <a:masterClrMapping/>
-  </p:clrMapOvr>
-  <p:timing>
-    <p:tnLst>
-      <p:par>
-        <p:cTn xmlns:p14="http://schemas.microsoft.com/office/powerpoint/2010/main" id="1" dur="indefinite" restart="never" nodeType="tmRoot">
-          <p:childTnLst>
-            <p:seq>
-              <p:cTn id="2" nodeType="mainSeq"/>
-              <p:prevCondLst>
-                <p:cond evt="onPrev" delay="0">
-                  <p:tgtEl>
-                    <p:sldTgt/>
-                  </p:tgtEl>
-                </p:cond>
-              </p:prevCondLst>
-              <p:nextCondLst>
-                <p:cond evt="onNext" delay="0">
-                  <p:tgtEl>
-                    <p:sldTgt/>
-                  </p:tgtEl>
-                </p:cond>
-              </p:nextCondLst>
-            </p:seq>
-          </p:childTnLst>
-        </p:cTn>
-      </p:par>
-    </p:tnLst>
-  </p:timing>
-</p:sld>
-</file>
-
-<file path=ppt/slides/slide9.xml><?xml version="1.0" encoding="utf-8"?>
-<p:sld xmlns:a="http://schemas.openxmlformats.org/drawingml/2006/main" xmlns:r="http://schemas.openxmlformats.org/officeDocument/2006/relationships" xmlns:p="http://schemas.openxmlformats.org/presentationml/2006/main">
-  <p:cSld>
-    <p:spTree>
-      <p:nvGrpSpPr>
-        <p:cNvPr id="1" name=""/>
-        <p:cNvGrpSpPr/>
-        <p:nvPr/>
-      </p:nvGrpSpPr>
-      <p:grpSpPr>
-        <a:xfrm>
-          <a:off x="0" y="0"/>
-          <a:ext cx="0" cy="0"/>
-          <a:chOff x="0" y="0"/>
-          <a:chExt cx="0" cy="0"/>
-        </a:xfrm>
-      </p:grpSpPr>
-      <p:sp>
-        <p:nvSpPr>
-          <p:cNvPr id="109" name="CustomShape 1"/>
-          <p:cNvSpPr/>
-          <p:nvPr/>
-        </p:nvSpPr>
-        <p:spPr>
-          <a:xfrm>
-            <a:off x="457200" y="205920"/>
-            <a:ext cx="8228880" cy="856800"/>
-          </a:xfrm>
-          <a:prstGeom prst="rect">
-            <a:avLst/>
-          </a:prstGeom>
-          <a:noFill/>
-          <a:ln>
-            <a:noFill/>
-          </a:ln>
-        </p:spPr>
-        <p:txBody>
-          <a:bodyPr lIns="90000" tIns="91440" rIns="90000" bIns="91440" anchor="b"/>
-          <a:lstStyle/>
-          <a:p>
-            <a:pPr>
-              <a:lnSpc>
-                <a:spcPct val="100000"/>
-              </a:lnSpc>
-            </a:pPr>
-            <a:r>
-              <a:rPr lang="en-GB" sz="3600" b="1" dirty="0">
-                <a:solidFill>
-                  <a:srgbClr val="DA0002"/>
-                </a:solidFill>
-                <a:latin typeface="Arial"/>
-                <a:ea typeface="Arial"/>
-              </a:rPr>
-              <a:t>Cell </a:t>
-            </a:r>
-            <a:r>
-              <a:rPr lang="en-GB" sz="3600" b="1" dirty="0" smtClean="0">
-                <a:solidFill>
-                  <a:srgbClr val="DA0002"/>
-                </a:solidFill>
-                <a:latin typeface="Arial"/>
-                <a:ea typeface="Arial"/>
-              </a:rPr>
-              <a:t>Ballistics</a:t>
-            </a:r>
-            <a:endParaRPr dirty="0"/>
-          </a:p>
-        </p:txBody>
-      </p:sp>
-      <p:pic>
-        <p:nvPicPr>
-          <p:cNvPr id="110" name="Shape 103"/>
-          <p:cNvPicPr/>
-          <p:nvPr/>
-        </p:nvPicPr>
-        <p:blipFill>
-          <a:blip r:embed="rId2"/>
-          <a:stretch>
-            <a:fillRect/>
-          </a:stretch>
-        </p:blipFill>
-        <p:spPr>
-          <a:xfrm>
-            <a:off x="1149120" y="1218240"/>
-            <a:ext cx="6284880" cy="3621600"/>
-          </a:xfrm>
-          <a:prstGeom prst="rect">
-            <a:avLst/>
-          </a:prstGeom>
-          <a:ln>
-            <a:noFill/>
-          </a:ln>
-        </p:spPr>
-      </p:pic>
-      <p:sp>
-        <p:nvSpPr>
-          <p:cNvPr id="111" name="CustomShape 2"/>
-          <p:cNvSpPr/>
-          <p:nvPr/>
-        </p:nvSpPr>
-        <p:spPr>
-          <a:xfrm>
-            <a:off x="8556840" y="4749840"/>
-            <a:ext cx="547920" cy="392760"/>
-          </a:xfrm>
-          <a:prstGeom prst="rect">
-            <a:avLst/>
-          </a:prstGeom>
-          <a:noFill/>
-          <a:ln>
-            <a:noFill/>
-          </a:ln>
-        </p:spPr>
-        <p:txBody>
-          <a:bodyPr lIns="90000" tIns="91440" rIns="90000" bIns="91440" anchor="ctr"/>
-          <a:lstStyle/>
-          <a:p>
-            <a:pPr>
-              <a:lnSpc>
-                <a:spcPct val="100000"/>
-              </a:lnSpc>
-            </a:pPr>
-            <a:fld id="{C7FB02DB-285D-4335-B406-BF8EAB0A1099}" type="slidenum">
-              <a:rPr lang="en-GB" sz="1300">
-                <a:solidFill>
-                  <a:srgbClr val="000000"/>
-                </a:solidFill>
-                <a:latin typeface="Arial"/>
-                <a:ea typeface="Arial"/>
-              </a:rPr>
-              <a:t>9</a:t>
-            </a:fld>
-            <a:endParaRPr/>
-          </a:p>
-        </p:txBody>
-      </p:sp>
-    </p:spTree>
-  </p:cSld>
-  <p:clrMapOvr>
-    <a:masterClrMapping/>
-  </p:clrMapOvr>
-  <p:timing>
-    <p:tnLst>
-      <p:par>
-        <p:cTn xmlns:p14="http://schemas.microsoft.com/office/powerpoint/2010/main" id="1" dur="indefinite" restart="never" nodeType="tmRoot">
-          <p:childTnLst>
-            <p:seq>
-              <p:cTn id="2" nodeType="mainSeq"/>
               <p:prevCondLst>
                 <p:cond evt="onPrev" delay="0">
                   <p:tgtEl>
@@ -7423,4 +8533,265 @@
   <a:objectDefaults/>
   <a:extraClrSchemeLst/>
 </a:theme>
+</file>
+
+<file path=ppt/theme/theme3.xml><?xml version="1.0" encoding="utf-8"?>
+<a:theme xmlns:a="http://schemas.openxmlformats.org/drawingml/2006/main" name="Office Theme">
+  <a:themeElements>
+    <a:clrScheme name="Office">
+      <a:dk1>
+        <a:sysClr val="windowText" lastClr="000000"/>
+      </a:dk1>
+      <a:lt1>
+        <a:sysClr val="window" lastClr="FFFFFF"/>
+      </a:lt1>
+      <a:dk2>
+        <a:srgbClr val="44546A"/>
+      </a:dk2>
+      <a:lt2>
+        <a:srgbClr val="E7E6E6"/>
+      </a:lt2>
+      <a:accent1>
+        <a:srgbClr val="5B9BD5"/>
+      </a:accent1>
+      <a:accent2>
+        <a:srgbClr val="ED7D31"/>
+      </a:accent2>
+      <a:accent3>
+        <a:srgbClr val="A5A5A5"/>
+      </a:accent3>
+      <a:accent4>
+        <a:srgbClr val="FFC000"/>
+      </a:accent4>
+      <a:accent5>
+        <a:srgbClr val="4472C4"/>
+      </a:accent5>
+      <a:accent6>
+        <a:srgbClr val="70AD47"/>
+      </a:accent6>
+      <a:hlink>
+        <a:srgbClr val="0563C1"/>
+      </a:hlink>
+      <a:folHlink>
+        <a:srgbClr val="954F72"/>
+      </a:folHlink>
+    </a:clrScheme>
+    <a:fontScheme name="Office">
+      <a:majorFont>
+        <a:latin typeface="Calibri Light" panose="020F0302020204030204"/>
+        <a:ea typeface=""/>
+        <a:cs typeface=""/>
+        <a:font script="Jpan" typeface="ＭＳ Ｐゴシック"/>
+        <a:font script="Hang" typeface="맑은 고딕"/>
+        <a:font script="Hans" typeface="宋体"/>
+        <a:font script="Hant" typeface="新細明體"/>
+        <a:font script="Arab" typeface="Times New Roman"/>
+        <a:font script="Hebr" typeface="Times New Roman"/>
+        <a:font script="Thai" typeface="Angsana New"/>
+        <a:font script="Ethi" typeface="Nyala"/>
+        <a:font script="Beng" typeface="Vrinda"/>
+        <a:font script="Gujr" typeface="Shruti"/>
+        <a:font script="Khmr" typeface="MoolBoran"/>
+        <a:font script="Knda" typeface="Tunga"/>
+        <a:font script="Guru" typeface="Raavi"/>
+        <a:font script="Cans" typeface="Euphemia"/>
+        <a:font script="Cher" typeface="Plantagenet Cherokee"/>
+        <a:font script="Yiii" typeface="Microsoft Yi Baiti"/>
+        <a:font script="Tibt" typeface="Microsoft Himalaya"/>
+        <a:font script="Thaa" typeface="MV Boli"/>
+        <a:font script="Deva" typeface="Mangal"/>
+        <a:font script="Telu" typeface="Gautami"/>
+        <a:font script="Taml" typeface="Latha"/>
+        <a:font script="Syrc" typeface="Estrangelo Edessa"/>
+        <a:font script="Orya" typeface="Kalinga"/>
+        <a:font script="Mlym" typeface="Kartika"/>
+        <a:font script="Laoo" typeface="DokChampa"/>
+        <a:font script="Sinh" typeface="Iskoola Pota"/>
+        <a:font script="Mong" typeface="Mongolian Baiti"/>
+        <a:font script="Viet" typeface="Times New Roman"/>
+        <a:font script="Uigh" typeface="Microsoft Uighur"/>
+        <a:font script="Geor" typeface="Sylfaen"/>
+      </a:majorFont>
+      <a:minorFont>
+        <a:latin typeface="Calibri" panose="020F0502020204030204"/>
+        <a:ea typeface=""/>
+        <a:cs typeface=""/>
+        <a:font script="Jpan" typeface="ＭＳ Ｐゴシック"/>
+        <a:font script="Hang" typeface="맑은 고딕"/>
+        <a:font script="Hans" typeface="宋体"/>
+        <a:font script="Hant" typeface="新細明體"/>
+        <a:font script="Arab" typeface="Arial"/>
+        <a:font script="Hebr" typeface="Arial"/>
+        <a:font script="Thai" typeface="Cordia New"/>
+        <a:font script="Ethi" typeface="Nyala"/>
+        <a:font script="Beng" typeface="Vrinda"/>
+        <a:font script="Gujr" typeface="Shruti"/>
+        <a:font script="Khmr" typeface="DaunPenh"/>
+        <a:font script="Knda" typeface="Tunga"/>
+        <a:font script="Guru" typeface="Raavi"/>
+        <a:font script="Cans" typeface="Euphemia"/>
+        <a:font script="Cher" typeface="Plantagenet Cherokee"/>
+        <a:font script="Yiii" typeface="Microsoft Yi Baiti"/>
+        <a:font script="Tibt" typeface="Microsoft Himalaya"/>
+        <a:font script="Thaa" typeface="MV Boli"/>
+        <a:font script="Deva" typeface="Mangal"/>
+        <a:font script="Telu" typeface="Gautami"/>
+        <a:font script="Taml" typeface="Latha"/>
+        <a:font script="Syrc" typeface="Estrangelo Edessa"/>
+        <a:font script="Orya" typeface="Kalinga"/>
+        <a:font script="Mlym" typeface="Kartika"/>
+        <a:font script="Laoo" typeface="DokChampa"/>
+        <a:font script="Sinh" typeface="Iskoola Pota"/>
+        <a:font script="Mong" typeface="Mongolian Baiti"/>
+        <a:font script="Viet" typeface="Arial"/>
+        <a:font script="Uigh" typeface="Microsoft Uighur"/>
+        <a:font script="Geor" typeface="Sylfaen"/>
+      </a:minorFont>
+    </a:fontScheme>
+    <a:fmtScheme name="Office">
+      <a:fillStyleLst>
+        <a:solidFill>
+          <a:schemeClr val="phClr"/>
+        </a:solidFill>
+        <a:gradFill rotWithShape="1">
+          <a:gsLst>
+            <a:gs pos="0">
+              <a:schemeClr val="phClr">
+                <a:lumMod val="110000"/>
+                <a:satMod val="105000"/>
+                <a:tint val="67000"/>
+              </a:schemeClr>
+            </a:gs>
+            <a:gs pos="50000">
+              <a:schemeClr val="phClr">
+                <a:lumMod val="105000"/>
+                <a:satMod val="103000"/>
+                <a:tint val="73000"/>
+              </a:schemeClr>
+            </a:gs>
+            <a:gs pos="100000">
+              <a:schemeClr val="phClr">
+                <a:lumMod val="105000"/>
+                <a:satMod val="109000"/>
+                <a:tint val="81000"/>
+              </a:schemeClr>
+            </a:gs>
+          </a:gsLst>
+          <a:lin ang="5400000" scaled="0"/>
+        </a:gradFill>
+        <a:gradFill rotWithShape="1">
+          <a:gsLst>
+            <a:gs pos="0">
+              <a:schemeClr val="phClr">
+                <a:satMod val="103000"/>
+                <a:lumMod val="102000"/>
+                <a:tint val="94000"/>
+              </a:schemeClr>
+            </a:gs>
+            <a:gs pos="50000">
+              <a:schemeClr val="phClr">
+                <a:satMod val="110000"/>
+                <a:lumMod val="100000"/>
+                <a:shade val="100000"/>
+              </a:schemeClr>
+            </a:gs>
+            <a:gs pos="100000">
+              <a:schemeClr val="phClr">
+                <a:lumMod val="99000"/>
+                <a:satMod val="120000"/>
+                <a:shade val="78000"/>
+              </a:schemeClr>
+            </a:gs>
+          </a:gsLst>
+          <a:lin ang="5400000" scaled="0"/>
+        </a:gradFill>
+      </a:fillStyleLst>
+      <a:lnStyleLst>
+        <a:ln w="6350" cap="flat" cmpd="sng" algn="ctr">
+          <a:solidFill>
+            <a:schemeClr val="phClr"/>
+          </a:solidFill>
+          <a:prstDash val="solid"/>
+          <a:miter lim="800000"/>
+        </a:ln>
+        <a:ln w="12700" cap="flat" cmpd="sng" algn="ctr">
+          <a:solidFill>
+            <a:schemeClr val="phClr"/>
+          </a:solidFill>
+          <a:prstDash val="solid"/>
+          <a:miter lim="800000"/>
+        </a:ln>
+        <a:ln w="19050" cap="flat" cmpd="sng" algn="ctr">
+          <a:solidFill>
+            <a:schemeClr val="phClr"/>
+          </a:solidFill>
+          <a:prstDash val="solid"/>
+          <a:miter lim="800000"/>
+        </a:ln>
+      </a:lnStyleLst>
+      <a:effectStyleLst>
+        <a:effectStyle>
+          <a:effectLst/>
+        </a:effectStyle>
+        <a:effectStyle>
+          <a:effectLst/>
+        </a:effectStyle>
+        <a:effectStyle>
+          <a:effectLst>
+            <a:outerShdw blurRad="57150" dist="19050" dir="5400000" algn="ctr" rotWithShape="0">
+              <a:srgbClr val="000000">
+                <a:alpha val="63000"/>
+              </a:srgbClr>
+            </a:outerShdw>
+          </a:effectLst>
+        </a:effectStyle>
+      </a:effectStyleLst>
+      <a:bgFillStyleLst>
+        <a:solidFill>
+          <a:schemeClr val="phClr"/>
+        </a:solidFill>
+        <a:solidFill>
+          <a:schemeClr val="phClr">
+            <a:tint val="95000"/>
+            <a:satMod val="170000"/>
+          </a:schemeClr>
+        </a:solidFill>
+        <a:gradFill rotWithShape="1">
+          <a:gsLst>
+            <a:gs pos="0">
+              <a:schemeClr val="phClr">
+                <a:tint val="93000"/>
+                <a:satMod val="150000"/>
+                <a:shade val="98000"/>
+                <a:lumMod val="102000"/>
+              </a:schemeClr>
+            </a:gs>
+            <a:gs pos="50000">
+              <a:schemeClr val="phClr">
+                <a:tint val="98000"/>
+                <a:satMod val="130000"/>
+                <a:shade val="90000"/>
+                <a:lumMod val="103000"/>
+              </a:schemeClr>
+            </a:gs>
+            <a:gs pos="100000">
+              <a:schemeClr val="phClr">
+                <a:shade val="63000"/>
+                <a:satMod val="120000"/>
+              </a:schemeClr>
+            </a:gs>
+          </a:gsLst>
+          <a:lin ang="5400000" scaled="0"/>
+        </a:gradFill>
+      </a:bgFillStyleLst>
+    </a:fmtScheme>
+  </a:themeElements>
+  <a:objectDefaults/>
+  <a:extraClrSchemeLst/>
+  <a:extLst>
+    <a:ext uri="{05A4C25C-085E-4340-85A3-A5531E510DB2}">
+      <thm15:themeFamily xmlns:thm15="http://schemas.microsoft.com/office/thememl/2012/main" name="Office Theme" id="{62F939B6-93AF-4DB8-9C6B-D6C7DFDC589F}" vid="{4A3C46E8-61CC-4603-A589-7422A47A8E4A}"/>
+    </a:ext>
+  </a:extLst>
+</a:theme>
 </file>